--- a/nosql-slides/nosql.pptx
+++ b/nosql-slides/nosql.pptx
@@ -8,35 +8,34 @@
   </p:sldMasterIdLst>
   <p:sldIdLst>
     <p:sldId id="279" r:id="rId4"/>
-    <p:sldId id="268" r:id="rId5"/>
-    <p:sldId id="257" r:id="rId6"/>
-    <p:sldId id="264" r:id="rId7"/>
-    <p:sldId id="265" r:id="rId8"/>
-    <p:sldId id="269" r:id="rId9"/>
-    <p:sldId id="263" r:id="rId10"/>
-    <p:sldId id="258" r:id="rId11"/>
-    <p:sldId id="259" r:id="rId12"/>
-    <p:sldId id="260" r:id="rId13"/>
-    <p:sldId id="261" r:id="rId14"/>
-    <p:sldId id="266" r:id="rId15"/>
-    <p:sldId id="256" r:id="rId16"/>
-    <p:sldId id="270" r:id="rId17"/>
-    <p:sldId id="271" r:id="rId18"/>
-    <p:sldId id="272" r:id="rId19"/>
-    <p:sldId id="273" r:id="rId20"/>
-    <p:sldId id="274" r:id="rId21"/>
-    <p:sldId id="262" r:id="rId22"/>
-    <p:sldId id="275" r:id="rId23"/>
-    <p:sldId id="276" r:id="rId24"/>
-    <p:sldId id="277" r:id="rId25"/>
-    <p:sldId id="278" r:id="rId26"/>
-    <p:sldId id="280" r:id="rId27"/>
-    <p:sldId id="281" r:id="rId28"/>
-    <p:sldId id="282" r:id="rId29"/>
-    <p:sldId id="283" r:id="rId30"/>
-    <p:sldId id="284" r:id="rId31"/>
-    <p:sldId id="285" r:id="rId32"/>
-    <p:sldId id="286" r:id="rId33"/>
+    <p:sldId id="257" r:id="rId5"/>
+    <p:sldId id="264" r:id="rId6"/>
+    <p:sldId id="265" r:id="rId7"/>
+    <p:sldId id="269" r:id="rId8"/>
+    <p:sldId id="263" r:id="rId9"/>
+    <p:sldId id="258" r:id="rId10"/>
+    <p:sldId id="259" r:id="rId11"/>
+    <p:sldId id="260" r:id="rId12"/>
+    <p:sldId id="261" r:id="rId13"/>
+    <p:sldId id="266" r:id="rId14"/>
+    <p:sldId id="256" r:id="rId15"/>
+    <p:sldId id="270" r:id="rId16"/>
+    <p:sldId id="271" r:id="rId17"/>
+    <p:sldId id="272" r:id="rId18"/>
+    <p:sldId id="273" r:id="rId19"/>
+    <p:sldId id="274" r:id="rId20"/>
+    <p:sldId id="262" r:id="rId21"/>
+    <p:sldId id="275" r:id="rId22"/>
+    <p:sldId id="276" r:id="rId23"/>
+    <p:sldId id="277" r:id="rId24"/>
+    <p:sldId id="278" r:id="rId25"/>
+    <p:sldId id="280" r:id="rId26"/>
+    <p:sldId id="281" r:id="rId27"/>
+    <p:sldId id="282" r:id="rId28"/>
+    <p:sldId id="283" r:id="rId29"/>
+    <p:sldId id="284" r:id="rId30"/>
+    <p:sldId id="285" r:id="rId31"/>
+    <p:sldId id="286" r:id="rId32"/>
   </p:sldIdLst>
   <p:sldSz cx="12192000" cy="6858000"/>
   <p:notesSz cx="6858000" cy="9144000"/>
@@ -135,6 +134,11 @@
       </a:defRPr>
     </a:lvl9pPr>
   </p:defaultTextStyle>
+  <p:extLst>
+    <p:ext uri="{EFAFB233-063F-42B5-8137-9DF3F51BA10A}">
+      <p15:sldGuideLst xmlns:p15="http://schemas.microsoft.com/office/powerpoint/2012/main"/>
+    </p:ext>
+  </p:extLst>
 </p:presentation>
 </file>
 
@@ -195,7 +199,7 @@
           <a:noFill/>
           <a:extLst>
             <a:ext uri="{909E8E84-426E-40dd-AFC4-6F175D3DCCD1}">
-              <a14:hiddenFill xmlns="" xmlns:a14="http://schemas.microsoft.com/office/drawing/2010/main">
+              <a14:hiddenFill xmlns:a14="http://schemas.microsoft.com/office/drawing/2010/main" xmlns="">
                 <a:solidFill>
                   <a:srgbClr val="FFFFFF"/>
                 </a:solidFill>
@@ -255,7 +259,7 @@
             </a:ln>
             <a:extLst>
               <a:ext uri="{91240B29-F687-4f45-9708-019B960494DF}">
-                <a14:hiddenLine xmlns="" xmlns:a14="http://schemas.microsoft.com/office/drawing/2010/main" w="9525">
+                <a14:hiddenLine xmlns:a14="http://schemas.microsoft.com/office/drawing/2010/main" xmlns="" w="9525">
                   <a:solidFill>
                     <a:srgbClr val="000000"/>
                   </a:solidFill>
@@ -345,7 +349,7 @@
             </a:ln>
             <a:extLst>
               <a:ext uri="{91240B29-F687-4f45-9708-019B960494DF}">
-                <a14:hiddenLine xmlns="" xmlns:a14="http://schemas.microsoft.com/office/drawing/2010/main" w="9525">
+                <a14:hiddenLine xmlns:a14="http://schemas.microsoft.com/office/drawing/2010/main" xmlns="" w="9525">
                   <a:solidFill>
                     <a:srgbClr val="000000"/>
                   </a:solidFill>
@@ -435,7 +439,7 @@
             </a:ln>
             <a:extLst>
               <a:ext uri="{91240B29-F687-4f45-9708-019B960494DF}">
-                <a14:hiddenLine xmlns="" xmlns:a14="http://schemas.microsoft.com/office/drawing/2010/main" w="9525">
+                <a14:hiddenLine xmlns:a14="http://schemas.microsoft.com/office/drawing/2010/main" xmlns="" w="9525">
                   <a:solidFill>
                     <a:srgbClr val="000000"/>
                   </a:solidFill>
@@ -469,7 +473,7 @@
             </a:ln>
             <a:extLst>
               <a:ext uri="{91240B29-F687-4f45-9708-019B960494DF}">
-                <a14:hiddenLine xmlns="" xmlns:a14="http://schemas.microsoft.com/office/drawing/2010/main" w="9525">
+                <a14:hiddenLine xmlns:a14="http://schemas.microsoft.com/office/drawing/2010/main" xmlns="" w="9525">
                   <a:solidFill>
                     <a:srgbClr val="000000"/>
                   </a:solidFill>
@@ -559,7 +563,7 @@
             </a:ln>
             <a:extLst>
               <a:ext uri="{91240B29-F687-4f45-9708-019B960494DF}">
-                <a14:hiddenLine xmlns="" xmlns:a14="http://schemas.microsoft.com/office/drawing/2010/main" w="9525">
+                <a14:hiddenLine xmlns:a14="http://schemas.microsoft.com/office/drawing/2010/main" xmlns="" w="9525">
                   <a:solidFill>
                     <a:srgbClr val="000000"/>
                   </a:solidFill>
@@ -621,7 +625,7 @@
             </a:ln>
             <a:extLst>
               <a:ext uri="{91240B29-F687-4f45-9708-019B960494DF}">
-                <a14:hiddenLine xmlns="" xmlns:a14="http://schemas.microsoft.com/office/drawing/2010/main" w="9525">
+                <a14:hiddenLine xmlns:a14="http://schemas.microsoft.com/office/drawing/2010/main" xmlns="" w="9525">
                   <a:solidFill>
                     <a:srgbClr val="000000"/>
                   </a:solidFill>
@@ -683,7 +687,7 @@
             </a:ln>
             <a:extLst>
               <a:ext uri="{91240B29-F687-4f45-9708-019B960494DF}">
-                <a14:hiddenLine xmlns="" xmlns:a14="http://schemas.microsoft.com/office/drawing/2010/main" w="9525">
+                <a14:hiddenLine xmlns:a14="http://schemas.microsoft.com/office/drawing/2010/main" xmlns="" w="9525">
                   <a:solidFill>
                     <a:srgbClr val="000000"/>
                   </a:solidFill>
@@ -773,7 +777,7 @@
             </a:ln>
             <a:extLst>
               <a:ext uri="{91240B29-F687-4f45-9708-019B960494DF}">
-                <a14:hiddenLine xmlns="" xmlns:a14="http://schemas.microsoft.com/office/drawing/2010/main" w="9525">
+                <a14:hiddenLine xmlns:a14="http://schemas.microsoft.com/office/drawing/2010/main" xmlns="" w="9525">
                   <a:solidFill>
                     <a:srgbClr val="000000"/>
                   </a:solidFill>
@@ -835,7 +839,7 @@
             </a:ln>
             <a:extLst>
               <a:ext uri="{91240B29-F687-4f45-9708-019B960494DF}">
-                <a14:hiddenLine xmlns="" xmlns:a14="http://schemas.microsoft.com/office/drawing/2010/main" w="9525">
+                <a14:hiddenLine xmlns:a14="http://schemas.microsoft.com/office/drawing/2010/main" xmlns="" w="9525">
                   <a:solidFill>
                     <a:srgbClr val="000000"/>
                   </a:solidFill>
@@ -897,7 +901,7 @@
             </a:ln>
             <a:extLst>
               <a:ext uri="{91240B29-F687-4f45-9708-019B960494DF}">
-                <a14:hiddenLine xmlns="" xmlns:a14="http://schemas.microsoft.com/office/drawing/2010/main" w="9525">
+                <a14:hiddenLine xmlns:a14="http://schemas.microsoft.com/office/drawing/2010/main" xmlns="" w="9525">
                   <a:solidFill>
                     <a:srgbClr val="000000"/>
                   </a:solidFill>
@@ -987,7 +991,7 @@
             </a:ln>
             <a:extLst>
               <a:ext uri="{91240B29-F687-4f45-9708-019B960494DF}">
-                <a14:hiddenLine xmlns="" xmlns:a14="http://schemas.microsoft.com/office/drawing/2010/main" w="9525">
+                <a14:hiddenLine xmlns:a14="http://schemas.microsoft.com/office/drawing/2010/main" xmlns="" w="9525">
                   <a:solidFill>
                     <a:srgbClr val="000000"/>
                   </a:solidFill>
@@ -1077,7 +1081,7 @@
             </a:ln>
             <a:extLst>
               <a:ext uri="{91240B29-F687-4f45-9708-019B960494DF}">
-                <a14:hiddenLine xmlns="" xmlns:a14="http://schemas.microsoft.com/office/drawing/2010/main" w="9525">
+                <a14:hiddenLine xmlns:a14="http://schemas.microsoft.com/office/drawing/2010/main" xmlns="" w="9525">
                   <a:solidFill>
                     <a:srgbClr val="000000"/>
                   </a:solidFill>
@@ -1139,7 +1143,7 @@
             </a:ln>
             <a:extLst>
               <a:ext uri="{91240B29-F687-4f45-9708-019B960494DF}">
-                <a14:hiddenLine xmlns="" xmlns:a14="http://schemas.microsoft.com/office/drawing/2010/main" w="9525">
+                <a14:hiddenLine xmlns:a14="http://schemas.microsoft.com/office/drawing/2010/main" xmlns="" w="9525">
                   <a:solidFill>
                     <a:srgbClr val="000000"/>
                   </a:solidFill>
@@ -1249,7 +1253,7 @@
             </a:ln>
             <a:extLst>
               <a:ext uri="{91240B29-F687-4f45-9708-019B960494DF}">
-                <a14:hiddenLine xmlns="" xmlns:a14="http://schemas.microsoft.com/office/drawing/2010/main" w="9525">
+                <a14:hiddenLine xmlns:a14="http://schemas.microsoft.com/office/drawing/2010/main" xmlns="" w="9525">
                   <a:solidFill>
                     <a:srgbClr val="000000"/>
                   </a:solidFill>
@@ -1311,7 +1315,7 @@
             </a:ln>
             <a:extLst>
               <a:ext uri="{91240B29-F687-4f45-9708-019B960494DF}">
-                <a14:hiddenLine xmlns="" xmlns:a14="http://schemas.microsoft.com/office/drawing/2010/main" w="9525">
+                <a14:hiddenLine xmlns:a14="http://schemas.microsoft.com/office/drawing/2010/main" xmlns="" w="9525">
                   <a:solidFill>
                     <a:srgbClr val="000000"/>
                   </a:solidFill>
@@ -1401,7 +1405,7 @@
             </a:ln>
             <a:extLst>
               <a:ext uri="{91240B29-F687-4f45-9708-019B960494DF}">
-                <a14:hiddenLine xmlns="" xmlns:a14="http://schemas.microsoft.com/office/drawing/2010/main" w="9525">
+                <a14:hiddenLine xmlns:a14="http://schemas.microsoft.com/office/drawing/2010/main" xmlns="" w="9525">
                   <a:solidFill>
                     <a:srgbClr val="000000"/>
                   </a:solidFill>
@@ -1491,7 +1495,7 @@
             </a:ln>
             <a:extLst>
               <a:ext uri="{91240B29-F687-4f45-9708-019B960494DF}">
-                <a14:hiddenLine xmlns="" xmlns:a14="http://schemas.microsoft.com/office/drawing/2010/main" w="9525">
+                <a14:hiddenLine xmlns:a14="http://schemas.microsoft.com/office/drawing/2010/main" xmlns="" w="9525">
                   <a:solidFill>
                     <a:srgbClr val="000000"/>
                   </a:solidFill>
@@ -1553,7 +1557,7 @@
             </a:ln>
             <a:extLst>
               <a:ext uri="{91240B29-F687-4f45-9708-019B960494DF}">
-                <a14:hiddenLine xmlns="" xmlns:a14="http://schemas.microsoft.com/office/drawing/2010/main" w="9525">
+                <a14:hiddenLine xmlns:a14="http://schemas.microsoft.com/office/drawing/2010/main" xmlns="" w="9525">
                   <a:solidFill>
                     <a:srgbClr val="000000"/>
                   </a:solidFill>
@@ -1643,7 +1647,7 @@
             </a:ln>
             <a:extLst>
               <a:ext uri="{91240B29-F687-4f45-9708-019B960494DF}">
-                <a14:hiddenLine xmlns="" xmlns:a14="http://schemas.microsoft.com/office/drawing/2010/main" w="9525">
+                <a14:hiddenLine xmlns:a14="http://schemas.microsoft.com/office/drawing/2010/main" xmlns="" w="9525">
                   <a:solidFill>
                     <a:srgbClr val="000000"/>
                   </a:solidFill>
@@ -1733,7 +1737,7 @@
             </a:ln>
             <a:extLst>
               <a:ext uri="{91240B29-F687-4f45-9708-019B960494DF}">
-                <a14:hiddenLine xmlns="" xmlns:a14="http://schemas.microsoft.com/office/drawing/2010/main" w="9525">
+                <a14:hiddenLine xmlns:a14="http://schemas.microsoft.com/office/drawing/2010/main" xmlns="" w="9525">
                   <a:solidFill>
                     <a:srgbClr val="000000"/>
                   </a:solidFill>
@@ -1789,7 +1793,7 @@
             </a:ln>
             <a:extLst>
               <a:ext uri="{91240B29-F687-4f45-9708-019B960494DF}">
-                <a14:hiddenLine xmlns="" xmlns:a14="http://schemas.microsoft.com/office/drawing/2010/main" w="9525">
+                <a14:hiddenLine xmlns:a14="http://schemas.microsoft.com/office/drawing/2010/main" xmlns="" w="9525">
                   <a:solidFill>
                     <a:srgbClr val="000000"/>
                   </a:solidFill>
@@ -1879,7 +1883,7 @@
             </a:ln>
             <a:extLst>
               <a:ext uri="{91240B29-F687-4f45-9708-019B960494DF}">
-                <a14:hiddenLine xmlns="" xmlns:a14="http://schemas.microsoft.com/office/drawing/2010/main" w="9525">
+                <a14:hiddenLine xmlns:a14="http://schemas.microsoft.com/office/drawing/2010/main" xmlns="" w="9525">
                   <a:solidFill>
                     <a:srgbClr val="000000"/>
                   </a:solidFill>
@@ -1935,7 +1939,7 @@
             </a:ln>
             <a:extLst>
               <a:ext uri="{91240B29-F687-4f45-9708-019B960494DF}">
-                <a14:hiddenLine xmlns="" xmlns:a14="http://schemas.microsoft.com/office/drawing/2010/main" w="9525">
+                <a14:hiddenLine xmlns:a14="http://schemas.microsoft.com/office/drawing/2010/main" xmlns="" w="9525">
                   <a:solidFill>
                     <a:srgbClr val="000000"/>
                   </a:solidFill>
@@ -2025,7 +2029,7 @@
             </a:ln>
             <a:extLst>
               <a:ext uri="{91240B29-F687-4f45-9708-019B960494DF}">
-                <a14:hiddenLine xmlns="" xmlns:a14="http://schemas.microsoft.com/office/drawing/2010/main" w="9525">
+                <a14:hiddenLine xmlns:a14="http://schemas.microsoft.com/office/drawing/2010/main" xmlns="" w="9525">
                   <a:solidFill>
                     <a:srgbClr val="000000"/>
                   </a:solidFill>
@@ -2093,7 +2097,7 @@
             </a:ln>
             <a:extLst>
               <a:ext uri="{91240B29-F687-4f45-9708-019B960494DF}">
-                <a14:hiddenLine xmlns="" xmlns:a14="http://schemas.microsoft.com/office/drawing/2010/main" w="9525">
+                <a14:hiddenLine xmlns:a14="http://schemas.microsoft.com/office/drawing/2010/main" xmlns="" w="9525">
                   <a:solidFill>
                     <a:srgbClr val="000000"/>
                   </a:solidFill>
@@ -2183,7 +2187,7 @@
             </a:ln>
             <a:extLst>
               <a:ext uri="{91240B29-F687-4f45-9708-019B960494DF}">
-                <a14:hiddenLine xmlns="" xmlns:a14="http://schemas.microsoft.com/office/drawing/2010/main" w="9525">
+                <a14:hiddenLine xmlns:a14="http://schemas.microsoft.com/office/drawing/2010/main" xmlns="" w="9525">
                   <a:solidFill>
                     <a:srgbClr val="000000"/>
                   </a:solidFill>
@@ -2251,7 +2255,7 @@
             </a:ln>
             <a:extLst>
               <a:ext uri="{91240B29-F687-4f45-9708-019B960494DF}">
-                <a14:hiddenLine xmlns="" xmlns:a14="http://schemas.microsoft.com/office/drawing/2010/main" w="9525">
+                <a14:hiddenLine xmlns:a14="http://schemas.microsoft.com/office/drawing/2010/main" xmlns="" w="9525">
                   <a:solidFill>
                     <a:srgbClr val="000000"/>
                   </a:solidFill>
@@ -2341,7 +2345,7 @@
             </a:ln>
             <a:extLst>
               <a:ext uri="{91240B29-F687-4f45-9708-019B960494DF}">
-                <a14:hiddenLine xmlns="" xmlns:a14="http://schemas.microsoft.com/office/drawing/2010/main" w="9525">
+                <a14:hiddenLine xmlns:a14="http://schemas.microsoft.com/office/drawing/2010/main" xmlns="" w="9525">
                   <a:solidFill>
                     <a:srgbClr val="000000"/>
                   </a:solidFill>
@@ -2375,7 +2379,7 @@
             </a:ln>
             <a:extLst>
               <a:ext uri="{91240B29-F687-4f45-9708-019B960494DF}">
-                <a14:hiddenLine xmlns="" xmlns:a14="http://schemas.microsoft.com/office/drawing/2010/main" w="9525">
+                <a14:hiddenLine xmlns:a14="http://schemas.microsoft.com/office/drawing/2010/main" xmlns="" w="9525">
                   <a:solidFill>
                     <a:srgbClr val="000000"/>
                   </a:solidFill>
@@ -2465,7 +2469,7 @@
             </a:ln>
             <a:extLst>
               <a:ext uri="{91240B29-F687-4f45-9708-019B960494DF}">
-                <a14:hiddenLine xmlns="" xmlns:a14="http://schemas.microsoft.com/office/drawing/2010/main" w="9525">
+                <a14:hiddenLine xmlns:a14="http://schemas.microsoft.com/office/drawing/2010/main" xmlns="" w="9525">
                   <a:solidFill>
                     <a:srgbClr val="000000"/>
                   </a:solidFill>
@@ -2527,7 +2531,7 @@
             </a:ln>
             <a:extLst>
               <a:ext uri="{91240B29-F687-4f45-9708-019B960494DF}">
-                <a14:hiddenLine xmlns="" xmlns:a14="http://schemas.microsoft.com/office/drawing/2010/main" w="9525">
+                <a14:hiddenLine xmlns:a14="http://schemas.microsoft.com/office/drawing/2010/main" xmlns="" w="9525">
                   <a:solidFill>
                     <a:srgbClr val="000000"/>
                   </a:solidFill>
@@ -2589,7 +2593,7 @@
             </a:ln>
             <a:extLst>
               <a:ext uri="{91240B29-F687-4f45-9708-019B960494DF}">
-                <a14:hiddenLine xmlns="" xmlns:a14="http://schemas.microsoft.com/office/drawing/2010/main" w="9525">
+                <a14:hiddenLine xmlns:a14="http://schemas.microsoft.com/office/drawing/2010/main" xmlns="" w="9525">
                   <a:solidFill>
                     <a:srgbClr val="000000"/>
                   </a:solidFill>
@@ -2679,7 +2683,7 @@
             </a:ln>
             <a:extLst>
               <a:ext uri="{91240B29-F687-4f45-9708-019B960494DF}">
-                <a14:hiddenLine xmlns="" xmlns:a14="http://schemas.microsoft.com/office/drawing/2010/main" w="9525">
+                <a14:hiddenLine xmlns:a14="http://schemas.microsoft.com/office/drawing/2010/main" xmlns="" w="9525">
                   <a:solidFill>
                     <a:srgbClr val="000000"/>
                   </a:solidFill>
@@ -2747,7 +2751,7 @@
             </a:ln>
             <a:extLst>
               <a:ext uri="{91240B29-F687-4f45-9708-019B960494DF}">
-                <a14:hiddenLine xmlns="" xmlns:a14="http://schemas.microsoft.com/office/drawing/2010/main" w="9525">
+                <a14:hiddenLine xmlns:a14="http://schemas.microsoft.com/office/drawing/2010/main" xmlns="" w="9525">
                   <a:solidFill>
                     <a:srgbClr val="000000"/>
                   </a:solidFill>
@@ -2809,7 +2813,7 @@
             </a:ln>
             <a:extLst>
               <a:ext uri="{91240B29-F687-4f45-9708-019B960494DF}">
-                <a14:hiddenLine xmlns="" xmlns:a14="http://schemas.microsoft.com/office/drawing/2010/main" w="9525">
+                <a14:hiddenLine xmlns:a14="http://schemas.microsoft.com/office/drawing/2010/main" xmlns="" w="9525">
                   <a:solidFill>
                     <a:srgbClr val="000000"/>
                   </a:solidFill>
@@ -2899,7 +2903,7 @@
             </a:ln>
             <a:extLst>
               <a:ext uri="{91240B29-F687-4f45-9708-019B960494DF}">
-                <a14:hiddenLine xmlns="" xmlns:a14="http://schemas.microsoft.com/office/drawing/2010/main" w="9525">
+                <a14:hiddenLine xmlns:a14="http://schemas.microsoft.com/office/drawing/2010/main" xmlns="" w="9525">
                   <a:solidFill>
                     <a:srgbClr val="000000"/>
                   </a:solidFill>
@@ -2961,7 +2965,7 @@
             </a:ln>
             <a:extLst>
               <a:ext uri="{91240B29-F687-4f45-9708-019B960494DF}">
-                <a14:hiddenLine xmlns="" xmlns:a14="http://schemas.microsoft.com/office/drawing/2010/main" w="9525">
+                <a14:hiddenLine xmlns:a14="http://schemas.microsoft.com/office/drawing/2010/main" xmlns="" w="9525">
                   <a:solidFill>
                     <a:srgbClr val="000000"/>
                   </a:solidFill>
@@ -3051,7 +3055,7 @@
             </a:ln>
             <a:extLst>
               <a:ext uri="{91240B29-F687-4f45-9708-019B960494DF}">
-                <a14:hiddenLine xmlns="" xmlns:a14="http://schemas.microsoft.com/office/drawing/2010/main" w="9525">
+                <a14:hiddenLine xmlns:a14="http://schemas.microsoft.com/office/drawing/2010/main" xmlns="" w="9525">
                   <a:solidFill>
                     <a:srgbClr val="000000"/>
                   </a:solidFill>
@@ -3113,7 +3117,7 @@
             </a:ln>
             <a:extLst>
               <a:ext uri="{91240B29-F687-4f45-9708-019B960494DF}">
-                <a14:hiddenLine xmlns="" xmlns:a14="http://schemas.microsoft.com/office/drawing/2010/main" w="9525">
+                <a14:hiddenLine xmlns:a14="http://schemas.microsoft.com/office/drawing/2010/main" xmlns="" w="9525">
                   <a:solidFill>
                     <a:srgbClr val="000000"/>
                   </a:solidFill>
@@ -3203,7 +3207,7 @@
             </a:ln>
             <a:extLst>
               <a:ext uri="{91240B29-F687-4f45-9708-019B960494DF}">
-                <a14:hiddenLine xmlns="" xmlns:a14="http://schemas.microsoft.com/office/drawing/2010/main" w="9525">
+                <a14:hiddenLine xmlns:a14="http://schemas.microsoft.com/office/drawing/2010/main" xmlns="" w="9525">
                   <a:solidFill>
                     <a:srgbClr val="000000"/>
                   </a:solidFill>
@@ -3237,7 +3241,7 @@
             </a:ln>
             <a:extLst>
               <a:ext uri="{91240B29-F687-4f45-9708-019B960494DF}">
-                <a14:hiddenLine xmlns="" xmlns:a14="http://schemas.microsoft.com/office/drawing/2010/main" w="9525">
+                <a14:hiddenLine xmlns:a14="http://schemas.microsoft.com/office/drawing/2010/main" xmlns="" w="9525">
                   <a:solidFill>
                     <a:srgbClr val="000000"/>
                   </a:solidFill>
@@ -3302,7 +3306,7 @@
             </a:ln>
             <a:extLst>
               <a:ext uri="{91240B29-F687-4f45-9708-019B960494DF}">
-                <a14:hiddenLine xmlns="" xmlns:a14="http://schemas.microsoft.com/office/drawing/2010/main" w="9525">
+                <a14:hiddenLine xmlns:a14="http://schemas.microsoft.com/office/drawing/2010/main" xmlns="" w="9525">
                   <a:solidFill>
                     <a:srgbClr val="000000"/>
                   </a:solidFill>
@@ -3392,7 +3396,7 @@
             </a:ln>
             <a:extLst>
               <a:ext uri="{91240B29-F687-4f45-9708-019B960494DF}">
-                <a14:hiddenLine xmlns="" xmlns:a14="http://schemas.microsoft.com/office/drawing/2010/main" w="9525">
+                <a14:hiddenLine xmlns:a14="http://schemas.microsoft.com/office/drawing/2010/main" xmlns="" w="9525">
                   <a:solidFill>
                     <a:srgbClr val="000000"/>
                   </a:solidFill>
@@ -3454,7 +3458,7 @@
             </a:ln>
             <a:extLst>
               <a:ext uri="{91240B29-F687-4f45-9708-019B960494DF}">
-                <a14:hiddenLine xmlns="" xmlns:a14="http://schemas.microsoft.com/office/drawing/2010/main" w="9525">
+                <a14:hiddenLine xmlns:a14="http://schemas.microsoft.com/office/drawing/2010/main" xmlns="" w="9525">
                   <a:solidFill>
                     <a:srgbClr val="000000"/>
                   </a:solidFill>
@@ -3544,7 +3548,7 @@
             </a:ln>
             <a:extLst>
               <a:ext uri="{91240B29-F687-4f45-9708-019B960494DF}">
-                <a14:hiddenLine xmlns="" xmlns:a14="http://schemas.microsoft.com/office/drawing/2010/main" w="9525">
+                <a14:hiddenLine xmlns:a14="http://schemas.microsoft.com/office/drawing/2010/main" xmlns="" w="9525">
                   <a:solidFill>
                     <a:srgbClr val="000000"/>
                   </a:solidFill>
@@ -3634,7 +3638,7 @@
             </a:ln>
             <a:extLst>
               <a:ext uri="{91240B29-F687-4f45-9708-019B960494DF}">
-                <a14:hiddenLine xmlns="" xmlns:a14="http://schemas.microsoft.com/office/drawing/2010/main" w="9525">
+                <a14:hiddenLine xmlns:a14="http://schemas.microsoft.com/office/drawing/2010/main" xmlns="" w="9525">
                   <a:solidFill>
                     <a:srgbClr val="000000"/>
                   </a:solidFill>
@@ -3699,7 +3703,7 @@
             </a:ln>
             <a:extLst>
               <a:ext uri="{91240B29-F687-4f45-9708-019B960494DF}">
-                <a14:hiddenLine xmlns="" xmlns:a14="http://schemas.microsoft.com/office/drawing/2010/main" w="9525">
+                <a14:hiddenLine xmlns:a14="http://schemas.microsoft.com/office/drawing/2010/main" xmlns="" w="9525">
                   <a:solidFill>
                     <a:srgbClr val="000000"/>
                   </a:solidFill>
@@ -3761,7 +3765,7 @@
             </a:ln>
             <a:extLst>
               <a:ext uri="{91240B29-F687-4f45-9708-019B960494DF}">
-                <a14:hiddenLine xmlns="" xmlns:a14="http://schemas.microsoft.com/office/drawing/2010/main" w="9525">
+                <a14:hiddenLine xmlns:a14="http://schemas.microsoft.com/office/drawing/2010/main" xmlns="" w="9525">
                   <a:solidFill>
                     <a:srgbClr val="000000"/>
                   </a:solidFill>
@@ -3851,7 +3855,7 @@
             </a:ln>
             <a:extLst>
               <a:ext uri="{91240B29-F687-4f45-9708-019B960494DF}">
-                <a14:hiddenLine xmlns="" xmlns:a14="http://schemas.microsoft.com/office/drawing/2010/main" w="9525">
+                <a14:hiddenLine xmlns:a14="http://schemas.microsoft.com/office/drawing/2010/main" xmlns="" w="9525">
                   <a:solidFill>
                     <a:srgbClr val="000000"/>
                   </a:solidFill>
@@ -3941,7 +3945,7 @@
             </a:ln>
             <a:extLst>
               <a:ext uri="{91240B29-F687-4f45-9708-019B960494DF}">
-                <a14:hiddenLine xmlns="" xmlns:a14="http://schemas.microsoft.com/office/drawing/2010/main" w="9525">
+                <a14:hiddenLine xmlns:a14="http://schemas.microsoft.com/office/drawing/2010/main" xmlns="" w="9525">
                   <a:solidFill>
                     <a:srgbClr val="000000"/>
                   </a:solidFill>
@@ -4003,7 +4007,7 @@
             </a:ln>
             <a:extLst>
               <a:ext uri="{91240B29-F687-4f45-9708-019B960494DF}">
-                <a14:hiddenLine xmlns="" xmlns:a14="http://schemas.microsoft.com/office/drawing/2010/main" w="9525">
+                <a14:hiddenLine xmlns:a14="http://schemas.microsoft.com/office/drawing/2010/main" xmlns="" w="9525">
                   <a:solidFill>
                     <a:srgbClr val="000000"/>
                   </a:solidFill>
@@ -4123,7 +4127,7 @@
             </a:ln>
             <a:extLst>
               <a:ext uri="{91240B29-F687-4f45-9708-019B960494DF}">
-                <a14:hiddenLine xmlns="" xmlns:a14="http://schemas.microsoft.com/office/drawing/2010/main" w="9525">
+                <a14:hiddenLine xmlns:a14="http://schemas.microsoft.com/office/drawing/2010/main" xmlns="" w="9525">
                   <a:solidFill>
                     <a:srgbClr val="000000"/>
                   </a:solidFill>
@@ -4191,7 +4195,7 @@
             </a:ln>
             <a:extLst>
               <a:ext uri="{91240B29-F687-4f45-9708-019B960494DF}">
-                <a14:hiddenLine xmlns="" xmlns:a14="http://schemas.microsoft.com/office/drawing/2010/main" w="9525">
+                <a14:hiddenLine xmlns:a14="http://schemas.microsoft.com/office/drawing/2010/main" xmlns="" w="9525">
                   <a:solidFill>
                     <a:srgbClr val="000000"/>
                   </a:solidFill>
@@ -4281,7 +4285,7 @@
             </a:ln>
             <a:extLst>
               <a:ext uri="{91240B29-F687-4f45-9708-019B960494DF}">
-                <a14:hiddenLine xmlns="" xmlns:a14="http://schemas.microsoft.com/office/drawing/2010/main" w="9525">
+                <a14:hiddenLine xmlns:a14="http://schemas.microsoft.com/office/drawing/2010/main" xmlns="" w="9525">
                   <a:solidFill>
                     <a:srgbClr val="000000"/>
                   </a:solidFill>
@@ -16478,7 +16482,7 @@
           <a:noFill/>
           <a:extLst>
             <a:ext uri="{909E8E84-426E-40dd-AFC4-6F175D3DCCD1}">
-              <a14:hiddenFill xmlns="" xmlns:a14="http://schemas.microsoft.com/office/drawing/2010/main">
+              <a14:hiddenFill xmlns:a14="http://schemas.microsoft.com/office/drawing/2010/main" xmlns="">
                 <a:solidFill>
                   <a:srgbClr val="FFFFFF"/>
                 </a:solidFill>
@@ -16552,7 +16556,7 @@
               </a:ln>
               <a:extLst>
                 <a:ext uri="{91240B29-F687-4f45-9708-019B960494DF}">
-                  <a14:hiddenLine xmlns="" xmlns:a14="http://schemas.microsoft.com/office/drawing/2010/main" w="9525">
+                  <a14:hiddenLine xmlns:a14="http://schemas.microsoft.com/office/drawing/2010/main" xmlns="" w="9525">
                     <a:solidFill>
                       <a:srgbClr val="000000"/>
                     </a:solidFill>
@@ -16642,7 +16646,7 @@
               </a:ln>
               <a:extLst>
                 <a:ext uri="{91240B29-F687-4f45-9708-019B960494DF}">
-                  <a14:hiddenLine xmlns="" xmlns:a14="http://schemas.microsoft.com/office/drawing/2010/main" w="9525">
+                  <a14:hiddenLine xmlns:a14="http://schemas.microsoft.com/office/drawing/2010/main" xmlns="" w="9525">
                     <a:solidFill>
                       <a:srgbClr val="000000"/>
                     </a:solidFill>
@@ -16732,7 +16736,7 @@
               </a:ln>
               <a:extLst>
                 <a:ext uri="{91240B29-F687-4f45-9708-019B960494DF}">
-                  <a14:hiddenLine xmlns="" xmlns:a14="http://schemas.microsoft.com/office/drawing/2010/main" w="9525">
+                  <a14:hiddenLine xmlns:a14="http://schemas.microsoft.com/office/drawing/2010/main" xmlns="" w="9525">
                     <a:solidFill>
                       <a:srgbClr val="000000"/>
                     </a:solidFill>
@@ -16794,7 +16798,7 @@
               </a:ln>
               <a:extLst>
                 <a:ext uri="{91240B29-F687-4f45-9708-019B960494DF}">
-                  <a14:hiddenLine xmlns="" xmlns:a14="http://schemas.microsoft.com/office/drawing/2010/main" w="9525">
+                  <a14:hiddenLine xmlns:a14="http://schemas.microsoft.com/office/drawing/2010/main" xmlns="" w="9525">
                     <a:solidFill>
                       <a:srgbClr val="000000"/>
                     </a:solidFill>
@@ -16884,7 +16888,7 @@
               </a:ln>
               <a:extLst>
                 <a:ext uri="{91240B29-F687-4f45-9708-019B960494DF}">
-                  <a14:hiddenLine xmlns="" xmlns:a14="http://schemas.microsoft.com/office/drawing/2010/main" w="9525">
+                  <a14:hiddenLine xmlns:a14="http://schemas.microsoft.com/office/drawing/2010/main" xmlns="" w="9525">
                     <a:solidFill>
                       <a:srgbClr val="000000"/>
                     </a:solidFill>
@@ -16946,7 +16950,7 @@
               </a:ln>
               <a:extLst>
                 <a:ext uri="{91240B29-F687-4f45-9708-019B960494DF}">
-                  <a14:hiddenLine xmlns="" xmlns:a14="http://schemas.microsoft.com/office/drawing/2010/main" w="9525">
+                  <a14:hiddenLine xmlns:a14="http://schemas.microsoft.com/office/drawing/2010/main" xmlns="" w="9525">
                     <a:solidFill>
                       <a:srgbClr val="000000"/>
                     </a:solidFill>
@@ -17008,7 +17012,7 @@
               </a:ln>
               <a:extLst>
                 <a:ext uri="{91240B29-F687-4f45-9708-019B960494DF}">
-                  <a14:hiddenLine xmlns="" xmlns:a14="http://schemas.microsoft.com/office/drawing/2010/main" w="9525">
+                  <a14:hiddenLine xmlns:a14="http://schemas.microsoft.com/office/drawing/2010/main" xmlns="" w="9525">
                     <a:solidFill>
                       <a:srgbClr val="000000"/>
                     </a:solidFill>
@@ -17098,7 +17102,7 @@
               </a:ln>
               <a:extLst>
                 <a:ext uri="{91240B29-F687-4f45-9708-019B960494DF}">
-                  <a14:hiddenLine xmlns="" xmlns:a14="http://schemas.microsoft.com/office/drawing/2010/main" w="9525">
+                  <a14:hiddenLine xmlns:a14="http://schemas.microsoft.com/office/drawing/2010/main" xmlns="" w="9525">
                     <a:solidFill>
                       <a:srgbClr val="000000"/>
                     </a:solidFill>
@@ -17188,7 +17192,7 @@
               </a:ln>
               <a:extLst>
                 <a:ext uri="{91240B29-F687-4f45-9708-019B960494DF}">
-                  <a14:hiddenLine xmlns="" xmlns:a14="http://schemas.microsoft.com/office/drawing/2010/main" w="9525">
+                  <a14:hiddenLine xmlns:a14="http://schemas.microsoft.com/office/drawing/2010/main" xmlns="" w="9525">
                     <a:solidFill>
                       <a:srgbClr val="000000"/>
                     </a:solidFill>
@@ -17250,7 +17254,7 @@
               </a:ln>
               <a:extLst>
                 <a:ext uri="{91240B29-F687-4f45-9708-019B960494DF}">
-                  <a14:hiddenLine xmlns="" xmlns:a14="http://schemas.microsoft.com/office/drawing/2010/main" w="9525">
+                  <a14:hiddenLine xmlns:a14="http://schemas.microsoft.com/office/drawing/2010/main" xmlns="" w="9525">
                     <a:solidFill>
                       <a:srgbClr val="000000"/>
                     </a:solidFill>
@@ -17360,7 +17364,7 @@
               </a:ln>
               <a:extLst>
                 <a:ext uri="{91240B29-F687-4f45-9708-019B960494DF}">
-                  <a14:hiddenLine xmlns="" xmlns:a14="http://schemas.microsoft.com/office/drawing/2010/main" w="9525">
+                  <a14:hiddenLine xmlns:a14="http://schemas.microsoft.com/office/drawing/2010/main" xmlns="" w="9525">
                     <a:solidFill>
                       <a:srgbClr val="000000"/>
                     </a:solidFill>
@@ -17444,7 +17448,7 @@
               </a:ln>
               <a:extLst>
                 <a:ext uri="{91240B29-F687-4f45-9708-019B960494DF}">
-                  <a14:hiddenLine xmlns="" xmlns:a14="http://schemas.microsoft.com/office/drawing/2010/main" w="9525">
+                  <a14:hiddenLine xmlns:a14="http://schemas.microsoft.com/office/drawing/2010/main" xmlns="" w="9525">
                     <a:solidFill>
                       <a:srgbClr val="000000"/>
                     </a:solidFill>
@@ -17506,7 +17510,7 @@
               </a:ln>
               <a:extLst>
                 <a:ext uri="{91240B29-F687-4f45-9708-019B960494DF}">
-                  <a14:hiddenLine xmlns="" xmlns:a14="http://schemas.microsoft.com/office/drawing/2010/main" w="9525">
+                  <a14:hiddenLine xmlns:a14="http://schemas.microsoft.com/office/drawing/2010/main" xmlns="" w="9525">
                     <a:solidFill>
                       <a:srgbClr val="000000"/>
                     </a:solidFill>
@@ -17568,7 +17572,7 @@
               </a:ln>
               <a:extLst>
                 <a:ext uri="{91240B29-F687-4f45-9708-019B960494DF}">
-                  <a14:hiddenLine xmlns="" xmlns:a14="http://schemas.microsoft.com/office/drawing/2010/main" w="9525">
+                  <a14:hiddenLine xmlns:a14="http://schemas.microsoft.com/office/drawing/2010/main" xmlns="" w="9525">
                     <a:solidFill>
                       <a:srgbClr val="000000"/>
                     </a:solidFill>
@@ -17658,7 +17662,7 @@
               </a:ln>
               <a:extLst>
                 <a:ext uri="{91240B29-F687-4f45-9708-019B960494DF}">
-                  <a14:hiddenLine xmlns="" xmlns:a14="http://schemas.microsoft.com/office/drawing/2010/main" w="9525">
+                  <a14:hiddenLine xmlns:a14="http://schemas.microsoft.com/office/drawing/2010/main" xmlns="" w="9525">
                     <a:solidFill>
                       <a:srgbClr val="000000"/>
                     </a:solidFill>
@@ -17692,7 +17696,7 @@
               </a:ln>
               <a:extLst>
                 <a:ext uri="{91240B29-F687-4f45-9708-019B960494DF}">
-                  <a14:hiddenLine xmlns="" xmlns:a14="http://schemas.microsoft.com/office/drawing/2010/main" w="9525">
+                  <a14:hiddenLine xmlns:a14="http://schemas.microsoft.com/office/drawing/2010/main" xmlns="" w="9525">
                     <a:solidFill>
                       <a:srgbClr val="000000"/>
                     </a:solidFill>
@@ -17757,7 +17761,7 @@
               </a:ln>
               <a:extLst>
                 <a:ext uri="{91240B29-F687-4f45-9708-019B960494DF}">
-                  <a14:hiddenLine xmlns="" xmlns:a14="http://schemas.microsoft.com/office/drawing/2010/main" w="9525">
+                  <a14:hiddenLine xmlns:a14="http://schemas.microsoft.com/office/drawing/2010/main" xmlns="" w="9525">
                     <a:solidFill>
                       <a:srgbClr val="000000"/>
                     </a:solidFill>
@@ -17847,7 +17851,7 @@
               </a:ln>
               <a:extLst>
                 <a:ext uri="{91240B29-F687-4f45-9708-019B960494DF}">
-                  <a14:hiddenLine xmlns="" xmlns:a14="http://schemas.microsoft.com/office/drawing/2010/main" w="9525">
+                  <a14:hiddenLine xmlns:a14="http://schemas.microsoft.com/office/drawing/2010/main" xmlns="" w="9525">
                     <a:solidFill>
                       <a:srgbClr val="000000"/>
                     </a:solidFill>
@@ -17909,7 +17913,7 @@
               </a:ln>
               <a:extLst>
                 <a:ext uri="{91240B29-F687-4f45-9708-019B960494DF}">
-                  <a14:hiddenLine xmlns="" xmlns:a14="http://schemas.microsoft.com/office/drawing/2010/main" w="9525">
+                  <a14:hiddenLine xmlns:a14="http://schemas.microsoft.com/office/drawing/2010/main" xmlns="" w="9525">
                     <a:solidFill>
                       <a:srgbClr val="000000"/>
                     </a:solidFill>
@@ -17999,7 +18003,7 @@
               </a:ln>
               <a:extLst>
                 <a:ext uri="{91240B29-F687-4f45-9708-019B960494DF}">
-                  <a14:hiddenLine xmlns="" xmlns:a14="http://schemas.microsoft.com/office/drawing/2010/main" w="9525">
+                  <a14:hiddenLine xmlns:a14="http://schemas.microsoft.com/office/drawing/2010/main" xmlns="" w="9525">
                     <a:solidFill>
                       <a:srgbClr val="000000"/>
                     </a:solidFill>
@@ -18064,7 +18068,7 @@
               </a:ln>
               <a:extLst>
                 <a:ext uri="{91240B29-F687-4f45-9708-019B960494DF}">
-                  <a14:hiddenLine xmlns="" xmlns:a14="http://schemas.microsoft.com/office/drawing/2010/main" w="9525">
+                  <a14:hiddenLine xmlns:a14="http://schemas.microsoft.com/office/drawing/2010/main" xmlns="" w="9525">
                     <a:solidFill>
                       <a:srgbClr val="000000"/>
                     </a:solidFill>
@@ -18126,7 +18130,7 @@
               </a:ln>
               <a:extLst>
                 <a:ext uri="{91240B29-F687-4f45-9708-019B960494DF}">
-                  <a14:hiddenLine xmlns="" xmlns:a14="http://schemas.microsoft.com/office/drawing/2010/main" w="9525">
+                  <a14:hiddenLine xmlns:a14="http://schemas.microsoft.com/office/drawing/2010/main" xmlns="" w="9525">
                     <a:solidFill>
                       <a:srgbClr val="000000"/>
                     </a:solidFill>
@@ -18216,7 +18220,7 @@
               </a:ln>
               <a:extLst>
                 <a:ext uri="{91240B29-F687-4f45-9708-019B960494DF}">
-                  <a14:hiddenLine xmlns="" xmlns:a14="http://schemas.microsoft.com/office/drawing/2010/main" w="9525">
+                  <a14:hiddenLine xmlns:a14="http://schemas.microsoft.com/office/drawing/2010/main" xmlns="" w="9525">
                     <a:solidFill>
                       <a:srgbClr val="000000"/>
                     </a:solidFill>
@@ -18306,7 +18310,7 @@
               </a:ln>
               <a:extLst>
                 <a:ext uri="{91240B29-F687-4f45-9708-019B960494DF}">
-                  <a14:hiddenLine xmlns="" xmlns:a14="http://schemas.microsoft.com/office/drawing/2010/main" w="9525">
+                  <a14:hiddenLine xmlns:a14="http://schemas.microsoft.com/office/drawing/2010/main" xmlns="" w="9525">
                     <a:solidFill>
                       <a:srgbClr val="000000"/>
                     </a:solidFill>
@@ -18371,7 +18375,7 @@
               </a:ln>
               <a:extLst>
                 <a:ext uri="{91240B29-F687-4f45-9708-019B960494DF}">
-                  <a14:hiddenLine xmlns="" xmlns:a14="http://schemas.microsoft.com/office/drawing/2010/main" w="9525">
+                  <a14:hiddenLine xmlns:a14="http://schemas.microsoft.com/office/drawing/2010/main" xmlns="" w="9525">
                     <a:solidFill>
                       <a:srgbClr val="000000"/>
                     </a:solidFill>
@@ -18491,7 +18495,7 @@
               </a:ln>
               <a:extLst>
                 <a:ext uri="{91240B29-F687-4f45-9708-019B960494DF}">
-                  <a14:hiddenLine xmlns="" xmlns:a14="http://schemas.microsoft.com/office/drawing/2010/main" w="9525">
+                  <a14:hiddenLine xmlns:a14="http://schemas.microsoft.com/office/drawing/2010/main" xmlns="" w="9525">
                     <a:solidFill>
                       <a:srgbClr val="000000"/>
                     </a:solidFill>
@@ -18589,7 +18593,7 @@
               </a:ln>
               <a:extLst>
                 <a:ext uri="{91240B29-F687-4f45-9708-019B960494DF}">
-                  <a14:hiddenLine xmlns="" xmlns:a14="http://schemas.microsoft.com/office/drawing/2010/main" w="9525">
+                  <a14:hiddenLine xmlns:a14="http://schemas.microsoft.com/office/drawing/2010/main" xmlns="" w="9525">
                     <a:solidFill>
                       <a:srgbClr val="000000"/>
                     </a:solidFill>
@@ -18704,7 +18708,7 @@
               </a:ln>
               <a:extLst>
                 <a:ext uri="{91240B29-F687-4f45-9708-019B960494DF}">
-                  <a14:hiddenLine xmlns="" xmlns:a14="http://schemas.microsoft.com/office/drawing/2010/main" w="9525">
+                  <a14:hiddenLine xmlns:a14="http://schemas.microsoft.com/office/drawing/2010/main" xmlns="" w="9525">
                     <a:solidFill>
                       <a:srgbClr val="000000"/>
                     </a:solidFill>
@@ -18794,7 +18798,7 @@
               </a:ln>
               <a:extLst>
                 <a:ext uri="{91240B29-F687-4f45-9708-019B960494DF}">
-                  <a14:hiddenLine xmlns="" xmlns:a14="http://schemas.microsoft.com/office/drawing/2010/main" w="9525">
+                  <a14:hiddenLine xmlns:a14="http://schemas.microsoft.com/office/drawing/2010/main" xmlns="" w="9525">
                     <a:solidFill>
                       <a:srgbClr val="000000"/>
                     </a:solidFill>
@@ -18859,7 +18863,7 @@
               </a:ln>
               <a:extLst>
                 <a:ext uri="{91240B29-F687-4f45-9708-019B960494DF}">
-                  <a14:hiddenLine xmlns="" xmlns:a14="http://schemas.microsoft.com/office/drawing/2010/main" w="9525">
+                  <a14:hiddenLine xmlns:a14="http://schemas.microsoft.com/office/drawing/2010/main" xmlns="" w="9525">
                     <a:solidFill>
                       <a:srgbClr val="000000"/>
                     </a:solidFill>
@@ -18949,7 +18953,7 @@
               </a:ln>
               <a:extLst>
                 <a:ext uri="{91240B29-F687-4f45-9708-019B960494DF}">
-                  <a14:hiddenLine xmlns="" xmlns:a14="http://schemas.microsoft.com/office/drawing/2010/main" w="9525">
+                  <a14:hiddenLine xmlns:a14="http://schemas.microsoft.com/office/drawing/2010/main" xmlns="" w="9525">
                     <a:solidFill>
                       <a:srgbClr val="000000"/>
                     </a:solidFill>
@@ -19017,7 +19021,7 @@
               </a:ln>
               <a:extLst>
                 <a:ext uri="{91240B29-F687-4f45-9708-019B960494DF}">
-                  <a14:hiddenLine xmlns="" xmlns:a14="http://schemas.microsoft.com/office/drawing/2010/main" w="9525">
+                  <a14:hiddenLine xmlns:a14="http://schemas.microsoft.com/office/drawing/2010/main" xmlns="" w="9525">
                     <a:solidFill>
                       <a:srgbClr val="000000"/>
                     </a:solidFill>
@@ -19107,7 +19111,7 @@
               </a:ln>
               <a:extLst>
                 <a:ext uri="{91240B29-F687-4f45-9708-019B960494DF}">
-                  <a14:hiddenLine xmlns="" xmlns:a14="http://schemas.microsoft.com/office/drawing/2010/main" w="9525">
+                  <a14:hiddenLine xmlns:a14="http://schemas.microsoft.com/office/drawing/2010/main" xmlns="" w="9525">
                     <a:solidFill>
                       <a:srgbClr val="000000"/>
                     </a:solidFill>
@@ -19175,7 +19179,7 @@
               </a:ln>
               <a:extLst>
                 <a:ext uri="{91240B29-F687-4f45-9708-019B960494DF}">
-                  <a14:hiddenLine xmlns="" xmlns:a14="http://schemas.microsoft.com/office/drawing/2010/main" w="9525">
+                  <a14:hiddenLine xmlns:a14="http://schemas.microsoft.com/office/drawing/2010/main" xmlns="" w="9525">
                     <a:solidFill>
                       <a:srgbClr val="000000"/>
                     </a:solidFill>
@@ -19265,7 +19269,7 @@
               </a:ln>
               <a:extLst>
                 <a:ext uri="{91240B29-F687-4f45-9708-019B960494DF}">
-                  <a14:hiddenLine xmlns="" xmlns:a14="http://schemas.microsoft.com/office/drawing/2010/main" w="9525">
+                  <a14:hiddenLine xmlns:a14="http://schemas.microsoft.com/office/drawing/2010/main" xmlns="" w="9525">
                     <a:solidFill>
                       <a:srgbClr val="000000"/>
                     </a:solidFill>
@@ -19299,7 +19303,7 @@
               </a:ln>
               <a:extLst>
                 <a:ext uri="{91240B29-F687-4f45-9708-019B960494DF}">
-                  <a14:hiddenLine xmlns="" xmlns:a14="http://schemas.microsoft.com/office/drawing/2010/main" w="9525">
+                  <a14:hiddenLine xmlns:a14="http://schemas.microsoft.com/office/drawing/2010/main" xmlns="" w="9525">
                     <a:solidFill>
                       <a:srgbClr val="000000"/>
                     </a:solidFill>
@@ -23329,55 +23333,166 @@
         </p:nvSpPr>
         <p:spPr>
           <a:xfrm>
-            <a:off x="2135723" y="1001269"/>
-            <a:ext cx="8911687" cy="1280890"/>
+            <a:off x="474757" y="276870"/>
+            <a:ext cx="705861" cy="81946"/>
           </a:xfrm>
         </p:spPr>
         <p:txBody>
           <a:bodyPr>
-            <a:noAutofit/>
+            <a:normAutofit fontScale="90000"/>
           </a:bodyPr>
           <a:lstStyle/>
           <a:p>
+            <a:r>
+              <a:rPr lang="fa-IR" dirty="0"/>
+              <a:t> </a:t>
+            </a:r>
+          </a:p>
+        </p:txBody>
+      </p:sp>
+      <p:sp>
+        <p:nvSpPr>
+          <p:cNvPr id="3" name="Text Placeholder 2"/>
+          <p:cNvSpPr>
+            <a:spLocks noGrp="1"/>
+          </p:cNvSpPr>
+          <p:nvPr>
+            <p:ph type="body" idx="1"/>
+          </p:nvPr>
+        </p:nvSpPr>
+        <p:spPr>
+          <a:xfrm>
+            <a:off x="1346770" y="1041721"/>
+            <a:ext cx="5474825" cy="927753"/>
+          </a:xfrm>
+        </p:spPr>
+        <p:txBody>
+          <a:bodyPr>
+            <a:normAutofit/>
+          </a:bodyPr>
+          <a:lstStyle/>
+          <a:p>
             <a:pPr algn="r" rtl="1"/>
             <a:r>
-              <a:rPr lang="fa-IR" sz="4000" dirty="0">
+              <a:rPr lang="fa-IR" sz="2200" b="1" dirty="0">
                 <a:effectLst/>
                 <a:latin typeface="IRTitr" panose="02000506000000020002" pitchFamily="2" charset="-78"/>
                 <a:cs typeface="IRTitr" panose="02000506000000020002" pitchFamily="2" charset="-78"/>
               </a:rPr>
-              <a:t>کاربرد‌های کلی </a:t>
-            </a:r>
-            <a:r>
-              <a:rPr lang="en-US" sz="4000" dirty="0">
+              <a:t>زبان های برنامه نویسی مورد استفاده در بیگ دیتا</a:t>
+            </a:r>
+          </a:p>
+        </p:txBody>
+      </p:sp>
+      <p:sp>
+        <p:nvSpPr>
+          <p:cNvPr id="4" name="Content Placeholder 3"/>
+          <p:cNvSpPr>
+            <a:spLocks noGrp="1"/>
+          </p:cNvSpPr>
+          <p:nvPr>
+            <p:ph sz="half" idx="2"/>
+          </p:nvPr>
+        </p:nvSpPr>
+        <p:spPr>
+          <a:xfrm>
+            <a:off x="2478702" y="2520288"/>
+            <a:ext cx="4342893" cy="3354060"/>
+          </a:xfrm>
+        </p:spPr>
+        <p:txBody>
+          <a:bodyPr>
+            <a:normAutofit/>
+          </a:bodyPr>
+          <a:lstStyle/>
+          <a:p>
+            <a:pPr algn="r" rtl="1"/>
+            <a:r>
+              <a:rPr lang="en-US" sz="2800" dirty="0">
+                <a:effectLst/>
+                <a:latin typeface="IRMitra" panose="02000506000000020002" pitchFamily="2" charset="-78"/>
+                <a:cs typeface="IRMitra" panose="02000506000000020002" pitchFamily="2" charset="-78"/>
+              </a:rPr>
+              <a:t> R </a:t>
+            </a:r>
+            <a:endParaRPr lang="fa-IR" sz="2800" dirty="0">
+              <a:effectLst/>
+              <a:latin typeface="IRMitra" panose="02000506000000020002" pitchFamily="2" charset="-78"/>
+              <a:cs typeface="IRMitra" panose="02000506000000020002" pitchFamily="2" charset="-78"/>
+            </a:endParaRPr>
+          </a:p>
+          <a:p>
+            <a:pPr algn="r" rtl="1"/>
+            <a:r>
+              <a:rPr lang="fa-IR" sz="2800" dirty="0">
+                <a:effectLst/>
+                <a:latin typeface="IRMitra" panose="02000506000000020002" pitchFamily="2" charset="-78"/>
+                <a:cs typeface="IRMitra" panose="02000506000000020002" pitchFamily="2" charset="-78"/>
+              </a:rPr>
+              <a:t> پایتون</a:t>
+            </a:r>
+          </a:p>
+          <a:p>
+            <a:pPr algn="r" rtl="1"/>
+            <a:r>
+              <a:rPr lang="fa-IR" sz="2800" dirty="0">
+                <a:effectLst/>
+                <a:latin typeface="IRMitra" panose="02000506000000020002" pitchFamily="2" charset="-78"/>
+                <a:cs typeface="IRMitra" panose="02000506000000020002" pitchFamily="2" charset="-78"/>
+              </a:rPr>
+              <a:t> اسکالا</a:t>
+            </a:r>
+          </a:p>
+        </p:txBody>
+      </p:sp>
+      <p:sp>
+        <p:nvSpPr>
+          <p:cNvPr id="5" name="Text Placeholder 4"/>
+          <p:cNvSpPr>
+            <a:spLocks noGrp="1"/>
+          </p:cNvSpPr>
+          <p:nvPr>
+            <p:ph type="body" sz="quarter" idx="3"/>
+          </p:nvPr>
+        </p:nvSpPr>
+        <p:spPr>
+          <a:xfrm>
+            <a:off x="6350317" y="358815"/>
+            <a:ext cx="4697093" cy="1610659"/>
+          </a:xfrm>
+        </p:spPr>
+        <p:txBody>
+          <a:bodyPr>
+            <a:normAutofit/>
+          </a:bodyPr>
+          <a:lstStyle/>
+          <a:p>
+            <a:pPr algn="r"/>
+            <a:r>
+              <a:rPr lang="fa-IR" sz="2200" b="1" dirty="0">
                 <a:effectLst/>
                 <a:latin typeface="IRTitr" panose="02000506000000020002" pitchFamily="2" charset="-78"/>
                 <a:cs typeface="IRTitr" panose="02000506000000020002" pitchFamily="2" charset="-78"/>
               </a:rPr>
-              <a:t>Big data</a:t>
-            </a:r>
-            <a:endParaRPr lang="fa-IR" sz="4000" dirty="0">
-              <a:effectLst/>
-              <a:latin typeface="IRTitr" panose="02000506000000020002" pitchFamily="2" charset="-78"/>
-              <a:cs typeface="IRTitr" panose="02000506000000020002" pitchFamily="2" charset="-78"/>
-            </a:endParaRPr>
-          </a:p>
-        </p:txBody>
-      </p:sp>
-      <p:sp>
-        <p:nvSpPr>
-          <p:cNvPr id="3" name="Content Placeholder 2"/>
-          <p:cNvSpPr>
-            <a:spLocks noGrp="1"/>
-          </p:cNvSpPr>
-          <p:nvPr>
-            <p:ph idx="1"/>
+              <a:t>ابزار های مورد استفاده در بیگ دیتا</a:t>
+            </a:r>
+          </a:p>
+        </p:txBody>
+      </p:sp>
+      <p:sp>
+        <p:nvSpPr>
+          <p:cNvPr id="6" name="Content Placeholder 5"/>
+          <p:cNvSpPr>
+            <a:spLocks noGrp="1"/>
+          </p:cNvSpPr>
+          <p:nvPr>
+            <p:ph sz="quarter" idx="4"/>
           </p:nvPr>
         </p:nvSpPr>
         <p:spPr>
           <a:xfrm>
-            <a:off x="1141411" y="2046489"/>
-            <a:ext cx="9905999" cy="3541714"/>
+            <a:off x="6172200" y="2545738"/>
+            <a:ext cx="4875210" cy="2717801"/>
           </a:xfrm>
         </p:spPr>
         <p:txBody>
@@ -23388,51 +23503,59 @@
           <a:p>
             <a:pPr algn="r" rtl="1"/>
             <a:r>
-              <a:rPr lang="fa-IR" sz="4000" dirty="0">
+              <a:rPr lang="en-US" sz="2800" dirty="0">
                 <a:latin typeface="IRMitra" panose="02000506000000020002" pitchFamily="2" charset="-78"/>
                 <a:cs typeface="IRMitra" panose="02000506000000020002" pitchFamily="2" charset="-78"/>
               </a:rPr>
-              <a:t> بانکداری و اوراق بهادار</a:t>
-            </a:r>
+              <a:t>Hadoop </a:t>
+            </a:r>
+            <a:endParaRPr lang="fa-IR" sz="2800" dirty="0">
+              <a:latin typeface="IRMitra" panose="02000506000000020002" pitchFamily="2" charset="-78"/>
+              <a:cs typeface="IRMitra" panose="02000506000000020002" pitchFamily="2" charset="-78"/>
+            </a:endParaRPr>
           </a:p>
           <a:p>
             <a:pPr algn="r" rtl="1"/>
             <a:r>
-              <a:rPr lang="fa-IR" sz="4000" dirty="0">
+              <a:rPr lang="fa-IR" sz="2800" dirty="0">
                 <a:latin typeface="IRMitra" panose="02000506000000020002" pitchFamily="2" charset="-78"/>
                 <a:cs typeface="IRMitra" panose="02000506000000020002" pitchFamily="2" charset="-78"/>
               </a:rPr>
-              <a:t> سیستم های آموزشی</a:t>
+              <a:t> آپاچی اسپارک</a:t>
             </a:r>
           </a:p>
           <a:p>
             <a:pPr algn="r" rtl="1"/>
             <a:r>
-              <a:rPr lang="fa-IR" sz="4000" dirty="0">
+              <a:rPr lang="fa-IR" sz="2800" dirty="0">
                 <a:latin typeface="IRMitra" panose="02000506000000020002" pitchFamily="2" charset="-78"/>
                 <a:cs typeface="IRMitra" panose="02000506000000020002" pitchFamily="2" charset="-78"/>
               </a:rPr>
-              <a:t> حمل و نقل</a:t>
+              <a:t> آپاچی هایو</a:t>
             </a:r>
           </a:p>
           <a:p>
             <a:pPr algn="r" rtl="1"/>
             <a:r>
-              <a:rPr lang="fa-IR" sz="4000" dirty="0">
+              <a:rPr lang="en-US" sz="2800" dirty="0">
                 <a:latin typeface="IRMitra" panose="02000506000000020002" pitchFamily="2" charset="-78"/>
                 <a:cs typeface="IRMitra" panose="02000506000000020002" pitchFamily="2" charset="-78"/>
               </a:rPr>
-              <a:t> ...</a:t>
-            </a:r>
-          </a:p>
-        </p:txBody>
-      </p:sp>
-      <p:sp>
-        <p:nvSpPr>
-          <p:cNvPr id="4" name="Slide Number Placeholder 3">
+              <a:t>SAS </a:t>
+            </a:r>
+            <a:endParaRPr lang="fa-IR" sz="2800" dirty="0">
+              <a:latin typeface="IRMitra" panose="02000506000000020002" pitchFamily="2" charset="-78"/>
+              <a:cs typeface="IRMitra" panose="02000506000000020002" pitchFamily="2" charset="-78"/>
+            </a:endParaRPr>
+          </a:p>
+        </p:txBody>
+      </p:sp>
+      <p:sp>
+        <p:nvSpPr>
+          <p:cNvPr id="7" name="Slide Number Placeholder 6">
             <a:extLst>
               <a:ext uri="{FF2B5EF4-FFF2-40B4-BE49-F238E27FC236}">
-                <a16:creationId xmlns:a16="http://schemas.microsoft.com/office/drawing/2014/main" id="{84323072-2792-4889-DF44-A31559D19C29}"/>
+                <a16:creationId xmlns:a16="http://schemas.microsoft.com/office/drawing/2014/main" id="{D06E8EE9-0AAD-9631-E698-76FA8EE626E6}"/>
               </a:ext>
             </a:extLst>
           </p:cNvPr>
@@ -23523,7 +23646,7 @@
     </p:spTree>
     <p:extLst>
       <p:ext uri="{BB962C8B-B14F-4D97-AF65-F5344CB8AC3E}">
-        <p14:creationId xmlns:p14="http://schemas.microsoft.com/office/powerpoint/2010/main" val="1418422423"/>
+        <p14:creationId xmlns:p14="http://schemas.microsoft.com/office/powerpoint/2010/main" val="3996443000"/>
       </p:ext>
     </p:extLst>
   </p:cSld>
@@ -23552,7 +23675,13 @@
       </p:grpSpPr>
       <p:sp>
         <p:nvSpPr>
-          <p:cNvPr id="2" name="Title 1"/>
+          <p:cNvPr id="2" name="Title 1">
+            <a:extLst>
+              <a:ext uri="{FF2B5EF4-FFF2-40B4-BE49-F238E27FC236}">
+                <a16:creationId xmlns:a16="http://schemas.microsoft.com/office/drawing/2014/main" id="{5EE37D27-25DA-B994-293C-A3B880A95E7A}"/>
+              </a:ext>
+            </a:extLst>
+          </p:cNvPr>
           <p:cNvSpPr>
             <a:spLocks noGrp="1"/>
           </p:cNvSpPr>
@@ -23562,37 +23691,54 @@
         </p:nvSpPr>
         <p:spPr>
           <a:xfrm>
-            <a:off x="474757" y="276870"/>
-            <a:ext cx="705861" cy="81946"/>
+            <a:off x="1593934" y="854698"/>
+            <a:ext cx="9891824" cy="1113316"/>
           </a:xfrm>
         </p:spPr>
         <p:txBody>
-          <a:bodyPr>
-            <a:normAutofit fontScale="90000"/>
-          </a:bodyPr>
+          <a:bodyPr/>
           <a:lstStyle/>
           <a:p>
-            <a:r>
-              <a:rPr lang="fa-IR" dirty="0"/>
-              <a:t> </a:t>
-            </a:r>
-          </a:p>
-        </p:txBody>
-      </p:sp>
-      <p:sp>
-        <p:nvSpPr>
-          <p:cNvPr id="3" name="Text Placeholder 2"/>
-          <p:cNvSpPr>
-            <a:spLocks noGrp="1"/>
-          </p:cNvSpPr>
-          <p:nvPr>
-            <p:ph type="body" idx="1"/>
+            <a:pPr algn="r" rtl="1"/>
+            <a:r>
+              <a:rPr lang="fa-IR" b="1" dirty="0">
+                <a:effectLst/>
+                <a:latin typeface="IRTitr" panose="02000506000000020002" pitchFamily="2" charset="-78"/>
+                <a:cs typeface="IRTitr" panose="02000506000000020002" pitchFamily="2" charset="-78"/>
+              </a:rPr>
+              <a:t>پایگاه های داده </a:t>
+            </a:r>
+            <a:r>
+              <a:rPr lang="en-US" b="1" dirty="0">
+                <a:effectLst/>
+                <a:latin typeface="IRTitr" panose="02000506000000020002" pitchFamily="2" charset="-78"/>
+                <a:cs typeface="IRTitr" panose="02000506000000020002" pitchFamily="2" charset="-78"/>
+              </a:rPr>
+              <a:t> NoSQL</a:t>
+            </a:r>
+          </a:p>
+        </p:txBody>
+      </p:sp>
+      <p:sp>
+        <p:nvSpPr>
+          <p:cNvPr id="3" name="Content Placeholder 2">
+            <a:extLst>
+              <a:ext uri="{FF2B5EF4-FFF2-40B4-BE49-F238E27FC236}">
+                <a16:creationId xmlns:a16="http://schemas.microsoft.com/office/drawing/2014/main" id="{37B3734E-0756-13FC-78F6-27C3913DC551}"/>
+              </a:ext>
+            </a:extLst>
+          </p:cNvPr>
+          <p:cNvSpPr>
+            <a:spLocks noGrp="1"/>
+          </p:cNvSpPr>
+          <p:nvPr>
+            <p:ph idx="1"/>
           </p:nvPr>
         </p:nvSpPr>
         <p:spPr>
           <a:xfrm>
-            <a:off x="1346770" y="1041721"/>
-            <a:ext cx="5474825" cy="927753"/>
+            <a:off x="2196445" y="1722917"/>
+            <a:ext cx="9289313" cy="4525482"/>
           </a:xfrm>
         </p:spPr>
         <p:txBody>
@@ -23601,178 +23747,143 @@
           </a:bodyPr>
           <a:lstStyle/>
           <a:p>
-            <a:pPr algn="r" rtl="1"/>
-            <a:r>
-              <a:rPr lang="fa-IR" sz="2200" b="1" dirty="0">
-                <a:effectLst/>
-                <a:latin typeface="IRTitr" panose="02000506000000020002" pitchFamily="2" charset="-78"/>
-                <a:cs typeface="IRTitr" panose="02000506000000020002" pitchFamily="2" charset="-78"/>
-              </a:rPr>
-              <a:t>زبان های برنامه نویسی مورد استفاده در بیگ دیتا</a:t>
-            </a:r>
-          </a:p>
-        </p:txBody>
-      </p:sp>
-      <p:sp>
-        <p:nvSpPr>
-          <p:cNvPr id="4" name="Content Placeholder 3"/>
-          <p:cNvSpPr>
-            <a:spLocks noGrp="1"/>
-          </p:cNvSpPr>
-          <p:nvPr>
-            <p:ph sz="half" idx="2"/>
-          </p:nvPr>
-        </p:nvSpPr>
-        <p:spPr>
-          <a:xfrm>
-            <a:off x="2478702" y="2520288"/>
-            <a:ext cx="4342893" cy="3354060"/>
-          </a:xfrm>
-        </p:spPr>
-        <p:txBody>
-          <a:bodyPr>
-            <a:normAutofit/>
-          </a:bodyPr>
-          <a:lstStyle/>
-          <a:p>
-            <a:pPr algn="r" rtl="1"/>
-            <a:r>
-              <a:rPr lang="en-US" sz="2800" dirty="0">
-                <a:effectLst/>
+            <a:pPr marL="0" indent="0" algn="r" rtl="1">
+              <a:buNone/>
+            </a:pPr>
+            <a:r>
+              <a:rPr lang="fa-IR" sz="2800" dirty="0">
                 <a:latin typeface="IRMitra" panose="02000506000000020002" pitchFamily="2" charset="-78"/>
                 <a:cs typeface="IRMitra" panose="02000506000000020002" pitchFamily="2" charset="-78"/>
               </a:rPr>
-              <a:t> R </a:t>
-            </a:r>
-            <a:endParaRPr lang="fa-IR" sz="2800" dirty="0">
-              <a:effectLst/>
-              <a:latin typeface="IRMitra" panose="02000506000000020002" pitchFamily="2" charset="-78"/>
-              <a:cs typeface="IRMitra" panose="02000506000000020002" pitchFamily="2" charset="-78"/>
-            </a:endParaRPr>
-          </a:p>
-          <a:p>
-            <a:pPr algn="r" rtl="1"/>
-            <a:r>
-              <a:rPr lang="fa-IR" sz="2800" dirty="0">
-                <a:effectLst/>
-                <a:latin typeface="IRMitra" panose="02000506000000020002" pitchFamily="2" charset="-78"/>
-                <a:cs typeface="IRMitra" panose="02000506000000020002" pitchFamily="2" charset="-78"/>
-              </a:rPr>
-              <a:t> پایتون</a:t>
-            </a:r>
-          </a:p>
-          <a:p>
-            <a:pPr algn="r" rtl="1"/>
-            <a:r>
-              <a:rPr lang="fa-IR" sz="2800" dirty="0">
-                <a:effectLst/>
-                <a:latin typeface="IRMitra" panose="02000506000000020002" pitchFamily="2" charset="-78"/>
-                <a:cs typeface="IRMitra" panose="02000506000000020002" pitchFamily="2" charset="-78"/>
-              </a:rPr>
-              <a:t> اسکالا</a:t>
-            </a:r>
-          </a:p>
-        </p:txBody>
-      </p:sp>
-      <p:sp>
-        <p:nvSpPr>
-          <p:cNvPr id="5" name="Text Placeholder 4"/>
-          <p:cNvSpPr>
-            <a:spLocks noGrp="1"/>
-          </p:cNvSpPr>
-          <p:nvPr>
-            <p:ph type="body" sz="quarter" idx="3"/>
-          </p:nvPr>
-        </p:nvSpPr>
-        <p:spPr>
-          <a:xfrm>
-            <a:off x="6350317" y="358815"/>
-            <a:ext cx="4697093" cy="1610659"/>
-          </a:xfrm>
-        </p:spPr>
-        <p:txBody>
-          <a:bodyPr>
-            <a:normAutofit/>
-          </a:bodyPr>
-          <a:lstStyle/>
-          <a:p>
-            <a:pPr algn="r"/>
-            <a:r>
-              <a:rPr lang="fa-IR" sz="2200" b="1" dirty="0">
-                <a:effectLst/>
-                <a:latin typeface="IRTitr" panose="02000506000000020002" pitchFamily="2" charset="-78"/>
-                <a:cs typeface="IRTitr" panose="02000506000000020002" pitchFamily="2" charset="-78"/>
-              </a:rPr>
-              <a:t>ابزار های مورد استفاده در بیگ دیتا</a:t>
-            </a:r>
-          </a:p>
-        </p:txBody>
-      </p:sp>
-      <p:sp>
-        <p:nvSpPr>
-          <p:cNvPr id="6" name="Content Placeholder 5"/>
-          <p:cNvSpPr>
-            <a:spLocks noGrp="1"/>
-          </p:cNvSpPr>
-          <p:nvPr>
-            <p:ph sz="quarter" idx="4"/>
-          </p:nvPr>
-        </p:nvSpPr>
-        <p:spPr>
-          <a:xfrm>
-            <a:off x="6172200" y="2545738"/>
-            <a:ext cx="4875210" cy="2717801"/>
-          </a:xfrm>
-        </p:spPr>
-        <p:txBody>
-          <a:bodyPr>
-            <a:normAutofit/>
-          </a:bodyPr>
-          <a:lstStyle/>
-          <a:p>
-            <a:pPr algn="r" rtl="1"/>
+              <a:t>پایگاه های داده </a:t>
+            </a:r>
             <a:r>
               <a:rPr lang="en-US" sz="2800" dirty="0">
                 <a:latin typeface="IRMitra" panose="02000506000000020002" pitchFamily="2" charset="-78"/>
                 <a:cs typeface="IRMitra" panose="02000506000000020002" pitchFamily="2" charset="-78"/>
               </a:rPr>
-              <a:t>Hadoop </a:t>
-            </a:r>
-            <a:endParaRPr lang="fa-IR" sz="2800" dirty="0">
-              <a:latin typeface="IRMitra" panose="02000506000000020002" pitchFamily="2" charset="-78"/>
-              <a:cs typeface="IRMitra" panose="02000506000000020002" pitchFamily="2" charset="-78"/>
-            </a:endParaRPr>
-          </a:p>
-          <a:p>
-            <a:pPr algn="r" rtl="1"/>
+              <a:t> NoSQL</a:t>
+            </a:r>
             <a:r>
               <a:rPr lang="fa-IR" sz="2800" dirty="0">
                 <a:latin typeface="IRMitra" panose="02000506000000020002" pitchFamily="2" charset="-78"/>
                 <a:cs typeface="IRMitra" panose="02000506000000020002" pitchFamily="2" charset="-78"/>
               </a:rPr>
-              <a:t> آپاچی اسپارک</a:t>
-            </a:r>
-          </a:p>
-          <a:p>
-            <a:pPr algn="r" rtl="1"/>
+              <a:t>(</a:t>
+            </a:r>
+            <a:r>
+              <a:rPr lang="en-US" sz="2800" dirty="0">
+                <a:latin typeface="IRMitra" panose="02000506000000020002" pitchFamily="2" charset="-78"/>
+                <a:cs typeface="IRMitra" panose="02000506000000020002" pitchFamily="2" charset="-78"/>
+              </a:rPr>
+              <a:t>(Not Only SQL</a:t>
+            </a:r>
             <a:r>
               <a:rPr lang="fa-IR" sz="2800" dirty="0">
                 <a:latin typeface="IRMitra" panose="02000506000000020002" pitchFamily="2" charset="-78"/>
                 <a:cs typeface="IRMitra" panose="02000506000000020002" pitchFamily="2" charset="-78"/>
               </a:rPr>
-              <a:t> آپاچی هایو</a:t>
-            </a:r>
-          </a:p>
-          <a:p>
-            <a:pPr algn="r" rtl="1"/>
+              <a:t> برعکس نوع </a:t>
+            </a:r>
             <a:r>
               <a:rPr lang="en-US" sz="2800" dirty="0">
                 <a:latin typeface="IRMitra" panose="02000506000000020002" pitchFamily="2" charset="-78"/>
                 <a:cs typeface="IRMitra" panose="02000506000000020002" pitchFamily="2" charset="-78"/>
               </a:rPr>
-              <a:t>SAS </a:t>
-            </a:r>
-            <a:endParaRPr lang="fa-IR" sz="2800" dirty="0">
+              <a:t>SQL</a:t>
+            </a:r>
+            <a:r>
+              <a:rPr lang="fa-IR" sz="2800" dirty="0">
+                <a:latin typeface="IRMitra" panose="02000506000000020002" pitchFamily="2" charset="-78"/>
+                <a:cs typeface="IRMitra" panose="02000506000000020002" pitchFamily="2" charset="-78"/>
+              </a:rPr>
+              <a:t> از ساختار های </a:t>
+            </a:r>
+            <a:r>
+              <a:rPr lang="en-US" sz="2800" dirty="0">
+                <a:latin typeface="IRMitra" panose="02000506000000020002" pitchFamily="2" charset="-78"/>
+                <a:cs typeface="IRMitra" panose="02000506000000020002" pitchFamily="2" charset="-78"/>
+              </a:rPr>
+              <a:t>Schema</a:t>
+            </a:r>
+            <a:r>
+              <a:rPr lang="fa-IR" sz="2800" dirty="0">
+                <a:latin typeface="IRMitra" panose="02000506000000020002" pitchFamily="2" charset="-78"/>
+                <a:cs typeface="IRMitra" panose="02000506000000020002" pitchFamily="2" charset="-78"/>
+              </a:rPr>
+              <a:t> غیر ثابت یا </a:t>
+            </a:r>
+            <a:r>
+              <a:rPr lang="en-US" sz="2800" dirty="0">
+                <a:latin typeface="IRMitra" panose="02000506000000020002" pitchFamily="2" charset="-78"/>
+                <a:cs typeface="IRMitra" panose="02000506000000020002" pitchFamily="2" charset="-78"/>
+              </a:rPr>
+              <a:t>Dynamic Schema</a:t>
+            </a:r>
+            <a:r>
+              <a:rPr lang="fa-IR" sz="2800" dirty="0">
+                <a:latin typeface="IRMitra" panose="02000506000000020002" pitchFamily="2" charset="-78"/>
+                <a:cs typeface="IRMitra" panose="02000506000000020002" pitchFamily="2" charset="-78"/>
+              </a:rPr>
+              <a:t> استفاده می کنند.این باعث می شود که برنامه نویسان احتیاجی به تشکیل ساختارهای سخت گیرانه مشخص، پیش از ایجاد پایگاه‌های داده را نداشته باشند. این پایگاه های داده می توانند انواع مختلفی داشته باشند و برعکس </a:t>
+            </a:r>
+            <a:r>
+              <a:rPr lang="en-US" sz="2800" dirty="0">
+                <a:latin typeface="IRMitra" panose="02000506000000020002" pitchFamily="2" charset="-78"/>
+                <a:cs typeface="IRMitra" panose="02000506000000020002" pitchFamily="2" charset="-78"/>
+              </a:rPr>
+              <a:t>SQL</a:t>
+            </a:r>
+            <a:r>
+              <a:rPr lang="fa-IR" sz="2800" dirty="0">
+                <a:latin typeface="IRMitra" panose="02000506000000020002" pitchFamily="2" charset="-78"/>
+                <a:cs typeface="IRMitra" panose="02000506000000020002" pitchFamily="2" charset="-78"/>
+              </a:rPr>
+              <a:t> برای ذخیره سازی داده ها از </a:t>
+            </a:r>
+            <a:r>
+              <a:rPr lang="en-US" sz="2800" dirty="0">
+                <a:latin typeface="IRMitra" panose="02000506000000020002" pitchFamily="2" charset="-78"/>
+                <a:cs typeface="IRMitra" panose="02000506000000020002" pitchFamily="2" charset="-78"/>
+              </a:rPr>
+              <a:t>XML</a:t>
+            </a:r>
+            <a:r>
+              <a:rPr lang="fa-IR" sz="2800" dirty="0">
+                <a:latin typeface="IRMitra" panose="02000506000000020002" pitchFamily="2" charset="-78"/>
+                <a:cs typeface="IRMitra" panose="02000506000000020002" pitchFamily="2" charset="-78"/>
+              </a:rPr>
+              <a:t> یا </a:t>
+            </a:r>
+            <a:r>
+              <a:rPr lang="en-US" sz="2800" dirty="0">
+                <a:latin typeface="IRMitra" panose="02000506000000020002" pitchFamily="2" charset="-78"/>
+                <a:cs typeface="IRMitra" panose="02000506000000020002" pitchFamily="2" charset="-78"/>
+              </a:rPr>
+              <a:t>JSON</a:t>
+            </a:r>
+            <a:r>
+              <a:rPr lang="fa-IR" sz="2800" dirty="0">
+                <a:latin typeface="IRMitra" panose="02000506000000020002" pitchFamily="2" charset="-78"/>
+                <a:cs typeface="IRMitra" panose="02000506000000020002" pitchFamily="2" charset="-78"/>
+              </a:rPr>
+              <a:t> استفاده می کنند. در ادامه انواع مختلفی از پایگاه های داده </a:t>
+            </a:r>
+            <a:r>
+              <a:rPr lang="en-US" sz="2800" dirty="0">
+                <a:latin typeface="IRMitra" panose="02000506000000020002" pitchFamily="2" charset="-78"/>
+                <a:cs typeface="IRMitra" panose="02000506000000020002" pitchFamily="2" charset="-78"/>
+              </a:rPr>
+              <a:t>NoSQL</a:t>
+            </a:r>
+            <a:r>
+              <a:rPr lang="fa-IR" sz="2800" dirty="0">
+                <a:latin typeface="IRMitra" panose="02000506000000020002" pitchFamily="2" charset="-78"/>
+                <a:cs typeface="IRMitra" panose="02000506000000020002" pitchFamily="2" charset="-78"/>
+              </a:rPr>
+              <a:t> را به شما معرفی می کنیم.</a:t>
+            </a:r>
+            <a:endParaRPr lang="en-US" sz="2800" dirty="0">
               <a:latin typeface="IRMitra" panose="02000506000000020002" pitchFamily="2" charset="-78"/>
               <a:cs typeface="IRMitra" panose="02000506000000020002" pitchFamily="2" charset="-78"/>
             </a:endParaRPr>
@@ -23781,10 +23892,10 @@
       </p:sp>
       <p:sp>
         <p:nvSpPr>
-          <p:cNvPr id="7" name="Slide Number Placeholder 6">
+          <p:cNvPr id="4" name="Slide Number Placeholder 3">
             <a:extLst>
               <a:ext uri="{FF2B5EF4-FFF2-40B4-BE49-F238E27FC236}">
-                <a16:creationId xmlns:a16="http://schemas.microsoft.com/office/drawing/2014/main" id="{D06E8EE9-0AAD-9631-E698-76FA8EE626E6}"/>
+                <a16:creationId xmlns:a16="http://schemas.microsoft.com/office/drawing/2014/main" id="{588C5ED8-FD12-1154-F750-D7B4CDBEE59E}"/>
               </a:ext>
             </a:extLst>
           </p:cNvPr>
@@ -23875,7 +23986,7 @@
     </p:spTree>
     <p:extLst>
       <p:ext uri="{BB962C8B-B14F-4D97-AF65-F5344CB8AC3E}">
-        <p14:creationId xmlns:p14="http://schemas.microsoft.com/office/powerpoint/2010/main" val="3996443000"/>
+        <p14:creationId xmlns:p14="http://schemas.microsoft.com/office/powerpoint/2010/main" val="2882024970"/>
       </p:ext>
     </p:extLst>
   </p:cSld>
@@ -23904,235 +24015,39 @@
       </p:grpSpPr>
       <p:sp>
         <p:nvSpPr>
-          <p:cNvPr id="2" name="Title 1">
-            <a:extLst>
-              <a:ext uri="{FF2B5EF4-FFF2-40B4-BE49-F238E27FC236}">
-                <a16:creationId xmlns:a16="http://schemas.microsoft.com/office/drawing/2014/main" id="{5EE37D27-25DA-B994-293C-A3B880A95E7A}"/>
-              </a:ext>
-            </a:extLst>
-          </p:cNvPr>
-          <p:cNvSpPr>
-            <a:spLocks noGrp="1"/>
-          </p:cNvSpPr>
-          <p:nvPr>
-            <p:ph type="title"/>
-          </p:nvPr>
-        </p:nvSpPr>
-        <p:spPr>
-          <a:xfrm>
-            <a:off x="1593934" y="854698"/>
-            <a:ext cx="9891824" cy="1113316"/>
-          </a:xfrm>
-        </p:spPr>
+          <p:cNvPr id="2" name="Title 1"/>
+          <p:cNvSpPr>
+            <a:spLocks noGrp="1"/>
+          </p:cNvSpPr>
+          <p:nvPr>
+            <p:ph type="ctrTitle"/>
+          </p:nvPr>
+        </p:nvSpPr>
+        <p:spPr/>
         <p:txBody>
           <a:bodyPr/>
           <a:lstStyle/>
           <a:p>
-            <a:pPr algn="r" rtl="1"/>
-            <a:r>
-              <a:rPr lang="fa-IR" b="1" dirty="0">
-                <a:effectLst/>
-                <a:latin typeface="IRTitr" panose="02000506000000020002" pitchFamily="2" charset="-78"/>
-                <a:cs typeface="IRTitr" panose="02000506000000020002" pitchFamily="2" charset="-78"/>
-              </a:rPr>
-              <a:t>پایگاه های داده </a:t>
-            </a:r>
-            <a:r>
-              <a:rPr lang="en-US" b="1" dirty="0">
-                <a:effectLst/>
-                <a:latin typeface="IRTitr" panose="02000506000000020002" pitchFamily="2" charset="-78"/>
-                <a:cs typeface="IRTitr" panose="02000506000000020002" pitchFamily="2" charset="-78"/>
-              </a:rPr>
-              <a:t> NoSQL</a:t>
-            </a:r>
-          </a:p>
-        </p:txBody>
-      </p:sp>
-      <p:sp>
-        <p:nvSpPr>
-          <p:cNvPr id="3" name="Content Placeholder 2">
-            <a:extLst>
-              <a:ext uri="{FF2B5EF4-FFF2-40B4-BE49-F238E27FC236}">
-                <a16:creationId xmlns:a16="http://schemas.microsoft.com/office/drawing/2014/main" id="{37B3734E-0756-13FC-78F6-27C3913DC551}"/>
-              </a:ext>
-            </a:extLst>
-          </p:cNvPr>
-          <p:cNvSpPr>
-            <a:spLocks noGrp="1"/>
-          </p:cNvSpPr>
-          <p:nvPr>
-            <p:ph idx="1"/>
-          </p:nvPr>
-        </p:nvSpPr>
-        <p:spPr>
-          <a:xfrm>
-            <a:off x="2196445" y="1722917"/>
-            <a:ext cx="9289313" cy="4525482"/>
-          </a:xfrm>
-        </p:spPr>
-        <p:txBody>
-          <a:bodyPr>
-            <a:normAutofit/>
-          </a:bodyPr>
-          <a:lstStyle/>
-          <a:p>
-            <a:pPr marL="0" indent="0" algn="r" rtl="1">
-              <a:buNone/>
-            </a:pPr>
-            <a:r>
-              <a:rPr lang="fa-IR" sz="2800" dirty="0">
-                <a:latin typeface="IRMitra" panose="02000506000000020002" pitchFamily="2" charset="-78"/>
-                <a:cs typeface="IRMitra" panose="02000506000000020002" pitchFamily="2" charset="-78"/>
-              </a:rPr>
-              <a:t>پایگاه های داده </a:t>
-            </a:r>
-            <a:r>
-              <a:rPr lang="en-US" sz="2800" dirty="0">
-                <a:latin typeface="IRMitra" panose="02000506000000020002" pitchFamily="2" charset="-78"/>
-                <a:cs typeface="IRMitra" panose="02000506000000020002" pitchFamily="2" charset="-78"/>
-              </a:rPr>
-              <a:t> NoSQL</a:t>
-            </a:r>
-            <a:r>
-              <a:rPr lang="fa-IR" sz="2800" dirty="0">
-                <a:latin typeface="IRMitra" panose="02000506000000020002" pitchFamily="2" charset="-78"/>
-                <a:cs typeface="IRMitra" panose="02000506000000020002" pitchFamily="2" charset="-78"/>
-              </a:rPr>
-              <a:t>(</a:t>
-            </a:r>
-            <a:r>
-              <a:rPr lang="en-US" sz="2800" dirty="0">
-                <a:latin typeface="IRMitra" panose="02000506000000020002" pitchFamily="2" charset="-78"/>
-                <a:cs typeface="IRMitra" panose="02000506000000020002" pitchFamily="2" charset="-78"/>
-              </a:rPr>
-              <a:t>(Not Only SQL</a:t>
-            </a:r>
-            <a:r>
-              <a:rPr lang="fa-IR" sz="2800" dirty="0">
-                <a:latin typeface="IRMitra" panose="02000506000000020002" pitchFamily="2" charset="-78"/>
-                <a:cs typeface="IRMitra" panose="02000506000000020002" pitchFamily="2" charset="-78"/>
-              </a:rPr>
-              <a:t> برعکس نوع </a:t>
-            </a:r>
-            <a:r>
-              <a:rPr lang="en-US" sz="2800" dirty="0">
-                <a:latin typeface="IRMitra" panose="02000506000000020002" pitchFamily="2" charset="-78"/>
-                <a:cs typeface="IRMitra" panose="02000506000000020002" pitchFamily="2" charset="-78"/>
-              </a:rPr>
-              <a:t>SQL</a:t>
-            </a:r>
-            <a:r>
-              <a:rPr lang="fa-IR" sz="2800" dirty="0">
-                <a:latin typeface="IRMitra" panose="02000506000000020002" pitchFamily="2" charset="-78"/>
-                <a:cs typeface="IRMitra" panose="02000506000000020002" pitchFamily="2" charset="-78"/>
-              </a:rPr>
-              <a:t> از ساختار های </a:t>
-            </a:r>
-            <a:r>
-              <a:rPr lang="en-US" sz="2800" dirty="0">
-                <a:latin typeface="IRMitra" panose="02000506000000020002" pitchFamily="2" charset="-78"/>
-                <a:cs typeface="IRMitra" panose="02000506000000020002" pitchFamily="2" charset="-78"/>
-              </a:rPr>
-              <a:t>Schema</a:t>
-            </a:r>
-            <a:r>
-              <a:rPr lang="fa-IR" sz="2800" dirty="0">
-                <a:latin typeface="IRMitra" panose="02000506000000020002" pitchFamily="2" charset="-78"/>
-                <a:cs typeface="IRMitra" panose="02000506000000020002" pitchFamily="2" charset="-78"/>
-              </a:rPr>
-              <a:t> غیر ثابت یا </a:t>
-            </a:r>
-            <a:r>
-              <a:rPr lang="en-US" sz="2800" dirty="0">
-                <a:latin typeface="IRMitra" panose="02000506000000020002" pitchFamily="2" charset="-78"/>
-                <a:cs typeface="IRMitra" panose="02000506000000020002" pitchFamily="2" charset="-78"/>
-              </a:rPr>
-              <a:t>Dynamic Schema</a:t>
-            </a:r>
-            <a:r>
-              <a:rPr lang="fa-IR" sz="2800" dirty="0">
-                <a:latin typeface="IRMitra" panose="02000506000000020002" pitchFamily="2" charset="-78"/>
-                <a:cs typeface="IRMitra" panose="02000506000000020002" pitchFamily="2" charset="-78"/>
-              </a:rPr>
-              <a:t> استفاده می کنند.این باعث می شود که برنامه نویسان احتیاجی به تشکیل ساختارهای سخت گیرانه مشخص، پیش از ایجاد پایگاه‌های داده را نداشته باشند. این پایگاه های داده می توانند انواع مختلفی داشته باشند و برعکس </a:t>
-            </a:r>
-            <a:r>
-              <a:rPr lang="en-US" sz="2800" dirty="0">
-                <a:latin typeface="IRMitra" panose="02000506000000020002" pitchFamily="2" charset="-78"/>
-                <a:cs typeface="IRMitra" panose="02000506000000020002" pitchFamily="2" charset="-78"/>
-              </a:rPr>
-              <a:t>SQL</a:t>
-            </a:r>
-            <a:r>
-              <a:rPr lang="fa-IR" sz="2800" dirty="0">
-                <a:latin typeface="IRMitra" panose="02000506000000020002" pitchFamily="2" charset="-78"/>
-                <a:cs typeface="IRMitra" panose="02000506000000020002" pitchFamily="2" charset="-78"/>
-              </a:rPr>
-              <a:t> برای ذخیره سازی داده ها از </a:t>
-            </a:r>
-            <a:r>
-              <a:rPr lang="en-US" sz="2800" dirty="0">
-                <a:latin typeface="IRMitra" panose="02000506000000020002" pitchFamily="2" charset="-78"/>
-                <a:cs typeface="IRMitra" panose="02000506000000020002" pitchFamily="2" charset="-78"/>
-              </a:rPr>
-              <a:t>XML</a:t>
-            </a:r>
-            <a:r>
-              <a:rPr lang="fa-IR" sz="2800" dirty="0">
-                <a:latin typeface="IRMitra" panose="02000506000000020002" pitchFamily="2" charset="-78"/>
-                <a:cs typeface="IRMitra" panose="02000506000000020002" pitchFamily="2" charset="-78"/>
-              </a:rPr>
-              <a:t> یا </a:t>
-            </a:r>
-            <a:r>
-              <a:rPr lang="en-US" sz="2800" dirty="0">
-                <a:latin typeface="IRMitra" panose="02000506000000020002" pitchFamily="2" charset="-78"/>
-                <a:cs typeface="IRMitra" panose="02000506000000020002" pitchFamily="2" charset="-78"/>
-              </a:rPr>
-              <a:t>JSON</a:t>
-            </a:r>
-            <a:r>
-              <a:rPr lang="fa-IR" sz="2800" dirty="0">
-                <a:latin typeface="IRMitra" panose="02000506000000020002" pitchFamily="2" charset="-78"/>
-                <a:cs typeface="IRMitra" panose="02000506000000020002" pitchFamily="2" charset="-78"/>
-              </a:rPr>
-              <a:t> استفاده می کنند. در ادامه انواع مختلفی از پایگاه های داده </a:t>
-            </a:r>
-            <a:r>
-              <a:rPr lang="en-US" sz="2800" dirty="0">
-                <a:latin typeface="IRMitra" panose="02000506000000020002" pitchFamily="2" charset="-78"/>
-                <a:cs typeface="IRMitra" panose="02000506000000020002" pitchFamily="2" charset="-78"/>
-              </a:rPr>
-              <a:t>NoSQL</a:t>
-            </a:r>
-            <a:r>
-              <a:rPr lang="fa-IR" sz="2800" dirty="0">
-                <a:latin typeface="IRMitra" panose="02000506000000020002" pitchFamily="2" charset="-78"/>
-                <a:cs typeface="IRMitra" panose="02000506000000020002" pitchFamily="2" charset="-78"/>
-              </a:rPr>
-              <a:t> را به شما معرفی می کنیم.</a:t>
-            </a:r>
-            <a:endParaRPr lang="en-US" sz="2800" dirty="0">
-              <a:latin typeface="IRMitra" panose="02000506000000020002" pitchFamily="2" charset="-78"/>
-              <a:cs typeface="IRMitra" panose="02000506000000020002" pitchFamily="2" charset="-78"/>
-            </a:endParaRPr>
-          </a:p>
-        </p:txBody>
-      </p:sp>
-      <p:sp>
-        <p:nvSpPr>
-          <p:cNvPr id="4" name="Slide Number Placeholder 3">
-            <a:extLst>
-              <a:ext uri="{FF2B5EF4-FFF2-40B4-BE49-F238E27FC236}">
-                <a16:creationId xmlns:a16="http://schemas.microsoft.com/office/drawing/2014/main" id="{588C5ED8-FD12-1154-F750-D7B4CDBEE59E}"/>
-              </a:ext>
-            </a:extLst>
-          </p:cNvPr>
-          <p:cNvSpPr>
-            <a:spLocks noGrp="1"/>
-          </p:cNvSpPr>
-          <p:nvPr>
-            <p:ph type="sldNum" sz="quarter" idx="12"/>
+            <a:r>
+              <a:rPr lang="fa-IR" dirty="0"/>
+              <a:t>انواع دیتابیس های </a:t>
+            </a:r>
+            <a:r>
+              <a:rPr lang="en-US" dirty="0"/>
+              <a:t>NOSQL</a:t>
+            </a:r>
+            <a:endParaRPr lang="fa-IR" dirty="0"/>
+          </a:p>
+        </p:txBody>
+      </p:sp>
+      <p:sp>
+        <p:nvSpPr>
+          <p:cNvPr id="3" name="Subtitle 2"/>
+          <p:cNvSpPr>
+            <a:spLocks noGrp="1"/>
+          </p:cNvSpPr>
+          <p:nvPr>
+            <p:ph type="subTitle" idx="1"/>
           </p:nvPr>
         </p:nvSpPr>
         <p:spPr/>
@@ -24140,82 +24055,17 @@
           <a:bodyPr/>
           <a:lstStyle/>
           <a:p>
-            <a:pPr marL="0" marR="0" lvl="0" indent="0" algn="r" defTabSz="457200" rtl="0" eaLnBrk="1" fontAlgn="auto" latinLnBrk="0" hangingPunct="1">
-              <a:lnSpc>
-                <a:spcPct val="100000"/>
-              </a:lnSpc>
-              <a:spcBef>
-                <a:spcPts val="0"/>
-              </a:spcBef>
-              <a:spcAft>
-                <a:spcPts val="0"/>
-              </a:spcAft>
-              <a:buClrTx/>
-              <a:buSzTx/>
-              <a:buFontTx/>
-              <a:buNone/>
-              <a:tabLst/>
-              <a:defRPr/>
-            </a:pPr>
-            <a:fld id="{7689408C-A85D-48C2-977A-AF384DC8465A}" type="slidenum">
-              <a:rPr kumimoji="0" lang="fa-IR" sz="1050" b="0" i="0" u="none" strike="noStrike" kern="1200" cap="none" spc="0" normalizeH="0" baseline="0" noProof="0" smtClean="0">
-                <a:ln>
-                  <a:noFill/>
-                </a:ln>
-                <a:solidFill>
-                  <a:prstClr val="white">
-                    <a:tint val="75000"/>
-                  </a:prstClr>
-                </a:solidFill>
-                <a:effectLst/>
-                <a:uLnTx/>
-                <a:uFillTx/>
-                <a:latin typeface="Tw Cen MT" panose="020B0602020104020603"/>
-                <a:ea typeface="+mn-ea"/>
-                <a:cs typeface="Arial" panose="020B0604020202020204" pitchFamily="34" charset="0"/>
-              </a:rPr>
-              <a:pPr marL="0" marR="0" lvl="0" indent="0" algn="r" defTabSz="457200" rtl="0" eaLnBrk="1" fontAlgn="auto" latinLnBrk="0" hangingPunct="1">
-                <a:lnSpc>
-                  <a:spcPct val="100000"/>
-                </a:lnSpc>
-                <a:spcBef>
-                  <a:spcPts val="0"/>
-                </a:spcBef>
-                <a:spcAft>
-                  <a:spcPts val="0"/>
-                </a:spcAft>
-                <a:buClrTx/>
-                <a:buSzTx/>
-                <a:buFontTx/>
-                <a:buNone/>
-                <a:tabLst/>
-                <a:defRPr/>
-              </a:pPr>
-              <a:t>12</a:t>
-            </a:fld>
-            <a:endParaRPr kumimoji="0" lang="fa-IR" sz="1050" b="0" i="0" u="none" strike="noStrike" kern="1200" cap="none" spc="0" normalizeH="0" baseline="0" noProof="0">
-              <a:ln>
-                <a:noFill/>
-              </a:ln>
-              <a:solidFill>
-                <a:prstClr val="white">
-                  <a:tint val="75000"/>
-                </a:prstClr>
-              </a:solidFill>
-              <a:effectLst/>
-              <a:uLnTx/>
-              <a:uFillTx/>
-              <a:latin typeface="Tw Cen MT" panose="020B0602020104020603"/>
-              <a:ea typeface="+mn-ea"/>
-              <a:cs typeface="Arial" panose="020B0604020202020204" pitchFamily="34" charset="0"/>
-            </a:endParaRPr>
+            <a:r>
+              <a:rPr lang="fa-IR" dirty="0"/>
+              <a:t>طراح : جواد رحیمی</a:t>
+            </a:r>
           </a:p>
         </p:txBody>
       </p:sp>
     </p:spTree>
     <p:extLst>
       <p:ext uri="{BB962C8B-B14F-4D97-AF65-F5344CB8AC3E}">
-        <p14:creationId xmlns:p14="http://schemas.microsoft.com/office/powerpoint/2010/main" val="2882024970"/>
+        <p14:creationId xmlns:p14="http://schemas.microsoft.com/office/powerpoint/2010/main" val="2815668928"/>
       </p:ext>
     </p:extLst>
   </p:cSld>
@@ -24249,7 +24099,7 @@
             <a:spLocks noGrp="1"/>
           </p:cNvSpPr>
           <p:nvPr>
-            <p:ph type="ctrTitle"/>
+            <p:ph type="title"/>
           </p:nvPr>
         </p:nvSpPr>
         <p:spPr/>
@@ -24257,44 +24107,104 @@
           <a:bodyPr/>
           <a:lstStyle/>
           <a:p>
-            <a:r>
-              <a:rPr lang="fa-IR" dirty="0"/>
-              <a:t>انواع دیتابیس های </a:t>
-            </a:r>
+            <a:pPr algn="l"/>
             <a:r>
               <a:rPr lang="en-US" dirty="0"/>
-              <a:t>NOSQL</a:t>
+              <a:t>Key-Value Database</a:t>
             </a:r>
             <a:endParaRPr lang="fa-IR" dirty="0"/>
           </a:p>
         </p:txBody>
       </p:sp>
-      <p:sp>
-        <p:nvSpPr>
-          <p:cNvPr id="3" name="Subtitle 2"/>
-          <p:cNvSpPr>
-            <a:spLocks noGrp="1"/>
-          </p:cNvSpPr>
-          <p:nvPr>
-            <p:ph type="subTitle" idx="1"/>
+      <p:pic>
+        <p:nvPicPr>
+          <p:cNvPr id="5" name="Content Placeholder 4"/>
+          <p:cNvPicPr>
+            <a:picLocks noGrp="1" noChangeAspect="1"/>
+          </p:cNvPicPr>
+          <p:nvPr>
+            <p:ph sz="half" idx="1"/>
+          </p:nvPr>
+        </p:nvPicPr>
+        <p:blipFill>
+          <a:blip r:embed="rId2">
+            <a:extLst>
+              <a:ext uri="{28A0092B-C50C-407E-A947-70E740481C1C}">
+                <a14:useLocalDpi xmlns:a14="http://schemas.microsoft.com/office/drawing/2010/main" val="0"/>
+              </a:ext>
+            </a:extLst>
+          </a:blip>
+          <a:stretch>
+            <a:fillRect/>
+          </a:stretch>
+        </p:blipFill>
+        <p:spPr>
+          <a:xfrm>
+            <a:off x="2592924" y="1488388"/>
+            <a:ext cx="4814873" cy="4298953"/>
+          </a:xfrm>
+        </p:spPr>
+      </p:pic>
+      <p:sp>
+        <p:nvSpPr>
+          <p:cNvPr id="4" name="Content Placeholder 3"/>
+          <p:cNvSpPr>
+            <a:spLocks noGrp="1"/>
+          </p:cNvSpPr>
+          <p:nvPr>
+            <p:ph sz="half" idx="2"/>
           </p:nvPr>
         </p:nvSpPr>
         <p:spPr/>
         <p:txBody>
-          <a:bodyPr/>
+          <a:bodyPr>
+            <a:normAutofit fontScale="77500" lnSpcReduction="20000"/>
+          </a:bodyPr>
           <a:lstStyle/>
           <a:p>
             <a:r>
-              <a:rPr lang="fa-IR" dirty="0"/>
-              <a:t>طراح : جواد رحیمی</a:t>
-            </a:r>
+              <a:rPr lang="fa-IR" sz="3200" dirty="0"/>
+              <a:t>این مدل پایگاه داده بر اساس جفتِ کلید-مقدار است .</a:t>
+            </a:r>
+          </a:p>
+          <a:p>
+            <a:r>
+              <a:rPr lang="fa-IR" sz="3200" dirty="0"/>
+              <a:t>کلید ها نقش شناسه ی هر داده را بازی میکنند .(معنی داده ای که باهاش جفت شدن رو مشخص میکنن)</a:t>
+            </a:r>
+          </a:p>
+          <a:p>
+            <a:r>
+              <a:rPr lang="en-US" sz="3200" dirty="0"/>
+              <a:t>DBMS</a:t>
+            </a:r>
+            <a:r>
+              <a:rPr lang="fa-IR" sz="3200" dirty="0"/>
+              <a:t> هایی که بر این اساس کار میکنند : </a:t>
+            </a:r>
+            <a:r>
+              <a:rPr lang="en-US" sz="3200" dirty="0" err="1"/>
+              <a:t>MemcacheDB.Redis</a:t>
+            </a:r>
+            <a:r>
+              <a:rPr lang="en-US" sz="3200" dirty="0"/>
+              <a:t> , </a:t>
+            </a:r>
+            <a:r>
+              <a:rPr lang="en-US" sz="3200" dirty="0" err="1"/>
+              <a:t>Riak</a:t>
+            </a:r>
+            <a:endParaRPr lang="en-US" sz="3200" dirty="0"/>
+          </a:p>
+          <a:p>
+            <a:endParaRPr lang="fa-IR" sz="3200" dirty="0"/>
           </a:p>
         </p:txBody>
       </p:sp>
     </p:spTree>
     <p:extLst>
       <p:ext uri="{BB962C8B-B14F-4D97-AF65-F5344CB8AC3E}">
-        <p14:creationId xmlns:p14="http://schemas.microsoft.com/office/powerpoint/2010/main" val="2815668928"/>
+        <p14:creationId xmlns:p14="http://schemas.microsoft.com/office/powerpoint/2010/main" val="2919669871"/>
       </p:ext>
     </p:extLst>
   </p:cSld>
@@ -24331,57 +24241,33 @@
             <p:ph type="title"/>
           </p:nvPr>
         </p:nvSpPr>
-        <p:spPr/>
-        <p:txBody>
-          <a:bodyPr/>
-          <a:lstStyle/>
-          <a:p>
-            <a:pPr algn="l"/>
-            <a:r>
-              <a:rPr lang="en-US" dirty="0"/>
-              <a:t>Key-Value Database</a:t>
-            </a:r>
-            <a:endParaRPr lang="fa-IR" dirty="0"/>
-          </a:p>
-        </p:txBody>
-      </p:sp>
-      <p:pic>
-        <p:nvPicPr>
-          <p:cNvPr id="5" name="Content Placeholder 4"/>
-          <p:cNvPicPr>
-            <a:picLocks noGrp="1" noChangeAspect="1"/>
-          </p:cNvPicPr>
-          <p:nvPr>
-            <p:ph sz="half" idx="1"/>
-          </p:nvPr>
-        </p:nvPicPr>
-        <p:blipFill>
-          <a:blip r:embed="rId2">
-            <a:extLst>
-              <a:ext uri="{28A0092B-C50C-407E-A947-70E740481C1C}">
-                <a14:useLocalDpi xmlns:a14="http://schemas.microsoft.com/office/drawing/2010/main" val="0"/>
-              </a:ext>
-            </a:extLst>
-          </a:blip>
-          <a:stretch>
-            <a:fillRect/>
-          </a:stretch>
-        </p:blipFill>
         <p:spPr>
           <a:xfrm>
-            <a:off x="2592924" y="1488388"/>
-            <a:ext cx="4814873" cy="4298953"/>
+            <a:off x="1944548" y="624110"/>
+            <a:ext cx="9560064" cy="1280890"/>
           </a:xfrm>
         </p:spPr>
-      </p:pic>
-      <p:sp>
-        <p:nvSpPr>
-          <p:cNvPr id="4" name="Content Placeholder 3"/>
-          <p:cNvSpPr>
-            <a:spLocks noGrp="1"/>
-          </p:cNvSpPr>
-          <p:nvPr>
-            <p:ph sz="half" idx="2"/>
+        <p:txBody>
+          <a:bodyPr>
+            <a:noAutofit/>
+          </a:bodyPr>
+          <a:lstStyle/>
+          <a:p>
+            <a:r>
+              <a:rPr lang="fa-IR" sz="6600" dirty="0"/>
+              <a:t>کاربرد ها و عدم کاربرد ها</a:t>
+            </a:r>
+          </a:p>
+        </p:txBody>
+      </p:sp>
+      <p:sp>
+        <p:nvSpPr>
+          <p:cNvPr id="3" name="Content Placeholder 2"/>
+          <p:cNvSpPr>
+            <a:spLocks noGrp="1"/>
+          </p:cNvSpPr>
+          <p:nvPr>
+            <p:ph sz="half" idx="1"/>
           </p:nvPr>
         </p:nvSpPr>
         <p:spPr/>
@@ -24392,48 +24278,70 @@
           <a:lstStyle/>
           <a:p>
             <a:r>
-              <a:rPr lang="fa-IR" sz="3200" dirty="0"/>
-              <a:t>این مدل پایگاه داده بر اساس جفتِ کلید-مقدار است .</a:t>
-            </a:r>
-          </a:p>
-          <a:p>
-            <a:r>
-              <a:rPr lang="fa-IR" sz="3200" dirty="0"/>
-              <a:t>کلید ها نقش شناسه ی هر داده را بازی میکنند .(معنی داده ای که باهاش جفت شدن رو مشخص میکنن)</a:t>
-            </a:r>
-          </a:p>
-          <a:p>
-            <a:r>
-              <a:rPr lang="en-US" sz="3200" dirty="0"/>
-              <a:t>DBMS</a:t>
-            </a:r>
-            <a:r>
-              <a:rPr lang="fa-IR" sz="3200" dirty="0"/>
-              <a:t> هایی که بر این اساس کار میکنند : </a:t>
-            </a:r>
-            <a:r>
-              <a:rPr lang="en-US" sz="3200" dirty="0" err="1"/>
-              <a:t>MemcacheDB.Redis</a:t>
-            </a:r>
-            <a:r>
-              <a:rPr lang="en-US" sz="3200" dirty="0"/>
-              <a:t> , </a:t>
-            </a:r>
-            <a:r>
-              <a:rPr lang="en-US" sz="3200" dirty="0" err="1"/>
-              <a:t>Riak</a:t>
-            </a:r>
-            <a:endParaRPr lang="en-US" sz="3200" dirty="0"/>
-          </a:p>
-          <a:p>
-            <a:endParaRPr lang="fa-IR" sz="3200" dirty="0"/>
+              <a:rPr lang="fa-IR" sz="4000" dirty="0"/>
+              <a:t>وقتی که بخوایم جست و جو بر اساس یک مقدار مشخص انجام بدیم</a:t>
+            </a:r>
+          </a:p>
+          <a:p>
+            <a:r>
+              <a:rPr lang="fa-IR" sz="4000" dirty="0"/>
+              <a:t>وقتی که داده ها مرتبا باید بروز شوند</a:t>
+            </a:r>
+          </a:p>
+          <a:p>
+            <a:r>
+              <a:rPr lang="fa-IR" sz="4000" dirty="0"/>
+              <a:t>شما بگین ...؟</a:t>
+            </a:r>
+          </a:p>
+        </p:txBody>
+      </p:sp>
+      <p:sp>
+        <p:nvSpPr>
+          <p:cNvPr id="4" name="Content Placeholder 3"/>
+          <p:cNvSpPr>
+            <a:spLocks noGrp="1"/>
+          </p:cNvSpPr>
+          <p:nvPr>
+            <p:ph sz="half" idx="2"/>
+          </p:nvPr>
+        </p:nvSpPr>
+        <p:spPr/>
+        <p:txBody>
+          <a:bodyPr>
+            <a:normAutofit fontScale="77500" lnSpcReduction="20000"/>
+          </a:bodyPr>
+          <a:lstStyle/>
+          <a:p>
+            <a:r>
+              <a:rPr lang="fa-IR" sz="3600" dirty="0"/>
+              <a:t>ذخیره سازی داده های مرتبط با سشن کاربران لاگین شده</a:t>
+            </a:r>
+          </a:p>
+          <a:p>
+            <a:r>
+              <a:rPr lang="fa-IR" sz="3600" dirty="0"/>
+              <a:t>پروفایل های بدون ساختارِ کاربران</a:t>
+            </a:r>
+          </a:p>
+          <a:p>
+            <a:r>
+              <a:rPr lang="fa-IR" sz="3600" dirty="0"/>
+              <a:t>ذخیره تنظیمات حساب کاربری</a:t>
+            </a:r>
+          </a:p>
+          <a:p>
+            <a:r>
+              <a:rPr lang="fa-IR" sz="3600" dirty="0"/>
+              <a:t>ذخیره داده های سبد خرید فروشگاه آنلاین</a:t>
+            </a:r>
           </a:p>
         </p:txBody>
       </p:sp>
     </p:spTree>
     <p:extLst>
       <p:ext uri="{BB962C8B-B14F-4D97-AF65-F5344CB8AC3E}">
-        <p14:creationId xmlns:p14="http://schemas.microsoft.com/office/powerpoint/2010/main" val="2919669871"/>
+        <p14:creationId xmlns:p14="http://schemas.microsoft.com/office/powerpoint/2010/main" val="1662567588"/>
       </p:ext>
     </p:extLst>
   </p:cSld>
@@ -24470,143 +24378,6 @@
             <p:ph type="title"/>
           </p:nvPr>
         </p:nvSpPr>
-        <p:spPr>
-          <a:xfrm>
-            <a:off x="1944548" y="624110"/>
-            <a:ext cx="9560064" cy="1280890"/>
-          </a:xfrm>
-        </p:spPr>
-        <p:txBody>
-          <a:bodyPr>
-            <a:noAutofit/>
-          </a:bodyPr>
-          <a:lstStyle/>
-          <a:p>
-            <a:r>
-              <a:rPr lang="fa-IR" sz="6600" dirty="0"/>
-              <a:t>کاربرد ها و عدم کاربرد ها</a:t>
-            </a:r>
-          </a:p>
-        </p:txBody>
-      </p:sp>
-      <p:sp>
-        <p:nvSpPr>
-          <p:cNvPr id="3" name="Content Placeholder 2"/>
-          <p:cNvSpPr>
-            <a:spLocks noGrp="1"/>
-          </p:cNvSpPr>
-          <p:nvPr>
-            <p:ph sz="half" idx="1"/>
-          </p:nvPr>
-        </p:nvSpPr>
-        <p:spPr/>
-        <p:txBody>
-          <a:bodyPr>
-            <a:normAutofit fontScale="77500" lnSpcReduction="20000"/>
-          </a:bodyPr>
-          <a:lstStyle/>
-          <a:p>
-            <a:r>
-              <a:rPr lang="fa-IR" sz="4000" dirty="0"/>
-              <a:t>وقتی که بخوایم جست و جو بر اساس یک مقدار مشخص انجام بدیم</a:t>
-            </a:r>
-          </a:p>
-          <a:p>
-            <a:r>
-              <a:rPr lang="fa-IR" sz="4000" dirty="0"/>
-              <a:t>وقتی که داده ها مرتبا باید بروز شوند</a:t>
-            </a:r>
-          </a:p>
-          <a:p>
-            <a:r>
-              <a:rPr lang="fa-IR" sz="4000" dirty="0"/>
-              <a:t>شما بگین ...؟</a:t>
-            </a:r>
-          </a:p>
-        </p:txBody>
-      </p:sp>
-      <p:sp>
-        <p:nvSpPr>
-          <p:cNvPr id="4" name="Content Placeholder 3"/>
-          <p:cNvSpPr>
-            <a:spLocks noGrp="1"/>
-          </p:cNvSpPr>
-          <p:nvPr>
-            <p:ph sz="half" idx="2"/>
-          </p:nvPr>
-        </p:nvSpPr>
-        <p:spPr/>
-        <p:txBody>
-          <a:bodyPr>
-            <a:normAutofit fontScale="77500" lnSpcReduction="20000"/>
-          </a:bodyPr>
-          <a:lstStyle/>
-          <a:p>
-            <a:r>
-              <a:rPr lang="fa-IR" sz="3600" dirty="0"/>
-              <a:t>ذخیره سازی داده های مرتبط با سشن کاربران لاگین شده</a:t>
-            </a:r>
-          </a:p>
-          <a:p>
-            <a:r>
-              <a:rPr lang="fa-IR" sz="3600" dirty="0"/>
-              <a:t>پروفایل های بدون ساختارِ کاربران</a:t>
-            </a:r>
-          </a:p>
-          <a:p>
-            <a:r>
-              <a:rPr lang="fa-IR" sz="3600" dirty="0"/>
-              <a:t>ذخیره تنظیمات حساب کاربری</a:t>
-            </a:r>
-          </a:p>
-          <a:p>
-            <a:r>
-              <a:rPr lang="fa-IR" sz="3600" dirty="0"/>
-              <a:t>ذخیره داده های سبد خرید فروشگاه آنلاین</a:t>
-            </a:r>
-          </a:p>
-        </p:txBody>
-      </p:sp>
-    </p:spTree>
-    <p:extLst>
-      <p:ext uri="{BB962C8B-B14F-4D97-AF65-F5344CB8AC3E}">
-        <p14:creationId xmlns:p14="http://schemas.microsoft.com/office/powerpoint/2010/main" val="1662567588"/>
-      </p:ext>
-    </p:extLst>
-  </p:cSld>
-  <p:clrMapOvr>
-    <a:masterClrMapping/>
-  </p:clrMapOvr>
-</p:sld>
-</file>
-
-<file path=ppt/slides/slide16.xml><?xml version="1.0" encoding="utf-8"?>
-<p:sld xmlns:a="http://schemas.openxmlformats.org/drawingml/2006/main" xmlns:r="http://schemas.openxmlformats.org/officeDocument/2006/relationships" xmlns:p="http://schemas.openxmlformats.org/presentationml/2006/main">
-  <p:cSld>
-    <p:spTree>
-      <p:nvGrpSpPr>
-        <p:cNvPr id="1" name=""/>
-        <p:cNvGrpSpPr/>
-        <p:nvPr/>
-      </p:nvGrpSpPr>
-      <p:grpSpPr>
-        <a:xfrm>
-          <a:off x="0" y="0"/>
-          <a:ext cx="0" cy="0"/>
-          <a:chOff x="0" y="0"/>
-          <a:chExt cx="0" cy="0"/>
-        </a:xfrm>
-      </p:grpSpPr>
-      <p:sp>
-        <p:nvSpPr>
-          <p:cNvPr id="2" name="Title 1"/>
-          <p:cNvSpPr>
-            <a:spLocks noGrp="1"/>
-          </p:cNvSpPr>
-          <p:nvPr>
-            <p:ph type="title"/>
-          </p:nvPr>
-        </p:nvSpPr>
         <p:spPr/>
         <p:txBody>
           <a:bodyPr/>
@@ -24703,7 +24474,7 @@
 </p:sld>
 </file>
 
-<file path=ppt/slides/slide17.xml><?xml version="1.0" encoding="utf-8"?>
+<file path=ppt/slides/slide16.xml><?xml version="1.0" encoding="utf-8"?>
 <p:sld xmlns:a="http://schemas.openxmlformats.org/drawingml/2006/main" xmlns:r="http://schemas.openxmlformats.org/officeDocument/2006/relationships" xmlns:p="http://schemas.openxmlformats.org/presentationml/2006/main">
   <p:cSld>
     <p:spTree>
@@ -24784,6 +24555,128 @@
 </p:sld>
 </file>
 
+<file path=ppt/slides/slide17.xml><?xml version="1.0" encoding="utf-8"?>
+<p:sld xmlns:a="http://schemas.openxmlformats.org/drawingml/2006/main" xmlns:r="http://schemas.openxmlformats.org/officeDocument/2006/relationships" xmlns:p="http://schemas.openxmlformats.org/presentationml/2006/main">
+  <p:cSld>
+    <p:spTree>
+      <p:nvGrpSpPr>
+        <p:cNvPr id="1" name=""/>
+        <p:cNvGrpSpPr/>
+        <p:nvPr/>
+      </p:nvGrpSpPr>
+      <p:grpSpPr>
+        <a:xfrm>
+          <a:off x="0" y="0"/>
+          <a:ext cx="0" cy="0"/>
+          <a:chOff x="0" y="0"/>
+          <a:chExt cx="0" cy="0"/>
+        </a:xfrm>
+      </p:grpSpPr>
+      <p:sp>
+        <p:nvSpPr>
+          <p:cNvPr id="2" name="Title 1"/>
+          <p:cNvSpPr>
+            <a:spLocks noGrp="1"/>
+          </p:cNvSpPr>
+          <p:nvPr>
+            <p:ph type="title"/>
+          </p:nvPr>
+        </p:nvSpPr>
+        <p:spPr>
+          <a:xfrm>
+            <a:off x="1979272" y="624110"/>
+            <a:ext cx="9525340" cy="1280890"/>
+          </a:xfrm>
+        </p:spPr>
+        <p:txBody>
+          <a:bodyPr>
+            <a:noAutofit/>
+          </a:bodyPr>
+          <a:lstStyle/>
+          <a:p>
+            <a:r>
+              <a:rPr lang="fa-IR" sz="6600" dirty="0"/>
+              <a:t>کاربردها و عدم کاربرد ها</a:t>
+            </a:r>
+          </a:p>
+        </p:txBody>
+      </p:sp>
+      <p:sp>
+        <p:nvSpPr>
+          <p:cNvPr id="3" name="Content Placeholder 2"/>
+          <p:cNvSpPr>
+            <a:spLocks noGrp="1"/>
+          </p:cNvSpPr>
+          <p:nvPr>
+            <p:ph sz="half" idx="1"/>
+          </p:nvPr>
+        </p:nvSpPr>
+        <p:spPr/>
+        <p:txBody>
+          <a:bodyPr>
+            <a:normAutofit fontScale="77500" lnSpcReduction="20000"/>
+          </a:bodyPr>
+          <a:lstStyle/>
+          <a:p>
+            <a:r>
+              <a:rPr lang="fa-IR" sz="8000" dirty="0"/>
+              <a:t>شما بگین...؟</a:t>
+            </a:r>
+          </a:p>
+        </p:txBody>
+      </p:sp>
+      <p:sp>
+        <p:nvSpPr>
+          <p:cNvPr id="4" name="Content Placeholder 3"/>
+          <p:cNvSpPr>
+            <a:spLocks noGrp="1"/>
+          </p:cNvSpPr>
+          <p:nvPr>
+            <p:ph sz="half" idx="2"/>
+          </p:nvPr>
+        </p:nvSpPr>
+        <p:spPr/>
+        <p:txBody>
+          <a:bodyPr>
+            <a:normAutofit fontScale="77500" lnSpcReduction="20000"/>
+          </a:bodyPr>
+          <a:lstStyle/>
+          <a:p>
+            <a:r>
+              <a:rPr lang="fa-IR" sz="4800" dirty="0"/>
+              <a:t>سیستم های مدیریت محتوا</a:t>
+            </a:r>
+          </a:p>
+          <a:p>
+            <a:r>
+              <a:rPr lang="fa-IR" sz="4800" dirty="0"/>
+              <a:t>پلتفرم های وبلاگی</a:t>
+            </a:r>
+          </a:p>
+          <a:p>
+            <a:r>
+              <a:rPr lang="fa-IR" sz="4800" dirty="0"/>
+              <a:t>سرویس هایی که داده هایی با تاریخ انقضا ذخیره میکنند</a:t>
+            </a:r>
+          </a:p>
+          <a:p>
+            <a:endParaRPr lang="fa-IR" sz="4800" dirty="0"/>
+          </a:p>
+        </p:txBody>
+      </p:sp>
+    </p:spTree>
+    <p:extLst>
+      <p:ext uri="{BB962C8B-B14F-4D97-AF65-F5344CB8AC3E}">
+        <p14:creationId xmlns:p14="http://schemas.microsoft.com/office/powerpoint/2010/main" val="3471425405"/>
+      </p:ext>
+    </p:extLst>
+  </p:cSld>
+  <p:clrMapOvr>
+    <a:masterClrMapping/>
+  </p:clrMapOvr>
+</p:sld>
+</file>
+
 <file path=ppt/slides/slide18.xml><?xml version="1.0" encoding="utf-8"?>
 <p:sld xmlns:a="http://schemas.openxmlformats.org/drawingml/2006/main" xmlns:r="http://schemas.openxmlformats.org/officeDocument/2006/relationships" xmlns:p="http://schemas.openxmlformats.org/presentationml/2006/main">
   <p:cSld>
@@ -24811,10 +24704,63 @@
             <p:ph type="title"/>
           </p:nvPr>
         </p:nvSpPr>
+        <p:spPr/>
+        <p:txBody>
+          <a:bodyPr/>
+          <a:lstStyle/>
+          <a:p>
+            <a:pPr algn="l" rtl="0"/>
+            <a:r>
+              <a:rPr lang="en-US" dirty="0"/>
+              <a:t>Document Database</a:t>
+            </a:r>
+            <a:endParaRPr lang="fa-IR" dirty="0"/>
+          </a:p>
+        </p:txBody>
+      </p:sp>
+      <p:pic>
+        <p:nvPicPr>
+          <p:cNvPr id="7" name="Content Placeholder 6"/>
+          <p:cNvPicPr>
+            <a:picLocks noGrp="1" noChangeAspect="1"/>
+          </p:cNvPicPr>
+          <p:nvPr>
+            <p:ph sz="half" idx="1"/>
+          </p:nvPr>
+        </p:nvPicPr>
+        <p:blipFill>
+          <a:blip r:embed="rId2">
+            <a:extLst>
+              <a:ext uri="{28A0092B-C50C-407E-A947-70E740481C1C}">
+                <a14:useLocalDpi xmlns:a14="http://schemas.microsoft.com/office/drawing/2010/main" val="0"/>
+              </a:ext>
+            </a:extLst>
+          </a:blip>
+          <a:stretch>
+            <a:fillRect/>
+          </a:stretch>
+        </p:blipFill>
         <p:spPr>
           <a:xfrm>
-            <a:off x="1979272" y="624110"/>
-            <a:ext cx="9525340" cy="1280890"/>
+            <a:off x="0" y="1360745"/>
+            <a:ext cx="7373073" cy="5364146"/>
+          </a:xfrm>
+        </p:spPr>
+      </p:pic>
+      <p:sp>
+        <p:nvSpPr>
+          <p:cNvPr id="4" name="Content Placeholder 3"/>
+          <p:cNvSpPr>
+            <a:spLocks noGrp="1"/>
+          </p:cNvSpPr>
+          <p:nvPr>
+            <p:ph sz="half" idx="2"/>
+          </p:nvPr>
+        </p:nvSpPr>
+        <p:spPr>
+          <a:xfrm>
+            <a:off x="7526413" y="1360745"/>
+            <a:ext cx="4313864" cy="3777622"/>
           </a:xfrm>
         </p:spPr>
         <p:txBody>
@@ -24824,79 +24770,61 @@
           <a:lstStyle/>
           <a:p>
             <a:r>
-              <a:rPr lang="fa-IR" sz="6600" dirty="0"/>
-              <a:t>کاربردها و عدم کاربرد ها</a:t>
-            </a:r>
-          </a:p>
-        </p:txBody>
-      </p:sp>
-      <p:sp>
-        <p:nvSpPr>
-          <p:cNvPr id="3" name="Content Placeholder 2"/>
-          <p:cNvSpPr>
-            <a:spLocks noGrp="1"/>
-          </p:cNvSpPr>
-          <p:nvPr>
-            <p:ph sz="half" idx="1"/>
-          </p:nvPr>
-        </p:nvSpPr>
-        <p:spPr/>
-        <p:txBody>
-          <a:bodyPr>
-            <a:normAutofit fontScale="77500" lnSpcReduction="20000"/>
-          </a:bodyPr>
-          <a:lstStyle/>
-          <a:p>
-            <a:r>
-              <a:rPr lang="fa-IR" sz="8000" dirty="0"/>
-              <a:t>شما بگین...؟</a:t>
-            </a:r>
-          </a:p>
-        </p:txBody>
-      </p:sp>
-      <p:sp>
-        <p:nvSpPr>
-          <p:cNvPr id="4" name="Content Placeholder 3"/>
-          <p:cNvSpPr>
-            <a:spLocks noGrp="1"/>
-          </p:cNvSpPr>
-          <p:nvPr>
-            <p:ph sz="half" idx="2"/>
-          </p:nvPr>
-        </p:nvSpPr>
-        <p:spPr/>
-        <p:txBody>
-          <a:bodyPr>
-            <a:normAutofit fontScale="77500" lnSpcReduction="20000"/>
-          </a:bodyPr>
-          <a:lstStyle/>
-          <a:p>
-            <a:r>
-              <a:rPr lang="fa-IR" sz="4800" dirty="0"/>
-              <a:t>سیستم های مدیریت محتوا</a:t>
-            </a:r>
-          </a:p>
-          <a:p>
-            <a:r>
-              <a:rPr lang="fa-IR" sz="4800" dirty="0"/>
-              <a:t>پلتفرم های وبلاگی</a:t>
-            </a:r>
-          </a:p>
-          <a:p>
-            <a:r>
-              <a:rPr lang="fa-IR" sz="4800" dirty="0"/>
-              <a:t>سرویس هایی که داده هایی با تاریخ انقضا ذخیره میکنند</a:t>
-            </a:r>
-          </a:p>
-          <a:p>
-            <a:endParaRPr lang="fa-IR" sz="4800" dirty="0"/>
+              <a:rPr lang="fa-IR" sz="2800" dirty="0"/>
+              <a:t>برای ذخیره سازی داده ها از سند های </a:t>
+            </a:r>
+            <a:r>
+              <a:rPr lang="en-US" sz="2800" dirty="0"/>
+              <a:t>JSON , XML </a:t>
+            </a:r>
+            <a:r>
+              <a:rPr lang="fa-IR" sz="2800" dirty="0"/>
+              <a:t> و </a:t>
+            </a:r>
+            <a:r>
+              <a:rPr lang="en-US" sz="2800" dirty="0"/>
+              <a:t>BSON</a:t>
+            </a:r>
+            <a:r>
+              <a:rPr lang="fa-IR" sz="2800" dirty="0"/>
+              <a:t> استفاده میکنند.</a:t>
+            </a:r>
+          </a:p>
+          <a:p>
+            <a:r>
+              <a:rPr lang="fa-IR" sz="2800" dirty="0"/>
+              <a:t>برای ذخیره و استفاده از داده های پراکنده و بی ساختار استفاده میشوند.</a:t>
+            </a:r>
+            <a:endParaRPr lang="en-US" sz="2800" dirty="0"/>
+          </a:p>
+          <a:p>
+            <a:r>
+              <a:rPr lang="en-US" sz="2800" dirty="0"/>
+              <a:t>MongoDB</a:t>
+            </a:r>
+            <a:r>
+              <a:rPr lang="fa-IR" sz="2800" dirty="0"/>
+              <a:t> و </a:t>
+            </a:r>
+            <a:r>
+              <a:rPr lang="en-US" sz="2800" dirty="0"/>
+              <a:t>Apache </a:t>
+            </a:r>
+            <a:r>
+              <a:rPr lang="en-US" sz="2800" dirty="0" err="1"/>
+              <a:t>CouchDB</a:t>
+            </a:r>
+            <a:r>
+              <a:rPr lang="fa-IR" sz="2800" dirty="0"/>
+              <a:t> بر این اساس کار میکنند</a:t>
+            </a:r>
           </a:p>
         </p:txBody>
       </p:sp>
     </p:spTree>
     <p:extLst>
       <p:ext uri="{BB962C8B-B14F-4D97-AF65-F5344CB8AC3E}">
-        <p14:creationId xmlns:p14="http://schemas.microsoft.com/office/powerpoint/2010/main" val="3471425405"/>
+        <p14:creationId xmlns:p14="http://schemas.microsoft.com/office/powerpoint/2010/main" val="2225008416"/>
       </p:ext>
     </p:extLst>
   </p:cSld>
@@ -24935,60 +24863,67 @@
         </p:nvSpPr>
         <p:spPr/>
         <p:txBody>
-          <a:bodyPr/>
+          <a:bodyPr>
+            <a:normAutofit/>
+          </a:bodyPr>
           <a:lstStyle/>
           <a:p>
-            <a:pPr algn="l" rtl="0"/>
-            <a:r>
-              <a:rPr lang="en-US" dirty="0"/>
-              <a:t>Document Database</a:t>
-            </a:r>
-            <a:endParaRPr lang="fa-IR" dirty="0"/>
-          </a:p>
-        </p:txBody>
-      </p:sp>
-      <p:pic>
-        <p:nvPicPr>
-          <p:cNvPr id="7" name="Content Placeholder 6"/>
-          <p:cNvPicPr>
-            <a:picLocks noGrp="1" noChangeAspect="1"/>
-          </p:cNvPicPr>
+            <a:r>
+              <a:rPr lang="fa-IR" sz="6600" dirty="0"/>
+              <a:t>کاربردها و عدم کاربرد ها</a:t>
+            </a:r>
+          </a:p>
+        </p:txBody>
+      </p:sp>
+      <p:sp>
+        <p:nvSpPr>
+          <p:cNvPr id="3" name="Content Placeholder 2"/>
+          <p:cNvSpPr>
+            <a:spLocks noGrp="1"/>
+          </p:cNvSpPr>
           <p:nvPr>
             <p:ph sz="half" idx="1"/>
           </p:nvPr>
-        </p:nvPicPr>
-        <p:blipFill>
-          <a:blip r:embed="rId2">
-            <a:extLst>
-              <a:ext uri="{28A0092B-C50C-407E-A947-70E740481C1C}">
-                <a14:useLocalDpi xmlns:a14="http://schemas.microsoft.com/office/drawing/2010/main" val="0"/>
-              </a:ext>
-            </a:extLst>
-          </a:blip>
-          <a:stretch>
-            <a:fillRect/>
-          </a:stretch>
-        </p:blipFill>
+        </p:nvSpPr>
+        <p:spPr/>
+        <p:txBody>
+          <a:bodyPr>
+            <a:normAutofit fontScale="70000" lnSpcReduction="20000"/>
+          </a:bodyPr>
+          <a:lstStyle/>
+          <a:p>
+            <a:r>
+              <a:rPr lang="fa-IR" sz="6600" dirty="0"/>
+              <a:t>نامناسب برای وقتی که کوئری های پیچیده داریم</a:t>
+            </a:r>
+          </a:p>
+          <a:p>
+            <a:r>
+              <a:rPr lang="fa-IR" sz="6600" dirty="0"/>
+              <a:t>شما بگین...؟</a:t>
+            </a:r>
+          </a:p>
+          <a:p>
+            <a:pPr marL="0" indent="0">
+              <a:buNone/>
+            </a:pPr>
+            <a:endParaRPr lang="fa-IR" sz="6600" dirty="0"/>
+          </a:p>
+        </p:txBody>
+      </p:sp>
+      <p:sp>
+        <p:nvSpPr>
+          <p:cNvPr id="4" name="Content Placeholder 3"/>
+          <p:cNvSpPr>
+            <a:spLocks noGrp="1"/>
+          </p:cNvSpPr>
+          <p:nvPr>
+            <p:ph sz="half" idx="2"/>
+          </p:nvPr>
+        </p:nvSpPr>
         <p:spPr>
           <a:xfrm>
-            <a:off x="0" y="1360745"/>
-            <a:ext cx="7373073" cy="5364146"/>
-          </a:xfrm>
-        </p:spPr>
-      </p:pic>
-      <p:sp>
-        <p:nvSpPr>
-          <p:cNvPr id="4" name="Content Placeholder 3"/>
-          <p:cNvSpPr>
-            <a:spLocks noGrp="1"/>
-          </p:cNvSpPr>
-          <p:nvPr>
-            <p:ph sz="half" idx="2"/>
-          </p:nvPr>
-        </p:nvSpPr>
-        <p:spPr>
-          <a:xfrm>
-            <a:off x="7526413" y="1360745"/>
+            <a:off x="7190747" y="1905000"/>
             <a:ext cx="4313864" cy="3777622"/>
           </a:xfrm>
         </p:spPr>
@@ -24999,53 +24934,26 @@
           <a:lstStyle/>
           <a:p>
             <a:r>
-              <a:rPr lang="fa-IR" sz="2800" dirty="0"/>
-              <a:t>برای ذخیره سازی داده ها از سند های </a:t>
-            </a:r>
-            <a:r>
-              <a:rPr lang="en-US" sz="2800" dirty="0"/>
-              <a:t>JSON , XML </a:t>
-            </a:r>
-            <a:r>
-              <a:rPr lang="fa-IR" sz="2800" dirty="0"/>
-              <a:t> و </a:t>
-            </a:r>
-            <a:r>
-              <a:rPr lang="en-US" sz="2800" dirty="0"/>
-              <a:t>BSON</a:t>
-            </a:r>
-            <a:r>
-              <a:rPr lang="fa-IR" sz="2800" dirty="0"/>
-              <a:t> استفاده میکنند.</a:t>
-            </a:r>
-          </a:p>
-          <a:p>
-            <a:r>
-              <a:rPr lang="fa-IR" sz="2800" dirty="0"/>
-              <a:t>برای ذخیره و استفاده از داده های پراکنده و بی ساختار استفاده میشوند.</a:t>
-            </a:r>
-            <a:endParaRPr lang="en-US" sz="2800" dirty="0"/>
-          </a:p>
-          <a:p>
-            <a:r>
-              <a:rPr lang="en-US" sz="2800" dirty="0"/>
-              <a:t>MongoDB</a:t>
-            </a:r>
-            <a:r>
-              <a:rPr lang="fa-IR" sz="2800" dirty="0"/>
-              <a:t> و </a:t>
-            </a:r>
-            <a:r>
-              <a:rPr lang="en-US" sz="2800" dirty="0"/>
-              <a:t>Apache </a:t>
-            </a:r>
-            <a:r>
-              <a:rPr lang="en-US" sz="2800" dirty="0" err="1"/>
-              <a:t>CouchDB</a:t>
-            </a:r>
-            <a:r>
-              <a:rPr lang="fa-IR" sz="2800" dirty="0"/>
-              <a:t> بر این اساس کار میکنند</a:t>
+              <a:rPr lang="fa-IR" sz="3600" dirty="0"/>
+              <a:t>فروشگاه های آنلاین</a:t>
+            </a:r>
+          </a:p>
+          <a:p>
+            <a:r>
+              <a:rPr lang="fa-IR" sz="3600" dirty="0"/>
+              <a:t>سیستم های مدیریت محتوا</a:t>
+            </a:r>
+          </a:p>
+          <a:p>
+            <a:r>
+              <a:rPr lang="fa-IR" sz="3600" dirty="0"/>
+              <a:t>پلتفرم های تجزیه و تحلیل دیتا</a:t>
+            </a:r>
+          </a:p>
+          <a:p>
+            <a:r>
+              <a:rPr lang="fa-IR" sz="3600" dirty="0"/>
+              <a:t>ذخیره داده های بازی(تجربه خودم)</a:t>
             </a:r>
           </a:p>
         </p:txBody>
@@ -25053,7 +24961,7 @@
     </p:spTree>
     <p:extLst>
       <p:ext uri="{BB962C8B-B14F-4D97-AF65-F5344CB8AC3E}">
-        <p14:creationId xmlns:p14="http://schemas.microsoft.com/office/powerpoint/2010/main" val="2225008416"/>
+        <p14:creationId xmlns:p14="http://schemas.microsoft.com/office/powerpoint/2010/main" val="2770279324"/>
       </p:ext>
     </p:extLst>
   </p:cSld>
@@ -25082,451 +24990,41 @@
       </p:grpSpPr>
       <p:sp>
         <p:nvSpPr>
-          <p:cNvPr id="6" name="Rectangle: Diagonal Corners Rounded 5">
-            <a:extLst>
-              <a:ext uri="{FF2B5EF4-FFF2-40B4-BE49-F238E27FC236}">
-                <a16:creationId xmlns:a16="http://schemas.microsoft.com/office/drawing/2014/main" id="{DE9B31CC-387E-B932-0074-29C3567A2A20}"/>
-              </a:ext>
-            </a:extLst>
-          </p:cNvPr>
-          <p:cNvSpPr/>
-          <p:nvPr/>
+          <p:cNvPr id="2" name="Title 1"/>
+          <p:cNvSpPr>
+            <a:spLocks noGrp="1"/>
+          </p:cNvSpPr>
+          <p:nvPr>
+            <p:ph type="ctrTitle"/>
+          </p:nvPr>
         </p:nvSpPr>
         <p:spPr>
           <a:xfrm>
-            <a:off x="7626285" y="2837468"/>
-            <a:ext cx="3727498" cy="2572731"/>
-          </a:xfrm>
-          <a:prstGeom prst="round2DiagRect">
-            <a:avLst/>
-          </a:prstGeom>
-          <a:gradFill flip="none" rotWithShape="1">
-            <a:gsLst>
-              <a:gs pos="0">
-                <a:schemeClr val="bg2">
-                  <a:shade val="30000"/>
-                  <a:satMod val="115000"/>
-                </a:schemeClr>
-              </a:gs>
-              <a:gs pos="50000">
-                <a:schemeClr val="bg2">
-                  <a:shade val="67500"/>
-                  <a:satMod val="115000"/>
-                </a:schemeClr>
-              </a:gs>
-              <a:gs pos="100000">
-                <a:schemeClr val="bg2">
-                  <a:shade val="100000"/>
-                  <a:satMod val="115000"/>
-                </a:schemeClr>
-              </a:gs>
-            </a:gsLst>
-            <a:lin ang="16200000" scaled="1"/>
-            <a:tileRect/>
-          </a:gradFill>
-          <a:ln w="38100">
-            <a:solidFill>
-              <a:schemeClr val="tx1"/>
-            </a:solidFill>
-          </a:ln>
-        </p:spPr>
-        <p:style>
-          <a:lnRef idx="2">
-            <a:schemeClr val="accent1">
-              <a:shade val="50000"/>
-            </a:schemeClr>
-          </a:lnRef>
-          <a:fillRef idx="1">
-            <a:schemeClr val="accent1"/>
-          </a:fillRef>
-          <a:effectRef idx="0">
-            <a:schemeClr val="accent1"/>
-          </a:effectRef>
-          <a:fontRef idx="minor">
-            <a:schemeClr val="lt1"/>
-          </a:fontRef>
-        </p:style>
-        <p:txBody>
-          <a:bodyPr rtlCol="0" anchor="ctr"/>
-          <a:lstStyle/>
-          <a:p>
-            <a:pPr marL="0" marR="0" lvl="0" indent="0" algn="ctr" defTabSz="457200" rtl="0" eaLnBrk="1" fontAlgn="auto" latinLnBrk="0" hangingPunct="1">
-              <a:lnSpc>
-                <a:spcPct val="100000"/>
-              </a:lnSpc>
-              <a:spcBef>
-                <a:spcPts val="0"/>
-              </a:spcBef>
-              <a:spcAft>
-                <a:spcPts val="0"/>
-              </a:spcAft>
-              <a:buClrTx/>
-              <a:buSzTx/>
-              <a:buFontTx/>
-              <a:buNone/>
-              <a:tabLst/>
-              <a:defRPr/>
-            </a:pPr>
-            <a:endParaRPr kumimoji="0" lang="en-US" sz="1800" b="0" i="0" u="none" strike="noStrike" kern="1200" cap="none" spc="0" normalizeH="0" baseline="0" noProof="0">
-              <a:ln>
-                <a:noFill/>
-              </a:ln>
-              <a:solidFill>
-                <a:prstClr val="white"/>
-              </a:solidFill>
-              <a:effectLst/>
-              <a:uLnTx/>
-              <a:uFillTx/>
-              <a:latin typeface="Tw Cen MT" panose="020B0602020104020603"/>
-              <a:ea typeface="+mn-ea"/>
-              <a:cs typeface="+mn-cs"/>
-            </a:endParaRPr>
-          </a:p>
-        </p:txBody>
-      </p:sp>
-      <p:sp>
-        <p:nvSpPr>
-          <p:cNvPr id="5" name="Rectangle: Diagonal Corners Rounded 4">
-            <a:extLst>
-              <a:ext uri="{FF2B5EF4-FFF2-40B4-BE49-F238E27FC236}">
-                <a16:creationId xmlns:a16="http://schemas.microsoft.com/office/drawing/2014/main" id="{2A907D45-B6FB-7FC6-169C-E49AA90A8DC6}"/>
-              </a:ext>
-            </a:extLst>
-          </p:cNvPr>
-          <p:cNvSpPr/>
-          <p:nvPr/>
-        </p:nvSpPr>
-        <p:spPr>
-          <a:xfrm>
-            <a:off x="3751867" y="641023"/>
-            <a:ext cx="6268825" cy="1715678"/>
-          </a:xfrm>
-          <a:prstGeom prst="round2DiagRect">
-            <a:avLst/>
-          </a:prstGeom>
-          <a:gradFill flip="none" rotWithShape="1">
-            <a:gsLst>
-              <a:gs pos="0">
-                <a:schemeClr val="accent2">
-                  <a:shade val="30000"/>
-                  <a:satMod val="115000"/>
-                </a:schemeClr>
-              </a:gs>
-              <a:gs pos="0">
-                <a:schemeClr val="accent2">
-                  <a:shade val="67500"/>
-                  <a:satMod val="115000"/>
-                </a:schemeClr>
-              </a:gs>
-              <a:gs pos="100000">
-                <a:schemeClr val="accent2">
-                  <a:shade val="100000"/>
-                  <a:satMod val="115000"/>
-                </a:schemeClr>
-              </a:gs>
-            </a:gsLst>
-            <a:lin ang="13500000" scaled="1"/>
-            <a:tileRect/>
-          </a:gradFill>
-          <a:ln w="38100">
-            <a:solidFill>
-              <a:schemeClr val="tx1"/>
-            </a:solidFill>
-          </a:ln>
-          <a:effectLst>
-            <a:reflection blurRad="6350" stA="52000" endA="300" endPos="35000" dir="5400000" sy="-100000" algn="bl" rotWithShape="0"/>
-          </a:effectLst>
-        </p:spPr>
-        <p:style>
-          <a:lnRef idx="2">
-            <a:schemeClr val="accent1">
-              <a:shade val="50000"/>
-            </a:schemeClr>
-          </a:lnRef>
-          <a:fillRef idx="1">
-            <a:schemeClr val="accent1"/>
-          </a:fillRef>
-          <a:effectRef idx="0">
-            <a:schemeClr val="accent1"/>
-          </a:effectRef>
-          <a:fontRef idx="minor">
-            <a:schemeClr val="lt1"/>
-          </a:fontRef>
-        </p:style>
-        <p:txBody>
-          <a:bodyPr rtlCol="0" anchor="ctr"/>
-          <a:lstStyle/>
-          <a:p>
-            <a:pPr marL="0" marR="0" lvl="0" indent="0" algn="ctr" defTabSz="457200" rtl="0" eaLnBrk="1" fontAlgn="auto" latinLnBrk="0" hangingPunct="1">
-              <a:lnSpc>
-                <a:spcPct val="100000"/>
-              </a:lnSpc>
-              <a:spcBef>
-                <a:spcPts val="0"/>
-              </a:spcBef>
-              <a:spcAft>
-                <a:spcPts val="0"/>
-              </a:spcAft>
-              <a:buClrTx/>
-              <a:buSzTx/>
-              <a:buFontTx/>
-              <a:buNone/>
-              <a:tabLst/>
-              <a:defRPr/>
-            </a:pPr>
-            <a:endParaRPr kumimoji="0" lang="en-US" sz="1800" b="0" i="0" u="none" strike="noStrike" kern="1200" cap="none" spc="0" normalizeH="0" baseline="0" noProof="0">
-              <a:ln>
-                <a:noFill/>
-              </a:ln>
-              <a:solidFill>
-                <a:prstClr val="white"/>
-              </a:solidFill>
-              <a:effectLst/>
-              <a:uLnTx/>
-              <a:uFillTx/>
-              <a:latin typeface="Tw Cen MT" panose="020B0602020104020603"/>
-              <a:ea typeface="+mn-ea"/>
-              <a:cs typeface="+mn-cs"/>
-            </a:endParaRPr>
-          </a:p>
-        </p:txBody>
-      </p:sp>
-      <p:sp>
-        <p:nvSpPr>
-          <p:cNvPr id="2" name="Title 1">
-            <a:extLst>
-              <a:ext uri="{FF2B5EF4-FFF2-40B4-BE49-F238E27FC236}">
-                <a16:creationId xmlns:a16="http://schemas.microsoft.com/office/drawing/2014/main" id="{77582DCF-7ED5-D30E-DC39-3724A2CAF88F}"/>
-              </a:ext>
-            </a:extLst>
-          </p:cNvPr>
-          <p:cNvSpPr>
-            <a:spLocks noGrp="1"/>
-          </p:cNvSpPr>
-          <p:nvPr>
-            <p:ph type="ctrTitle"/>
-          </p:nvPr>
-        </p:nvSpPr>
-        <p:spPr>
-          <a:xfrm>
-            <a:off x="4100660" y="954338"/>
-            <a:ext cx="5637229" cy="1260961"/>
+            <a:off x="2353543" y="1543640"/>
+            <a:ext cx="8915399" cy="2262781"/>
           </a:xfrm>
         </p:spPr>
         <p:txBody>
-          <a:bodyPr numCol="1" anchor="t">
-            <a:noAutofit/>
+          <a:bodyPr>
+            <a:normAutofit/>
           </a:bodyPr>
           <a:lstStyle/>
           <a:p>
-            <a:pPr algn="ctr" rtl="1"/>
-            <a:r>
-              <a:rPr lang="fa-IR" sz="3600" b="1" dirty="0">
-                <a:latin typeface="IRTitr" panose="02000506000000020002" pitchFamily="2" charset="-78"/>
-                <a:cs typeface="IRTitr" panose="02000506000000020002" pitchFamily="2" charset="-78"/>
+            <a:pPr algn="ctr"/>
+            <a:r>
+              <a:rPr lang="fa-IR" sz="7200" b="1" dirty="0">
+                <a:latin typeface="Arial" panose="020B0604020202020204" pitchFamily="34" charset="0"/>
+                <a:cs typeface="Arial" panose="020B0604020202020204" pitchFamily="34" charset="0"/>
               </a:rPr>
-              <a:t>درس : اصول طراحی پایگاه داده</a:t>
-            </a:r>
-            <a:br>
-              <a:rPr lang="fa-IR" sz="3600" b="1" dirty="0">
-                <a:latin typeface="IRTitr" panose="02000506000000020002" pitchFamily="2" charset="-78"/>
-                <a:cs typeface="IRTitr" panose="02000506000000020002" pitchFamily="2" charset="-78"/>
-              </a:rPr>
-            </a:br>
-            <a:r>
-              <a:rPr lang="fa-IR" sz="2400" dirty="0">
-                <a:latin typeface="IRTitr" panose="02000506000000020002" pitchFamily="2" charset="-78"/>
-                <a:cs typeface="IRTitr" panose="02000506000000020002" pitchFamily="2" charset="-78"/>
-              </a:rPr>
-              <a:t>استاد محترم : سرکار خانم مسعودی فر</a:t>
-            </a:r>
-            <a:br>
-              <a:rPr lang="fa-IR" sz="2400" dirty="0">
-                <a:latin typeface="IRTitr" panose="02000506000000020002" pitchFamily="2" charset="-78"/>
-                <a:cs typeface="IRTitr" panose="02000506000000020002" pitchFamily="2" charset="-78"/>
-              </a:rPr>
-            </a:br>
-            <a:r>
-              <a:rPr lang="fa-IR" sz="2400" dirty="0">
-                <a:latin typeface="IRTitr" panose="02000506000000020002" pitchFamily="2" charset="-78"/>
-                <a:cs typeface="IRTitr" panose="02000506000000020002" pitchFamily="2" charset="-78"/>
-              </a:rPr>
-              <a:t>ارائه :‌ </a:t>
-            </a:r>
-            <a:r>
-              <a:rPr lang="en-US" sz="2400" dirty="0">
-                <a:latin typeface="IRTitr" panose="02000506000000020002" pitchFamily="2" charset="-78"/>
-                <a:cs typeface="IRTitr" panose="02000506000000020002" pitchFamily="2" charset="-78"/>
-              </a:rPr>
-              <a:t>NoSQL</a:t>
-            </a:r>
-            <a:r>
-              <a:rPr lang="fa-IR" sz="2400" dirty="0"/>
-              <a:t> </a:t>
-            </a:r>
-            <a:br>
-              <a:rPr lang="fa-IR" sz="2400" dirty="0"/>
-            </a:br>
-            <a:br>
-              <a:rPr lang="fa-IR" sz="2400" dirty="0"/>
-            </a:br>
-            <a:r>
-              <a:rPr lang="fa-IR" sz="2400" dirty="0"/>
-              <a:t> </a:t>
-            </a:r>
-            <a:br>
-              <a:rPr lang="fa-IR" sz="3600" b="1" dirty="0"/>
-            </a:br>
-            <a:endParaRPr lang="en-US" sz="3600" b="1" dirty="0"/>
-          </a:p>
-        </p:txBody>
-      </p:sp>
-      <p:sp>
-        <p:nvSpPr>
-          <p:cNvPr id="3" name="Subtitle 2">
-            <a:extLst>
-              <a:ext uri="{FF2B5EF4-FFF2-40B4-BE49-F238E27FC236}">
-                <a16:creationId xmlns:a16="http://schemas.microsoft.com/office/drawing/2014/main" id="{6863BE7B-98C9-C07C-D197-AD24D0B28D75}"/>
-              </a:ext>
-            </a:extLst>
-          </p:cNvPr>
-          <p:cNvSpPr>
-            <a:spLocks noGrp="1"/>
-          </p:cNvSpPr>
-          <p:nvPr>
-            <p:ph type="subTitle" idx="1"/>
-          </p:nvPr>
-        </p:nvSpPr>
-        <p:spPr>
-          <a:xfrm>
-            <a:off x="7626285" y="2708761"/>
-            <a:ext cx="3717693" cy="2572731"/>
-          </a:xfrm>
-        </p:spPr>
-        <p:txBody>
-          <a:bodyPr>
-            <a:normAutofit fontScale="92500" lnSpcReduction="20000"/>
-          </a:bodyPr>
-          <a:lstStyle/>
-          <a:p>
-            <a:pPr algn="r"/>
-            <a:br>
-              <a:rPr lang="fa-IR" sz="3200" dirty="0">
-                <a:solidFill>
-                  <a:schemeClr val="accent6">
-                    <a:lumMod val="20000"/>
-                    <a:lumOff val="80000"/>
-                  </a:schemeClr>
-                </a:solidFill>
-                <a:latin typeface="IRTitr" panose="02000506000000020002" pitchFamily="2" charset="-78"/>
-                <a:cs typeface="IRTitr" panose="02000506000000020002" pitchFamily="2" charset="-78"/>
-              </a:rPr>
-            </a:br>
-            <a:r>
-              <a:rPr lang="fa-IR" sz="3200" dirty="0">
-                <a:solidFill>
-                  <a:schemeClr val="accent6">
-                    <a:lumMod val="20000"/>
-                    <a:lumOff val="80000"/>
-                  </a:schemeClr>
-                </a:solidFill>
-                <a:latin typeface="IRTitr" panose="02000506000000020002" pitchFamily="2" charset="-78"/>
-                <a:cs typeface="IRTitr" panose="02000506000000020002" pitchFamily="2" charset="-78"/>
-              </a:rPr>
-              <a:t>ارائه دهنده‌:</a:t>
-            </a:r>
-            <a:br>
-              <a:rPr lang="fa-IR" sz="3200" dirty="0">
-                <a:solidFill>
-                  <a:schemeClr val="accent6">
-                    <a:lumMod val="20000"/>
-                    <a:lumOff val="80000"/>
-                  </a:schemeClr>
-                </a:solidFill>
-                <a:latin typeface="IRTitr" panose="02000506000000020002" pitchFamily="2" charset="-78"/>
-                <a:cs typeface="IRTitr" panose="02000506000000020002" pitchFamily="2" charset="-78"/>
-              </a:rPr>
-            </a:br>
-            <a:r>
-              <a:rPr lang="fa-IR" sz="3200" dirty="0">
-                <a:solidFill>
-                  <a:schemeClr val="accent6">
-                    <a:lumMod val="20000"/>
-                    <a:lumOff val="80000"/>
-                  </a:schemeClr>
-                </a:solidFill>
-                <a:latin typeface="IRTitr" panose="02000506000000020002" pitchFamily="2" charset="-78"/>
-                <a:cs typeface="IRTitr" panose="02000506000000020002" pitchFamily="2" charset="-78"/>
-              </a:rPr>
-              <a:t>محمّدداود وهاب رجائی </a:t>
-            </a:r>
-            <a:br>
-              <a:rPr lang="fa-IR" sz="3200" dirty="0">
-                <a:solidFill>
-                  <a:schemeClr val="accent6">
-                    <a:lumMod val="20000"/>
-                    <a:lumOff val="80000"/>
-                  </a:schemeClr>
-                </a:solidFill>
-                <a:latin typeface="IRTitr" panose="02000506000000020002" pitchFamily="2" charset="-78"/>
-                <a:cs typeface="IRTitr" panose="02000506000000020002" pitchFamily="2" charset="-78"/>
-              </a:rPr>
-            </a:br>
-            <a:r>
-              <a:rPr lang="fa-IR" sz="3200" dirty="0">
-                <a:solidFill>
-                  <a:schemeClr val="accent6">
-                    <a:lumMod val="20000"/>
-                    <a:lumOff val="80000"/>
-                  </a:schemeClr>
-                </a:solidFill>
-                <a:latin typeface="IRTitr" panose="02000506000000020002" pitchFamily="2" charset="-78"/>
-                <a:cs typeface="IRTitr" panose="02000506000000020002" pitchFamily="2" charset="-78"/>
-              </a:rPr>
-              <a:t>جواد رحیمی </a:t>
-            </a:r>
-            <a:br>
-              <a:rPr lang="fa-IR" sz="3200" dirty="0">
-                <a:solidFill>
-                  <a:schemeClr val="accent6">
-                    <a:lumMod val="20000"/>
-                    <a:lumOff val="80000"/>
-                  </a:schemeClr>
-                </a:solidFill>
-                <a:latin typeface="IRTitr" panose="02000506000000020002" pitchFamily="2" charset="-78"/>
-                <a:cs typeface="IRTitr" panose="02000506000000020002" pitchFamily="2" charset="-78"/>
-              </a:rPr>
-            </a:br>
-            <a:r>
-              <a:rPr lang="fa-IR" sz="3200" dirty="0">
-                <a:solidFill>
-                  <a:schemeClr val="accent6">
-                    <a:lumMod val="20000"/>
-                    <a:lumOff val="80000"/>
-                  </a:schemeClr>
-                </a:solidFill>
-                <a:latin typeface="IRTitr" panose="02000506000000020002" pitchFamily="2" charset="-78"/>
-                <a:cs typeface="IRTitr" panose="02000506000000020002" pitchFamily="2" charset="-78"/>
-              </a:rPr>
-              <a:t>رحمت اله انصاری</a:t>
-            </a:r>
-            <a:endParaRPr lang="en-US" sz="3200" dirty="0">
-              <a:solidFill>
-                <a:schemeClr val="accent6">
-                  <a:lumMod val="20000"/>
-                  <a:lumOff val="80000"/>
-                </a:schemeClr>
-              </a:solidFill>
-              <a:latin typeface="IRTitr" panose="02000506000000020002" pitchFamily="2" charset="-78"/>
-              <a:cs typeface="IRTitr" panose="02000506000000020002" pitchFamily="2" charset="-78"/>
-            </a:endParaRPr>
+              <a:t>بسم الله الرحمن الرحیم</a:t>
+            </a:r>
           </a:p>
         </p:txBody>
       </p:sp>
     </p:spTree>
     <p:extLst>
       <p:ext uri="{BB962C8B-B14F-4D97-AF65-F5344CB8AC3E}">
-        <p14:creationId xmlns:p14="http://schemas.microsoft.com/office/powerpoint/2010/main" val="1531378836"/>
+        <p14:creationId xmlns:p14="http://schemas.microsoft.com/office/powerpoint/2010/main" val="3733126865"/>
       </p:ext>
     </p:extLst>
   </p:cSld>
@@ -25565,105 +25063,112 @@
         </p:nvSpPr>
         <p:spPr/>
         <p:txBody>
+          <a:bodyPr/>
+          <a:lstStyle/>
+          <a:p>
+            <a:pPr algn="l" rtl="0"/>
+            <a:r>
+              <a:rPr lang="en-US" dirty="0"/>
+              <a:t>Graph Database</a:t>
+            </a:r>
+            <a:endParaRPr lang="fa-IR" dirty="0"/>
+          </a:p>
+        </p:txBody>
+      </p:sp>
+      <p:pic>
+        <p:nvPicPr>
+          <p:cNvPr id="6" name="Content Placeholder 5"/>
+          <p:cNvPicPr>
+            <a:picLocks noGrp="1" noChangeAspect="1"/>
+          </p:cNvPicPr>
+          <p:nvPr>
+            <p:ph sz="half" idx="1"/>
+          </p:nvPr>
+        </p:nvPicPr>
+        <p:blipFill>
+          <a:blip r:embed="rId2">
+            <a:extLst>
+              <a:ext uri="{28A0092B-C50C-407E-A947-70E740481C1C}">
+                <a14:useLocalDpi xmlns:a14="http://schemas.microsoft.com/office/drawing/2010/main" val="0"/>
+              </a:ext>
+            </a:extLst>
+          </a:blip>
+          <a:stretch>
+            <a:fillRect/>
+          </a:stretch>
+        </p:blipFill>
+        <p:spPr>
+          <a:xfrm>
+            <a:off x="244792" y="1690688"/>
+            <a:ext cx="7348200" cy="4574412"/>
+          </a:xfrm>
+        </p:spPr>
+      </p:pic>
+      <p:sp>
+        <p:nvSpPr>
+          <p:cNvPr id="4" name="Content Placeholder 3"/>
+          <p:cNvSpPr>
+            <a:spLocks noGrp="1"/>
+          </p:cNvSpPr>
+          <p:nvPr>
+            <p:ph sz="half" idx="2"/>
+          </p:nvPr>
+        </p:nvSpPr>
+        <p:spPr>
+          <a:xfrm>
+            <a:off x="6729919" y="2118951"/>
+            <a:ext cx="5181600" cy="4351338"/>
+          </a:xfrm>
+        </p:spPr>
+        <p:txBody>
           <a:bodyPr>
-            <a:normAutofit/>
+            <a:normAutofit fontScale="92500" lnSpcReduction="20000"/>
           </a:bodyPr>
           <a:lstStyle/>
           <a:p>
             <a:r>
-              <a:rPr lang="fa-IR" sz="6600" dirty="0"/>
-              <a:t>کاربردها و عدم کاربرد ها</a:t>
-            </a:r>
-          </a:p>
-        </p:txBody>
-      </p:sp>
-      <p:sp>
-        <p:nvSpPr>
-          <p:cNvPr id="3" name="Content Placeholder 2"/>
-          <p:cNvSpPr>
-            <a:spLocks noGrp="1"/>
-          </p:cNvSpPr>
-          <p:nvPr>
-            <p:ph sz="half" idx="1"/>
-          </p:nvPr>
-        </p:nvSpPr>
-        <p:spPr/>
-        <p:txBody>
-          <a:bodyPr>
-            <a:normAutofit fontScale="70000" lnSpcReduction="20000"/>
-          </a:bodyPr>
-          <a:lstStyle/>
-          <a:p>
-            <a:r>
-              <a:rPr lang="fa-IR" sz="6600" dirty="0"/>
-              <a:t>نامناسب برای وقتی که کوئری های پیچیده داریم</a:t>
-            </a:r>
-          </a:p>
-          <a:p>
-            <a:r>
-              <a:rPr lang="fa-IR" sz="6600" dirty="0"/>
-              <a:t>شما بگین...؟</a:t>
-            </a:r>
-          </a:p>
-          <a:p>
-            <a:pPr marL="0" indent="0">
-              <a:buNone/>
-            </a:pPr>
-            <a:endParaRPr lang="fa-IR" sz="6600" dirty="0"/>
-          </a:p>
-        </p:txBody>
-      </p:sp>
-      <p:sp>
-        <p:nvSpPr>
-          <p:cNvPr id="4" name="Content Placeholder 3"/>
-          <p:cNvSpPr>
-            <a:spLocks noGrp="1"/>
-          </p:cNvSpPr>
-          <p:nvPr>
-            <p:ph sz="half" idx="2"/>
-          </p:nvPr>
-        </p:nvSpPr>
-        <p:spPr>
-          <a:xfrm>
-            <a:off x="7190747" y="1905000"/>
-            <a:ext cx="4313864" cy="3777622"/>
-          </a:xfrm>
-        </p:spPr>
-        <p:txBody>
-          <a:bodyPr>
-            <a:noAutofit/>
-          </a:bodyPr>
-          <a:lstStyle/>
-          <a:p>
-            <a:r>
-              <a:rPr lang="fa-IR" sz="3600" dirty="0"/>
-              <a:t>فروشگاه های آنلاین</a:t>
-            </a:r>
-          </a:p>
-          <a:p>
-            <a:r>
-              <a:rPr lang="fa-IR" sz="3600" dirty="0"/>
-              <a:t>سیستم های مدیریت محتوا</a:t>
-            </a:r>
-          </a:p>
-          <a:p>
-            <a:r>
-              <a:rPr lang="fa-IR" sz="3600" dirty="0"/>
-              <a:t>پلتفرم های تجزیه و تحلیل دیتا</a:t>
-            </a:r>
-          </a:p>
-          <a:p>
-            <a:r>
-              <a:rPr lang="fa-IR" sz="3600" dirty="0"/>
-              <a:t>ذخیره داده های بازی(تجربه خودم)</a:t>
-            </a:r>
+              <a:rPr lang="fa-IR" sz="4400" dirty="0"/>
+              <a:t>مطابق اسم ، برای ذخیره سازی موجودیت ها و روابط بین آنها از گراف استفاده میشود.</a:t>
+            </a:r>
+          </a:p>
+          <a:p>
+            <a:r>
+              <a:rPr lang="en-US" sz="4400" dirty="0" err="1"/>
+              <a:t>ArangoDB</a:t>
+            </a:r>
+            <a:r>
+              <a:rPr lang="fa-IR" sz="4400" dirty="0"/>
+              <a:t> و </a:t>
+            </a:r>
+            <a:r>
+              <a:rPr lang="en-US" sz="4400" dirty="0"/>
+              <a:t>Neo4j</a:t>
+            </a:r>
+            <a:r>
+              <a:rPr lang="fa-IR" sz="4400" dirty="0"/>
+              <a:t> و </a:t>
+            </a:r>
+            <a:r>
+              <a:rPr lang="en-US" sz="4400" dirty="0" err="1"/>
+              <a:t>OrienDB</a:t>
+            </a:r>
+            <a:r>
+              <a:rPr lang="fa-IR" sz="4400" dirty="0"/>
+              <a:t> بر این اساس کار میکنند</a:t>
+            </a:r>
+          </a:p>
+          <a:p>
+            <a:endParaRPr lang="fa-IR" sz="4400" dirty="0"/>
+          </a:p>
+          <a:p>
+            <a:endParaRPr lang="fa-IR" sz="4400" dirty="0"/>
           </a:p>
         </p:txBody>
       </p:sp>
     </p:spTree>
     <p:extLst>
       <p:ext uri="{BB962C8B-B14F-4D97-AF65-F5344CB8AC3E}">
-        <p14:creationId xmlns:p14="http://schemas.microsoft.com/office/powerpoint/2010/main" val="2770279324"/>
+        <p14:creationId xmlns:p14="http://schemas.microsoft.com/office/powerpoint/2010/main" val="3520391196"/>
       </p:ext>
     </p:extLst>
   </p:cSld>
@@ -25702,112 +25207,82 @@
         </p:nvSpPr>
         <p:spPr/>
         <p:txBody>
-          <a:bodyPr/>
-          <a:lstStyle/>
-          <a:p>
-            <a:pPr algn="l" rtl="0"/>
-            <a:r>
-              <a:rPr lang="en-US" dirty="0"/>
-              <a:t>Graph Database</a:t>
-            </a:r>
-            <a:endParaRPr lang="fa-IR" dirty="0"/>
-          </a:p>
-        </p:txBody>
-      </p:sp>
-      <p:pic>
-        <p:nvPicPr>
-          <p:cNvPr id="6" name="Content Placeholder 5"/>
-          <p:cNvPicPr>
-            <a:picLocks noGrp="1" noChangeAspect="1"/>
-          </p:cNvPicPr>
-          <p:nvPr>
-            <p:ph sz="half" idx="1"/>
-          </p:nvPr>
-        </p:nvPicPr>
-        <p:blipFill>
-          <a:blip r:embed="rId2">
-            <a:extLst>
-              <a:ext uri="{28A0092B-C50C-407E-A947-70E740481C1C}">
-                <a14:useLocalDpi xmlns:a14="http://schemas.microsoft.com/office/drawing/2010/main" val="0"/>
-              </a:ext>
-            </a:extLst>
-          </a:blip>
-          <a:stretch>
-            <a:fillRect/>
-          </a:stretch>
-        </p:blipFill>
-        <p:spPr>
-          <a:xfrm>
-            <a:off x="244792" y="1690688"/>
-            <a:ext cx="7348200" cy="4574412"/>
-          </a:xfrm>
-        </p:spPr>
-      </p:pic>
-      <p:sp>
-        <p:nvSpPr>
-          <p:cNvPr id="4" name="Content Placeholder 3"/>
-          <p:cNvSpPr>
-            <a:spLocks noGrp="1"/>
-          </p:cNvSpPr>
-          <p:nvPr>
-            <p:ph sz="half" idx="2"/>
-          </p:nvPr>
-        </p:nvSpPr>
-        <p:spPr>
-          <a:xfrm>
-            <a:off x="6729919" y="2118951"/>
-            <a:ext cx="5181600" cy="4351338"/>
-          </a:xfrm>
-        </p:spPr>
-        <p:txBody>
           <a:bodyPr>
-            <a:normAutofit fontScale="92500" lnSpcReduction="20000"/>
+            <a:normAutofit/>
           </a:bodyPr>
           <a:lstStyle/>
           <a:p>
             <a:r>
+              <a:rPr lang="fa-IR" sz="6600" dirty="0"/>
+              <a:t>کاربرد ها و عدم کاربرد ها</a:t>
+            </a:r>
+          </a:p>
+        </p:txBody>
+      </p:sp>
+      <p:sp>
+        <p:nvSpPr>
+          <p:cNvPr id="3" name="Content Placeholder 2"/>
+          <p:cNvSpPr>
+            <a:spLocks noGrp="1"/>
+          </p:cNvSpPr>
+          <p:nvPr>
+            <p:ph sz="half" idx="1"/>
+          </p:nvPr>
+        </p:nvSpPr>
+        <p:spPr/>
+        <p:txBody>
+          <a:bodyPr>
+            <a:normAutofit fontScale="85000" lnSpcReduction="20000"/>
+          </a:bodyPr>
+          <a:lstStyle/>
+          <a:p>
+            <a:r>
+              <a:rPr lang="fa-IR" dirty="0"/>
+              <a:t>بگین...؟</a:t>
+            </a:r>
+          </a:p>
+        </p:txBody>
+      </p:sp>
+      <p:sp>
+        <p:nvSpPr>
+          <p:cNvPr id="4" name="Content Placeholder 3"/>
+          <p:cNvSpPr>
+            <a:spLocks noGrp="1"/>
+          </p:cNvSpPr>
+          <p:nvPr>
+            <p:ph sz="half" idx="2"/>
+          </p:nvPr>
+        </p:nvSpPr>
+        <p:spPr/>
+        <p:txBody>
+          <a:bodyPr>
+            <a:normAutofit fontScale="85000" lnSpcReduction="20000"/>
+          </a:bodyPr>
+          <a:lstStyle/>
+          <a:p>
+            <a:r>
               <a:rPr lang="fa-IR" sz="4400" dirty="0"/>
-              <a:t>مطابق اسم ، برای ذخیره سازی موجودیت ها و روابط بین آنها از گراف استفاده میشود.</a:t>
-            </a:r>
-          </a:p>
-          <a:p>
-            <a:r>
-              <a:rPr lang="en-US" sz="4400" dirty="0" err="1"/>
-              <a:t>ArangoDB</a:t>
-            </a:r>
+              <a:t>وقتی که روابط و تعامل زیادی وجود داره</a:t>
+            </a:r>
+          </a:p>
+          <a:p>
             <a:r>
               <a:rPr lang="fa-IR" sz="4400" dirty="0"/>
-              <a:t> و </a:t>
-            </a:r>
-            <a:r>
-              <a:rPr lang="en-US" sz="4400" dirty="0"/>
-              <a:t>Neo4j</a:t>
-            </a:r>
+              <a:t>شبکه های اجتماعی</a:t>
+            </a:r>
+          </a:p>
+          <a:p>
             <a:r>
               <a:rPr lang="fa-IR" sz="4400" dirty="0"/>
-              <a:t> و </a:t>
-            </a:r>
-            <a:r>
-              <a:rPr lang="en-US" sz="4400" dirty="0" err="1"/>
-              <a:t>OrienDB</a:t>
-            </a:r>
-            <a:r>
-              <a:rPr lang="fa-IR" sz="4400" dirty="0"/>
-              <a:t> بر این اساس کار میکنند</a:t>
-            </a:r>
-          </a:p>
-          <a:p>
-            <a:endParaRPr lang="fa-IR" sz="4400" dirty="0"/>
-          </a:p>
-          <a:p>
-            <a:endParaRPr lang="fa-IR" sz="4400" dirty="0"/>
+              <a:t>سیستم های نظارتی</a:t>
+            </a:r>
           </a:p>
         </p:txBody>
       </p:sp>
     </p:spTree>
     <p:extLst>
       <p:ext uri="{BB962C8B-B14F-4D97-AF65-F5344CB8AC3E}">
-        <p14:creationId xmlns:p14="http://schemas.microsoft.com/office/powerpoint/2010/main" val="3520391196"/>
+        <p14:creationId xmlns:p14="http://schemas.microsoft.com/office/powerpoint/2010/main" val="1691421114"/>
       </p:ext>
     </p:extLst>
   </p:cSld>
@@ -25844,120 +25319,6 @@
             <p:ph type="title"/>
           </p:nvPr>
         </p:nvSpPr>
-        <p:spPr/>
-        <p:txBody>
-          <a:bodyPr>
-            <a:normAutofit/>
-          </a:bodyPr>
-          <a:lstStyle/>
-          <a:p>
-            <a:r>
-              <a:rPr lang="fa-IR" sz="6600" dirty="0"/>
-              <a:t>کاربرد ها و عدم کاربرد ها</a:t>
-            </a:r>
-          </a:p>
-        </p:txBody>
-      </p:sp>
-      <p:sp>
-        <p:nvSpPr>
-          <p:cNvPr id="3" name="Content Placeholder 2"/>
-          <p:cNvSpPr>
-            <a:spLocks noGrp="1"/>
-          </p:cNvSpPr>
-          <p:nvPr>
-            <p:ph sz="half" idx="1"/>
-          </p:nvPr>
-        </p:nvSpPr>
-        <p:spPr/>
-        <p:txBody>
-          <a:bodyPr>
-            <a:normAutofit fontScale="85000" lnSpcReduction="20000"/>
-          </a:bodyPr>
-          <a:lstStyle/>
-          <a:p>
-            <a:r>
-              <a:rPr lang="fa-IR" dirty="0"/>
-              <a:t>بگین...؟</a:t>
-            </a:r>
-          </a:p>
-        </p:txBody>
-      </p:sp>
-      <p:sp>
-        <p:nvSpPr>
-          <p:cNvPr id="4" name="Content Placeholder 3"/>
-          <p:cNvSpPr>
-            <a:spLocks noGrp="1"/>
-          </p:cNvSpPr>
-          <p:nvPr>
-            <p:ph sz="half" idx="2"/>
-          </p:nvPr>
-        </p:nvSpPr>
-        <p:spPr/>
-        <p:txBody>
-          <a:bodyPr>
-            <a:normAutofit fontScale="85000" lnSpcReduction="20000"/>
-          </a:bodyPr>
-          <a:lstStyle/>
-          <a:p>
-            <a:r>
-              <a:rPr lang="fa-IR" sz="4400" dirty="0"/>
-              <a:t>وقتی که روابط و تعامل زیادی وجود داره</a:t>
-            </a:r>
-          </a:p>
-          <a:p>
-            <a:r>
-              <a:rPr lang="fa-IR" sz="4400" dirty="0"/>
-              <a:t>شبکه های اجتماعی</a:t>
-            </a:r>
-          </a:p>
-          <a:p>
-            <a:r>
-              <a:rPr lang="fa-IR" sz="4400" dirty="0"/>
-              <a:t>سیستم های نظارتی</a:t>
-            </a:r>
-          </a:p>
-        </p:txBody>
-      </p:sp>
-    </p:spTree>
-    <p:extLst>
-      <p:ext uri="{BB962C8B-B14F-4D97-AF65-F5344CB8AC3E}">
-        <p14:creationId xmlns:p14="http://schemas.microsoft.com/office/powerpoint/2010/main" val="1691421114"/>
-      </p:ext>
-    </p:extLst>
-  </p:cSld>
-  <p:clrMapOvr>
-    <a:masterClrMapping/>
-  </p:clrMapOvr>
-</p:sld>
-</file>
-
-<file path=ppt/slides/slide23.xml><?xml version="1.0" encoding="utf-8"?>
-<p:sld xmlns:a="http://schemas.openxmlformats.org/drawingml/2006/main" xmlns:r="http://schemas.openxmlformats.org/officeDocument/2006/relationships" xmlns:p="http://schemas.openxmlformats.org/presentationml/2006/main">
-  <p:cSld>
-    <p:spTree>
-      <p:nvGrpSpPr>
-        <p:cNvPr id="1" name=""/>
-        <p:cNvGrpSpPr/>
-        <p:nvPr/>
-      </p:nvGrpSpPr>
-      <p:grpSpPr>
-        <a:xfrm>
-          <a:off x="0" y="0"/>
-          <a:ext cx="0" cy="0"/>
-          <a:chOff x="0" y="0"/>
-          <a:chExt cx="0" cy="0"/>
-        </a:xfrm>
-      </p:grpSpPr>
-      <p:sp>
-        <p:nvSpPr>
-          <p:cNvPr id="2" name="Title 1"/>
-          <p:cNvSpPr>
-            <a:spLocks noGrp="1"/>
-          </p:cNvSpPr>
-          <p:nvPr>
-            <p:ph type="title"/>
-          </p:nvPr>
-        </p:nvSpPr>
         <p:spPr>
           <a:xfrm>
             <a:off x="2592925" y="566236"/>
@@ -26047,7 +25408,7 @@
 </p:sld>
 </file>
 
-<file path=ppt/slides/slide24.xml><?xml version="1.0" encoding="utf-8"?>
+<file path=ppt/slides/slide23.xml><?xml version="1.0" encoding="utf-8"?>
 <p:sld xmlns:a="http://schemas.openxmlformats.org/drawingml/2006/main" xmlns:r="http://schemas.openxmlformats.org/officeDocument/2006/relationships" xmlns:p="http://schemas.openxmlformats.org/presentationml/2006/main">
   <p:cSld>
     <p:bg>
@@ -26595,7 +25956,7 @@
 </p:sld>
 </file>
 
-<file path=ppt/slides/slide25.xml><?xml version="1.0" encoding="utf-8"?>
+<file path=ppt/slides/slide24.xml><?xml version="1.0" encoding="utf-8"?>
 <p:sld xmlns:a="http://schemas.openxmlformats.org/drawingml/2006/main" xmlns:r="http://schemas.openxmlformats.org/officeDocument/2006/relationships" xmlns:p="http://schemas.openxmlformats.org/presentationml/2006/main">
   <p:cSld>
     <p:bg>
@@ -27013,7 +26374,7 @@
 </p:sld>
 </file>
 
-<file path=ppt/slides/slide26.xml><?xml version="1.0" encoding="utf-8"?>
+<file path=ppt/slides/slide25.xml><?xml version="1.0" encoding="utf-8"?>
 <p:sld xmlns:a="http://schemas.openxmlformats.org/drawingml/2006/main" xmlns:r="http://schemas.openxmlformats.org/officeDocument/2006/relationships" xmlns:p="http://schemas.openxmlformats.org/presentationml/2006/main">
   <p:cSld>
     <p:bg>
@@ -27503,7 +26864,7 @@
 </p:sld>
 </file>
 
-<file path=ppt/slides/slide27.xml><?xml version="1.0" encoding="utf-8"?>
+<file path=ppt/slides/slide26.xml><?xml version="1.0" encoding="utf-8"?>
 <p:sld xmlns:a="http://schemas.openxmlformats.org/drawingml/2006/main" xmlns:r="http://schemas.openxmlformats.org/officeDocument/2006/relationships" xmlns:p="http://schemas.openxmlformats.org/presentationml/2006/main">
   <p:cSld>
     <p:bg>
@@ -28009,7 +27370,7 @@
 </p:sld>
 </file>
 
-<file path=ppt/slides/slide28.xml><?xml version="1.0" encoding="utf-8"?>
+<file path=ppt/slides/slide27.xml><?xml version="1.0" encoding="utf-8"?>
 <p:sld xmlns:a="http://schemas.openxmlformats.org/drawingml/2006/main" xmlns:r="http://schemas.openxmlformats.org/officeDocument/2006/relationships" xmlns:p="http://schemas.openxmlformats.org/presentationml/2006/main">
   <p:cSld>
     <p:bg>
@@ -28095,15 +27456,6 @@
               <a:srgbClr val="C0C0C0"/>
             </a:contourClr>
           </a:sp3d>
-          <a:extLst>
-            <a:ext uri="{909E8E84-426E-40DD-AFC4-6F175D3DCCD1}">
-              <a14:hiddenFill xmlns:a14="http://schemas.microsoft.com/office/drawing/2010/main">
-                <a:solidFill>
-                  <a:srgbClr val="FFFFFF"/>
-                </a:solidFill>
-              </a14:hiddenFill>
-            </a:ext>
-          </a:extLst>
         </p:spPr>
       </p:pic>
       <p:sp>
@@ -28161,7 +27513,7 @@
 </p:sld>
 </file>
 
-<file path=ppt/slides/slide29.xml><?xml version="1.0" encoding="utf-8"?>
+<file path=ppt/slides/slide28.xml><?xml version="1.0" encoding="utf-8"?>
 <p:sld xmlns:a="http://schemas.openxmlformats.org/drawingml/2006/main" xmlns:r="http://schemas.openxmlformats.org/officeDocument/2006/relationships" xmlns:p="http://schemas.openxmlformats.org/presentationml/2006/main">
   <p:cSld>
     <p:bg>
@@ -28509,70 +27861,7 @@
 </p:sld>
 </file>
 
-<file path=ppt/slides/slide3.xml><?xml version="1.0" encoding="utf-8"?>
-<p:sld xmlns:a="http://schemas.openxmlformats.org/drawingml/2006/main" xmlns:r="http://schemas.openxmlformats.org/officeDocument/2006/relationships" xmlns:p="http://schemas.openxmlformats.org/presentationml/2006/main">
-  <p:cSld>
-    <p:spTree>
-      <p:nvGrpSpPr>
-        <p:cNvPr id="1" name=""/>
-        <p:cNvGrpSpPr/>
-        <p:nvPr/>
-      </p:nvGrpSpPr>
-      <p:grpSpPr>
-        <a:xfrm>
-          <a:off x="0" y="0"/>
-          <a:ext cx="0" cy="0"/>
-          <a:chOff x="0" y="0"/>
-          <a:chExt cx="0" cy="0"/>
-        </a:xfrm>
-      </p:grpSpPr>
-      <p:sp>
-        <p:nvSpPr>
-          <p:cNvPr id="2" name="Title 1"/>
-          <p:cNvSpPr>
-            <a:spLocks noGrp="1"/>
-          </p:cNvSpPr>
-          <p:nvPr>
-            <p:ph type="ctrTitle"/>
-          </p:nvPr>
-        </p:nvSpPr>
-        <p:spPr>
-          <a:xfrm>
-            <a:off x="2353543" y="1543640"/>
-            <a:ext cx="8915399" cy="2262781"/>
-          </a:xfrm>
-        </p:spPr>
-        <p:txBody>
-          <a:bodyPr>
-            <a:normAutofit/>
-          </a:bodyPr>
-          <a:lstStyle/>
-          <a:p>
-            <a:pPr algn="ctr"/>
-            <a:r>
-              <a:rPr lang="fa-IR" sz="7200" b="1" dirty="0">
-                <a:latin typeface="Arial" panose="020B0604020202020204" pitchFamily="34" charset="0"/>
-                <a:cs typeface="Arial" panose="020B0604020202020204" pitchFamily="34" charset="0"/>
-              </a:rPr>
-              <a:t>بسم الله الرحمن الرحیم</a:t>
-            </a:r>
-          </a:p>
-        </p:txBody>
-      </p:sp>
-    </p:spTree>
-    <p:extLst>
-      <p:ext uri="{BB962C8B-B14F-4D97-AF65-F5344CB8AC3E}">
-        <p14:creationId xmlns:p14="http://schemas.microsoft.com/office/powerpoint/2010/main" val="3733126865"/>
-      </p:ext>
-    </p:extLst>
-  </p:cSld>
-  <p:clrMapOvr>
-    <a:masterClrMapping/>
-  </p:clrMapOvr>
-</p:sld>
-</file>
-
-<file path=ppt/slides/slide30.xml><?xml version="1.0" encoding="utf-8"?>
+<file path=ppt/slides/slide29.xml><?xml version="1.0" encoding="utf-8"?>
 <p:sld xmlns:a="http://schemas.openxmlformats.org/drawingml/2006/main" xmlns:r="http://schemas.openxmlformats.org/officeDocument/2006/relationships" xmlns:p="http://schemas.openxmlformats.org/presentationml/2006/main">
   <p:cSld>
     <p:bg>
@@ -28953,6 +28242,396 @@
 </p:sld>
 </file>
 
+<file path=ppt/slides/slide3.xml><?xml version="1.0" encoding="utf-8"?>
+<p:sld xmlns:a="http://schemas.openxmlformats.org/drawingml/2006/main" xmlns:r="http://schemas.openxmlformats.org/officeDocument/2006/relationships" xmlns:p="http://schemas.openxmlformats.org/presentationml/2006/main">
+  <p:cSld>
+    <p:spTree>
+      <p:nvGrpSpPr>
+        <p:cNvPr id="1" name=""/>
+        <p:cNvGrpSpPr/>
+        <p:nvPr/>
+      </p:nvGrpSpPr>
+      <p:grpSpPr>
+        <a:xfrm>
+          <a:off x="0" y="0"/>
+          <a:ext cx="0" cy="0"/>
+          <a:chOff x="0" y="0"/>
+          <a:chExt cx="0" cy="0"/>
+        </a:xfrm>
+      </p:grpSpPr>
+      <p:sp>
+        <p:nvSpPr>
+          <p:cNvPr id="2" name="Title 1">
+            <a:extLst>
+              <a:ext uri="{FF2B5EF4-FFF2-40B4-BE49-F238E27FC236}">
+                <a16:creationId xmlns:a16="http://schemas.microsoft.com/office/drawing/2014/main" id="{FA0C93DD-4D99-3E57-66ED-3F4D89876772}"/>
+              </a:ext>
+            </a:extLst>
+          </p:cNvPr>
+          <p:cNvSpPr>
+            <a:spLocks noGrp="1"/>
+          </p:cNvSpPr>
+          <p:nvPr>
+            <p:ph type="title"/>
+          </p:nvPr>
+        </p:nvSpPr>
+        <p:spPr>
+          <a:xfrm>
+            <a:off x="2592925" y="624110"/>
+            <a:ext cx="8911687" cy="950166"/>
+          </a:xfrm>
+        </p:spPr>
+        <p:txBody>
+          <a:bodyPr>
+            <a:normAutofit/>
+          </a:bodyPr>
+          <a:lstStyle/>
+          <a:p>
+            <a:pPr algn="r" rtl="1"/>
+            <a:r>
+              <a:rPr lang="fa-IR" sz="4400" dirty="0">
+                <a:latin typeface="IRTitr" panose="02000506000000020002" pitchFamily="2" charset="-78"/>
+                <a:cs typeface="IRTitr" panose="02000506000000020002" pitchFamily="2" charset="-78"/>
+              </a:rPr>
+              <a:t>آشنایی با ساختار داده </a:t>
+            </a:r>
+            <a:r>
+              <a:rPr lang="en-US" sz="4400" dirty="0">
+                <a:latin typeface="IRTitr" panose="02000506000000020002" pitchFamily="2" charset="-78"/>
+                <a:cs typeface="IRTitr" panose="02000506000000020002" pitchFamily="2" charset="-78"/>
+              </a:rPr>
+              <a:t>SQL</a:t>
+            </a:r>
+          </a:p>
+        </p:txBody>
+      </p:sp>
+      <p:sp>
+        <p:nvSpPr>
+          <p:cNvPr id="3" name="Content Placeholder 2">
+            <a:extLst>
+              <a:ext uri="{FF2B5EF4-FFF2-40B4-BE49-F238E27FC236}">
+                <a16:creationId xmlns:a16="http://schemas.microsoft.com/office/drawing/2014/main" id="{611D54DD-A449-A45E-F14D-E8BA58033D32}"/>
+              </a:ext>
+            </a:extLst>
+          </p:cNvPr>
+          <p:cNvSpPr>
+            <a:spLocks noGrp="1"/>
+          </p:cNvSpPr>
+          <p:nvPr>
+            <p:ph idx="1"/>
+          </p:nvPr>
+        </p:nvSpPr>
+        <p:spPr>
+          <a:xfrm>
+            <a:off x="2121031" y="1574276"/>
+            <a:ext cx="9383581" cy="4336946"/>
+          </a:xfrm>
+        </p:spPr>
+        <p:txBody>
+          <a:bodyPr>
+            <a:noAutofit/>
+          </a:bodyPr>
+          <a:lstStyle/>
+          <a:p>
+            <a:pPr algn="r" rtl="1"/>
+            <a:r>
+              <a:rPr lang="fa-IR" sz="1800" b="1" dirty="0">
+                <a:latin typeface="IRMitra" panose="02000506000000020002" pitchFamily="2" charset="-78"/>
+                <a:cs typeface="IRMitra" panose="02000506000000020002" pitchFamily="2" charset="-78"/>
+              </a:rPr>
+              <a:t>چه </a:t>
+            </a:r>
+            <a:r>
+              <a:rPr lang="fa-IR" sz="1800" b="1" dirty="0">
+                <a:solidFill>
+                  <a:srgbClr val="FF0000"/>
+                </a:solidFill>
+                <a:latin typeface="IRMitra" panose="02000506000000020002" pitchFamily="2" charset="-78"/>
+                <a:cs typeface="IRMitra" panose="02000506000000020002" pitchFamily="2" charset="-78"/>
+              </a:rPr>
+              <a:t>موجودیت (</a:t>
+            </a:r>
+            <a:r>
+              <a:rPr lang="en-US" sz="1800" b="1" dirty="0">
+                <a:solidFill>
+                  <a:srgbClr val="FF0000"/>
+                </a:solidFill>
+                <a:latin typeface="IRMitra" panose="02000506000000020002" pitchFamily="2" charset="-78"/>
+                <a:cs typeface="IRMitra" panose="02000506000000020002" pitchFamily="2" charset="-78"/>
+              </a:rPr>
+              <a:t>(Entity</a:t>
+            </a:r>
+            <a:r>
+              <a:rPr lang="fa-IR" sz="1800" b="1" dirty="0">
+                <a:solidFill>
+                  <a:srgbClr val="FF0000"/>
+                </a:solidFill>
+                <a:latin typeface="IRMitra" panose="02000506000000020002" pitchFamily="2" charset="-78"/>
+                <a:cs typeface="IRMitra" panose="02000506000000020002" pitchFamily="2" charset="-78"/>
+              </a:rPr>
+              <a:t>هایی </a:t>
+            </a:r>
+            <a:r>
+              <a:rPr lang="fa-IR" sz="1800" b="1" dirty="0">
+                <a:latin typeface="IRMitra" panose="02000506000000020002" pitchFamily="2" charset="-78"/>
+                <a:cs typeface="IRMitra" panose="02000506000000020002" pitchFamily="2" charset="-78"/>
+              </a:rPr>
+              <a:t>دارید؟ اطلاعات قرار است در قالب چه دسته‌هایی ذخیره‌ سازی  شود؟مثل دسته های کاربر،     خبر،کامنت و... همگی نمونه هایی از موجودیت هستند. معمولاً هر موجودیت در قالب یک جدول در نظر گرفته می شود. </a:t>
+            </a:r>
+          </a:p>
+          <a:p>
+            <a:pPr algn="r" rtl="1"/>
+            <a:r>
+              <a:rPr lang="fa-IR" sz="1800" b="1" dirty="0">
+                <a:latin typeface="IRMitra" panose="02000506000000020002" pitchFamily="2" charset="-78"/>
+                <a:cs typeface="IRMitra" panose="02000506000000020002" pitchFamily="2" charset="-78"/>
+              </a:rPr>
+              <a:t>هر جدول شما چه </a:t>
+            </a:r>
+            <a:r>
+              <a:rPr lang="fa-IR" sz="1800" b="1" dirty="0">
+                <a:solidFill>
+                  <a:srgbClr val="FF0000"/>
+                </a:solidFill>
+                <a:latin typeface="IRMitra" panose="02000506000000020002" pitchFamily="2" charset="-78"/>
+                <a:cs typeface="IRMitra" panose="02000506000000020002" pitchFamily="2" charset="-78"/>
+              </a:rPr>
+              <a:t>خاصیت‌هایی</a:t>
+            </a:r>
+            <a:r>
+              <a:rPr lang="fa-IR" sz="1800" b="1" dirty="0">
+                <a:latin typeface="IRMitra" panose="02000506000000020002" pitchFamily="2" charset="-78"/>
+                <a:cs typeface="IRMitra" panose="02000506000000020002" pitchFamily="2" charset="-78"/>
+              </a:rPr>
+              <a:t> دارد؟چه اطلاعاتی مشخصی را قصد دارید در آن ذخیره کنید؟</a:t>
+            </a:r>
+            <a:br>
+              <a:rPr lang="fa-IR" sz="1800" b="1" dirty="0">
+                <a:latin typeface="IRMitra" panose="02000506000000020002" pitchFamily="2" charset="-78"/>
+                <a:cs typeface="IRMitra" panose="02000506000000020002" pitchFamily="2" charset="-78"/>
+              </a:rPr>
+            </a:br>
+            <a:r>
+              <a:rPr lang="fa-IR" sz="1800" b="1" dirty="0">
+                <a:latin typeface="IRMitra" panose="02000506000000020002" pitchFamily="2" charset="-78"/>
+                <a:cs typeface="IRMitra" panose="02000506000000020002" pitchFamily="2" charset="-78"/>
+              </a:rPr>
+              <a:t>به یاد داشته باشید که این خواص باید ثابت باشند!چرا که هر کدام از این خواص به معنی یک </a:t>
+            </a:r>
+            <a:r>
+              <a:rPr lang="fa-IR" sz="1800" b="1" dirty="0">
+                <a:solidFill>
+                  <a:srgbClr val="FF0000"/>
+                </a:solidFill>
+                <a:latin typeface="IRMitra" panose="02000506000000020002" pitchFamily="2" charset="-78"/>
+                <a:cs typeface="IRMitra" panose="02000506000000020002" pitchFamily="2" charset="-78"/>
+              </a:rPr>
+              <a:t>ستون (</a:t>
+            </a:r>
+            <a:r>
+              <a:rPr lang="en-US" sz="1800" b="1" dirty="0">
+                <a:solidFill>
+                  <a:srgbClr val="FF0000"/>
+                </a:solidFill>
+                <a:latin typeface="IRMitra" panose="02000506000000020002" pitchFamily="2" charset="-78"/>
+                <a:cs typeface="IRMitra" panose="02000506000000020002" pitchFamily="2" charset="-78"/>
+              </a:rPr>
+              <a:t> (Column</a:t>
+            </a:r>
+            <a:r>
+              <a:rPr lang="fa-IR" sz="1800" b="1" dirty="0">
+                <a:latin typeface="IRMitra" panose="02000506000000020002" pitchFamily="2" charset="-78"/>
+                <a:cs typeface="IRMitra" panose="02000506000000020002" pitchFamily="2" charset="-78"/>
+              </a:rPr>
+              <a:t>از جدول شما هستند،‌ مثلاً جدول کاربر میتواند شامل ستون های نام، نام خانوادگی، سن،‌ پست الکترونیک و... باشد و قرار نیست این تعداد ستون ها برای هر کاربر متفاوت باشد.</a:t>
+            </a:r>
+          </a:p>
+          <a:p>
+            <a:pPr algn="r" rtl="1"/>
+            <a:r>
+              <a:rPr lang="fa-IR" sz="1800" b="1" dirty="0">
+                <a:latin typeface="IRMitra" panose="02000506000000020002" pitchFamily="2" charset="-78"/>
+                <a:cs typeface="IRMitra" panose="02000506000000020002" pitchFamily="2" charset="-78"/>
+              </a:rPr>
+              <a:t>هر داده شما چه اطلاعاتی دارد؟ هر داده جدید در قالب یک </a:t>
+            </a:r>
+            <a:r>
+              <a:rPr lang="fa-IR" sz="1800" b="1" dirty="0">
+                <a:solidFill>
+                  <a:srgbClr val="FF0000"/>
+                </a:solidFill>
+                <a:latin typeface="IRMitra" panose="02000506000000020002" pitchFamily="2" charset="-78"/>
+                <a:cs typeface="IRMitra" panose="02000506000000020002" pitchFamily="2" charset="-78"/>
+              </a:rPr>
+              <a:t>سطر (</a:t>
+            </a:r>
+            <a:r>
+              <a:rPr lang="en-US" sz="1800" b="1" dirty="0">
+                <a:solidFill>
+                  <a:srgbClr val="FF0000"/>
+                </a:solidFill>
+                <a:latin typeface="IRMitra" panose="02000506000000020002" pitchFamily="2" charset="-78"/>
+                <a:cs typeface="IRMitra" panose="02000506000000020002" pitchFamily="2" charset="-78"/>
+              </a:rPr>
+              <a:t>(Row</a:t>
+            </a:r>
+            <a:r>
+              <a:rPr lang="fa-IR" sz="1800" b="1" dirty="0">
+                <a:latin typeface="IRMitra" panose="02000506000000020002" pitchFamily="2" charset="-78"/>
+                <a:cs typeface="IRMitra" panose="02000506000000020002" pitchFamily="2" charset="-78"/>
+              </a:rPr>
+              <a:t> جدید در جدول مورد نظرتان ذخیره می شود به طور مثال به ازای هر کاربر جدید یک سطر با ستون های نام،‌نام خانوادگی،‌سن و... در جدول کاربران تشکیل می شود.</a:t>
+            </a:r>
+          </a:p>
+          <a:p>
+            <a:pPr algn="r" rtl="1"/>
+            <a:r>
+              <a:rPr lang="fa-IR" sz="1800" b="1" dirty="0">
+                <a:latin typeface="IRMitra" panose="02000506000000020002" pitchFamily="2" charset="-78"/>
+                <a:cs typeface="IRMitra" panose="02000506000000020002" pitchFamily="2" charset="-78"/>
+              </a:rPr>
+              <a:t>هر جدول شما چه </a:t>
+            </a:r>
+            <a:r>
+              <a:rPr lang="fa-IR" sz="1800" b="1" dirty="0">
+                <a:solidFill>
+                  <a:srgbClr val="FF0000"/>
+                </a:solidFill>
+                <a:latin typeface="IRMitra" panose="02000506000000020002" pitchFamily="2" charset="-78"/>
+                <a:cs typeface="IRMitra" panose="02000506000000020002" pitchFamily="2" charset="-78"/>
+              </a:rPr>
+              <a:t>ارتباطی(</a:t>
+            </a:r>
+            <a:r>
+              <a:rPr lang="en-US" sz="1800" b="1" dirty="0">
+                <a:solidFill>
+                  <a:srgbClr val="FF0000"/>
+                </a:solidFill>
+                <a:latin typeface="IRMitra" panose="02000506000000020002" pitchFamily="2" charset="-78"/>
+                <a:cs typeface="IRMitra" panose="02000506000000020002" pitchFamily="2" charset="-78"/>
+              </a:rPr>
+              <a:t>(Relation</a:t>
+            </a:r>
+            <a:r>
+              <a:rPr lang="fa-IR" sz="1800" b="1" dirty="0">
+                <a:latin typeface="IRMitra" panose="02000506000000020002" pitchFamily="2" charset="-78"/>
+                <a:cs typeface="IRMitra" panose="02000506000000020002" pitchFamily="2" charset="-78"/>
+              </a:rPr>
+              <a:t> با جدول یا جداول دیگر دارد؟ مثلا هر کاربر می تواند عضوی از یک یا چند درس و هر کلاس درس میتواندشامل مجموعه ای از کاربران باشد.</a:t>
+            </a:r>
+            <a:endParaRPr lang="en-US" sz="1800" b="1" dirty="0">
+              <a:latin typeface="IRMitra" panose="02000506000000020002" pitchFamily="2" charset="-78"/>
+              <a:cs typeface="IRMitra" panose="02000506000000020002" pitchFamily="2" charset="-78"/>
+            </a:endParaRPr>
+          </a:p>
+        </p:txBody>
+      </p:sp>
+      <p:sp>
+        <p:nvSpPr>
+          <p:cNvPr id="4" name="Slide Number Placeholder 3">
+            <a:extLst>
+              <a:ext uri="{FF2B5EF4-FFF2-40B4-BE49-F238E27FC236}">
+                <a16:creationId xmlns:a16="http://schemas.microsoft.com/office/drawing/2014/main" id="{8058C88E-8423-CAE4-8DC8-8A82BFB52B99}"/>
+              </a:ext>
+            </a:extLst>
+          </p:cNvPr>
+          <p:cNvSpPr>
+            <a:spLocks noGrp="1"/>
+          </p:cNvSpPr>
+          <p:nvPr>
+            <p:ph type="sldNum" sz="quarter" idx="12"/>
+          </p:nvPr>
+        </p:nvSpPr>
+        <p:spPr/>
+        <p:txBody>
+          <a:bodyPr/>
+          <a:lstStyle/>
+          <a:p>
+            <a:pPr marL="0" marR="0" lvl="0" indent="0" algn="r" defTabSz="457200" rtl="0" eaLnBrk="1" fontAlgn="auto" latinLnBrk="0" hangingPunct="1">
+              <a:lnSpc>
+                <a:spcPct val="100000"/>
+              </a:lnSpc>
+              <a:spcBef>
+                <a:spcPts val="0"/>
+              </a:spcBef>
+              <a:spcAft>
+                <a:spcPts val="0"/>
+              </a:spcAft>
+              <a:buClrTx/>
+              <a:buSzTx/>
+              <a:buFontTx/>
+              <a:buNone/>
+              <a:tabLst/>
+              <a:defRPr/>
+            </a:pPr>
+            <a:fld id="{7689408C-A85D-48C2-977A-AF384DC8465A}" type="slidenum">
+              <a:rPr kumimoji="0" lang="fa-IR" sz="1050" b="0" i="0" u="none" strike="noStrike" kern="1200" cap="none" spc="0" normalizeH="0" baseline="0" noProof="0" smtClean="0">
+                <a:ln>
+                  <a:noFill/>
+                </a:ln>
+                <a:solidFill>
+                  <a:prstClr val="white">
+                    <a:tint val="75000"/>
+                  </a:prstClr>
+                </a:solidFill>
+                <a:effectLst/>
+                <a:uLnTx/>
+                <a:uFillTx/>
+                <a:latin typeface="Tw Cen MT" panose="020B0602020104020603"/>
+                <a:ea typeface="+mn-ea"/>
+                <a:cs typeface="Arial" panose="020B0604020202020204" pitchFamily="34" charset="0"/>
+              </a:rPr>
+              <a:pPr marL="0" marR="0" lvl="0" indent="0" algn="r" defTabSz="457200" rtl="0" eaLnBrk="1" fontAlgn="auto" latinLnBrk="0" hangingPunct="1">
+                <a:lnSpc>
+                  <a:spcPct val="100000"/>
+                </a:lnSpc>
+                <a:spcBef>
+                  <a:spcPts val="0"/>
+                </a:spcBef>
+                <a:spcAft>
+                  <a:spcPts val="0"/>
+                </a:spcAft>
+                <a:buClrTx/>
+                <a:buSzTx/>
+                <a:buFontTx/>
+                <a:buNone/>
+                <a:tabLst/>
+                <a:defRPr/>
+              </a:pPr>
+              <a:t>3</a:t>
+            </a:fld>
+            <a:endParaRPr kumimoji="0" lang="fa-IR" sz="1050" b="0" i="0" u="none" strike="noStrike" kern="1200" cap="none" spc="0" normalizeH="0" baseline="0" noProof="0">
+              <a:ln>
+                <a:noFill/>
+              </a:ln>
+              <a:solidFill>
+                <a:prstClr val="white">
+                  <a:tint val="75000"/>
+                </a:prstClr>
+              </a:solidFill>
+              <a:effectLst/>
+              <a:uLnTx/>
+              <a:uFillTx/>
+              <a:latin typeface="Tw Cen MT" panose="020B0602020104020603"/>
+              <a:ea typeface="+mn-ea"/>
+              <a:cs typeface="Arial" panose="020B0604020202020204" pitchFamily="34" charset="0"/>
+            </a:endParaRPr>
+          </a:p>
+        </p:txBody>
+      </p:sp>
+    </p:spTree>
+    <p:extLst>
+      <p:ext uri="{BB962C8B-B14F-4D97-AF65-F5344CB8AC3E}">
+        <p14:creationId xmlns:p14="http://schemas.microsoft.com/office/powerpoint/2010/main" val="3575389206"/>
+      </p:ext>
+    </p:extLst>
+  </p:cSld>
+  <p:clrMapOvr>
+    <a:masterClrMapping/>
+  </p:clrMapOvr>
+</p:sld>
+</file>
+
 <file path=ppt/slides/slide4.xml><?xml version="1.0" encoding="utf-8"?>
 <p:sld xmlns:a="http://schemas.openxmlformats.org/drawingml/2006/main" xmlns:r="http://schemas.openxmlformats.org/officeDocument/2006/relationships" xmlns:p="http://schemas.openxmlformats.org/presentationml/2006/main">
   <p:cSld>
@@ -28972,10 +28651,10 @@
       </p:grpSpPr>
       <p:sp>
         <p:nvSpPr>
-          <p:cNvPr id="2" name="Title 1">
+          <p:cNvPr id="3" name="Content Placeholder 2">
             <a:extLst>
               <a:ext uri="{FF2B5EF4-FFF2-40B4-BE49-F238E27FC236}">
-                <a16:creationId xmlns:a16="http://schemas.microsoft.com/office/drawing/2014/main" id="{FA0C93DD-4D99-3E57-66ED-3F4D89876772}"/>
+                <a16:creationId xmlns:a16="http://schemas.microsoft.com/office/drawing/2014/main" id="{CC128EF5-3F19-4F37-72CE-965C9C892949}"/>
               </a:ext>
             </a:extLst>
           </p:cNvPr>
@@ -28983,13 +28662,13 @@
             <a:spLocks noGrp="1"/>
           </p:cNvSpPr>
           <p:nvPr>
-            <p:ph type="title"/>
+            <p:ph idx="1"/>
           </p:nvPr>
         </p:nvSpPr>
         <p:spPr>
           <a:xfrm>
-            <a:off x="2592925" y="624110"/>
-            <a:ext cx="8911687" cy="950166"/>
+            <a:off x="1432876" y="1015907"/>
+            <a:ext cx="9873775" cy="5232492"/>
           </a:xfrm>
         </p:spPr>
         <p:txBody>
@@ -28998,239 +28677,78 @@
           </a:bodyPr>
           <a:lstStyle/>
           <a:p>
-            <a:pPr algn="r" rtl="1"/>
-            <a:r>
-              <a:rPr lang="fa-IR" sz="4400" dirty="0">
-                <a:latin typeface="IRTitr" panose="02000506000000020002" pitchFamily="2" charset="-78"/>
-                <a:cs typeface="IRTitr" panose="02000506000000020002" pitchFamily="2" charset="-78"/>
-              </a:rPr>
-              <a:t>آشنایی با ساختار داده </a:t>
-            </a:r>
-            <a:r>
-              <a:rPr lang="en-US" sz="4400" dirty="0">
-                <a:latin typeface="IRTitr" panose="02000506000000020002" pitchFamily="2" charset="-78"/>
-                <a:cs typeface="IRTitr" panose="02000506000000020002" pitchFamily="2" charset="-78"/>
-              </a:rPr>
-              <a:t>SQL</a:t>
-            </a:r>
-          </a:p>
-        </p:txBody>
-      </p:sp>
-      <p:sp>
-        <p:nvSpPr>
-          <p:cNvPr id="3" name="Content Placeholder 2">
-            <a:extLst>
-              <a:ext uri="{FF2B5EF4-FFF2-40B4-BE49-F238E27FC236}">
-                <a16:creationId xmlns:a16="http://schemas.microsoft.com/office/drawing/2014/main" id="{611D54DD-A449-A45E-F14D-E8BA58033D32}"/>
-              </a:ext>
-            </a:extLst>
-          </p:cNvPr>
-          <p:cNvSpPr>
-            <a:spLocks noGrp="1"/>
-          </p:cNvSpPr>
-          <p:nvPr>
-            <p:ph idx="1"/>
-          </p:nvPr>
-        </p:nvSpPr>
-        <p:spPr>
-          <a:xfrm>
-            <a:off x="2121031" y="1574276"/>
-            <a:ext cx="9383581" cy="4336946"/>
-          </a:xfrm>
-        </p:spPr>
-        <p:txBody>
-          <a:bodyPr>
-            <a:noAutofit/>
-          </a:bodyPr>
-          <a:lstStyle/>
-          <a:p>
-            <a:pPr algn="r" rtl="1"/>
-            <a:r>
-              <a:rPr lang="fa-IR" sz="1800" b="1" dirty="0">
+            <a:pPr marL="0" indent="0" algn="r" rtl="1">
+              <a:buNone/>
+            </a:pPr>
+            <a:r>
+              <a:rPr lang="fa-IR" b="1" dirty="0">
                 <a:latin typeface="IRMitra" panose="02000506000000020002" pitchFamily="2" charset="-78"/>
                 <a:cs typeface="IRMitra" panose="02000506000000020002" pitchFamily="2" charset="-78"/>
               </a:rPr>
-              <a:t>چه </a:t>
-            </a:r>
-            <a:r>
-              <a:rPr lang="fa-IR" sz="1800" b="1" dirty="0">
-                <a:solidFill>
-                  <a:srgbClr val="FF0000"/>
-                </a:solidFill>
+              <a:t>تمام این مشخصات پایگاه داده شما در </a:t>
+            </a:r>
+            <a:r>
+              <a:rPr lang="en-US" b="1" dirty="0">
                 <a:latin typeface="IRMitra" panose="02000506000000020002" pitchFamily="2" charset="-78"/>
                 <a:cs typeface="IRMitra" panose="02000506000000020002" pitchFamily="2" charset="-78"/>
               </a:rPr>
-              <a:t>موجودیت (</a:t>
-            </a:r>
-            <a:r>
-              <a:rPr lang="en-US" sz="1800" b="1" dirty="0">
-                <a:solidFill>
-                  <a:srgbClr val="FF0000"/>
-                </a:solidFill>
+              <a:t>SQL</a:t>
+            </a:r>
+            <a:r>
+              <a:rPr lang="fa-IR" b="1" dirty="0">
                 <a:latin typeface="IRMitra" panose="02000506000000020002" pitchFamily="2" charset="-78"/>
                 <a:cs typeface="IRMitra" panose="02000506000000020002" pitchFamily="2" charset="-78"/>
               </a:rPr>
-              <a:t>(Entity</a:t>
-            </a:r>
-            <a:r>
-              <a:rPr lang="fa-IR" sz="1800" b="1" dirty="0">
-                <a:solidFill>
-                  <a:srgbClr val="FF0000"/>
-                </a:solidFill>
+              <a:t> با ساختاری به نام </a:t>
+            </a:r>
+            <a:r>
+              <a:rPr lang="en-US" b="1" dirty="0">
                 <a:latin typeface="IRMitra" panose="02000506000000020002" pitchFamily="2" charset="-78"/>
                 <a:cs typeface="IRMitra" panose="02000506000000020002" pitchFamily="2" charset="-78"/>
               </a:rPr>
-              <a:t>هایی </a:t>
-            </a:r>
-            <a:r>
-              <a:rPr lang="fa-IR" sz="1800" b="1" dirty="0">
+              <a:t>Schema</a:t>
+            </a:r>
+            <a:r>
+              <a:rPr lang="fa-IR" b="1" dirty="0">
                 <a:latin typeface="IRMitra" panose="02000506000000020002" pitchFamily="2" charset="-78"/>
                 <a:cs typeface="IRMitra" panose="02000506000000020002" pitchFamily="2" charset="-78"/>
               </a:rPr>
-              <a:t>دارید؟ اطلاعات قرار است در قالب چه دسته‌هایی ذخیره‌ سازی  شود؟مثل دسته های کاربر،     خبر،کامنت و... همگی نمونه هایی از موجودیت هستند. معمولاً هر موجودیت در قالب یک جدول در نظر گرفته می شود. </a:t>
-            </a:r>
-          </a:p>
-          <a:p>
-            <a:pPr algn="r" rtl="1"/>
-            <a:r>
-              <a:rPr lang="fa-IR" sz="1800" b="1" dirty="0">
-                <a:latin typeface="IRMitra" panose="02000506000000020002" pitchFamily="2" charset="-78"/>
-                <a:cs typeface="IRMitra" panose="02000506000000020002" pitchFamily="2" charset="-78"/>
-              </a:rPr>
-              <a:t>هر جدول شما چه </a:t>
-            </a:r>
-            <a:r>
-              <a:rPr lang="fa-IR" sz="1800" b="1" dirty="0">
-                <a:solidFill>
-                  <a:srgbClr val="FF0000"/>
-                </a:solidFill>
-                <a:latin typeface="IRMitra" panose="02000506000000020002" pitchFamily="2" charset="-78"/>
-                <a:cs typeface="IRMitra" panose="02000506000000020002" pitchFamily="2" charset="-78"/>
-              </a:rPr>
-              <a:t>خاصیت‌هایی</a:t>
-            </a:r>
-            <a:r>
-              <a:rPr lang="fa-IR" sz="1800" b="1" dirty="0">
-                <a:latin typeface="IRMitra" panose="02000506000000020002" pitchFamily="2" charset="-78"/>
-                <a:cs typeface="IRMitra" panose="02000506000000020002" pitchFamily="2" charset="-78"/>
-              </a:rPr>
-              <a:t> دارد؟چه اطلاعاتی مشخصی را قصد دارید در آن ذخیره کنید؟</a:t>
+              <a:t> ذخیره می شود.</a:t>
             </a:r>
             <a:br>
-              <a:rPr lang="fa-IR" sz="1800" b="1" dirty="0">
+              <a:rPr lang="en-US" b="1" dirty="0">
                 <a:latin typeface="IRMitra" panose="02000506000000020002" pitchFamily="2" charset="-78"/>
                 <a:cs typeface="IRMitra" panose="02000506000000020002" pitchFamily="2" charset="-78"/>
               </a:rPr>
             </a:br>
             <a:r>
-              <a:rPr lang="fa-IR" sz="1800" b="1" dirty="0">
+              <a:rPr lang="en-US" b="1" dirty="0">
                 <a:latin typeface="IRMitra" panose="02000506000000020002" pitchFamily="2" charset="-78"/>
                 <a:cs typeface="IRMitra" panose="02000506000000020002" pitchFamily="2" charset="-78"/>
               </a:rPr>
-              <a:t>به یاد داشته باشید که این خواص باید ثابت باشند!چرا که هر کدام از این خواص به معنی یک </a:t>
-            </a:r>
-            <a:r>
-              <a:rPr lang="fa-IR" sz="1800" b="1" dirty="0">
-                <a:solidFill>
-                  <a:srgbClr val="FF0000"/>
-                </a:solidFill>
+              <a:t>Schema</a:t>
+            </a:r>
+            <a:r>
+              <a:rPr lang="fa-IR" b="1" dirty="0">
                 <a:latin typeface="IRMitra" panose="02000506000000020002" pitchFamily="2" charset="-78"/>
                 <a:cs typeface="IRMitra" panose="02000506000000020002" pitchFamily="2" charset="-78"/>
               </a:rPr>
-              <a:t>ستون (</a:t>
-            </a:r>
-            <a:r>
-              <a:rPr lang="en-US" sz="1800" b="1" dirty="0">
-                <a:solidFill>
-                  <a:srgbClr val="FF0000"/>
-                </a:solidFill>
+              <a:t> یک ساختار ثابت است و مانند اسکلت یک ساختمان عمل می کند.</a:t>
+            </a:r>
+            <a:br>
+              <a:rPr lang="fa-IR" b="1" dirty="0">
                 <a:latin typeface="IRMitra" panose="02000506000000020002" pitchFamily="2" charset="-78"/>
                 <a:cs typeface="IRMitra" panose="02000506000000020002" pitchFamily="2" charset="-78"/>
               </a:rPr>
-              <a:t> (Column</a:t>
-            </a:r>
-            <a:r>
-              <a:rPr lang="fa-IR" sz="1800" b="1" dirty="0">
+            </a:br>
+            <a:r>
+              <a:rPr lang="fa-IR" b="1" dirty="0">
                 <a:latin typeface="IRMitra" panose="02000506000000020002" pitchFamily="2" charset="-78"/>
                 <a:cs typeface="IRMitra" panose="02000506000000020002" pitchFamily="2" charset="-78"/>
               </a:rPr>
-              <a:t>از جدول شما هستند،‌ مثلاً جدول کاربر میتواند شامل ستون های نام، نام خانوادگی، سن،‌ پست الکترونیک و... باشد و قرار نیست این تعداد ستون ها برای هر کاربر متفاوت باشد.</a:t>
-            </a:r>
-          </a:p>
-          <a:p>
-            <a:pPr algn="r" rtl="1"/>
-            <a:r>
-              <a:rPr lang="fa-IR" sz="1800" b="1" dirty="0">
-                <a:latin typeface="IRMitra" panose="02000506000000020002" pitchFamily="2" charset="-78"/>
-                <a:cs typeface="IRMitra" panose="02000506000000020002" pitchFamily="2" charset="-78"/>
-              </a:rPr>
-              <a:t>هر داده شما چه اطلاعاتی دارد؟ هر داده جدید در قالب یک </a:t>
-            </a:r>
-            <a:r>
-              <a:rPr lang="fa-IR" sz="1800" b="1" dirty="0">
-                <a:solidFill>
-                  <a:srgbClr val="FF0000"/>
-                </a:solidFill>
-                <a:latin typeface="IRMitra" panose="02000506000000020002" pitchFamily="2" charset="-78"/>
-                <a:cs typeface="IRMitra" panose="02000506000000020002" pitchFamily="2" charset="-78"/>
-              </a:rPr>
-              <a:t>سطر (</a:t>
-            </a:r>
-            <a:r>
-              <a:rPr lang="en-US" sz="1800" b="1" dirty="0">
-                <a:solidFill>
-                  <a:srgbClr val="FF0000"/>
-                </a:solidFill>
-                <a:latin typeface="IRMitra" panose="02000506000000020002" pitchFamily="2" charset="-78"/>
-                <a:cs typeface="IRMitra" panose="02000506000000020002" pitchFamily="2" charset="-78"/>
-              </a:rPr>
-              <a:t>(Row</a:t>
-            </a:r>
-            <a:r>
-              <a:rPr lang="fa-IR" sz="1800" b="1" dirty="0">
-                <a:latin typeface="IRMitra" panose="02000506000000020002" pitchFamily="2" charset="-78"/>
-                <a:cs typeface="IRMitra" panose="02000506000000020002" pitchFamily="2" charset="-78"/>
-              </a:rPr>
-              <a:t> جدید در جدول مورد نظرتان ذخیره می شود به طور مثال به ازای هر کاربر جدید یک سطر با ستون های نام،‌نام خانوادگی،‌سن و... در جدول کاربران تشکیل می شود.</a:t>
-            </a:r>
-          </a:p>
-          <a:p>
-            <a:pPr algn="r" rtl="1"/>
-            <a:r>
-              <a:rPr lang="fa-IR" sz="1800" b="1" dirty="0">
-                <a:latin typeface="IRMitra" panose="02000506000000020002" pitchFamily="2" charset="-78"/>
-                <a:cs typeface="IRMitra" panose="02000506000000020002" pitchFamily="2" charset="-78"/>
-              </a:rPr>
-              <a:t>هر جدول شما چه </a:t>
-            </a:r>
-            <a:r>
-              <a:rPr lang="fa-IR" sz="1800" b="1" dirty="0">
-                <a:solidFill>
-                  <a:srgbClr val="FF0000"/>
-                </a:solidFill>
-                <a:latin typeface="IRMitra" panose="02000506000000020002" pitchFamily="2" charset="-78"/>
-                <a:cs typeface="IRMitra" panose="02000506000000020002" pitchFamily="2" charset="-78"/>
-              </a:rPr>
-              <a:t>ارتباطی(</a:t>
-            </a:r>
-            <a:r>
-              <a:rPr lang="en-US" sz="1800" b="1" dirty="0">
-                <a:solidFill>
-                  <a:srgbClr val="FF0000"/>
-                </a:solidFill>
-                <a:latin typeface="IRMitra" panose="02000506000000020002" pitchFamily="2" charset="-78"/>
-                <a:cs typeface="IRMitra" panose="02000506000000020002" pitchFamily="2" charset="-78"/>
-              </a:rPr>
-              <a:t>(Relation</a:t>
-            </a:r>
-            <a:r>
-              <a:rPr lang="fa-IR" sz="1800" b="1" dirty="0">
-                <a:latin typeface="IRMitra" panose="02000506000000020002" pitchFamily="2" charset="-78"/>
-                <a:cs typeface="IRMitra" panose="02000506000000020002" pitchFamily="2" charset="-78"/>
-              </a:rPr>
-              <a:t> با جدول یا جداول دیگر دارد؟ مثلا هر کاربر می تواند عضوی از یک یا چند درس و هر کلاس درس میتواندشامل مجموعه ای از کاربران باشد.</a:t>
-            </a:r>
-            <a:endParaRPr lang="en-US" sz="1800" b="1" dirty="0">
+              <a:t>همه چیز روی آن سوار و بر پایه آن تکمیل می شود. </a:t>
+            </a:r>
+            <a:endParaRPr lang="en-US" b="1" dirty="0">
               <a:latin typeface="IRMitra" panose="02000506000000020002" pitchFamily="2" charset="-78"/>
               <a:cs typeface="IRMitra" panose="02000506000000020002" pitchFamily="2" charset="-78"/>
             </a:endParaRPr>
@@ -29239,10 +28757,10 @@
       </p:sp>
       <p:sp>
         <p:nvSpPr>
-          <p:cNvPr id="4" name="Slide Number Placeholder 3">
+          <p:cNvPr id="2" name="Slide Number Placeholder 1">
             <a:extLst>
               <a:ext uri="{FF2B5EF4-FFF2-40B4-BE49-F238E27FC236}">
-                <a16:creationId xmlns:a16="http://schemas.microsoft.com/office/drawing/2014/main" id="{8058C88E-8423-CAE4-8DC8-8A82BFB52B99}"/>
+                <a16:creationId xmlns:a16="http://schemas.microsoft.com/office/drawing/2014/main" id="{A1CF32E2-E679-99B1-708F-C44E40B9537D}"/>
               </a:ext>
             </a:extLst>
           </p:cNvPr>
@@ -29333,7 +28851,7 @@
     </p:spTree>
     <p:extLst>
       <p:ext uri="{BB962C8B-B14F-4D97-AF65-F5344CB8AC3E}">
-        <p14:creationId xmlns:p14="http://schemas.microsoft.com/office/powerpoint/2010/main" val="3575389206"/>
+        <p14:creationId xmlns:p14="http://schemas.microsoft.com/office/powerpoint/2010/main" val="1428864895"/>
       </p:ext>
     </p:extLst>
   </p:cSld>
@@ -29362,116 +28880,134 @@
       </p:grpSpPr>
       <p:sp>
         <p:nvSpPr>
-          <p:cNvPr id="3" name="Content Placeholder 2">
-            <a:extLst>
-              <a:ext uri="{FF2B5EF4-FFF2-40B4-BE49-F238E27FC236}">
-                <a16:creationId xmlns:a16="http://schemas.microsoft.com/office/drawing/2014/main" id="{CC128EF5-3F19-4F37-72CE-965C9C892949}"/>
-              </a:ext>
-            </a:extLst>
-          </p:cNvPr>
-          <p:cNvSpPr>
-            <a:spLocks noGrp="1"/>
-          </p:cNvSpPr>
-          <p:nvPr>
-            <p:ph idx="1"/>
+          <p:cNvPr id="2" name="Title 1"/>
+          <p:cNvSpPr>
+            <a:spLocks noGrp="1"/>
+          </p:cNvSpPr>
+          <p:nvPr>
+            <p:ph type="title"/>
           </p:nvPr>
         </p:nvSpPr>
         <p:spPr>
           <a:xfrm>
-            <a:off x="1432876" y="1015907"/>
-            <a:ext cx="9873775" cy="5232492"/>
+            <a:off x="5152037" y="609601"/>
+            <a:ext cx="5895373" cy="1280890"/>
           </a:xfrm>
         </p:spPr>
         <p:txBody>
           <a:bodyPr>
-            <a:normAutofit/>
+            <a:noAutofit/>
           </a:bodyPr>
           <a:lstStyle/>
           <a:p>
+            <a:pPr algn="r" rtl="1"/>
+            <a:r>
+              <a:rPr lang="fa-IR" sz="7200" dirty="0">
+                <a:latin typeface="IRTitr" panose="02000506000000020002" pitchFamily="2" charset="-78"/>
+                <a:cs typeface="IRTitr" panose="02000506000000020002" pitchFamily="2" charset="-78"/>
+              </a:rPr>
+              <a:t>چرا </a:t>
+            </a:r>
+            <a:r>
+              <a:rPr lang="en-US" sz="7200" dirty="0">
+                <a:latin typeface="IRTitr" panose="02000506000000020002" pitchFamily="2" charset="-78"/>
+                <a:cs typeface="IRTitr" panose="02000506000000020002" pitchFamily="2" charset="-78"/>
+              </a:rPr>
+              <a:t> SQL </a:t>
+            </a:r>
+            <a:r>
+              <a:rPr lang="fa-IR" sz="7200" dirty="0">
+                <a:latin typeface="IRTitr" panose="02000506000000020002" pitchFamily="2" charset="-78"/>
+                <a:cs typeface="IRTitr" panose="02000506000000020002" pitchFamily="2" charset="-78"/>
+              </a:rPr>
+              <a:t>نه؟</a:t>
+            </a:r>
+          </a:p>
+        </p:txBody>
+      </p:sp>
+      <p:sp>
+        <p:nvSpPr>
+          <p:cNvPr id="3" name="Content Placeholder 2"/>
+          <p:cNvSpPr>
+            <a:spLocks noGrp="1"/>
+          </p:cNvSpPr>
+          <p:nvPr>
+            <p:ph idx="1"/>
+          </p:nvPr>
+        </p:nvSpPr>
+        <p:spPr>
+          <a:xfrm>
+            <a:off x="1018862" y="1658143"/>
+            <a:ext cx="9905999" cy="3541714"/>
+          </a:xfrm>
+        </p:spPr>
+        <p:txBody>
+          <a:bodyPr>
+            <a:noAutofit/>
+          </a:bodyPr>
+          <a:lstStyle/>
+          <a:p>
             <a:pPr marL="0" indent="0" algn="r" rtl="1">
               <a:buNone/>
             </a:pPr>
             <a:r>
-              <a:rPr lang="fa-IR" b="1" dirty="0">
+              <a:rPr lang="fa-IR" sz="3200" dirty="0">
                 <a:latin typeface="IRMitra" panose="02000506000000020002" pitchFamily="2" charset="-78"/>
                 <a:cs typeface="IRMitra" panose="02000506000000020002" pitchFamily="2" charset="-78"/>
               </a:rPr>
-              <a:t>تمام این مشخصات پایگاه داده شما در </a:t>
-            </a:r>
-            <a:r>
-              <a:rPr lang="en-US" b="1" dirty="0">
+              <a:t>در برنامه نویسی سنتی، پایگاه داده ها معمولاً بی دردسر و راحت است اما این نوع از پایگاه داده ها یک مشکل بزرگ دارند، این مشکل زمانی خود را نشان می دهد که غول های نرم افزاری دنیا مثل گوگل،آمازون و فیسبوک احتیاج به تحلیل داده های با حجم و تعداد بالا یا همان </a:t>
+            </a:r>
+            <a:r>
+              <a:rPr lang="en-US" sz="3200" dirty="0">
                 <a:latin typeface="IRMitra" panose="02000506000000020002" pitchFamily="2" charset="-78"/>
                 <a:cs typeface="IRMitra" panose="02000506000000020002" pitchFamily="2" charset="-78"/>
               </a:rPr>
-              <a:t>SQL</a:t>
-            </a:r>
-            <a:r>
-              <a:rPr lang="fa-IR" b="1" dirty="0">
+              <a:t>Big Data</a:t>
+            </a:r>
+            <a:r>
+              <a:rPr lang="fa-IR" sz="3200" dirty="0">
                 <a:latin typeface="IRMitra" panose="02000506000000020002" pitchFamily="2" charset="-78"/>
                 <a:cs typeface="IRMitra" panose="02000506000000020002" pitchFamily="2" charset="-78"/>
               </a:rPr>
-              <a:t> با ساختاری به نام </a:t>
-            </a:r>
-            <a:r>
-              <a:rPr lang="en-US" b="1" dirty="0">
+              <a:t> پیدا کردند. اپلیکیشن های به اصطلاح </a:t>
+            </a:r>
+            <a:r>
+              <a:rPr lang="en-US" sz="3200" dirty="0">
                 <a:latin typeface="IRMitra" panose="02000506000000020002" pitchFamily="2" charset="-78"/>
                 <a:cs typeface="IRMitra" panose="02000506000000020002" pitchFamily="2" charset="-78"/>
               </a:rPr>
-              <a:t>Schema</a:t>
-            </a:r>
-            <a:r>
-              <a:rPr lang="fa-IR" b="1" dirty="0">
+              <a:t>Real-Time</a:t>
+            </a:r>
+            <a:r>
+              <a:rPr lang="fa-IR" sz="3200" dirty="0">
                 <a:latin typeface="IRMitra" panose="02000506000000020002" pitchFamily="2" charset="-78"/>
                 <a:cs typeface="IRMitra" panose="02000506000000020002" pitchFamily="2" charset="-78"/>
               </a:rPr>
-              <a:t> ذخیره می شود.</a:t>
-            </a:r>
-            <a:br>
-              <a:rPr lang="en-US" b="1" dirty="0">
+              <a:t> نیز از موارد استفاده از </a:t>
+            </a:r>
+            <a:r>
+              <a:rPr lang="en-US" sz="3200" dirty="0">
                 <a:latin typeface="IRMitra" panose="02000506000000020002" pitchFamily="2" charset="-78"/>
                 <a:cs typeface="IRMitra" panose="02000506000000020002" pitchFamily="2" charset="-78"/>
               </a:rPr>
-            </a:br>
-            <a:r>
-              <a:rPr lang="en-US" b="1" dirty="0">
+              <a:t>NoSQL</a:t>
+            </a:r>
+            <a:r>
+              <a:rPr lang="fa-IR" sz="3200" dirty="0">
                 <a:latin typeface="IRMitra" panose="02000506000000020002" pitchFamily="2" charset="-78"/>
                 <a:cs typeface="IRMitra" panose="02000506000000020002" pitchFamily="2" charset="-78"/>
               </a:rPr>
-              <a:t>Schema</a:t>
-            </a:r>
-            <a:r>
-              <a:rPr lang="fa-IR" b="1" dirty="0">
-                <a:latin typeface="IRMitra" panose="02000506000000020002" pitchFamily="2" charset="-78"/>
-                <a:cs typeface="IRMitra" panose="02000506000000020002" pitchFamily="2" charset="-78"/>
-              </a:rPr>
-              <a:t> یک ساختار ثابت است و مانند اسکلت یک ساختمان عمل می کند.</a:t>
-            </a:r>
-            <a:br>
-              <a:rPr lang="fa-IR" b="1" dirty="0">
-                <a:latin typeface="IRMitra" panose="02000506000000020002" pitchFamily="2" charset="-78"/>
-                <a:cs typeface="IRMitra" panose="02000506000000020002" pitchFamily="2" charset="-78"/>
-              </a:rPr>
-            </a:br>
-            <a:r>
-              <a:rPr lang="fa-IR" b="1" dirty="0">
-                <a:latin typeface="IRMitra" panose="02000506000000020002" pitchFamily="2" charset="-78"/>
-                <a:cs typeface="IRMitra" panose="02000506000000020002" pitchFamily="2" charset="-78"/>
-              </a:rPr>
-              <a:t>همه چیز روی آن سوار و بر پایه آن تکمیل می شود. </a:t>
-            </a:r>
-            <a:endParaRPr lang="en-US" b="1" dirty="0">
-              <a:latin typeface="IRMitra" panose="02000506000000020002" pitchFamily="2" charset="-78"/>
-              <a:cs typeface="IRMitra" panose="02000506000000020002" pitchFamily="2" charset="-78"/>
-            </a:endParaRPr>
-          </a:p>
-        </p:txBody>
-      </p:sp>
-      <p:sp>
-        <p:nvSpPr>
-          <p:cNvPr id="2" name="Slide Number Placeholder 1">
+              <a:t> هستند.</a:t>
+            </a:r>
+          </a:p>
+        </p:txBody>
+      </p:sp>
+      <p:sp>
+        <p:nvSpPr>
+          <p:cNvPr id="4" name="Slide Number Placeholder 3">
             <a:extLst>
               <a:ext uri="{FF2B5EF4-FFF2-40B4-BE49-F238E27FC236}">
-                <a16:creationId xmlns:a16="http://schemas.microsoft.com/office/drawing/2014/main" id="{A1CF32E2-E679-99B1-708F-C44E40B9537D}"/>
+                <a16:creationId xmlns:a16="http://schemas.microsoft.com/office/drawing/2014/main" id="{7844F6E1-31BF-4D06-4EB3-EF161B9B5EC2}"/>
               </a:ext>
             </a:extLst>
           </p:cNvPr>
@@ -29562,7 +29098,7 @@
     </p:spTree>
     <p:extLst>
       <p:ext uri="{BB962C8B-B14F-4D97-AF65-F5344CB8AC3E}">
-        <p14:creationId xmlns:p14="http://schemas.microsoft.com/office/powerpoint/2010/main" val="1428864895"/>
+        <p14:creationId xmlns:p14="http://schemas.microsoft.com/office/powerpoint/2010/main" val="3583160406"/>
       </p:ext>
     </p:extLst>
   </p:cSld>
@@ -29589,136 +29125,306 @@
           <a:chExt cx="0" cy="0"/>
         </a:xfrm>
       </p:grpSpPr>
-      <p:sp>
-        <p:nvSpPr>
-          <p:cNvPr id="2" name="Title 1"/>
-          <p:cNvSpPr>
-            <a:spLocks noGrp="1"/>
-          </p:cNvSpPr>
-          <p:nvPr>
-            <p:ph type="title"/>
-          </p:nvPr>
-        </p:nvSpPr>
+      <p:pic>
+        <p:nvPicPr>
+          <p:cNvPr id="6" name="Content Placeholder 5">
+            <a:extLst>
+              <a:ext uri="{FF2B5EF4-FFF2-40B4-BE49-F238E27FC236}">
+                <a16:creationId xmlns:a16="http://schemas.microsoft.com/office/drawing/2014/main" id="{F4D514AE-FAD0-AB36-B080-647B0531BFDE}"/>
+              </a:ext>
+            </a:extLst>
+          </p:cNvPr>
+          <p:cNvPicPr>
+            <a:picLocks noGrp="1" noChangeAspect="1"/>
+          </p:cNvPicPr>
+          <p:nvPr>
+            <p:ph sz="half" idx="1"/>
+          </p:nvPr>
+        </p:nvPicPr>
+        <p:blipFill>
+          <a:blip r:embed="rId2">
+            <a:extLst>
+              <a:ext uri="{28A0092B-C50C-407E-A947-70E740481C1C}">
+                <a14:useLocalDpi xmlns:a14="http://schemas.microsoft.com/office/drawing/2010/main" val="0"/>
+              </a:ext>
+            </a:extLst>
+          </a:blip>
+          <a:stretch>
+            <a:fillRect/>
+          </a:stretch>
+        </p:blipFill>
         <p:spPr>
           <a:xfrm>
-            <a:off x="5152037" y="609601"/>
-            <a:ext cx="5895373" cy="1280890"/>
+            <a:off x="1272619" y="432909"/>
+            <a:ext cx="4949071" cy="5856581"/>
           </a:xfrm>
         </p:spPr>
+      </p:pic>
+      <p:sp>
+        <p:nvSpPr>
+          <p:cNvPr id="4" name="Content Placeholder 3">
+            <a:extLst>
+              <a:ext uri="{FF2B5EF4-FFF2-40B4-BE49-F238E27FC236}">
+                <a16:creationId xmlns:a16="http://schemas.microsoft.com/office/drawing/2014/main" id="{AB3E1AD0-D3E3-CBE0-D366-C1BA6321B922}"/>
+              </a:ext>
+            </a:extLst>
+          </p:cNvPr>
+          <p:cNvSpPr>
+            <a:spLocks noGrp="1"/>
+          </p:cNvSpPr>
+          <p:nvPr>
+            <p:ph sz="half" idx="2"/>
+          </p:nvPr>
+        </p:nvSpPr>
+        <p:spPr>
+          <a:xfrm>
+            <a:off x="6221691" y="1168924"/>
+            <a:ext cx="5147036" cy="4232635"/>
+          </a:xfrm>
+        </p:spPr>
         <p:txBody>
           <a:bodyPr>
-            <a:noAutofit/>
+            <a:normAutofit lnSpcReduction="10000"/>
           </a:bodyPr>
           <a:lstStyle/>
           <a:p>
             <a:pPr algn="r" rtl="1"/>
             <a:r>
-              <a:rPr lang="fa-IR" sz="7200" dirty="0">
-                <a:latin typeface="IRTitr" panose="02000506000000020002" pitchFamily="2" charset="-78"/>
-                <a:cs typeface="IRTitr" panose="02000506000000020002" pitchFamily="2" charset="-78"/>
-              </a:rPr>
-              <a:t>چرا </a:t>
-            </a:r>
-            <a:r>
-              <a:rPr lang="en-US" sz="7200" dirty="0">
-                <a:latin typeface="IRTitr" panose="02000506000000020002" pitchFamily="2" charset="-78"/>
-                <a:cs typeface="IRTitr" panose="02000506000000020002" pitchFamily="2" charset="-78"/>
-              </a:rPr>
-              <a:t> SQL </a:t>
-            </a:r>
-            <a:r>
-              <a:rPr lang="fa-IR" sz="7200" dirty="0">
-                <a:latin typeface="IRTitr" panose="02000506000000020002" pitchFamily="2" charset="-78"/>
-                <a:cs typeface="IRTitr" panose="02000506000000020002" pitchFamily="2" charset="-78"/>
-              </a:rPr>
-              <a:t>نه؟</a:t>
-            </a:r>
-          </a:p>
-        </p:txBody>
-      </p:sp>
-      <p:sp>
-        <p:nvSpPr>
-          <p:cNvPr id="3" name="Content Placeholder 2"/>
-          <p:cNvSpPr>
-            <a:spLocks noGrp="1"/>
-          </p:cNvSpPr>
-          <p:nvPr>
-            <p:ph idx="1"/>
-          </p:nvPr>
-        </p:nvSpPr>
-        <p:spPr>
-          <a:xfrm>
-            <a:off x="1018862" y="1658143"/>
-            <a:ext cx="9905999" cy="3541714"/>
-          </a:xfrm>
-        </p:spPr>
-        <p:txBody>
-          <a:bodyPr>
-            <a:noAutofit/>
-          </a:bodyPr>
-          <a:lstStyle/>
-          <a:p>
-            <a:pPr marL="0" indent="0" algn="r" rtl="1">
-              <a:buNone/>
-            </a:pPr>
-            <a:r>
-              <a:rPr lang="fa-IR" sz="3200" dirty="0">
+              <a:rPr lang="fa-IR" sz="2100" b="1" dirty="0">
                 <a:latin typeface="IRMitra" panose="02000506000000020002" pitchFamily="2" charset="-78"/>
                 <a:cs typeface="IRMitra" panose="02000506000000020002" pitchFamily="2" charset="-78"/>
               </a:rPr>
-              <a:t>در برنامه نویسی سنتی، پایگاه داده ها معمولاً بی دردسر و راحت است اما این نوع از پایگاه داده ها یک مشکل بزرگ دارند، این مشکل زمانی خود را نشان می دهد که غول های نرم افزاری دنیا مثل گوگل،آمازون و فیسبوک احتیاج به تحلیل داده های با حجم و تعداد بالا یا همان </a:t>
-            </a:r>
-            <a:r>
-              <a:rPr lang="en-US" sz="3200" dirty="0">
+              <a:t>پایگاه داده های رابطه ای به دلیل نوع ساختارشون برای تحلیل داده های</a:t>
+            </a:r>
+            <a:r>
+              <a:rPr lang="en-US" sz="2100" b="1" dirty="0">
                 <a:latin typeface="IRMitra" panose="02000506000000020002" pitchFamily="2" charset="-78"/>
                 <a:cs typeface="IRMitra" panose="02000506000000020002" pitchFamily="2" charset="-78"/>
               </a:rPr>
-              <a:t>Big Data</a:t>
-            </a:r>
-            <a:r>
-              <a:rPr lang="fa-IR" sz="3200" dirty="0">
+              <a:t> </a:t>
+            </a:r>
+            <a:r>
+              <a:rPr lang="fa-IR" sz="2100" b="1" dirty="0">
                 <a:latin typeface="IRMitra" panose="02000506000000020002" pitchFamily="2" charset="-78"/>
                 <a:cs typeface="IRMitra" panose="02000506000000020002" pitchFamily="2" charset="-78"/>
               </a:rPr>
-              <a:t> پیدا کردند. اپلیکیشن های به اصطلاح </a:t>
-            </a:r>
-            <a:r>
-              <a:rPr lang="en-US" sz="3200" dirty="0">
+              <a:t>بزرگ،غیر بهینه،</a:t>
+            </a:r>
+            <a:r>
+              <a:rPr lang="en-US" sz="2100" b="1" dirty="0">
                 <a:latin typeface="IRMitra" panose="02000506000000020002" pitchFamily="2" charset="-78"/>
                 <a:cs typeface="IRMitra" panose="02000506000000020002" pitchFamily="2" charset="-78"/>
               </a:rPr>
-              <a:t>Real-Time</a:t>
-            </a:r>
-            <a:r>
-              <a:rPr lang="fa-IR" sz="3200" dirty="0">
+              <a:t> </a:t>
+            </a:r>
+            <a:r>
+              <a:rPr lang="fa-IR" sz="2100" b="1" dirty="0">
                 <a:latin typeface="IRMitra" panose="02000506000000020002" pitchFamily="2" charset="-78"/>
                 <a:cs typeface="IRMitra" panose="02000506000000020002" pitchFamily="2" charset="-78"/>
               </a:rPr>
-              <a:t> نیز از موارد استفاده از </a:t>
-            </a:r>
-            <a:r>
-              <a:rPr lang="en-US" sz="3200" dirty="0">
+              <a:t>‌ناکارا و کند</a:t>
+            </a:r>
+            <a:r>
+              <a:rPr lang="en-US" sz="2100" b="1" dirty="0">
+                <a:latin typeface="IRMitra" panose="02000506000000020002" pitchFamily="2" charset="-78"/>
+                <a:cs typeface="IRMitra" panose="02000506000000020002" pitchFamily="2" charset="-78"/>
+              </a:rPr>
+              <a:t> </a:t>
+            </a:r>
+            <a:r>
+              <a:rPr lang="fa-IR" sz="2100" b="1" dirty="0">
+                <a:latin typeface="IRMitra" panose="02000506000000020002" pitchFamily="2" charset="-78"/>
+                <a:cs typeface="IRMitra" panose="02000506000000020002" pitchFamily="2" charset="-78"/>
+              </a:rPr>
+              <a:t>اند.</a:t>
+            </a:r>
+          </a:p>
+          <a:p>
+            <a:pPr algn="r" rtl="1"/>
+            <a:r>
+              <a:rPr lang="fa-IR" sz="2100" b="1" dirty="0">
+                <a:latin typeface="IRMitra" panose="02000506000000020002" pitchFamily="2" charset="-78"/>
+                <a:cs typeface="IRMitra" panose="02000506000000020002" pitchFamily="2" charset="-78"/>
+              </a:rPr>
+              <a:t>ساختار رابطه</a:t>
+            </a:r>
+            <a:r>
+              <a:rPr lang="en-US" sz="2100" b="1" dirty="0">
+                <a:latin typeface="IRMitra" panose="02000506000000020002" pitchFamily="2" charset="-78"/>
+                <a:cs typeface="IRMitra" panose="02000506000000020002" pitchFamily="2" charset="-78"/>
+              </a:rPr>
+              <a:t> </a:t>
+            </a:r>
+            <a:r>
+              <a:rPr lang="fa-IR" sz="2100" b="1" dirty="0">
+                <a:latin typeface="IRMitra" panose="02000506000000020002" pitchFamily="2" charset="-78"/>
+                <a:cs typeface="IRMitra" panose="02000506000000020002" pitchFamily="2" charset="-78"/>
+              </a:rPr>
+              <a:t>ای برای ذخیره</a:t>
+            </a:r>
+            <a:r>
+              <a:rPr lang="en-US" sz="2100" b="1" dirty="0">
+                <a:latin typeface="IRMitra" panose="02000506000000020002" pitchFamily="2" charset="-78"/>
+                <a:cs typeface="IRMitra" panose="02000506000000020002" pitchFamily="2" charset="-78"/>
+              </a:rPr>
+              <a:t> </a:t>
+            </a:r>
+            <a:r>
+              <a:rPr lang="fa-IR" sz="2100" b="1" dirty="0">
+                <a:latin typeface="IRMitra" panose="02000506000000020002" pitchFamily="2" charset="-78"/>
+                <a:cs typeface="IRMitra" panose="02000506000000020002" pitchFamily="2" charset="-78"/>
+              </a:rPr>
+              <a:t>سازی حجم زیادی از داده</a:t>
+            </a:r>
+            <a:r>
+              <a:rPr lang="en-US" sz="2100" b="1" dirty="0">
+                <a:latin typeface="IRMitra" panose="02000506000000020002" pitchFamily="2" charset="-78"/>
+                <a:cs typeface="IRMitra" panose="02000506000000020002" pitchFamily="2" charset="-78"/>
+              </a:rPr>
+              <a:t> </a:t>
+            </a:r>
+            <a:r>
+              <a:rPr lang="fa-IR" sz="2100" b="1" dirty="0">
+                <a:latin typeface="IRMitra" panose="02000506000000020002" pitchFamily="2" charset="-78"/>
+                <a:cs typeface="IRMitra" panose="02000506000000020002" pitchFamily="2" charset="-78"/>
+              </a:rPr>
+              <a:t>های بی ساختار(</a:t>
+            </a:r>
+            <a:r>
+              <a:rPr lang="en-US" sz="2100" b="1" dirty="0">
+                <a:latin typeface="IRMitra" panose="02000506000000020002" pitchFamily="2" charset="-78"/>
+                <a:cs typeface="IRMitra" panose="02000506000000020002" pitchFamily="2" charset="-78"/>
+              </a:rPr>
+              <a:t>Non-Structured Data</a:t>
+            </a:r>
+            <a:r>
+              <a:rPr lang="fa-IR" sz="2100" b="1" dirty="0">
+                <a:latin typeface="IRMitra" panose="02000506000000020002" pitchFamily="2" charset="-78"/>
+                <a:cs typeface="IRMitra" panose="02000506000000020002" pitchFamily="2" charset="-78"/>
+              </a:rPr>
+              <a:t>)مناسب</a:t>
+            </a:r>
+            <a:r>
+              <a:rPr lang="en-US" sz="2100" b="1" dirty="0">
+                <a:latin typeface="IRMitra" panose="02000506000000020002" pitchFamily="2" charset="-78"/>
+                <a:cs typeface="IRMitra" panose="02000506000000020002" pitchFamily="2" charset="-78"/>
+              </a:rPr>
+              <a:t> </a:t>
+            </a:r>
+            <a:r>
+              <a:rPr lang="fa-IR" sz="2100" b="1" dirty="0">
+                <a:latin typeface="IRMitra" panose="02000506000000020002" pitchFamily="2" charset="-78"/>
+                <a:cs typeface="IRMitra" panose="02000506000000020002" pitchFamily="2" charset="-78"/>
+              </a:rPr>
+              <a:t>نیست.</a:t>
+            </a:r>
+          </a:p>
+          <a:p>
+            <a:pPr algn="r" rtl="1"/>
+            <a:r>
+              <a:rPr lang="fa-IR" sz="2100" b="1" dirty="0">
+                <a:latin typeface="IRMitra" panose="02000506000000020002" pitchFamily="2" charset="-78"/>
+                <a:cs typeface="IRMitra" panose="02000506000000020002" pitchFamily="2" charset="-78"/>
+              </a:rPr>
+              <a:t>هدف اصلی ایجاد پایگاه داده های </a:t>
+            </a:r>
+            <a:r>
+              <a:rPr lang="en-US" sz="2100" b="1" dirty="0">
                 <a:latin typeface="IRMitra" panose="02000506000000020002" pitchFamily="2" charset="-78"/>
                 <a:cs typeface="IRMitra" panose="02000506000000020002" pitchFamily="2" charset="-78"/>
               </a:rPr>
               <a:t>NoSQL</a:t>
             </a:r>
             <a:r>
-              <a:rPr lang="fa-IR" sz="3200" dirty="0">
+              <a:rPr lang="fa-IR" sz="2100" b="1" dirty="0">
                 <a:latin typeface="IRMitra" panose="02000506000000020002" pitchFamily="2" charset="-78"/>
                 <a:cs typeface="IRMitra" panose="02000506000000020002" pitchFamily="2" charset="-78"/>
               </a:rPr>
-              <a:t> هستند.</a:t>
-            </a:r>
-          </a:p>
-        </p:txBody>
-      </p:sp>
-      <p:sp>
-        <p:nvSpPr>
-          <p:cNvPr id="4" name="Slide Number Placeholder 3">
+              <a:t> کار با داده</a:t>
+            </a:r>
+            <a:r>
+              <a:rPr lang="en-US" sz="2100" b="1" dirty="0">
+                <a:latin typeface="IRMitra" panose="02000506000000020002" pitchFamily="2" charset="-78"/>
+                <a:cs typeface="IRMitra" panose="02000506000000020002" pitchFamily="2" charset="-78"/>
+              </a:rPr>
+              <a:t> </a:t>
+            </a:r>
+            <a:r>
+              <a:rPr lang="fa-IR" sz="2100" b="1" dirty="0">
+                <a:latin typeface="IRMitra" panose="02000506000000020002" pitchFamily="2" charset="-78"/>
+                <a:cs typeface="IRMitra" panose="02000506000000020002" pitchFamily="2" charset="-78"/>
+              </a:rPr>
+              <a:t>های بی ساختار و حجیم است.</a:t>
+            </a:r>
+          </a:p>
+          <a:p>
+            <a:pPr algn="r" rtl="1"/>
+            <a:r>
+              <a:rPr lang="fa-IR" sz="2100" b="1" dirty="0">
+                <a:latin typeface="IRMitra" panose="02000506000000020002" pitchFamily="2" charset="-78"/>
+                <a:cs typeface="IRMitra" panose="02000506000000020002" pitchFamily="2" charset="-78"/>
+              </a:rPr>
+              <a:t>داده های بی ساختار همواره خصوصیات ثابتی ندارند و این باعث ناکارایی و بعضاً غیر قابل استفاده شدن </a:t>
+            </a:r>
+            <a:r>
+              <a:rPr lang="en-US" sz="2100" b="1" dirty="0">
+                <a:latin typeface="IRMitra" panose="02000506000000020002" pitchFamily="2" charset="-78"/>
+                <a:cs typeface="IRMitra" panose="02000506000000020002" pitchFamily="2" charset="-78"/>
+              </a:rPr>
+              <a:t>SQL </a:t>
+            </a:r>
+            <a:r>
+              <a:rPr lang="fa-IR" sz="2100" b="1" dirty="0">
+                <a:latin typeface="IRMitra" panose="02000506000000020002" pitchFamily="2" charset="-78"/>
+                <a:cs typeface="IRMitra" panose="02000506000000020002" pitchFamily="2" charset="-78"/>
+              </a:rPr>
+              <a:t> می شود.</a:t>
+            </a:r>
+          </a:p>
+          <a:p>
+            <a:pPr marL="0" indent="0" algn="r" rtl="1">
+              <a:buNone/>
+            </a:pPr>
+            <a:endParaRPr lang="fa-IR" sz="2100" b="1" dirty="0">
+              <a:latin typeface="IRMitra" panose="02000506000000020002" pitchFamily="2" charset="-78"/>
+              <a:cs typeface="IRMitra" panose="02000506000000020002" pitchFamily="2" charset="-78"/>
+            </a:endParaRPr>
+          </a:p>
+          <a:p>
+            <a:pPr marL="0" indent="0" algn="r" rtl="1">
+              <a:buNone/>
+            </a:pPr>
+            <a:endParaRPr lang="fa-IR" sz="2100" b="1" dirty="0">
+              <a:latin typeface="IRMitra" panose="02000506000000020002" pitchFamily="2" charset="-78"/>
+              <a:cs typeface="IRMitra" panose="02000506000000020002" pitchFamily="2" charset="-78"/>
+            </a:endParaRPr>
+          </a:p>
+          <a:p>
+            <a:pPr marL="0" indent="0" algn="r" rtl="1">
+              <a:buNone/>
+            </a:pPr>
+            <a:endParaRPr lang="en-US" sz="2100" b="1" dirty="0">
+              <a:latin typeface="IRMitra" panose="02000506000000020002" pitchFamily="2" charset="-78"/>
+              <a:cs typeface="IRMitra" panose="02000506000000020002" pitchFamily="2" charset="-78"/>
+            </a:endParaRPr>
+          </a:p>
+          <a:p>
+            <a:pPr marL="0" indent="0" algn="r" rtl="1">
+              <a:buNone/>
+            </a:pPr>
+            <a:endParaRPr lang="en-US" sz="2100" b="1" dirty="0">
+              <a:latin typeface="IRMitra" panose="02000506000000020002" pitchFamily="2" charset="-78"/>
+              <a:cs typeface="IRMitra" panose="02000506000000020002" pitchFamily="2" charset="-78"/>
+            </a:endParaRPr>
+          </a:p>
+        </p:txBody>
+      </p:sp>
+      <p:sp>
+        <p:nvSpPr>
+          <p:cNvPr id="2" name="Slide Number Placeholder 1">
             <a:extLst>
               <a:ext uri="{FF2B5EF4-FFF2-40B4-BE49-F238E27FC236}">
-                <a16:creationId xmlns:a16="http://schemas.microsoft.com/office/drawing/2014/main" id="{7844F6E1-31BF-4D06-4EB3-EF161B9B5EC2}"/>
+                <a16:creationId xmlns:a16="http://schemas.microsoft.com/office/drawing/2014/main" id="{3D2E21FD-65F4-8897-F543-036A562BAB80}"/>
               </a:ext>
             </a:extLst>
           </p:cNvPr>
@@ -29809,7 +29515,7 @@
     </p:spTree>
     <p:extLst>
       <p:ext uri="{BB962C8B-B14F-4D97-AF65-F5344CB8AC3E}">
-        <p14:creationId xmlns:p14="http://schemas.microsoft.com/office/powerpoint/2010/main" val="3583160406"/>
+        <p14:creationId xmlns:p14="http://schemas.microsoft.com/office/powerpoint/2010/main" val="2558789564"/>
       </p:ext>
     </p:extLst>
   </p:cSld>
@@ -29838,22 +29544,16 @@
       </p:grpSpPr>
       <p:pic>
         <p:nvPicPr>
-          <p:cNvPr id="6" name="Content Placeholder 5">
-            <a:extLst>
-              <a:ext uri="{FF2B5EF4-FFF2-40B4-BE49-F238E27FC236}">
-                <a16:creationId xmlns:a16="http://schemas.microsoft.com/office/drawing/2014/main" id="{F4D514AE-FAD0-AB36-B080-647B0531BFDE}"/>
-              </a:ext>
-            </a:extLst>
-          </p:cNvPr>
+          <p:cNvPr id="4" name="Content Placeholder 3"/>
           <p:cNvPicPr>
             <a:picLocks noGrp="1" noChangeAspect="1"/>
           </p:cNvPicPr>
           <p:nvPr>
-            <p:ph sz="half" idx="1"/>
+            <p:ph idx="1"/>
           </p:nvPr>
         </p:nvPicPr>
         <p:blipFill>
-          <a:blip r:embed="rId2">
+          <a:blip r:embed="rId2" cstate="print">
             <a:extLst>
               <a:ext uri="{28A0092B-C50C-407E-A947-70E740481C1C}">
                 <a14:useLocalDpi xmlns:a14="http://schemas.microsoft.com/office/drawing/2010/main" val="0"/>
@@ -29866,276 +29566,17 @@
         </p:blipFill>
         <p:spPr>
           <a:xfrm>
-            <a:off x="1272619" y="432909"/>
-            <a:ext cx="4949071" cy="5856581"/>
+            <a:off x="531812" y="0"/>
+            <a:ext cx="11880107" cy="6555070"/>
           </a:xfrm>
         </p:spPr>
       </p:pic>
       <p:sp>
         <p:nvSpPr>
-          <p:cNvPr id="4" name="Content Placeholder 3">
-            <a:extLst>
-              <a:ext uri="{FF2B5EF4-FFF2-40B4-BE49-F238E27FC236}">
-                <a16:creationId xmlns:a16="http://schemas.microsoft.com/office/drawing/2014/main" id="{AB3E1AD0-D3E3-CBE0-D366-C1BA6321B922}"/>
-              </a:ext>
-            </a:extLst>
-          </p:cNvPr>
-          <p:cNvSpPr>
-            <a:spLocks noGrp="1"/>
-          </p:cNvSpPr>
-          <p:nvPr>
-            <p:ph sz="half" idx="2"/>
-          </p:nvPr>
-        </p:nvSpPr>
-        <p:spPr>
-          <a:xfrm>
-            <a:off x="6221691" y="1168924"/>
-            <a:ext cx="5147036" cy="4232635"/>
-          </a:xfrm>
-        </p:spPr>
-        <p:txBody>
-          <a:bodyPr>
-            <a:normAutofit lnSpcReduction="10000"/>
-          </a:bodyPr>
-          <a:lstStyle/>
-          <a:p>
-            <a:pPr algn="r" rtl="1"/>
-            <a:r>
-              <a:rPr lang="fa-IR" sz="2100" b="1" dirty="0">
-                <a:latin typeface="IRMitra" panose="02000506000000020002" pitchFamily="2" charset="-78"/>
-                <a:cs typeface="IRMitra" panose="02000506000000020002" pitchFamily="2" charset="-78"/>
-              </a:rPr>
-              <a:t>پایگاه داده های رابطه ای به دلیل نوع ساختارشون برای تحلیل داده های</a:t>
-            </a:r>
-            <a:r>
-              <a:rPr lang="en-US" sz="2100" b="1" dirty="0">
-                <a:latin typeface="IRMitra" panose="02000506000000020002" pitchFamily="2" charset="-78"/>
-                <a:cs typeface="IRMitra" panose="02000506000000020002" pitchFamily="2" charset="-78"/>
-              </a:rPr>
-              <a:t> </a:t>
-            </a:r>
-            <a:r>
-              <a:rPr lang="fa-IR" sz="2100" b="1" dirty="0">
-                <a:latin typeface="IRMitra" panose="02000506000000020002" pitchFamily="2" charset="-78"/>
-                <a:cs typeface="IRMitra" panose="02000506000000020002" pitchFamily="2" charset="-78"/>
-              </a:rPr>
-              <a:t>بزرگ،غیر بهینه،</a:t>
-            </a:r>
-            <a:r>
-              <a:rPr lang="en-US" sz="2100" b="1" dirty="0">
-                <a:latin typeface="IRMitra" panose="02000506000000020002" pitchFamily="2" charset="-78"/>
-                <a:cs typeface="IRMitra" panose="02000506000000020002" pitchFamily="2" charset="-78"/>
-              </a:rPr>
-              <a:t> </a:t>
-            </a:r>
-            <a:r>
-              <a:rPr lang="fa-IR" sz="2100" b="1" dirty="0">
-                <a:latin typeface="IRMitra" panose="02000506000000020002" pitchFamily="2" charset="-78"/>
-                <a:cs typeface="IRMitra" panose="02000506000000020002" pitchFamily="2" charset="-78"/>
-              </a:rPr>
-              <a:t>‌ناکارا و کند</a:t>
-            </a:r>
-            <a:r>
-              <a:rPr lang="en-US" sz="2100" b="1" dirty="0">
-                <a:latin typeface="IRMitra" panose="02000506000000020002" pitchFamily="2" charset="-78"/>
-                <a:cs typeface="IRMitra" panose="02000506000000020002" pitchFamily="2" charset="-78"/>
-              </a:rPr>
-              <a:t> </a:t>
-            </a:r>
-            <a:r>
-              <a:rPr lang="fa-IR" sz="2100" b="1" dirty="0">
-                <a:latin typeface="IRMitra" panose="02000506000000020002" pitchFamily="2" charset="-78"/>
-                <a:cs typeface="IRMitra" panose="02000506000000020002" pitchFamily="2" charset="-78"/>
-              </a:rPr>
-              <a:t>اند.</a:t>
-            </a:r>
-          </a:p>
-          <a:p>
-            <a:pPr algn="r" rtl="1"/>
-            <a:r>
-              <a:rPr lang="fa-IR" sz="2100" b="1" dirty="0">
-                <a:latin typeface="IRMitra" panose="02000506000000020002" pitchFamily="2" charset="-78"/>
-                <a:cs typeface="IRMitra" panose="02000506000000020002" pitchFamily="2" charset="-78"/>
-              </a:rPr>
-              <a:t>ساختار رابطه</a:t>
-            </a:r>
-            <a:r>
-              <a:rPr lang="en-US" sz="2100" b="1" dirty="0">
-                <a:latin typeface="IRMitra" panose="02000506000000020002" pitchFamily="2" charset="-78"/>
-                <a:cs typeface="IRMitra" panose="02000506000000020002" pitchFamily="2" charset="-78"/>
-              </a:rPr>
-              <a:t> </a:t>
-            </a:r>
-            <a:r>
-              <a:rPr lang="fa-IR" sz="2100" b="1" dirty="0">
-                <a:latin typeface="IRMitra" panose="02000506000000020002" pitchFamily="2" charset="-78"/>
-                <a:cs typeface="IRMitra" panose="02000506000000020002" pitchFamily="2" charset="-78"/>
-              </a:rPr>
-              <a:t>ای برای ذخیره</a:t>
-            </a:r>
-            <a:r>
-              <a:rPr lang="en-US" sz="2100" b="1" dirty="0">
-                <a:latin typeface="IRMitra" panose="02000506000000020002" pitchFamily="2" charset="-78"/>
-                <a:cs typeface="IRMitra" panose="02000506000000020002" pitchFamily="2" charset="-78"/>
-              </a:rPr>
-              <a:t> </a:t>
-            </a:r>
-            <a:r>
-              <a:rPr lang="fa-IR" sz="2100" b="1" dirty="0">
-                <a:latin typeface="IRMitra" panose="02000506000000020002" pitchFamily="2" charset="-78"/>
-                <a:cs typeface="IRMitra" panose="02000506000000020002" pitchFamily="2" charset="-78"/>
-              </a:rPr>
-              <a:t>سازی حجم زیادی از داده</a:t>
-            </a:r>
-            <a:r>
-              <a:rPr lang="en-US" sz="2100" b="1" dirty="0">
-                <a:latin typeface="IRMitra" panose="02000506000000020002" pitchFamily="2" charset="-78"/>
-                <a:cs typeface="IRMitra" panose="02000506000000020002" pitchFamily="2" charset="-78"/>
-              </a:rPr>
-              <a:t> </a:t>
-            </a:r>
-            <a:r>
-              <a:rPr lang="fa-IR" sz="2100" b="1" dirty="0">
-                <a:latin typeface="IRMitra" panose="02000506000000020002" pitchFamily="2" charset="-78"/>
-                <a:cs typeface="IRMitra" panose="02000506000000020002" pitchFamily="2" charset="-78"/>
-              </a:rPr>
-              <a:t>های بی ساختار(</a:t>
-            </a:r>
-            <a:r>
-              <a:rPr lang="en-US" sz="2100" b="1" dirty="0">
-                <a:latin typeface="IRMitra" panose="02000506000000020002" pitchFamily="2" charset="-78"/>
-                <a:cs typeface="IRMitra" panose="02000506000000020002" pitchFamily="2" charset="-78"/>
-              </a:rPr>
-              <a:t>Non-Structured Data</a:t>
-            </a:r>
-            <a:r>
-              <a:rPr lang="fa-IR" sz="2100" b="1" dirty="0">
-                <a:latin typeface="IRMitra" panose="02000506000000020002" pitchFamily="2" charset="-78"/>
-                <a:cs typeface="IRMitra" panose="02000506000000020002" pitchFamily="2" charset="-78"/>
-              </a:rPr>
-              <a:t>)مناسب</a:t>
-            </a:r>
-            <a:r>
-              <a:rPr lang="en-US" sz="2100" b="1" dirty="0">
-                <a:latin typeface="IRMitra" panose="02000506000000020002" pitchFamily="2" charset="-78"/>
-                <a:cs typeface="IRMitra" panose="02000506000000020002" pitchFamily="2" charset="-78"/>
-              </a:rPr>
-              <a:t> </a:t>
-            </a:r>
-            <a:r>
-              <a:rPr lang="fa-IR" sz="2100" b="1" dirty="0">
-                <a:latin typeface="IRMitra" panose="02000506000000020002" pitchFamily="2" charset="-78"/>
-                <a:cs typeface="IRMitra" panose="02000506000000020002" pitchFamily="2" charset="-78"/>
-              </a:rPr>
-              <a:t>نیست.</a:t>
-            </a:r>
-          </a:p>
-          <a:p>
-            <a:pPr algn="r" rtl="1"/>
-            <a:r>
-              <a:rPr lang="fa-IR" sz="2100" b="1" dirty="0">
-                <a:latin typeface="IRMitra" panose="02000506000000020002" pitchFamily="2" charset="-78"/>
-                <a:cs typeface="IRMitra" panose="02000506000000020002" pitchFamily="2" charset="-78"/>
-              </a:rPr>
-              <a:t>هدف اصلی ایجاد پایگاه داده های </a:t>
-            </a:r>
-            <a:r>
-              <a:rPr lang="en-US" sz="2100" b="1" dirty="0">
-                <a:latin typeface="IRMitra" panose="02000506000000020002" pitchFamily="2" charset="-78"/>
-                <a:cs typeface="IRMitra" panose="02000506000000020002" pitchFamily="2" charset="-78"/>
-              </a:rPr>
-              <a:t>NoSQL</a:t>
-            </a:r>
-            <a:r>
-              <a:rPr lang="fa-IR" sz="2100" b="1" dirty="0">
-                <a:latin typeface="IRMitra" panose="02000506000000020002" pitchFamily="2" charset="-78"/>
-                <a:cs typeface="IRMitra" panose="02000506000000020002" pitchFamily="2" charset="-78"/>
-              </a:rPr>
-              <a:t> کار با داده</a:t>
-            </a:r>
-            <a:r>
-              <a:rPr lang="en-US" sz="2100" b="1" dirty="0">
-                <a:latin typeface="IRMitra" panose="02000506000000020002" pitchFamily="2" charset="-78"/>
-                <a:cs typeface="IRMitra" panose="02000506000000020002" pitchFamily="2" charset="-78"/>
-              </a:rPr>
-              <a:t> </a:t>
-            </a:r>
-            <a:r>
-              <a:rPr lang="fa-IR" sz="2100" b="1" dirty="0">
-                <a:latin typeface="IRMitra" panose="02000506000000020002" pitchFamily="2" charset="-78"/>
-                <a:cs typeface="IRMitra" panose="02000506000000020002" pitchFamily="2" charset="-78"/>
-              </a:rPr>
-              <a:t>های بی ساختار و حجیم است.</a:t>
-            </a:r>
-          </a:p>
-          <a:p>
-            <a:pPr algn="r" rtl="1"/>
-            <a:r>
-              <a:rPr lang="fa-IR" sz="2100" b="1" dirty="0">
-                <a:latin typeface="IRMitra" panose="02000506000000020002" pitchFamily="2" charset="-78"/>
-                <a:cs typeface="IRMitra" panose="02000506000000020002" pitchFamily="2" charset="-78"/>
-              </a:rPr>
-              <a:t>داده های بی ساختار همواره خصوصیات ثابتی ندارند و این باعث ناکارایی و بعضاً غیر قابل استفاده شدن </a:t>
-            </a:r>
-            <a:r>
-              <a:rPr lang="en-US" sz="2100" b="1" dirty="0">
-                <a:latin typeface="IRMitra" panose="02000506000000020002" pitchFamily="2" charset="-78"/>
-                <a:cs typeface="IRMitra" panose="02000506000000020002" pitchFamily="2" charset="-78"/>
-              </a:rPr>
-              <a:t>SQL </a:t>
-            </a:r>
-            <a:r>
-              <a:rPr lang="fa-IR" sz="2100" b="1" dirty="0">
-                <a:latin typeface="IRMitra" panose="02000506000000020002" pitchFamily="2" charset="-78"/>
-                <a:cs typeface="IRMitra" panose="02000506000000020002" pitchFamily="2" charset="-78"/>
-              </a:rPr>
-              <a:t> می شود.</a:t>
-            </a:r>
-          </a:p>
-          <a:p>
-            <a:pPr marL="0" indent="0" algn="r" rtl="1">
-              <a:buNone/>
-            </a:pPr>
-            <a:endParaRPr lang="fa-IR" sz="2100" b="1" dirty="0">
-              <a:latin typeface="IRMitra" panose="02000506000000020002" pitchFamily="2" charset="-78"/>
-              <a:cs typeface="IRMitra" panose="02000506000000020002" pitchFamily="2" charset="-78"/>
-            </a:endParaRPr>
-          </a:p>
-          <a:p>
-            <a:pPr marL="0" indent="0" algn="r" rtl="1">
-              <a:buNone/>
-            </a:pPr>
-            <a:endParaRPr lang="fa-IR" sz="2100" b="1" dirty="0">
-              <a:latin typeface="IRMitra" panose="02000506000000020002" pitchFamily="2" charset="-78"/>
-              <a:cs typeface="IRMitra" panose="02000506000000020002" pitchFamily="2" charset="-78"/>
-            </a:endParaRPr>
-          </a:p>
-          <a:p>
-            <a:pPr marL="0" indent="0" algn="r" rtl="1">
-              <a:buNone/>
-            </a:pPr>
-            <a:endParaRPr lang="en-US" sz="2100" b="1" dirty="0">
-              <a:latin typeface="IRMitra" panose="02000506000000020002" pitchFamily="2" charset="-78"/>
-              <a:cs typeface="IRMitra" panose="02000506000000020002" pitchFamily="2" charset="-78"/>
-            </a:endParaRPr>
-          </a:p>
-          <a:p>
-            <a:pPr marL="0" indent="0" algn="r" rtl="1">
-              <a:buNone/>
-            </a:pPr>
-            <a:endParaRPr lang="en-US" sz="2100" b="1" dirty="0">
-              <a:latin typeface="IRMitra" panose="02000506000000020002" pitchFamily="2" charset="-78"/>
-              <a:cs typeface="IRMitra" panose="02000506000000020002" pitchFamily="2" charset="-78"/>
-            </a:endParaRPr>
-          </a:p>
-        </p:txBody>
-      </p:sp>
-      <p:sp>
-        <p:nvSpPr>
           <p:cNvPr id="2" name="Slide Number Placeholder 1">
             <a:extLst>
               <a:ext uri="{FF2B5EF4-FFF2-40B4-BE49-F238E27FC236}">
-                <a16:creationId xmlns:a16="http://schemas.microsoft.com/office/drawing/2014/main" id="{3D2E21FD-65F4-8897-F543-036A562BAB80}"/>
+                <a16:creationId xmlns:a16="http://schemas.microsoft.com/office/drawing/2014/main" id="{35565BB4-18C3-8095-3E51-F1447D1012E2}"/>
               </a:ext>
             </a:extLst>
           </p:cNvPr>
@@ -30226,7 +29667,7 @@
     </p:spTree>
     <p:extLst>
       <p:ext uri="{BB962C8B-B14F-4D97-AF65-F5344CB8AC3E}">
-        <p14:creationId xmlns:p14="http://schemas.microsoft.com/office/powerpoint/2010/main" val="2558789564"/>
+        <p14:creationId xmlns:p14="http://schemas.microsoft.com/office/powerpoint/2010/main" val="4266718883"/>
       </p:ext>
     </p:extLst>
   </p:cSld>
@@ -30253,41 +29694,103 @@
           <a:chExt cx="0" cy="0"/>
         </a:xfrm>
       </p:grpSpPr>
-      <p:pic>
-        <p:nvPicPr>
-          <p:cNvPr id="4" name="Content Placeholder 3"/>
-          <p:cNvPicPr>
-            <a:picLocks noGrp="1" noChangeAspect="1"/>
-          </p:cNvPicPr>
-          <p:nvPr>
-            <p:ph idx="1"/>
-          </p:nvPr>
-        </p:nvPicPr>
-        <p:blipFill>
-          <a:blip r:embed="rId2" cstate="print">
-            <a:extLst>
-              <a:ext uri="{28A0092B-C50C-407E-A947-70E740481C1C}">
-                <a14:useLocalDpi xmlns:a14="http://schemas.microsoft.com/office/drawing/2010/main" val="0"/>
-              </a:ext>
-            </a:extLst>
-          </a:blip>
-          <a:stretch>
-            <a:fillRect/>
-          </a:stretch>
-        </p:blipFill>
+      <p:sp>
+        <p:nvSpPr>
+          <p:cNvPr id="2" name="Title 1"/>
+          <p:cNvSpPr>
+            <a:spLocks noGrp="1"/>
+          </p:cNvSpPr>
+          <p:nvPr>
+            <p:ph type="title"/>
+          </p:nvPr>
+        </p:nvSpPr>
         <p:spPr>
           <a:xfrm>
-            <a:off x="531812" y="0"/>
-            <a:ext cx="11880107" cy="6555070"/>
+            <a:off x="1612753" y="957883"/>
+            <a:ext cx="9905998" cy="1478570"/>
           </a:xfrm>
         </p:spPr>
-      </p:pic>
-      <p:sp>
-        <p:nvSpPr>
-          <p:cNvPr id="2" name="Slide Number Placeholder 1">
+        <p:txBody>
+          <a:bodyPr>
+            <a:normAutofit/>
+          </a:bodyPr>
+          <a:lstStyle/>
+          <a:p>
+            <a:pPr rtl="1"/>
+            <a:r>
+              <a:rPr lang="en-US" sz="6600" dirty="0">
+                <a:latin typeface="IRTitr" panose="02000506000000020002" pitchFamily="2" charset="-78"/>
+                <a:cs typeface="IRTitr" panose="02000506000000020002" pitchFamily="2" charset="-78"/>
+              </a:rPr>
+              <a:t>Big Data</a:t>
+            </a:r>
+            <a:endParaRPr lang="fa-IR" sz="6600" dirty="0">
+              <a:latin typeface="IRTitr" panose="02000506000000020002" pitchFamily="2" charset="-78"/>
+              <a:cs typeface="IRTitr" panose="02000506000000020002" pitchFamily="2" charset="-78"/>
+            </a:endParaRPr>
+          </a:p>
+        </p:txBody>
+      </p:sp>
+      <p:sp>
+        <p:nvSpPr>
+          <p:cNvPr id="3" name="Content Placeholder 2"/>
+          <p:cNvSpPr>
+            <a:spLocks noGrp="1"/>
+          </p:cNvSpPr>
+          <p:nvPr>
+            <p:ph idx="1"/>
+          </p:nvPr>
+        </p:nvSpPr>
+        <p:spPr>
+          <a:xfrm>
+            <a:off x="1159460" y="1919549"/>
+            <a:ext cx="9905999" cy="3541714"/>
+          </a:xfrm>
+        </p:spPr>
+        <p:txBody>
+          <a:bodyPr>
+            <a:noAutofit/>
+          </a:bodyPr>
+          <a:lstStyle/>
+          <a:p>
+            <a:pPr algn="r" rtl="1"/>
+            <a:r>
+              <a:rPr lang="fa-IR" sz="3200" dirty="0">
+                <a:latin typeface="IRMitra" panose="02000506000000020002" pitchFamily="2" charset="-78"/>
+                <a:cs typeface="IRMitra" panose="02000506000000020002" pitchFamily="2" charset="-78"/>
+              </a:rPr>
+              <a:t> به مجموعه ای از داده ها گفته می شود که خود حجم زیادی دارند و با گذشت زمان حجم آن ها به طور تصاعدی بیش تر هم می شود. این داده ها بسیار حجیم و پیچیده هستند، به طوری که هیچ یک از ابزار های سنتی مدیریت داده ها امکان ذخیره و پردازش آن ها را ندارند.</a:t>
+            </a:r>
+          </a:p>
+          <a:p>
+            <a:pPr algn="r" rtl="1"/>
+            <a:r>
+              <a:rPr lang="fa-IR" sz="3200" dirty="0">
+                <a:latin typeface="IRMitra" panose="02000506000000020002" pitchFamily="2" charset="-78"/>
+                <a:cs typeface="IRMitra" panose="02000506000000020002" pitchFamily="2" charset="-78"/>
+              </a:rPr>
+              <a:t> استفاده ها : </a:t>
+            </a:r>
+            <a:r>
+              <a:rPr lang="en-US" sz="3200" dirty="0">
+                <a:latin typeface="IRMitra" panose="02000506000000020002" pitchFamily="2" charset="-78"/>
+                <a:cs typeface="IRMitra" panose="02000506000000020002" pitchFamily="2" charset="-78"/>
+              </a:rPr>
+              <a:t>MongoDB , Google Cloud</a:t>
+            </a:r>
+            <a:endParaRPr lang="fa-IR" sz="3200" dirty="0">
+              <a:latin typeface="IRMitra" panose="02000506000000020002" pitchFamily="2" charset="-78"/>
+              <a:cs typeface="IRMitra" panose="02000506000000020002" pitchFamily="2" charset="-78"/>
+            </a:endParaRPr>
+          </a:p>
+        </p:txBody>
+      </p:sp>
+      <p:sp>
+        <p:nvSpPr>
+          <p:cNvPr id="4" name="Slide Number Placeholder 3">
             <a:extLst>
               <a:ext uri="{FF2B5EF4-FFF2-40B4-BE49-F238E27FC236}">
-                <a16:creationId xmlns:a16="http://schemas.microsoft.com/office/drawing/2014/main" id="{35565BB4-18C3-8095-3E51-F1447D1012E2}"/>
+                <a16:creationId xmlns:a16="http://schemas.microsoft.com/office/drawing/2014/main" id="{044E3AA8-516C-B19C-C19B-D1C72747FE5A}"/>
               </a:ext>
             </a:extLst>
           </p:cNvPr>
@@ -30378,7 +29881,7 @@
     </p:spTree>
     <p:extLst>
       <p:ext uri="{BB962C8B-B14F-4D97-AF65-F5344CB8AC3E}">
-        <p14:creationId xmlns:p14="http://schemas.microsoft.com/office/powerpoint/2010/main" val="4266718883"/>
+        <p14:creationId xmlns:p14="http://schemas.microsoft.com/office/powerpoint/2010/main" val="21828035"/>
       </p:ext>
     </p:extLst>
   </p:cSld>
@@ -30417,8 +29920,55 @@
         </p:nvSpPr>
         <p:spPr>
           <a:xfrm>
-            <a:off x="1612753" y="957883"/>
-            <a:ext cx="9905998" cy="1478570"/>
+            <a:off x="2135723" y="1001269"/>
+            <a:ext cx="8911687" cy="1280890"/>
+          </a:xfrm>
+        </p:spPr>
+        <p:txBody>
+          <a:bodyPr>
+            <a:noAutofit/>
+          </a:bodyPr>
+          <a:lstStyle/>
+          <a:p>
+            <a:pPr algn="r" rtl="1"/>
+            <a:r>
+              <a:rPr lang="fa-IR" sz="4000" dirty="0">
+                <a:effectLst/>
+                <a:latin typeface="IRTitr" panose="02000506000000020002" pitchFamily="2" charset="-78"/>
+                <a:cs typeface="IRTitr" panose="02000506000000020002" pitchFamily="2" charset="-78"/>
+              </a:rPr>
+              <a:t>کاربرد‌های کلی </a:t>
+            </a:r>
+            <a:r>
+              <a:rPr lang="en-US" sz="4000" dirty="0">
+                <a:effectLst/>
+                <a:latin typeface="IRTitr" panose="02000506000000020002" pitchFamily="2" charset="-78"/>
+                <a:cs typeface="IRTitr" panose="02000506000000020002" pitchFamily="2" charset="-78"/>
+              </a:rPr>
+              <a:t>Big data</a:t>
+            </a:r>
+            <a:endParaRPr lang="fa-IR" sz="4000" dirty="0">
+              <a:effectLst/>
+              <a:latin typeface="IRTitr" panose="02000506000000020002" pitchFamily="2" charset="-78"/>
+              <a:cs typeface="IRTitr" panose="02000506000000020002" pitchFamily="2" charset="-78"/>
+            </a:endParaRPr>
+          </a:p>
+        </p:txBody>
+      </p:sp>
+      <p:sp>
+        <p:nvSpPr>
+          <p:cNvPr id="3" name="Content Placeholder 2"/>
+          <p:cNvSpPr>
+            <a:spLocks noGrp="1"/>
+          </p:cNvSpPr>
+          <p:nvPr>
+            <p:ph idx="1"/>
+          </p:nvPr>
+        </p:nvSpPr>
+        <p:spPr>
+          <a:xfrm>
+            <a:off x="1141411" y="2046489"/>
+            <a:ext cx="9905999" cy="3541714"/>
           </a:xfrm>
         </p:spPr>
         <p:txBody>
@@ -30427,72 +29977,44 @@
           </a:bodyPr>
           <a:lstStyle/>
           <a:p>
-            <a:pPr rtl="1"/>
-            <a:r>
-              <a:rPr lang="en-US" sz="6600" dirty="0">
-                <a:latin typeface="IRTitr" panose="02000506000000020002" pitchFamily="2" charset="-78"/>
-                <a:cs typeface="IRTitr" panose="02000506000000020002" pitchFamily="2" charset="-78"/>
-              </a:rPr>
-              <a:t>Big Data</a:t>
-            </a:r>
-            <a:endParaRPr lang="fa-IR" sz="6600" dirty="0">
-              <a:latin typeface="IRTitr" panose="02000506000000020002" pitchFamily="2" charset="-78"/>
-              <a:cs typeface="IRTitr" panose="02000506000000020002" pitchFamily="2" charset="-78"/>
-            </a:endParaRPr>
-          </a:p>
-        </p:txBody>
-      </p:sp>
-      <p:sp>
-        <p:nvSpPr>
-          <p:cNvPr id="3" name="Content Placeholder 2"/>
-          <p:cNvSpPr>
-            <a:spLocks noGrp="1"/>
-          </p:cNvSpPr>
-          <p:nvPr>
-            <p:ph idx="1"/>
-          </p:nvPr>
-        </p:nvSpPr>
-        <p:spPr>
-          <a:xfrm>
-            <a:off x="1159460" y="1919549"/>
-            <a:ext cx="9905999" cy="3541714"/>
-          </a:xfrm>
-        </p:spPr>
-        <p:txBody>
-          <a:bodyPr>
-            <a:noAutofit/>
-          </a:bodyPr>
-          <a:lstStyle/>
-          <a:p>
             <a:pPr algn="r" rtl="1"/>
             <a:r>
-              <a:rPr lang="fa-IR" sz="3200" dirty="0">
+              <a:rPr lang="fa-IR" sz="4000" dirty="0">
                 <a:latin typeface="IRMitra" panose="02000506000000020002" pitchFamily="2" charset="-78"/>
                 <a:cs typeface="IRMitra" panose="02000506000000020002" pitchFamily="2" charset="-78"/>
               </a:rPr>
-              <a:t> به مجموعه ای از داده ها گفته می شود که خود حجم زیادی دارند و با گذشت زمان حجم آن ها به طور تصاعدی بیش تر هم می شود. این داده ها بسیار حجیم و پیچیده هستند، به طوری که هیچ یک از ابزار های سنتی مدیریت داده ها امکان ذخیره و پردازش آن ها را ندارند.</a:t>
+              <a:t> بانکداری و اوراق بهادار</a:t>
             </a:r>
           </a:p>
           <a:p>
             <a:pPr algn="r" rtl="1"/>
             <a:r>
-              <a:rPr lang="fa-IR" sz="3200" dirty="0">
+              <a:rPr lang="fa-IR" sz="4000" dirty="0">
                 <a:latin typeface="IRMitra" panose="02000506000000020002" pitchFamily="2" charset="-78"/>
                 <a:cs typeface="IRMitra" panose="02000506000000020002" pitchFamily="2" charset="-78"/>
               </a:rPr>
-              <a:t> استفاده ها : </a:t>
-            </a:r>
-            <a:r>
-              <a:rPr lang="en-US" sz="3200" dirty="0">
+              <a:t> سیستم های آموزشی</a:t>
+            </a:r>
+          </a:p>
+          <a:p>
+            <a:pPr algn="r" rtl="1"/>
+            <a:r>
+              <a:rPr lang="fa-IR" sz="4000" dirty="0">
                 <a:latin typeface="IRMitra" panose="02000506000000020002" pitchFamily="2" charset="-78"/>
                 <a:cs typeface="IRMitra" panose="02000506000000020002" pitchFamily="2" charset="-78"/>
               </a:rPr>
-              <a:t>MongoDB , Google Cloud</a:t>
-            </a:r>
-            <a:endParaRPr lang="fa-IR" sz="3200" dirty="0">
-              <a:latin typeface="IRMitra" panose="02000506000000020002" pitchFamily="2" charset="-78"/>
-              <a:cs typeface="IRMitra" panose="02000506000000020002" pitchFamily="2" charset="-78"/>
-            </a:endParaRPr>
+              <a:t> حمل و نقل</a:t>
+            </a:r>
+          </a:p>
+          <a:p>
+            <a:pPr algn="r" rtl="1"/>
+            <a:r>
+              <a:rPr lang="fa-IR" sz="4000" dirty="0">
+                <a:latin typeface="IRMitra" panose="02000506000000020002" pitchFamily="2" charset="-78"/>
+                <a:cs typeface="IRMitra" panose="02000506000000020002" pitchFamily="2" charset="-78"/>
+              </a:rPr>
+              <a:t> ...</a:t>
+            </a:r>
           </a:p>
         </p:txBody>
       </p:sp>
@@ -30501,7 +30023,7 @@
           <p:cNvPr id="4" name="Slide Number Placeholder 3">
             <a:extLst>
               <a:ext uri="{FF2B5EF4-FFF2-40B4-BE49-F238E27FC236}">
-                <a16:creationId xmlns:a16="http://schemas.microsoft.com/office/drawing/2014/main" id="{044E3AA8-516C-B19C-C19B-D1C72747FE5A}"/>
+                <a16:creationId xmlns:a16="http://schemas.microsoft.com/office/drawing/2014/main" id="{84323072-2792-4889-DF44-A31559D19C29}"/>
               </a:ext>
             </a:extLst>
           </p:cNvPr>
@@ -30592,7 +30114,7 @@
     </p:spTree>
     <p:extLst>
       <p:ext uri="{BB962C8B-B14F-4D97-AF65-F5344CB8AC3E}">
-        <p14:creationId xmlns:p14="http://schemas.microsoft.com/office/powerpoint/2010/main" val="21828035"/>
+        <p14:creationId xmlns:p14="http://schemas.microsoft.com/office/powerpoint/2010/main" val="1418422423"/>
       </p:ext>
     </p:extLst>
   </p:cSld>

--- a/nosql-slides/nosql.pptx
+++ b/nosql-slides/nosql.pptx
@@ -7,7 +7,7 @@
     <p:sldMasterId id="2147483695" r:id="rId3"/>
   </p:sldMasterIdLst>
   <p:sldIdLst>
-    <p:sldId id="279" r:id="rId4"/>
+    <p:sldId id="268" r:id="rId4"/>
     <p:sldId id="257" r:id="rId5"/>
     <p:sldId id="264" r:id="rId6"/>
     <p:sldId id="265" r:id="rId7"/>
@@ -199,7 +199,7 @@
           <a:noFill/>
           <a:extLst>
             <a:ext uri="{909E8E84-426E-40dd-AFC4-6F175D3DCCD1}">
-              <a14:hiddenFill xmlns:a14="http://schemas.microsoft.com/office/drawing/2010/main" xmlns="">
+              <a14:hiddenFill xmlns="" xmlns:a14="http://schemas.microsoft.com/office/drawing/2010/main">
                 <a:solidFill>
                   <a:srgbClr val="FFFFFF"/>
                 </a:solidFill>
@@ -259,7 +259,7 @@
             </a:ln>
             <a:extLst>
               <a:ext uri="{91240B29-F687-4f45-9708-019B960494DF}">
-                <a14:hiddenLine xmlns:a14="http://schemas.microsoft.com/office/drawing/2010/main" xmlns="" w="9525">
+                <a14:hiddenLine xmlns="" xmlns:a14="http://schemas.microsoft.com/office/drawing/2010/main" w="9525">
                   <a:solidFill>
                     <a:srgbClr val="000000"/>
                   </a:solidFill>
@@ -349,7 +349,7 @@
             </a:ln>
             <a:extLst>
               <a:ext uri="{91240B29-F687-4f45-9708-019B960494DF}">
-                <a14:hiddenLine xmlns:a14="http://schemas.microsoft.com/office/drawing/2010/main" xmlns="" w="9525">
+                <a14:hiddenLine xmlns="" xmlns:a14="http://schemas.microsoft.com/office/drawing/2010/main" w="9525">
                   <a:solidFill>
                     <a:srgbClr val="000000"/>
                   </a:solidFill>
@@ -439,7 +439,7 @@
             </a:ln>
             <a:extLst>
               <a:ext uri="{91240B29-F687-4f45-9708-019B960494DF}">
-                <a14:hiddenLine xmlns:a14="http://schemas.microsoft.com/office/drawing/2010/main" xmlns="" w="9525">
+                <a14:hiddenLine xmlns="" xmlns:a14="http://schemas.microsoft.com/office/drawing/2010/main" w="9525">
                   <a:solidFill>
                     <a:srgbClr val="000000"/>
                   </a:solidFill>
@@ -473,7 +473,7 @@
             </a:ln>
             <a:extLst>
               <a:ext uri="{91240B29-F687-4f45-9708-019B960494DF}">
-                <a14:hiddenLine xmlns:a14="http://schemas.microsoft.com/office/drawing/2010/main" xmlns="" w="9525">
+                <a14:hiddenLine xmlns="" xmlns:a14="http://schemas.microsoft.com/office/drawing/2010/main" w="9525">
                   <a:solidFill>
                     <a:srgbClr val="000000"/>
                   </a:solidFill>
@@ -563,7 +563,7 @@
             </a:ln>
             <a:extLst>
               <a:ext uri="{91240B29-F687-4f45-9708-019B960494DF}">
-                <a14:hiddenLine xmlns:a14="http://schemas.microsoft.com/office/drawing/2010/main" xmlns="" w="9525">
+                <a14:hiddenLine xmlns="" xmlns:a14="http://schemas.microsoft.com/office/drawing/2010/main" w="9525">
                   <a:solidFill>
                     <a:srgbClr val="000000"/>
                   </a:solidFill>
@@ -625,7 +625,7 @@
             </a:ln>
             <a:extLst>
               <a:ext uri="{91240B29-F687-4f45-9708-019B960494DF}">
-                <a14:hiddenLine xmlns:a14="http://schemas.microsoft.com/office/drawing/2010/main" xmlns="" w="9525">
+                <a14:hiddenLine xmlns="" xmlns:a14="http://schemas.microsoft.com/office/drawing/2010/main" w="9525">
                   <a:solidFill>
                     <a:srgbClr val="000000"/>
                   </a:solidFill>
@@ -687,7 +687,7 @@
             </a:ln>
             <a:extLst>
               <a:ext uri="{91240B29-F687-4f45-9708-019B960494DF}">
-                <a14:hiddenLine xmlns:a14="http://schemas.microsoft.com/office/drawing/2010/main" xmlns="" w="9525">
+                <a14:hiddenLine xmlns="" xmlns:a14="http://schemas.microsoft.com/office/drawing/2010/main" w="9525">
                   <a:solidFill>
                     <a:srgbClr val="000000"/>
                   </a:solidFill>
@@ -777,7 +777,7 @@
             </a:ln>
             <a:extLst>
               <a:ext uri="{91240B29-F687-4f45-9708-019B960494DF}">
-                <a14:hiddenLine xmlns:a14="http://schemas.microsoft.com/office/drawing/2010/main" xmlns="" w="9525">
+                <a14:hiddenLine xmlns="" xmlns:a14="http://schemas.microsoft.com/office/drawing/2010/main" w="9525">
                   <a:solidFill>
                     <a:srgbClr val="000000"/>
                   </a:solidFill>
@@ -839,7 +839,7 @@
             </a:ln>
             <a:extLst>
               <a:ext uri="{91240B29-F687-4f45-9708-019B960494DF}">
-                <a14:hiddenLine xmlns:a14="http://schemas.microsoft.com/office/drawing/2010/main" xmlns="" w="9525">
+                <a14:hiddenLine xmlns="" xmlns:a14="http://schemas.microsoft.com/office/drawing/2010/main" w="9525">
                   <a:solidFill>
                     <a:srgbClr val="000000"/>
                   </a:solidFill>
@@ -901,7 +901,7 @@
             </a:ln>
             <a:extLst>
               <a:ext uri="{91240B29-F687-4f45-9708-019B960494DF}">
-                <a14:hiddenLine xmlns:a14="http://schemas.microsoft.com/office/drawing/2010/main" xmlns="" w="9525">
+                <a14:hiddenLine xmlns="" xmlns:a14="http://schemas.microsoft.com/office/drawing/2010/main" w="9525">
                   <a:solidFill>
                     <a:srgbClr val="000000"/>
                   </a:solidFill>
@@ -991,7 +991,7 @@
             </a:ln>
             <a:extLst>
               <a:ext uri="{91240B29-F687-4f45-9708-019B960494DF}">
-                <a14:hiddenLine xmlns:a14="http://schemas.microsoft.com/office/drawing/2010/main" xmlns="" w="9525">
+                <a14:hiddenLine xmlns="" xmlns:a14="http://schemas.microsoft.com/office/drawing/2010/main" w="9525">
                   <a:solidFill>
                     <a:srgbClr val="000000"/>
                   </a:solidFill>
@@ -1081,7 +1081,7 @@
             </a:ln>
             <a:extLst>
               <a:ext uri="{91240B29-F687-4f45-9708-019B960494DF}">
-                <a14:hiddenLine xmlns:a14="http://schemas.microsoft.com/office/drawing/2010/main" xmlns="" w="9525">
+                <a14:hiddenLine xmlns="" xmlns:a14="http://schemas.microsoft.com/office/drawing/2010/main" w="9525">
                   <a:solidFill>
                     <a:srgbClr val="000000"/>
                   </a:solidFill>
@@ -1143,7 +1143,7 @@
             </a:ln>
             <a:extLst>
               <a:ext uri="{91240B29-F687-4f45-9708-019B960494DF}">
-                <a14:hiddenLine xmlns:a14="http://schemas.microsoft.com/office/drawing/2010/main" xmlns="" w="9525">
+                <a14:hiddenLine xmlns="" xmlns:a14="http://schemas.microsoft.com/office/drawing/2010/main" w="9525">
                   <a:solidFill>
                     <a:srgbClr val="000000"/>
                   </a:solidFill>
@@ -1253,7 +1253,7 @@
             </a:ln>
             <a:extLst>
               <a:ext uri="{91240B29-F687-4f45-9708-019B960494DF}">
-                <a14:hiddenLine xmlns:a14="http://schemas.microsoft.com/office/drawing/2010/main" xmlns="" w="9525">
+                <a14:hiddenLine xmlns="" xmlns:a14="http://schemas.microsoft.com/office/drawing/2010/main" w="9525">
                   <a:solidFill>
                     <a:srgbClr val="000000"/>
                   </a:solidFill>
@@ -1315,7 +1315,7 @@
             </a:ln>
             <a:extLst>
               <a:ext uri="{91240B29-F687-4f45-9708-019B960494DF}">
-                <a14:hiddenLine xmlns:a14="http://schemas.microsoft.com/office/drawing/2010/main" xmlns="" w="9525">
+                <a14:hiddenLine xmlns="" xmlns:a14="http://schemas.microsoft.com/office/drawing/2010/main" w="9525">
                   <a:solidFill>
                     <a:srgbClr val="000000"/>
                   </a:solidFill>
@@ -1405,7 +1405,7 @@
             </a:ln>
             <a:extLst>
               <a:ext uri="{91240B29-F687-4f45-9708-019B960494DF}">
-                <a14:hiddenLine xmlns:a14="http://schemas.microsoft.com/office/drawing/2010/main" xmlns="" w="9525">
+                <a14:hiddenLine xmlns="" xmlns:a14="http://schemas.microsoft.com/office/drawing/2010/main" w="9525">
                   <a:solidFill>
                     <a:srgbClr val="000000"/>
                   </a:solidFill>
@@ -1495,7 +1495,7 @@
             </a:ln>
             <a:extLst>
               <a:ext uri="{91240B29-F687-4f45-9708-019B960494DF}">
-                <a14:hiddenLine xmlns:a14="http://schemas.microsoft.com/office/drawing/2010/main" xmlns="" w="9525">
+                <a14:hiddenLine xmlns="" xmlns:a14="http://schemas.microsoft.com/office/drawing/2010/main" w="9525">
                   <a:solidFill>
                     <a:srgbClr val="000000"/>
                   </a:solidFill>
@@ -1557,7 +1557,7 @@
             </a:ln>
             <a:extLst>
               <a:ext uri="{91240B29-F687-4f45-9708-019B960494DF}">
-                <a14:hiddenLine xmlns:a14="http://schemas.microsoft.com/office/drawing/2010/main" xmlns="" w="9525">
+                <a14:hiddenLine xmlns="" xmlns:a14="http://schemas.microsoft.com/office/drawing/2010/main" w="9525">
                   <a:solidFill>
                     <a:srgbClr val="000000"/>
                   </a:solidFill>
@@ -1647,7 +1647,7 @@
             </a:ln>
             <a:extLst>
               <a:ext uri="{91240B29-F687-4f45-9708-019B960494DF}">
-                <a14:hiddenLine xmlns:a14="http://schemas.microsoft.com/office/drawing/2010/main" xmlns="" w="9525">
+                <a14:hiddenLine xmlns="" xmlns:a14="http://schemas.microsoft.com/office/drawing/2010/main" w="9525">
                   <a:solidFill>
                     <a:srgbClr val="000000"/>
                   </a:solidFill>
@@ -1737,7 +1737,7 @@
             </a:ln>
             <a:extLst>
               <a:ext uri="{91240B29-F687-4f45-9708-019B960494DF}">
-                <a14:hiddenLine xmlns:a14="http://schemas.microsoft.com/office/drawing/2010/main" xmlns="" w="9525">
+                <a14:hiddenLine xmlns="" xmlns:a14="http://schemas.microsoft.com/office/drawing/2010/main" w="9525">
                   <a:solidFill>
                     <a:srgbClr val="000000"/>
                   </a:solidFill>
@@ -1793,7 +1793,7 @@
             </a:ln>
             <a:extLst>
               <a:ext uri="{91240B29-F687-4f45-9708-019B960494DF}">
-                <a14:hiddenLine xmlns:a14="http://schemas.microsoft.com/office/drawing/2010/main" xmlns="" w="9525">
+                <a14:hiddenLine xmlns="" xmlns:a14="http://schemas.microsoft.com/office/drawing/2010/main" w="9525">
                   <a:solidFill>
                     <a:srgbClr val="000000"/>
                   </a:solidFill>
@@ -1883,7 +1883,7 @@
             </a:ln>
             <a:extLst>
               <a:ext uri="{91240B29-F687-4f45-9708-019B960494DF}">
-                <a14:hiddenLine xmlns:a14="http://schemas.microsoft.com/office/drawing/2010/main" xmlns="" w="9525">
+                <a14:hiddenLine xmlns="" xmlns:a14="http://schemas.microsoft.com/office/drawing/2010/main" w="9525">
                   <a:solidFill>
                     <a:srgbClr val="000000"/>
                   </a:solidFill>
@@ -1939,7 +1939,7 @@
             </a:ln>
             <a:extLst>
               <a:ext uri="{91240B29-F687-4f45-9708-019B960494DF}">
-                <a14:hiddenLine xmlns:a14="http://schemas.microsoft.com/office/drawing/2010/main" xmlns="" w="9525">
+                <a14:hiddenLine xmlns="" xmlns:a14="http://schemas.microsoft.com/office/drawing/2010/main" w="9525">
                   <a:solidFill>
                     <a:srgbClr val="000000"/>
                   </a:solidFill>
@@ -2029,7 +2029,7 @@
             </a:ln>
             <a:extLst>
               <a:ext uri="{91240B29-F687-4f45-9708-019B960494DF}">
-                <a14:hiddenLine xmlns:a14="http://schemas.microsoft.com/office/drawing/2010/main" xmlns="" w="9525">
+                <a14:hiddenLine xmlns="" xmlns:a14="http://schemas.microsoft.com/office/drawing/2010/main" w="9525">
                   <a:solidFill>
                     <a:srgbClr val="000000"/>
                   </a:solidFill>
@@ -2097,7 +2097,7 @@
             </a:ln>
             <a:extLst>
               <a:ext uri="{91240B29-F687-4f45-9708-019B960494DF}">
-                <a14:hiddenLine xmlns:a14="http://schemas.microsoft.com/office/drawing/2010/main" xmlns="" w="9525">
+                <a14:hiddenLine xmlns="" xmlns:a14="http://schemas.microsoft.com/office/drawing/2010/main" w="9525">
                   <a:solidFill>
                     <a:srgbClr val="000000"/>
                   </a:solidFill>
@@ -2187,7 +2187,7 @@
             </a:ln>
             <a:extLst>
               <a:ext uri="{91240B29-F687-4f45-9708-019B960494DF}">
-                <a14:hiddenLine xmlns:a14="http://schemas.microsoft.com/office/drawing/2010/main" xmlns="" w="9525">
+                <a14:hiddenLine xmlns="" xmlns:a14="http://schemas.microsoft.com/office/drawing/2010/main" w="9525">
                   <a:solidFill>
                     <a:srgbClr val="000000"/>
                   </a:solidFill>
@@ -2255,7 +2255,7 @@
             </a:ln>
             <a:extLst>
               <a:ext uri="{91240B29-F687-4f45-9708-019B960494DF}">
-                <a14:hiddenLine xmlns:a14="http://schemas.microsoft.com/office/drawing/2010/main" xmlns="" w="9525">
+                <a14:hiddenLine xmlns="" xmlns:a14="http://schemas.microsoft.com/office/drawing/2010/main" w="9525">
                   <a:solidFill>
                     <a:srgbClr val="000000"/>
                   </a:solidFill>
@@ -2345,7 +2345,7 @@
             </a:ln>
             <a:extLst>
               <a:ext uri="{91240B29-F687-4f45-9708-019B960494DF}">
-                <a14:hiddenLine xmlns:a14="http://schemas.microsoft.com/office/drawing/2010/main" xmlns="" w="9525">
+                <a14:hiddenLine xmlns="" xmlns:a14="http://schemas.microsoft.com/office/drawing/2010/main" w="9525">
                   <a:solidFill>
                     <a:srgbClr val="000000"/>
                   </a:solidFill>
@@ -2379,7 +2379,7 @@
             </a:ln>
             <a:extLst>
               <a:ext uri="{91240B29-F687-4f45-9708-019B960494DF}">
-                <a14:hiddenLine xmlns:a14="http://schemas.microsoft.com/office/drawing/2010/main" xmlns="" w="9525">
+                <a14:hiddenLine xmlns="" xmlns:a14="http://schemas.microsoft.com/office/drawing/2010/main" w="9525">
                   <a:solidFill>
                     <a:srgbClr val="000000"/>
                   </a:solidFill>
@@ -2469,7 +2469,7 @@
             </a:ln>
             <a:extLst>
               <a:ext uri="{91240B29-F687-4f45-9708-019B960494DF}">
-                <a14:hiddenLine xmlns:a14="http://schemas.microsoft.com/office/drawing/2010/main" xmlns="" w="9525">
+                <a14:hiddenLine xmlns="" xmlns:a14="http://schemas.microsoft.com/office/drawing/2010/main" w="9525">
                   <a:solidFill>
                     <a:srgbClr val="000000"/>
                   </a:solidFill>
@@ -2531,7 +2531,7 @@
             </a:ln>
             <a:extLst>
               <a:ext uri="{91240B29-F687-4f45-9708-019B960494DF}">
-                <a14:hiddenLine xmlns:a14="http://schemas.microsoft.com/office/drawing/2010/main" xmlns="" w="9525">
+                <a14:hiddenLine xmlns="" xmlns:a14="http://schemas.microsoft.com/office/drawing/2010/main" w="9525">
                   <a:solidFill>
                     <a:srgbClr val="000000"/>
                   </a:solidFill>
@@ -2593,7 +2593,7 @@
             </a:ln>
             <a:extLst>
               <a:ext uri="{91240B29-F687-4f45-9708-019B960494DF}">
-                <a14:hiddenLine xmlns:a14="http://schemas.microsoft.com/office/drawing/2010/main" xmlns="" w="9525">
+                <a14:hiddenLine xmlns="" xmlns:a14="http://schemas.microsoft.com/office/drawing/2010/main" w="9525">
                   <a:solidFill>
                     <a:srgbClr val="000000"/>
                   </a:solidFill>
@@ -2683,7 +2683,7 @@
             </a:ln>
             <a:extLst>
               <a:ext uri="{91240B29-F687-4f45-9708-019B960494DF}">
-                <a14:hiddenLine xmlns:a14="http://schemas.microsoft.com/office/drawing/2010/main" xmlns="" w="9525">
+                <a14:hiddenLine xmlns="" xmlns:a14="http://schemas.microsoft.com/office/drawing/2010/main" w="9525">
                   <a:solidFill>
                     <a:srgbClr val="000000"/>
                   </a:solidFill>
@@ -2751,7 +2751,7 @@
             </a:ln>
             <a:extLst>
               <a:ext uri="{91240B29-F687-4f45-9708-019B960494DF}">
-                <a14:hiddenLine xmlns:a14="http://schemas.microsoft.com/office/drawing/2010/main" xmlns="" w="9525">
+                <a14:hiddenLine xmlns="" xmlns:a14="http://schemas.microsoft.com/office/drawing/2010/main" w="9525">
                   <a:solidFill>
                     <a:srgbClr val="000000"/>
                   </a:solidFill>
@@ -2813,7 +2813,7 @@
             </a:ln>
             <a:extLst>
               <a:ext uri="{91240B29-F687-4f45-9708-019B960494DF}">
-                <a14:hiddenLine xmlns:a14="http://schemas.microsoft.com/office/drawing/2010/main" xmlns="" w="9525">
+                <a14:hiddenLine xmlns="" xmlns:a14="http://schemas.microsoft.com/office/drawing/2010/main" w="9525">
                   <a:solidFill>
                     <a:srgbClr val="000000"/>
                   </a:solidFill>
@@ -2903,7 +2903,7 @@
             </a:ln>
             <a:extLst>
               <a:ext uri="{91240B29-F687-4f45-9708-019B960494DF}">
-                <a14:hiddenLine xmlns:a14="http://schemas.microsoft.com/office/drawing/2010/main" xmlns="" w="9525">
+                <a14:hiddenLine xmlns="" xmlns:a14="http://schemas.microsoft.com/office/drawing/2010/main" w="9525">
                   <a:solidFill>
                     <a:srgbClr val="000000"/>
                   </a:solidFill>
@@ -2965,7 +2965,7 @@
             </a:ln>
             <a:extLst>
               <a:ext uri="{91240B29-F687-4f45-9708-019B960494DF}">
-                <a14:hiddenLine xmlns:a14="http://schemas.microsoft.com/office/drawing/2010/main" xmlns="" w="9525">
+                <a14:hiddenLine xmlns="" xmlns:a14="http://schemas.microsoft.com/office/drawing/2010/main" w="9525">
                   <a:solidFill>
                     <a:srgbClr val="000000"/>
                   </a:solidFill>
@@ -3055,7 +3055,7 @@
             </a:ln>
             <a:extLst>
               <a:ext uri="{91240B29-F687-4f45-9708-019B960494DF}">
-                <a14:hiddenLine xmlns:a14="http://schemas.microsoft.com/office/drawing/2010/main" xmlns="" w="9525">
+                <a14:hiddenLine xmlns="" xmlns:a14="http://schemas.microsoft.com/office/drawing/2010/main" w="9525">
                   <a:solidFill>
                     <a:srgbClr val="000000"/>
                   </a:solidFill>
@@ -3117,7 +3117,7 @@
             </a:ln>
             <a:extLst>
               <a:ext uri="{91240B29-F687-4f45-9708-019B960494DF}">
-                <a14:hiddenLine xmlns:a14="http://schemas.microsoft.com/office/drawing/2010/main" xmlns="" w="9525">
+                <a14:hiddenLine xmlns="" xmlns:a14="http://schemas.microsoft.com/office/drawing/2010/main" w="9525">
                   <a:solidFill>
                     <a:srgbClr val="000000"/>
                   </a:solidFill>
@@ -3207,7 +3207,7 @@
             </a:ln>
             <a:extLst>
               <a:ext uri="{91240B29-F687-4f45-9708-019B960494DF}">
-                <a14:hiddenLine xmlns:a14="http://schemas.microsoft.com/office/drawing/2010/main" xmlns="" w="9525">
+                <a14:hiddenLine xmlns="" xmlns:a14="http://schemas.microsoft.com/office/drawing/2010/main" w="9525">
                   <a:solidFill>
                     <a:srgbClr val="000000"/>
                   </a:solidFill>
@@ -3241,7 +3241,7 @@
             </a:ln>
             <a:extLst>
               <a:ext uri="{91240B29-F687-4f45-9708-019B960494DF}">
-                <a14:hiddenLine xmlns:a14="http://schemas.microsoft.com/office/drawing/2010/main" xmlns="" w="9525">
+                <a14:hiddenLine xmlns="" xmlns:a14="http://schemas.microsoft.com/office/drawing/2010/main" w="9525">
                   <a:solidFill>
                     <a:srgbClr val="000000"/>
                   </a:solidFill>
@@ -3306,7 +3306,7 @@
             </a:ln>
             <a:extLst>
               <a:ext uri="{91240B29-F687-4f45-9708-019B960494DF}">
-                <a14:hiddenLine xmlns:a14="http://schemas.microsoft.com/office/drawing/2010/main" xmlns="" w="9525">
+                <a14:hiddenLine xmlns="" xmlns:a14="http://schemas.microsoft.com/office/drawing/2010/main" w="9525">
                   <a:solidFill>
                     <a:srgbClr val="000000"/>
                   </a:solidFill>
@@ -3396,7 +3396,7 @@
             </a:ln>
             <a:extLst>
               <a:ext uri="{91240B29-F687-4f45-9708-019B960494DF}">
-                <a14:hiddenLine xmlns:a14="http://schemas.microsoft.com/office/drawing/2010/main" xmlns="" w="9525">
+                <a14:hiddenLine xmlns="" xmlns:a14="http://schemas.microsoft.com/office/drawing/2010/main" w="9525">
                   <a:solidFill>
                     <a:srgbClr val="000000"/>
                   </a:solidFill>
@@ -3458,7 +3458,7 @@
             </a:ln>
             <a:extLst>
               <a:ext uri="{91240B29-F687-4f45-9708-019B960494DF}">
-                <a14:hiddenLine xmlns:a14="http://schemas.microsoft.com/office/drawing/2010/main" xmlns="" w="9525">
+                <a14:hiddenLine xmlns="" xmlns:a14="http://schemas.microsoft.com/office/drawing/2010/main" w="9525">
                   <a:solidFill>
                     <a:srgbClr val="000000"/>
                   </a:solidFill>
@@ -3548,7 +3548,7 @@
             </a:ln>
             <a:extLst>
               <a:ext uri="{91240B29-F687-4f45-9708-019B960494DF}">
-                <a14:hiddenLine xmlns:a14="http://schemas.microsoft.com/office/drawing/2010/main" xmlns="" w="9525">
+                <a14:hiddenLine xmlns="" xmlns:a14="http://schemas.microsoft.com/office/drawing/2010/main" w="9525">
                   <a:solidFill>
                     <a:srgbClr val="000000"/>
                   </a:solidFill>
@@ -3638,7 +3638,7 @@
             </a:ln>
             <a:extLst>
               <a:ext uri="{91240B29-F687-4f45-9708-019B960494DF}">
-                <a14:hiddenLine xmlns:a14="http://schemas.microsoft.com/office/drawing/2010/main" xmlns="" w="9525">
+                <a14:hiddenLine xmlns="" xmlns:a14="http://schemas.microsoft.com/office/drawing/2010/main" w="9525">
                   <a:solidFill>
                     <a:srgbClr val="000000"/>
                   </a:solidFill>
@@ -3703,7 +3703,7 @@
             </a:ln>
             <a:extLst>
               <a:ext uri="{91240B29-F687-4f45-9708-019B960494DF}">
-                <a14:hiddenLine xmlns:a14="http://schemas.microsoft.com/office/drawing/2010/main" xmlns="" w="9525">
+                <a14:hiddenLine xmlns="" xmlns:a14="http://schemas.microsoft.com/office/drawing/2010/main" w="9525">
                   <a:solidFill>
                     <a:srgbClr val="000000"/>
                   </a:solidFill>
@@ -3765,7 +3765,7 @@
             </a:ln>
             <a:extLst>
               <a:ext uri="{91240B29-F687-4f45-9708-019B960494DF}">
-                <a14:hiddenLine xmlns:a14="http://schemas.microsoft.com/office/drawing/2010/main" xmlns="" w="9525">
+                <a14:hiddenLine xmlns="" xmlns:a14="http://schemas.microsoft.com/office/drawing/2010/main" w="9525">
                   <a:solidFill>
                     <a:srgbClr val="000000"/>
                   </a:solidFill>
@@ -3855,7 +3855,7 @@
             </a:ln>
             <a:extLst>
               <a:ext uri="{91240B29-F687-4f45-9708-019B960494DF}">
-                <a14:hiddenLine xmlns:a14="http://schemas.microsoft.com/office/drawing/2010/main" xmlns="" w="9525">
+                <a14:hiddenLine xmlns="" xmlns:a14="http://schemas.microsoft.com/office/drawing/2010/main" w="9525">
                   <a:solidFill>
                     <a:srgbClr val="000000"/>
                   </a:solidFill>
@@ -3945,7 +3945,7 @@
             </a:ln>
             <a:extLst>
               <a:ext uri="{91240B29-F687-4f45-9708-019B960494DF}">
-                <a14:hiddenLine xmlns:a14="http://schemas.microsoft.com/office/drawing/2010/main" xmlns="" w="9525">
+                <a14:hiddenLine xmlns="" xmlns:a14="http://schemas.microsoft.com/office/drawing/2010/main" w="9525">
                   <a:solidFill>
                     <a:srgbClr val="000000"/>
                   </a:solidFill>
@@ -4007,7 +4007,7 @@
             </a:ln>
             <a:extLst>
               <a:ext uri="{91240B29-F687-4f45-9708-019B960494DF}">
-                <a14:hiddenLine xmlns:a14="http://schemas.microsoft.com/office/drawing/2010/main" xmlns="" w="9525">
+                <a14:hiddenLine xmlns="" xmlns:a14="http://schemas.microsoft.com/office/drawing/2010/main" w="9525">
                   <a:solidFill>
                     <a:srgbClr val="000000"/>
                   </a:solidFill>
@@ -4127,7 +4127,7 @@
             </a:ln>
             <a:extLst>
               <a:ext uri="{91240B29-F687-4f45-9708-019B960494DF}">
-                <a14:hiddenLine xmlns:a14="http://schemas.microsoft.com/office/drawing/2010/main" xmlns="" w="9525">
+                <a14:hiddenLine xmlns="" xmlns:a14="http://schemas.microsoft.com/office/drawing/2010/main" w="9525">
                   <a:solidFill>
                     <a:srgbClr val="000000"/>
                   </a:solidFill>
@@ -4195,7 +4195,7 @@
             </a:ln>
             <a:extLst>
               <a:ext uri="{91240B29-F687-4f45-9708-019B960494DF}">
-                <a14:hiddenLine xmlns:a14="http://schemas.microsoft.com/office/drawing/2010/main" xmlns="" w="9525">
+                <a14:hiddenLine xmlns="" xmlns:a14="http://schemas.microsoft.com/office/drawing/2010/main" w="9525">
                   <a:solidFill>
                     <a:srgbClr val="000000"/>
                   </a:solidFill>
@@ -4285,7 +4285,7 @@
             </a:ln>
             <a:extLst>
               <a:ext uri="{91240B29-F687-4f45-9708-019B960494DF}">
-                <a14:hiddenLine xmlns:a14="http://schemas.microsoft.com/office/drawing/2010/main" xmlns="" w="9525">
+                <a14:hiddenLine xmlns="" xmlns:a14="http://schemas.microsoft.com/office/drawing/2010/main" w="9525">
                   <a:solidFill>
                     <a:srgbClr val="000000"/>
                   </a:solidFill>
@@ -16482,7 +16482,7 @@
           <a:noFill/>
           <a:extLst>
             <a:ext uri="{909E8E84-426E-40dd-AFC4-6F175D3DCCD1}">
-              <a14:hiddenFill xmlns:a14="http://schemas.microsoft.com/office/drawing/2010/main" xmlns="">
+              <a14:hiddenFill xmlns="" xmlns:a14="http://schemas.microsoft.com/office/drawing/2010/main">
                 <a:solidFill>
                   <a:srgbClr val="FFFFFF"/>
                 </a:solidFill>
@@ -16556,7 +16556,7 @@
               </a:ln>
               <a:extLst>
                 <a:ext uri="{91240B29-F687-4f45-9708-019B960494DF}">
-                  <a14:hiddenLine xmlns:a14="http://schemas.microsoft.com/office/drawing/2010/main" xmlns="" w="9525">
+                  <a14:hiddenLine xmlns="" xmlns:a14="http://schemas.microsoft.com/office/drawing/2010/main" w="9525">
                     <a:solidFill>
                       <a:srgbClr val="000000"/>
                     </a:solidFill>
@@ -16646,7 +16646,7 @@
               </a:ln>
               <a:extLst>
                 <a:ext uri="{91240B29-F687-4f45-9708-019B960494DF}">
-                  <a14:hiddenLine xmlns:a14="http://schemas.microsoft.com/office/drawing/2010/main" xmlns="" w="9525">
+                  <a14:hiddenLine xmlns="" xmlns:a14="http://schemas.microsoft.com/office/drawing/2010/main" w="9525">
                     <a:solidFill>
                       <a:srgbClr val="000000"/>
                     </a:solidFill>
@@ -16736,7 +16736,7 @@
               </a:ln>
               <a:extLst>
                 <a:ext uri="{91240B29-F687-4f45-9708-019B960494DF}">
-                  <a14:hiddenLine xmlns:a14="http://schemas.microsoft.com/office/drawing/2010/main" xmlns="" w="9525">
+                  <a14:hiddenLine xmlns="" xmlns:a14="http://schemas.microsoft.com/office/drawing/2010/main" w="9525">
                     <a:solidFill>
                       <a:srgbClr val="000000"/>
                     </a:solidFill>
@@ -16798,7 +16798,7 @@
               </a:ln>
               <a:extLst>
                 <a:ext uri="{91240B29-F687-4f45-9708-019B960494DF}">
-                  <a14:hiddenLine xmlns:a14="http://schemas.microsoft.com/office/drawing/2010/main" xmlns="" w="9525">
+                  <a14:hiddenLine xmlns="" xmlns:a14="http://schemas.microsoft.com/office/drawing/2010/main" w="9525">
                     <a:solidFill>
                       <a:srgbClr val="000000"/>
                     </a:solidFill>
@@ -16888,7 +16888,7 @@
               </a:ln>
               <a:extLst>
                 <a:ext uri="{91240B29-F687-4f45-9708-019B960494DF}">
-                  <a14:hiddenLine xmlns:a14="http://schemas.microsoft.com/office/drawing/2010/main" xmlns="" w="9525">
+                  <a14:hiddenLine xmlns="" xmlns:a14="http://schemas.microsoft.com/office/drawing/2010/main" w="9525">
                     <a:solidFill>
                       <a:srgbClr val="000000"/>
                     </a:solidFill>
@@ -16950,7 +16950,7 @@
               </a:ln>
               <a:extLst>
                 <a:ext uri="{91240B29-F687-4f45-9708-019B960494DF}">
-                  <a14:hiddenLine xmlns:a14="http://schemas.microsoft.com/office/drawing/2010/main" xmlns="" w="9525">
+                  <a14:hiddenLine xmlns="" xmlns:a14="http://schemas.microsoft.com/office/drawing/2010/main" w="9525">
                     <a:solidFill>
                       <a:srgbClr val="000000"/>
                     </a:solidFill>
@@ -17012,7 +17012,7 @@
               </a:ln>
               <a:extLst>
                 <a:ext uri="{91240B29-F687-4f45-9708-019B960494DF}">
-                  <a14:hiddenLine xmlns:a14="http://schemas.microsoft.com/office/drawing/2010/main" xmlns="" w="9525">
+                  <a14:hiddenLine xmlns="" xmlns:a14="http://schemas.microsoft.com/office/drawing/2010/main" w="9525">
                     <a:solidFill>
                       <a:srgbClr val="000000"/>
                     </a:solidFill>
@@ -17102,7 +17102,7 @@
               </a:ln>
               <a:extLst>
                 <a:ext uri="{91240B29-F687-4f45-9708-019B960494DF}">
-                  <a14:hiddenLine xmlns:a14="http://schemas.microsoft.com/office/drawing/2010/main" xmlns="" w="9525">
+                  <a14:hiddenLine xmlns="" xmlns:a14="http://schemas.microsoft.com/office/drawing/2010/main" w="9525">
                     <a:solidFill>
                       <a:srgbClr val="000000"/>
                     </a:solidFill>
@@ -17192,7 +17192,7 @@
               </a:ln>
               <a:extLst>
                 <a:ext uri="{91240B29-F687-4f45-9708-019B960494DF}">
-                  <a14:hiddenLine xmlns:a14="http://schemas.microsoft.com/office/drawing/2010/main" xmlns="" w="9525">
+                  <a14:hiddenLine xmlns="" xmlns:a14="http://schemas.microsoft.com/office/drawing/2010/main" w="9525">
                     <a:solidFill>
                       <a:srgbClr val="000000"/>
                     </a:solidFill>
@@ -17254,7 +17254,7 @@
               </a:ln>
               <a:extLst>
                 <a:ext uri="{91240B29-F687-4f45-9708-019B960494DF}">
-                  <a14:hiddenLine xmlns:a14="http://schemas.microsoft.com/office/drawing/2010/main" xmlns="" w="9525">
+                  <a14:hiddenLine xmlns="" xmlns:a14="http://schemas.microsoft.com/office/drawing/2010/main" w="9525">
                     <a:solidFill>
                       <a:srgbClr val="000000"/>
                     </a:solidFill>
@@ -17364,7 +17364,7 @@
               </a:ln>
               <a:extLst>
                 <a:ext uri="{91240B29-F687-4f45-9708-019B960494DF}">
-                  <a14:hiddenLine xmlns:a14="http://schemas.microsoft.com/office/drawing/2010/main" xmlns="" w="9525">
+                  <a14:hiddenLine xmlns="" xmlns:a14="http://schemas.microsoft.com/office/drawing/2010/main" w="9525">
                     <a:solidFill>
                       <a:srgbClr val="000000"/>
                     </a:solidFill>
@@ -17448,7 +17448,7 @@
               </a:ln>
               <a:extLst>
                 <a:ext uri="{91240B29-F687-4f45-9708-019B960494DF}">
-                  <a14:hiddenLine xmlns:a14="http://schemas.microsoft.com/office/drawing/2010/main" xmlns="" w="9525">
+                  <a14:hiddenLine xmlns="" xmlns:a14="http://schemas.microsoft.com/office/drawing/2010/main" w="9525">
                     <a:solidFill>
                       <a:srgbClr val="000000"/>
                     </a:solidFill>
@@ -17510,7 +17510,7 @@
               </a:ln>
               <a:extLst>
                 <a:ext uri="{91240B29-F687-4f45-9708-019B960494DF}">
-                  <a14:hiddenLine xmlns:a14="http://schemas.microsoft.com/office/drawing/2010/main" xmlns="" w="9525">
+                  <a14:hiddenLine xmlns="" xmlns:a14="http://schemas.microsoft.com/office/drawing/2010/main" w="9525">
                     <a:solidFill>
                       <a:srgbClr val="000000"/>
                     </a:solidFill>
@@ -17572,7 +17572,7 @@
               </a:ln>
               <a:extLst>
                 <a:ext uri="{91240B29-F687-4f45-9708-019B960494DF}">
-                  <a14:hiddenLine xmlns:a14="http://schemas.microsoft.com/office/drawing/2010/main" xmlns="" w="9525">
+                  <a14:hiddenLine xmlns="" xmlns:a14="http://schemas.microsoft.com/office/drawing/2010/main" w="9525">
                     <a:solidFill>
                       <a:srgbClr val="000000"/>
                     </a:solidFill>
@@ -17662,7 +17662,7 @@
               </a:ln>
               <a:extLst>
                 <a:ext uri="{91240B29-F687-4f45-9708-019B960494DF}">
-                  <a14:hiddenLine xmlns:a14="http://schemas.microsoft.com/office/drawing/2010/main" xmlns="" w="9525">
+                  <a14:hiddenLine xmlns="" xmlns:a14="http://schemas.microsoft.com/office/drawing/2010/main" w="9525">
                     <a:solidFill>
                       <a:srgbClr val="000000"/>
                     </a:solidFill>
@@ -17696,7 +17696,7 @@
               </a:ln>
               <a:extLst>
                 <a:ext uri="{91240B29-F687-4f45-9708-019B960494DF}">
-                  <a14:hiddenLine xmlns:a14="http://schemas.microsoft.com/office/drawing/2010/main" xmlns="" w="9525">
+                  <a14:hiddenLine xmlns="" xmlns:a14="http://schemas.microsoft.com/office/drawing/2010/main" w="9525">
                     <a:solidFill>
                       <a:srgbClr val="000000"/>
                     </a:solidFill>
@@ -17761,7 +17761,7 @@
               </a:ln>
               <a:extLst>
                 <a:ext uri="{91240B29-F687-4f45-9708-019B960494DF}">
-                  <a14:hiddenLine xmlns:a14="http://schemas.microsoft.com/office/drawing/2010/main" xmlns="" w="9525">
+                  <a14:hiddenLine xmlns="" xmlns:a14="http://schemas.microsoft.com/office/drawing/2010/main" w="9525">
                     <a:solidFill>
                       <a:srgbClr val="000000"/>
                     </a:solidFill>
@@ -17851,7 +17851,7 @@
               </a:ln>
               <a:extLst>
                 <a:ext uri="{91240B29-F687-4f45-9708-019B960494DF}">
-                  <a14:hiddenLine xmlns:a14="http://schemas.microsoft.com/office/drawing/2010/main" xmlns="" w="9525">
+                  <a14:hiddenLine xmlns="" xmlns:a14="http://schemas.microsoft.com/office/drawing/2010/main" w="9525">
                     <a:solidFill>
                       <a:srgbClr val="000000"/>
                     </a:solidFill>
@@ -17913,7 +17913,7 @@
               </a:ln>
               <a:extLst>
                 <a:ext uri="{91240B29-F687-4f45-9708-019B960494DF}">
-                  <a14:hiddenLine xmlns:a14="http://schemas.microsoft.com/office/drawing/2010/main" xmlns="" w="9525">
+                  <a14:hiddenLine xmlns="" xmlns:a14="http://schemas.microsoft.com/office/drawing/2010/main" w="9525">
                     <a:solidFill>
                       <a:srgbClr val="000000"/>
                     </a:solidFill>
@@ -18003,7 +18003,7 @@
               </a:ln>
               <a:extLst>
                 <a:ext uri="{91240B29-F687-4f45-9708-019B960494DF}">
-                  <a14:hiddenLine xmlns:a14="http://schemas.microsoft.com/office/drawing/2010/main" xmlns="" w="9525">
+                  <a14:hiddenLine xmlns="" xmlns:a14="http://schemas.microsoft.com/office/drawing/2010/main" w="9525">
                     <a:solidFill>
                       <a:srgbClr val="000000"/>
                     </a:solidFill>
@@ -18068,7 +18068,7 @@
               </a:ln>
               <a:extLst>
                 <a:ext uri="{91240B29-F687-4f45-9708-019B960494DF}">
-                  <a14:hiddenLine xmlns:a14="http://schemas.microsoft.com/office/drawing/2010/main" xmlns="" w="9525">
+                  <a14:hiddenLine xmlns="" xmlns:a14="http://schemas.microsoft.com/office/drawing/2010/main" w="9525">
                     <a:solidFill>
                       <a:srgbClr val="000000"/>
                     </a:solidFill>
@@ -18130,7 +18130,7 @@
               </a:ln>
               <a:extLst>
                 <a:ext uri="{91240B29-F687-4f45-9708-019B960494DF}">
-                  <a14:hiddenLine xmlns:a14="http://schemas.microsoft.com/office/drawing/2010/main" xmlns="" w="9525">
+                  <a14:hiddenLine xmlns="" xmlns:a14="http://schemas.microsoft.com/office/drawing/2010/main" w="9525">
                     <a:solidFill>
                       <a:srgbClr val="000000"/>
                     </a:solidFill>
@@ -18220,7 +18220,7 @@
               </a:ln>
               <a:extLst>
                 <a:ext uri="{91240B29-F687-4f45-9708-019B960494DF}">
-                  <a14:hiddenLine xmlns:a14="http://schemas.microsoft.com/office/drawing/2010/main" xmlns="" w="9525">
+                  <a14:hiddenLine xmlns="" xmlns:a14="http://schemas.microsoft.com/office/drawing/2010/main" w="9525">
                     <a:solidFill>
                       <a:srgbClr val="000000"/>
                     </a:solidFill>
@@ -18310,7 +18310,7 @@
               </a:ln>
               <a:extLst>
                 <a:ext uri="{91240B29-F687-4f45-9708-019B960494DF}">
-                  <a14:hiddenLine xmlns:a14="http://schemas.microsoft.com/office/drawing/2010/main" xmlns="" w="9525">
+                  <a14:hiddenLine xmlns="" xmlns:a14="http://schemas.microsoft.com/office/drawing/2010/main" w="9525">
                     <a:solidFill>
                       <a:srgbClr val="000000"/>
                     </a:solidFill>
@@ -18375,7 +18375,7 @@
               </a:ln>
               <a:extLst>
                 <a:ext uri="{91240B29-F687-4f45-9708-019B960494DF}">
-                  <a14:hiddenLine xmlns:a14="http://schemas.microsoft.com/office/drawing/2010/main" xmlns="" w="9525">
+                  <a14:hiddenLine xmlns="" xmlns:a14="http://schemas.microsoft.com/office/drawing/2010/main" w="9525">
                     <a:solidFill>
                       <a:srgbClr val="000000"/>
                     </a:solidFill>
@@ -18495,7 +18495,7 @@
               </a:ln>
               <a:extLst>
                 <a:ext uri="{91240B29-F687-4f45-9708-019B960494DF}">
-                  <a14:hiddenLine xmlns:a14="http://schemas.microsoft.com/office/drawing/2010/main" xmlns="" w="9525">
+                  <a14:hiddenLine xmlns="" xmlns:a14="http://schemas.microsoft.com/office/drawing/2010/main" w="9525">
                     <a:solidFill>
                       <a:srgbClr val="000000"/>
                     </a:solidFill>
@@ -18593,7 +18593,7 @@
               </a:ln>
               <a:extLst>
                 <a:ext uri="{91240B29-F687-4f45-9708-019B960494DF}">
-                  <a14:hiddenLine xmlns:a14="http://schemas.microsoft.com/office/drawing/2010/main" xmlns="" w="9525">
+                  <a14:hiddenLine xmlns="" xmlns:a14="http://schemas.microsoft.com/office/drawing/2010/main" w="9525">
                     <a:solidFill>
                       <a:srgbClr val="000000"/>
                     </a:solidFill>
@@ -18708,7 +18708,7 @@
               </a:ln>
               <a:extLst>
                 <a:ext uri="{91240B29-F687-4f45-9708-019B960494DF}">
-                  <a14:hiddenLine xmlns:a14="http://schemas.microsoft.com/office/drawing/2010/main" xmlns="" w="9525">
+                  <a14:hiddenLine xmlns="" xmlns:a14="http://schemas.microsoft.com/office/drawing/2010/main" w="9525">
                     <a:solidFill>
                       <a:srgbClr val="000000"/>
                     </a:solidFill>
@@ -18798,7 +18798,7 @@
               </a:ln>
               <a:extLst>
                 <a:ext uri="{91240B29-F687-4f45-9708-019B960494DF}">
-                  <a14:hiddenLine xmlns:a14="http://schemas.microsoft.com/office/drawing/2010/main" xmlns="" w="9525">
+                  <a14:hiddenLine xmlns="" xmlns:a14="http://schemas.microsoft.com/office/drawing/2010/main" w="9525">
                     <a:solidFill>
                       <a:srgbClr val="000000"/>
                     </a:solidFill>
@@ -18863,7 +18863,7 @@
               </a:ln>
               <a:extLst>
                 <a:ext uri="{91240B29-F687-4f45-9708-019B960494DF}">
-                  <a14:hiddenLine xmlns:a14="http://schemas.microsoft.com/office/drawing/2010/main" xmlns="" w="9525">
+                  <a14:hiddenLine xmlns="" xmlns:a14="http://schemas.microsoft.com/office/drawing/2010/main" w="9525">
                     <a:solidFill>
                       <a:srgbClr val="000000"/>
                     </a:solidFill>
@@ -18953,7 +18953,7 @@
               </a:ln>
               <a:extLst>
                 <a:ext uri="{91240B29-F687-4f45-9708-019B960494DF}">
-                  <a14:hiddenLine xmlns:a14="http://schemas.microsoft.com/office/drawing/2010/main" xmlns="" w="9525">
+                  <a14:hiddenLine xmlns="" xmlns:a14="http://schemas.microsoft.com/office/drawing/2010/main" w="9525">
                     <a:solidFill>
                       <a:srgbClr val="000000"/>
                     </a:solidFill>
@@ -19021,7 +19021,7 @@
               </a:ln>
               <a:extLst>
                 <a:ext uri="{91240B29-F687-4f45-9708-019B960494DF}">
-                  <a14:hiddenLine xmlns:a14="http://schemas.microsoft.com/office/drawing/2010/main" xmlns="" w="9525">
+                  <a14:hiddenLine xmlns="" xmlns:a14="http://schemas.microsoft.com/office/drawing/2010/main" w="9525">
                     <a:solidFill>
                       <a:srgbClr val="000000"/>
                     </a:solidFill>
@@ -19111,7 +19111,7 @@
               </a:ln>
               <a:extLst>
                 <a:ext uri="{91240B29-F687-4f45-9708-019B960494DF}">
-                  <a14:hiddenLine xmlns:a14="http://schemas.microsoft.com/office/drawing/2010/main" xmlns="" w="9525">
+                  <a14:hiddenLine xmlns="" xmlns:a14="http://schemas.microsoft.com/office/drawing/2010/main" w="9525">
                     <a:solidFill>
                       <a:srgbClr val="000000"/>
                     </a:solidFill>
@@ -19179,7 +19179,7 @@
               </a:ln>
               <a:extLst>
                 <a:ext uri="{91240B29-F687-4f45-9708-019B960494DF}">
-                  <a14:hiddenLine xmlns:a14="http://schemas.microsoft.com/office/drawing/2010/main" xmlns="" w="9525">
+                  <a14:hiddenLine xmlns="" xmlns:a14="http://schemas.microsoft.com/office/drawing/2010/main" w="9525">
                     <a:solidFill>
                       <a:srgbClr val="000000"/>
                     </a:solidFill>
@@ -19269,7 +19269,7 @@
               </a:ln>
               <a:extLst>
                 <a:ext uri="{91240B29-F687-4f45-9708-019B960494DF}">
-                  <a14:hiddenLine xmlns:a14="http://schemas.microsoft.com/office/drawing/2010/main" xmlns="" w="9525">
+                  <a14:hiddenLine xmlns="" xmlns:a14="http://schemas.microsoft.com/office/drawing/2010/main" w="9525">
                     <a:solidFill>
                       <a:srgbClr val="000000"/>
                     </a:solidFill>
@@ -19303,7 +19303,7 @@
               </a:ln>
               <a:extLst>
                 <a:ext uri="{91240B29-F687-4f45-9708-019B960494DF}">
-                  <a14:hiddenLine xmlns:a14="http://schemas.microsoft.com/office/drawing/2010/main" xmlns="" w="9525">
+                  <a14:hiddenLine xmlns="" xmlns:a14="http://schemas.microsoft.com/office/drawing/2010/main" w="9525">
                     <a:solidFill>
                       <a:srgbClr val="000000"/>
                     </a:solidFill>
@@ -22902,14 +22902,6 @@
 <file path=ppt/slides/slide1.xml><?xml version="1.0" encoding="utf-8"?>
 <p:sld xmlns:a="http://schemas.openxmlformats.org/drawingml/2006/main" xmlns:r="http://schemas.openxmlformats.org/officeDocument/2006/relationships" xmlns:p="http://schemas.openxmlformats.org/presentationml/2006/main">
   <p:cSld>
-    <p:bg>
-      <p:bgPr>
-        <a:solidFill>
-          <a:srgbClr val="002B32"/>
-        </a:solidFill>
-        <a:effectLst/>
-      </p:bgPr>
-    </p:bg>
     <p:spTree>
       <p:nvGrpSpPr>
         <p:cNvPr id="1" name=""/>
@@ -22926,89 +22918,52 @@
       </p:grpSpPr>
       <p:sp>
         <p:nvSpPr>
-          <p:cNvPr id="3" name="Subtitle 2"/>
-          <p:cNvSpPr>
-            <a:spLocks noGrp="1"/>
-          </p:cNvSpPr>
-          <p:nvPr>
-            <p:ph type="subTitle" idx="1"/>
-          </p:nvPr>
+          <p:cNvPr id="6" name="Rectangle: Diagonal Corners Rounded 5">
+            <a:extLst>
+              <a:ext uri="{FF2B5EF4-FFF2-40B4-BE49-F238E27FC236}">
+                <a16:creationId xmlns:a16="http://schemas.microsoft.com/office/drawing/2014/main" id="{DE9B31CC-387E-B932-0074-29C3567A2A20}"/>
+              </a:ext>
+            </a:extLst>
+          </p:cNvPr>
+          <p:cNvSpPr/>
+          <p:nvPr/>
         </p:nvSpPr>
         <p:spPr>
           <a:xfrm>
-            <a:off x="4082651" y="3662606"/>
-            <a:ext cx="4026689" cy="1333183"/>
+            <a:off x="7626285" y="2837468"/>
+            <a:ext cx="3727498" cy="2572731"/>
           </a:xfrm>
-        </p:spPr>
-        <p:txBody>
-          <a:bodyPr>
-            <a:noAutofit/>
-          </a:bodyPr>
-          <a:lstStyle/>
-          <a:p>
-            <a:r>
-              <a:rPr lang="fa-IR" dirty="0">
-                <a:solidFill>
-                  <a:srgbClr val="49EECC"/>
-                </a:solidFill>
-                <a:cs typeface="B Koodak" panose="00000700000000000000" pitchFamily="2" charset="-78"/>
-              </a:rPr>
-              <a:t>رحمت اله </a:t>
-            </a:r>
-            <a:r>
-              <a:rPr lang="fa-IR" dirty="0">
-                <a:solidFill>
-                  <a:srgbClr val="49EECC"/>
-                </a:solidFill>
-                <a:latin typeface="Cooper Black" panose="0208090404030B020404" pitchFamily="18" charset="0"/>
-                <a:cs typeface="B Koodak" panose="00000700000000000000" pitchFamily="2" charset="-78"/>
-              </a:rPr>
-              <a:t>انصاری</a:t>
-            </a:r>
-          </a:p>
-          <a:p>
-            <a:r>
-              <a:rPr lang="fa-IR" dirty="0">
-                <a:solidFill>
-                  <a:srgbClr val="49EECC"/>
-                </a:solidFill>
-                <a:cs typeface="B Koodak" panose="00000700000000000000" pitchFamily="2" charset="-78"/>
-              </a:rPr>
-              <a:t>محمد داود وهاب رجایی</a:t>
-            </a:r>
-          </a:p>
-          <a:p>
-            <a:r>
-              <a:rPr lang="fa-IR" dirty="0">
-                <a:solidFill>
-                  <a:srgbClr val="49EECC"/>
-                </a:solidFill>
-                <a:cs typeface="B Koodak" panose="00000700000000000000" pitchFamily="2" charset="-78"/>
-              </a:rPr>
-              <a:t>جواد رحیمی</a:t>
-            </a:r>
-          </a:p>
-        </p:txBody>
-      </p:sp>
-      <p:sp>
-        <p:nvSpPr>
-          <p:cNvPr id="4" name="Rounded Rectangle 3"/>
-          <p:cNvSpPr/>
-          <p:nvPr/>
-        </p:nvSpPr>
-        <p:spPr>
-          <a:xfrm>
-            <a:off x="3231416" y="1214438"/>
-            <a:ext cx="5729160" cy="2214562"/>
-          </a:xfrm>
-          <a:prstGeom prst="roundRect">
+          <a:prstGeom prst="round2DiagRect">
             <a:avLst/>
           </a:prstGeom>
-          <a:solidFill>
-            <a:srgbClr val="49EECC"/>
-          </a:solidFill>
-          <a:ln>
-            <a:noFill/>
+          <a:gradFill flip="none" rotWithShape="1">
+            <a:gsLst>
+              <a:gs pos="0">
+                <a:schemeClr val="bg2">
+                  <a:shade val="30000"/>
+                  <a:satMod val="115000"/>
+                </a:schemeClr>
+              </a:gs>
+              <a:gs pos="50000">
+                <a:schemeClr val="bg2">
+                  <a:shade val="67500"/>
+                  <a:satMod val="115000"/>
+                </a:schemeClr>
+              </a:gs>
+              <a:gs pos="100000">
+                <a:schemeClr val="bg2">
+                  <a:shade val="100000"/>
+                  <a:satMod val="115000"/>
+                </a:schemeClr>
+              </a:gs>
+            </a:gsLst>
+            <a:lin ang="16200000" scaled="1"/>
+            <a:tileRect/>
+          </a:gradFill>
+          <a:ln w="38100">
+            <a:solidFill>
+              <a:schemeClr val="tx1"/>
+            </a:solidFill>
           </a:ln>
         </p:spPr>
         <p:style>
@@ -23028,10 +22983,10 @@
           </a:fontRef>
         </p:style>
         <p:txBody>
-          <a:bodyPr rtlCol="1" anchor="ctr"/>
+          <a:bodyPr rtlCol="0" anchor="ctr"/>
           <a:lstStyle/>
           <a:p>
-            <a:pPr marL="0" marR="0" lvl="0" indent="0" algn="ctr" defTabSz="914400" rtl="0" eaLnBrk="1" fontAlgn="auto" latinLnBrk="0" hangingPunct="1">
+            <a:pPr marL="0" marR="0" lvl="0" indent="0" algn="ctr" defTabSz="457200" rtl="0" eaLnBrk="1" fontAlgn="auto" latinLnBrk="0" hangingPunct="1">
               <a:lnSpc>
                 <a:spcPct val="100000"/>
               </a:lnSpc>
@@ -23048,7 +23003,7 @@
               <a:tabLst/>
               <a:defRPr/>
             </a:pPr>
-            <a:endParaRPr kumimoji="0" lang="fa-IR" sz="1800" b="0" i="0" u="none" strike="noStrike" kern="1200" cap="none" spc="0" normalizeH="0" baseline="0" noProof="0">
+            <a:endParaRPr kumimoji="0" lang="en-US" sz="1800" b="0" i="0" u="none" strike="noStrike" kern="1200" cap="none" spc="0" normalizeH="0" baseline="0" noProof="0">
               <a:ln>
                 <a:noFill/>
               </a:ln>
@@ -23058,108 +23013,87 @@
               <a:effectLst/>
               <a:uLnTx/>
               <a:uFillTx/>
-              <a:latin typeface="Calibri" panose="020F0502020204030204"/>
+              <a:latin typeface="Tw Cen MT" panose="020B0602020104020603"/>
               <a:ea typeface="+mn-ea"/>
-              <a:cs typeface="Arial" panose="020B0604020202020204" pitchFamily="34" charset="0"/>
+              <a:cs typeface="+mn-cs"/>
             </a:endParaRPr>
           </a:p>
         </p:txBody>
       </p:sp>
       <p:sp>
         <p:nvSpPr>
-          <p:cNvPr id="2" name="Title 1"/>
-          <p:cNvSpPr>
-            <a:spLocks noGrp="1"/>
-          </p:cNvSpPr>
-          <p:nvPr>
-            <p:ph type="ctrTitle"/>
-          </p:nvPr>
+          <p:cNvPr id="5" name="Rectangle: Diagonal Corners Rounded 4">
+            <a:extLst>
+              <a:ext uri="{FF2B5EF4-FFF2-40B4-BE49-F238E27FC236}">
+                <a16:creationId xmlns:a16="http://schemas.microsoft.com/office/drawing/2014/main" id="{2A907D45-B6FB-7FC6-169C-E49AA90A8DC6}"/>
+              </a:ext>
+            </a:extLst>
+          </p:cNvPr>
+          <p:cNvSpPr/>
+          <p:nvPr/>
         </p:nvSpPr>
         <p:spPr>
           <a:xfrm>
-            <a:off x="3294801" y="1408922"/>
-            <a:ext cx="5619056" cy="2017506"/>
+            <a:off x="3751867" y="641023"/>
+            <a:ext cx="6268825" cy="1715678"/>
           </a:xfrm>
-        </p:spPr>
-        <p:txBody>
-          <a:bodyPr>
-            <a:noAutofit/>
-          </a:bodyPr>
-          <a:lstStyle/>
-          <a:p>
-            <a:r>
-              <a:rPr lang="en-US" sz="12400" dirty="0" err="1">
-                <a:solidFill>
-                  <a:srgbClr val="002B32"/>
-                </a:solidFill>
-                <a:latin typeface="Cooper Black" panose="0208090404030B020404" pitchFamily="18" charset="0"/>
-                <a:cs typeface="B Koodak" panose="00000700000000000000" pitchFamily="2" charset="-78"/>
-              </a:rPr>
-              <a:t>NoSql</a:t>
-            </a:r>
-            <a:endParaRPr lang="fa-IR" sz="12400" dirty="0">
-              <a:solidFill>
-                <a:srgbClr val="002B32"/>
-              </a:solidFill>
-              <a:latin typeface="Cooper Black" panose="0208090404030B020404" pitchFamily="18" charset="0"/>
-              <a:cs typeface="B Koodak" panose="00000700000000000000" pitchFamily="2" charset="-78"/>
-            </a:endParaRPr>
-          </a:p>
-        </p:txBody>
-      </p:sp>
-      <p:pic>
-        <p:nvPicPr>
-          <p:cNvPr id="7" name="Picture 6"/>
-          <p:cNvPicPr>
-            <a:picLocks noChangeAspect="1"/>
-          </p:cNvPicPr>
-          <p:nvPr/>
-        </p:nvPicPr>
-        <p:blipFill>
-          <a:blip r:embed="rId2" cstate="print">
-            <a:extLst>
-              <a:ext uri="{28A0092B-C50C-407E-A947-70E740481C1C}">
-                <a14:useLocalDpi xmlns:a14="http://schemas.microsoft.com/office/drawing/2010/main" val="0"/>
-              </a:ext>
-            </a:extLst>
-          </a:blip>
-          <a:stretch>
-            <a:fillRect/>
-          </a:stretch>
-        </p:blipFill>
-        <p:spPr>
-          <a:xfrm>
-            <a:off x="0" y="5715000"/>
-            <a:ext cx="1143000" cy="1143000"/>
-          </a:xfrm>
-          <a:prstGeom prst="rect">
+          <a:prstGeom prst="round2DiagRect">
             <a:avLst/>
           </a:prstGeom>
+          <a:gradFill flip="none" rotWithShape="1">
+            <a:gsLst>
+              <a:gs pos="0">
+                <a:schemeClr val="accent2">
+                  <a:shade val="30000"/>
+                  <a:satMod val="115000"/>
+                </a:schemeClr>
+              </a:gs>
+              <a:gs pos="0">
+                <a:schemeClr val="accent2">
+                  <a:shade val="67500"/>
+                  <a:satMod val="115000"/>
+                </a:schemeClr>
+              </a:gs>
+              <a:gs pos="100000">
+                <a:schemeClr val="accent2">
+                  <a:shade val="100000"/>
+                  <a:satMod val="115000"/>
+                </a:schemeClr>
+              </a:gs>
+            </a:gsLst>
+            <a:lin ang="13500000" scaled="1"/>
+            <a:tileRect/>
+          </a:gradFill>
+          <a:ln w="38100">
+            <a:solidFill>
+              <a:schemeClr val="tx1"/>
+            </a:solidFill>
+          </a:ln>
+          <a:effectLst>
+            <a:reflection blurRad="6350" stA="52000" endA="300" endPos="35000" dir="5400000" sy="-100000" algn="bl" rotWithShape="0"/>
+          </a:effectLst>
         </p:spPr>
-      </p:pic>
-      <p:sp>
-        <p:nvSpPr>
-          <p:cNvPr id="9" name="TextBox 8"/>
-          <p:cNvSpPr txBox="1"/>
-          <p:nvPr/>
-        </p:nvSpPr>
-        <p:spPr>
-          <a:xfrm>
-            <a:off x="1143000" y="6055667"/>
-            <a:ext cx="2939652" cy="461665"/>
-          </a:xfrm>
-          <a:prstGeom prst="rect">
-            <a:avLst/>
-          </a:prstGeom>
-          <a:noFill/>
-        </p:spPr>
-        <p:txBody>
-          <a:bodyPr wrap="square" rtlCol="1">
-            <a:spAutoFit/>
-          </a:bodyPr>
+        <p:style>
+          <a:lnRef idx="2">
+            <a:schemeClr val="accent1">
+              <a:shade val="50000"/>
+            </a:schemeClr>
+          </a:lnRef>
+          <a:fillRef idx="1">
+            <a:schemeClr val="accent1"/>
+          </a:fillRef>
+          <a:effectRef idx="0">
+            <a:schemeClr val="accent1"/>
+          </a:effectRef>
+          <a:fontRef idx="minor">
+            <a:schemeClr val="lt1"/>
+          </a:fontRef>
+        </p:style>
+        <p:txBody>
+          <a:bodyPr rtlCol="0" anchor="ctr"/>
           <a:lstStyle/>
           <a:p>
-            <a:pPr marL="0" marR="0" lvl="0" indent="0" algn="l" defTabSz="914400" rtl="0" eaLnBrk="1" fontAlgn="auto" latinLnBrk="0" hangingPunct="1">
+            <a:pPr marL="0" marR="0" lvl="0" indent="0" algn="ctr" defTabSz="457200" rtl="0" eaLnBrk="1" fontAlgn="auto" latinLnBrk="0" hangingPunct="1">
               <a:lnSpc>
                 <a:spcPct val="100000"/>
               </a:lnSpc>
@@ -23176,125 +23110,259 @@
               <a:tabLst/>
               <a:defRPr/>
             </a:pPr>
-            <a:r>
-              <a:rPr kumimoji="0" lang="fa-IR" sz="2400" b="0" i="0" u="none" strike="noStrike" kern="1200" cap="none" spc="0" normalizeH="0" baseline="0" noProof="0" dirty="0">
-                <a:ln>
-                  <a:noFill/>
-                </a:ln>
-                <a:solidFill>
-                  <a:srgbClr val="49EECC"/>
-                </a:solidFill>
-                <a:effectLst/>
-                <a:uLnTx/>
-                <a:uFillTx/>
-                <a:latin typeface="Calibri" panose="020F0502020204030204"/>
-                <a:ea typeface="+mn-ea"/>
-                <a:cs typeface="B Koodak" panose="00000700000000000000" pitchFamily="2" charset="-78"/>
-              </a:rPr>
-              <a:t>دانشگاه حکیم سبزواری</a:t>
-            </a:r>
-          </a:p>
-        </p:txBody>
-      </p:sp>
-      <p:sp>
-        <p:nvSpPr>
-          <p:cNvPr id="10" name="TextBox 9"/>
-          <p:cNvSpPr txBox="1"/>
-          <p:nvPr/>
+            <a:endParaRPr kumimoji="0" lang="en-US" sz="1800" b="0" i="0" u="none" strike="noStrike" kern="1200" cap="none" spc="0" normalizeH="0" baseline="0" noProof="0" dirty="0">
+              <a:ln>
+                <a:noFill/>
+              </a:ln>
+              <a:solidFill>
+                <a:prstClr val="white"/>
+              </a:solidFill>
+              <a:effectLst/>
+              <a:uLnTx/>
+              <a:uFillTx/>
+              <a:latin typeface="Tw Cen MT" panose="020B0602020104020603"/>
+              <a:ea typeface="+mn-ea"/>
+              <a:cs typeface="+mn-cs"/>
+            </a:endParaRPr>
+          </a:p>
+        </p:txBody>
+      </p:sp>
+      <p:sp>
+        <p:nvSpPr>
+          <p:cNvPr id="2" name="Title 1">
+            <a:extLst>
+              <a:ext uri="{FF2B5EF4-FFF2-40B4-BE49-F238E27FC236}">
+                <a16:creationId xmlns:a16="http://schemas.microsoft.com/office/drawing/2014/main" id="{77582DCF-7ED5-D30E-DC39-3724A2CAF88F}"/>
+              </a:ext>
+            </a:extLst>
+          </p:cNvPr>
+          <p:cNvSpPr>
+            <a:spLocks noGrp="1"/>
+          </p:cNvSpPr>
+          <p:nvPr>
+            <p:ph type="ctrTitle"/>
+          </p:nvPr>
         </p:nvSpPr>
         <p:spPr>
           <a:xfrm>
-            <a:off x="3648070" y="5327047"/>
-            <a:ext cx="4912519" cy="954107"/>
+            <a:off x="4100660" y="954338"/>
+            <a:ext cx="5637229" cy="1260961"/>
           </a:xfrm>
-          <a:prstGeom prst="rect">
-            <a:avLst/>
-          </a:prstGeom>
-          <a:noFill/>
         </p:spPr>
         <p:txBody>
-          <a:bodyPr wrap="square" rtlCol="1">
-            <a:spAutoFit/>
+          <a:bodyPr numCol="1" anchor="t">
+            <a:noAutofit/>
           </a:bodyPr>
           <a:lstStyle/>
           <a:p>
-            <a:pPr marL="0" marR="0" lvl="0" indent="0" algn="ctr" defTabSz="914400" rtl="0" eaLnBrk="1" fontAlgn="auto" latinLnBrk="0" hangingPunct="1">
-              <a:lnSpc>
-                <a:spcPct val="100000"/>
-              </a:lnSpc>
-              <a:spcBef>
-                <a:spcPts val="0"/>
-              </a:spcBef>
-              <a:spcAft>
-                <a:spcPts val="0"/>
-              </a:spcAft>
-              <a:buClrTx/>
-              <a:buSzTx/>
-              <a:buFontTx/>
-              <a:buNone/>
-              <a:tabLst/>
-              <a:defRPr/>
-            </a:pPr>
-            <a:r>
-              <a:rPr kumimoji="0" lang="fa-IR" sz="3600" b="0" i="0" u="none" strike="noStrike" kern="1200" cap="none" spc="0" normalizeH="0" baseline="0" noProof="0" dirty="0">
-                <a:ln>
-                  <a:noFill/>
-                </a:ln>
+            <a:pPr algn="ctr" rtl="1"/>
+            <a:r>
+              <a:rPr lang="fa-IR" sz="3600" b="1" dirty="0">
+                <a:latin typeface="IRTitr" panose="02000506000000020002" pitchFamily="2" charset="-78"/>
+                <a:cs typeface="IRTitr" panose="02000506000000020002" pitchFamily="2" charset="-78"/>
+              </a:rPr>
+              <a:t>درس : اصول طراحی پایگاه داده</a:t>
+            </a:r>
+            <a:br>
+              <a:rPr lang="fa-IR" sz="3600" b="1" dirty="0">
+                <a:latin typeface="IRTitr" panose="02000506000000020002" pitchFamily="2" charset="-78"/>
+                <a:cs typeface="IRTitr" panose="02000506000000020002" pitchFamily="2" charset="-78"/>
+              </a:rPr>
+            </a:br>
+            <a:r>
+              <a:rPr lang="fa-IR" sz="2400" dirty="0">
+                <a:latin typeface="IRTitr" panose="02000506000000020002" pitchFamily="2" charset="-78"/>
+                <a:cs typeface="IRTitr" panose="02000506000000020002" pitchFamily="2" charset="-78"/>
+              </a:rPr>
+              <a:t>استاد محترم : سرکار خانم مسعودی فر</a:t>
+            </a:r>
+            <a:br>
+              <a:rPr lang="fa-IR" sz="2400" dirty="0">
+                <a:latin typeface="IRTitr" panose="02000506000000020002" pitchFamily="2" charset="-78"/>
+                <a:cs typeface="IRTitr" panose="02000506000000020002" pitchFamily="2" charset="-78"/>
+              </a:rPr>
+            </a:br>
+            <a:r>
+              <a:rPr lang="fa-IR" sz="2400" dirty="0">
+                <a:latin typeface="IRTitr" panose="02000506000000020002" pitchFamily="2" charset="-78"/>
+                <a:cs typeface="IRTitr" panose="02000506000000020002" pitchFamily="2" charset="-78"/>
+              </a:rPr>
+              <a:t>ارائه :‌ </a:t>
+            </a:r>
+            <a:r>
+              <a:rPr lang="en-US" sz="2400" dirty="0">
+                <a:latin typeface="IRTitr" panose="02000506000000020002" pitchFamily="2" charset="-78"/>
+                <a:cs typeface="IRTitr" panose="02000506000000020002" pitchFamily="2" charset="-78"/>
+              </a:rPr>
+              <a:t>NoSQL</a:t>
+            </a:r>
+            <a:r>
+              <a:rPr lang="fa-IR" sz="2400" dirty="0"/>
+              <a:t> </a:t>
+            </a:r>
+            <a:br>
+              <a:rPr lang="fa-IR" sz="2400" dirty="0"/>
+            </a:br>
+            <a:br>
+              <a:rPr lang="fa-IR" sz="2400" dirty="0"/>
+            </a:br>
+            <a:r>
+              <a:rPr lang="fa-IR" sz="2400" dirty="0"/>
+              <a:t> </a:t>
+            </a:r>
+            <a:br>
+              <a:rPr lang="fa-IR" sz="3600" b="1" dirty="0"/>
+            </a:br>
+            <a:endParaRPr lang="en-US" sz="3600" b="1" dirty="0"/>
+          </a:p>
+        </p:txBody>
+      </p:sp>
+      <p:sp>
+        <p:nvSpPr>
+          <p:cNvPr id="3" name="Subtitle 2">
+            <a:extLst>
+              <a:ext uri="{FF2B5EF4-FFF2-40B4-BE49-F238E27FC236}">
+                <a16:creationId xmlns:a16="http://schemas.microsoft.com/office/drawing/2014/main" id="{6863BE7B-98C9-C07C-D197-AD24D0B28D75}"/>
+              </a:ext>
+            </a:extLst>
+          </p:cNvPr>
+          <p:cNvSpPr>
+            <a:spLocks noGrp="1"/>
+          </p:cNvSpPr>
+          <p:nvPr>
+            <p:ph type="subTitle" idx="1"/>
+          </p:nvPr>
+        </p:nvSpPr>
+        <p:spPr>
+          <a:xfrm>
+            <a:off x="7626285" y="2708761"/>
+            <a:ext cx="3717693" cy="2572731"/>
+          </a:xfrm>
+        </p:spPr>
+        <p:txBody>
+          <a:bodyPr>
+            <a:normAutofit fontScale="92500" lnSpcReduction="20000"/>
+          </a:bodyPr>
+          <a:lstStyle/>
+          <a:p>
+            <a:pPr algn="r"/>
+            <a:br>
+              <a:rPr lang="fa-IR" sz="3200" dirty="0">
                 <a:solidFill>
-                  <a:srgbClr val="49EECC"/>
+                  <a:schemeClr val="accent6">
+                    <a:lumMod val="20000"/>
+                    <a:lumOff val="80000"/>
+                  </a:schemeClr>
                 </a:solidFill>
-                <a:effectLst/>
-                <a:uLnTx/>
-                <a:uFillTx/>
-                <a:latin typeface="Calibri" panose="020F0502020204030204"/>
-                <a:ea typeface="+mn-ea"/>
-                <a:cs typeface="B Koodak" panose="00000700000000000000" pitchFamily="2" charset="-78"/>
+                <a:latin typeface="IRTitr" panose="02000506000000020002" pitchFamily="2" charset="-78"/>
+                <a:cs typeface="IRTitr" panose="02000506000000020002" pitchFamily="2" charset="-78"/>
               </a:rPr>
-              <a:t>پایگاه داده</a:t>
-            </a:r>
-          </a:p>
-          <a:p>
-            <a:pPr marL="0" marR="0" lvl="0" indent="0" algn="ctr" defTabSz="914400" rtl="0" eaLnBrk="1" fontAlgn="auto" latinLnBrk="0" hangingPunct="1">
-              <a:lnSpc>
-                <a:spcPct val="100000"/>
-              </a:lnSpc>
-              <a:spcBef>
-                <a:spcPts val="0"/>
-              </a:spcBef>
-              <a:spcAft>
-                <a:spcPts val="0"/>
-              </a:spcAft>
-              <a:buClrTx/>
-              <a:buSzTx/>
-              <a:buFontTx/>
-              <a:buNone/>
-              <a:tabLst/>
-              <a:defRPr/>
-            </a:pPr>
-            <a:r>
-              <a:rPr kumimoji="0" lang="fa-IR" sz="2000" b="0" i="0" u="none" strike="noStrike" kern="1200" cap="none" spc="0" normalizeH="0" baseline="0" noProof="0" dirty="0">
-                <a:ln>
-                  <a:noFill/>
-                </a:ln>
+            </a:br>
+            <a:r>
+              <a:rPr lang="fa-IR" sz="3200" dirty="0">
                 <a:solidFill>
-                  <a:srgbClr val="49EECC"/>
+                  <a:schemeClr val="accent6">
+                    <a:lumMod val="20000"/>
+                    <a:lumOff val="80000"/>
+                  </a:schemeClr>
                 </a:solidFill>
-                <a:effectLst/>
-                <a:uLnTx/>
-                <a:uFillTx/>
-                <a:latin typeface="Calibri" panose="020F0502020204030204"/>
-                <a:ea typeface="+mn-ea"/>
-                <a:cs typeface="B Koodak" panose="00000700000000000000" pitchFamily="2" charset="-78"/>
+                <a:latin typeface="IRTitr" panose="02000506000000020002" pitchFamily="2" charset="-78"/>
+                <a:cs typeface="IRTitr" panose="02000506000000020002" pitchFamily="2" charset="-78"/>
               </a:rPr>
-              <a:t>استاد مسعودی‌فر</a:t>
-            </a:r>
+              <a:t>ارائه دهنده‌:</a:t>
+            </a:r>
+            <a:br>
+              <a:rPr lang="fa-IR" sz="3200" dirty="0">
+                <a:solidFill>
+                  <a:schemeClr val="accent6">
+                    <a:lumMod val="20000"/>
+                    <a:lumOff val="80000"/>
+                  </a:schemeClr>
+                </a:solidFill>
+                <a:latin typeface="IRTitr" panose="02000506000000020002" pitchFamily="2" charset="-78"/>
+                <a:cs typeface="IRTitr" panose="02000506000000020002" pitchFamily="2" charset="-78"/>
+              </a:rPr>
+            </a:br>
+            <a:r>
+              <a:rPr lang="fa-IR" sz="3200" dirty="0">
+                <a:solidFill>
+                  <a:schemeClr val="accent6">
+                    <a:lumMod val="20000"/>
+                    <a:lumOff val="80000"/>
+                  </a:schemeClr>
+                </a:solidFill>
+                <a:latin typeface="IRTitr" panose="02000506000000020002" pitchFamily="2" charset="-78"/>
+                <a:cs typeface="IRTitr" panose="02000506000000020002" pitchFamily="2" charset="-78"/>
+              </a:rPr>
+              <a:t>محمّدداود وهاب رجائی </a:t>
+            </a:r>
+            <a:br>
+              <a:rPr lang="fa-IR" sz="3200" dirty="0">
+                <a:solidFill>
+                  <a:schemeClr val="accent6">
+                    <a:lumMod val="20000"/>
+                    <a:lumOff val="80000"/>
+                  </a:schemeClr>
+                </a:solidFill>
+                <a:latin typeface="IRTitr" panose="02000506000000020002" pitchFamily="2" charset="-78"/>
+                <a:cs typeface="IRTitr" panose="02000506000000020002" pitchFamily="2" charset="-78"/>
+              </a:rPr>
+            </a:br>
+            <a:r>
+              <a:rPr lang="fa-IR" sz="3200" dirty="0">
+                <a:solidFill>
+                  <a:schemeClr val="accent6">
+                    <a:lumMod val="20000"/>
+                    <a:lumOff val="80000"/>
+                  </a:schemeClr>
+                </a:solidFill>
+                <a:latin typeface="IRTitr" panose="02000506000000020002" pitchFamily="2" charset="-78"/>
+                <a:cs typeface="IRTitr" panose="02000506000000020002" pitchFamily="2" charset="-78"/>
+              </a:rPr>
+              <a:t>جواد رحیمی </a:t>
+            </a:r>
+            <a:br>
+              <a:rPr lang="fa-IR" sz="3200" dirty="0">
+                <a:solidFill>
+                  <a:schemeClr val="accent6">
+                    <a:lumMod val="20000"/>
+                    <a:lumOff val="80000"/>
+                  </a:schemeClr>
+                </a:solidFill>
+                <a:latin typeface="IRTitr" panose="02000506000000020002" pitchFamily="2" charset="-78"/>
+                <a:cs typeface="IRTitr" panose="02000506000000020002" pitchFamily="2" charset="-78"/>
+              </a:rPr>
+            </a:br>
+            <a:r>
+              <a:rPr lang="fa-IR" sz="3200" dirty="0">
+                <a:solidFill>
+                  <a:schemeClr val="accent6">
+                    <a:lumMod val="20000"/>
+                    <a:lumOff val="80000"/>
+                  </a:schemeClr>
+                </a:solidFill>
+                <a:latin typeface="IRTitr" panose="02000506000000020002" pitchFamily="2" charset="-78"/>
+                <a:cs typeface="IRTitr" panose="02000506000000020002" pitchFamily="2" charset="-78"/>
+              </a:rPr>
+              <a:t>رحمت اله انصاری</a:t>
+            </a:r>
+            <a:endParaRPr lang="en-US" sz="3200" dirty="0">
+              <a:solidFill>
+                <a:schemeClr val="accent6">
+                  <a:lumMod val="20000"/>
+                  <a:lumOff val="80000"/>
+                </a:schemeClr>
+              </a:solidFill>
+              <a:latin typeface="IRTitr" panose="02000506000000020002" pitchFamily="2" charset="-78"/>
+              <a:cs typeface="IRTitr" panose="02000506000000020002" pitchFamily="2" charset="-78"/>
+            </a:endParaRPr>
           </a:p>
         </p:txBody>
       </p:sp>
     </p:spTree>
     <p:extLst>
       <p:ext uri="{BB962C8B-B14F-4D97-AF65-F5344CB8AC3E}">
-        <p14:creationId xmlns:p14="http://schemas.microsoft.com/office/powerpoint/2010/main" val="2826862030"/>
+        <p14:creationId xmlns:p14="http://schemas.microsoft.com/office/powerpoint/2010/main" val="1531378836"/>
       </p:ext>
     </p:extLst>
   </p:cSld>

--- a/nosql-slides/nosql.pptx
+++ b/nosql-slides/nosql.pptx
@@ -199,7 +199,7 @@
           <a:noFill/>
           <a:extLst>
             <a:ext uri="{909E8E84-426E-40dd-AFC4-6F175D3DCCD1}">
-              <a14:hiddenFill xmlns="" xmlns:a14="http://schemas.microsoft.com/office/drawing/2010/main">
+              <a14:hiddenFill xmlns:a14="http://schemas.microsoft.com/office/drawing/2010/main" xmlns="">
                 <a:solidFill>
                   <a:srgbClr val="FFFFFF"/>
                 </a:solidFill>
@@ -259,7 +259,7 @@
             </a:ln>
             <a:extLst>
               <a:ext uri="{91240B29-F687-4f45-9708-019B960494DF}">
-                <a14:hiddenLine xmlns="" xmlns:a14="http://schemas.microsoft.com/office/drawing/2010/main" w="9525">
+                <a14:hiddenLine xmlns:a14="http://schemas.microsoft.com/office/drawing/2010/main" xmlns="" w="9525">
                   <a:solidFill>
                     <a:srgbClr val="000000"/>
                   </a:solidFill>
@@ -349,7 +349,7 @@
             </a:ln>
             <a:extLst>
               <a:ext uri="{91240B29-F687-4f45-9708-019B960494DF}">
-                <a14:hiddenLine xmlns="" xmlns:a14="http://schemas.microsoft.com/office/drawing/2010/main" w="9525">
+                <a14:hiddenLine xmlns:a14="http://schemas.microsoft.com/office/drawing/2010/main" xmlns="" w="9525">
                   <a:solidFill>
                     <a:srgbClr val="000000"/>
                   </a:solidFill>
@@ -439,7 +439,7 @@
             </a:ln>
             <a:extLst>
               <a:ext uri="{91240B29-F687-4f45-9708-019B960494DF}">
-                <a14:hiddenLine xmlns="" xmlns:a14="http://schemas.microsoft.com/office/drawing/2010/main" w="9525">
+                <a14:hiddenLine xmlns:a14="http://schemas.microsoft.com/office/drawing/2010/main" xmlns="" w="9525">
                   <a:solidFill>
                     <a:srgbClr val="000000"/>
                   </a:solidFill>
@@ -473,7 +473,7 @@
             </a:ln>
             <a:extLst>
               <a:ext uri="{91240B29-F687-4f45-9708-019B960494DF}">
-                <a14:hiddenLine xmlns="" xmlns:a14="http://schemas.microsoft.com/office/drawing/2010/main" w="9525">
+                <a14:hiddenLine xmlns:a14="http://schemas.microsoft.com/office/drawing/2010/main" xmlns="" w="9525">
                   <a:solidFill>
                     <a:srgbClr val="000000"/>
                   </a:solidFill>
@@ -563,7 +563,7 @@
             </a:ln>
             <a:extLst>
               <a:ext uri="{91240B29-F687-4f45-9708-019B960494DF}">
-                <a14:hiddenLine xmlns="" xmlns:a14="http://schemas.microsoft.com/office/drawing/2010/main" w="9525">
+                <a14:hiddenLine xmlns:a14="http://schemas.microsoft.com/office/drawing/2010/main" xmlns="" w="9525">
                   <a:solidFill>
                     <a:srgbClr val="000000"/>
                   </a:solidFill>
@@ -625,7 +625,7 @@
             </a:ln>
             <a:extLst>
               <a:ext uri="{91240B29-F687-4f45-9708-019B960494DF}">
-                <a14:hiddenLine xmlns="" xmlns:a14="http://schemas.microsoft.com/office/drawing/2010/main" w="9525">
+                <a14:hiddenLine xmlns:a14="http://schemas.microsoft.com/office/drawing/2010/main" xmlns="" w="9525">
                   <a:solidFill>
                     <a:srgbClr val="000000"/>
                   </a:solidFill>
@@ -687,7 +687,7 @@
             </a:ln>
             <a:extLst>
               <a:ext uri="{91240B29-F687-4f45-9708-019B960494DF}">
-                <a14:hiddenLine xmlns="" xmlns:a14="http://schemas.microsoft.com/office/drawing/2010/main" w="9525">
+                <a14:hiddenLine xmlns:a14="http://schemas.microsoft.com/office/drawing/2010/main" xmlns="" w="9525">
                   <a:solidFill>
                     <a:srgbClr val="000000"/>
                   </a:solidFill>
@@ -777,7 +777,7 @@
             </a:ln>
             <a:extLst>
               <a:ext uri="{91240B29-F687-4f45-9708-019B960494DF}">
-                <a14:hiddenLine xmlns="" xmlns:a14="http://schemas.microsoft.com/office/drawing/2010/main" w="9525">
+                <a14:hiddenLine xmlns:a14="http://schemas.microsoft.com/office/drawing/2010/main" xmlns="" w="9525">
                   <a:solidFill>
                     <a:srgbClr val="000000"/>
                   </a:solidFill>
@@ -839,7 +839,7 @@
             </a:ln>
             <a:extLst>
               <a:ext uri="{91240B29-F687-4f45-9708-019B960494DF}">
-                <a14:hiddenLine xmlns="" xmlns:a14="http://schemas.microsoft.com/office/drawing/2010/main" w="9525">
+                <a14:hiddenLine xmlns:a14="http://schemas.microsoft.com/office/drawing/2010/main" xmlns="" w="9525">
                   <a:solidFill>
                     <a:srgbClr val="000000"/>
                   </a:solidFill>
@@ -901,7 +901,7 @@
             </a:ln>
             <a:extLst>
               <a:ext uri="{91240B29-F687-4f45-9708-019B960494DF}">
-                <a14:hiddenLine xmlns="" xmlns:a14="http://schemas.microsoft.com/office/drawing/2010/main" w="9525">
+                <a14:hiddenLine xmlns:a14="http://schemas.microsoft.com/office/drawing/2010/main" xmlns="" w="9525">
                   <a:solidFill>
                     <a:srgbClr val="000000"/>
                   </a:solidFill>
@@ -991,7 +991,7 @@
             </a:ln>
             <a:extLst>
               <a:ext uri="{91240B29-F687-4f45-9708-019B960494DF}">
-                <a14:hiddenLine xmlns="" xmlns:a14="http://schemas.microsoft.com/office/drawing/2010/main" w="9525">
+                <a14:hiddenLine xmlns:a14="http://schemas.microsoft.com/office/drawing/2010/main" xmlns="" w="9525">
                   <a:solidFill>
                     <a:srgbClr val="000000"/>
                   </a:solidFill>
@@ -1081,7 +1081,7 @@
             </a:ln>
             <a:extLst>
               <a:ext uri="{91240B29-F687-4f45-9708-019B960494DF}">
-                <a14:hiddenLine xmlns="" xmlns:a14="http://schemas.microsoft.com/office/drawing/2010/main" w="9525">
+                <a14:hiddenLine xmlns:a14="http://schemas.microsoft.com/office/drawing/2010/main" xmlns="" w="9525">
                   <a:solidFill>
                     <a:srgbClr val="000000"/>
                   </a:solidFill>
@@ -1143,7 +1143,7 @@
             </a:ln>
             <a:extLst>
               <a:ext uri="{91240B29-F687-4f45-9708-019B960494DF}">
-                <a14:hiddenLine xmlns="" xmlns:a14="http://schemas.microsoft.com/office/drawing/2010/main" w="9525">
+                <a14:hiddenLine xmlns:a14="http://schemas.microsoft.com/office/drawing/2010/main" xmlns="" w="9525">
                   <a:solidFill>
                     <a:srgbClr val="000000"/>
                   </a:solidFill>
@@ -1253,7 +1253,7 @@
             </a:ln>
             <a:extLst>
               <a:ext uri="{91240B29-F687-4f45-9708-019B960494DF}">
-                <a14:hiddenLine xmlns="" xmlns:a14="http://schemas.microsoft.com/office/drawing/2010/main" w="9525">
+                <a14:hiddenLine xmlns:a14="http://schemas.microsoft.com/office/drawing/2010/main" xmlns="" w="9525">
                   <a:solidFill>
                     <a:srgbClr val="000000"/>
                   </a:solidFill>
@@ -1315,7 +1315,7 @@
             </a:ln>
             <a:extLst>
               <a:ext uri="{91240B29-F687-4f45-9708-019B960494DF}">
-                <a14:hiddenLine xmlns="" xmlns:a14="http://schemas.microsoft.com/office/drawing/2010/main" w="9525">
+                <a14:hiddenLine xmlns:a14="http://schemas.microsoft.com/office/drawing/2010/main" xmlns="" w="9525">
                   <a:solidFill>
                     <a:srgbClr val="000000"/>
                   </a:solidFill>
@@ -1405,7 +1405,7 @@
             </a:ln>
             <a:extLst>
               <a:ext uri="{91240B29-F687-4f45-9708-019B960494DF}">
-                <a14:hiddenLine xmlns="" xmlns:a14="http://schemas.microsoft.com/office/drawing/2010/main" w="9525">
+                <a14:hiddenLine xmlns:a14="http://schemas.microsoft.com/office/drawing/2010/main" xmlns="" w="9525">
                   <a:solidFill>
                     <a:srgbClr val="000000"/>
                   </a:solidFill>
@@ -1495,7 +1495,7 @@
             </a:ln>
             <a:extLst>
               <a:ext uri="{91240B29-F687-4f45-9708-019B960494DF}">
-                <a14:hiddenLine xmlns="" xmlns:a14="http://schemas.microsoft.com/office/drawing/2010/main" w="9525">
+                <a14:hiddenLine xmlns:a14="http://schemas.microsoft.com/office/drawing/2010/main" xmlns="" w="9525">
                   <a:solidFill>
                     <a:srgbClr val="000000"/>
                   </a:solidFill>
@@ -1557,7 +1557,7 @@
             </a:ln>
             <a:extLst>
               <a:ext uri="{91240B29-F687-4f45-9708-019B960494DF}">
-                <a14:hiddenLine xmlns="" xmlns:a14="http://schemas.microsoft.com/office/drawing/2010/main" w="9525">
+                <a14:hiddenLine xmlns:a14="http://schemas.microsoft.com/office/drawing/2010/main" xmlns="" w="9525">
                   <a:solidFill>
                     <a:srgbClr val="000000"/>
                   </a:solidFill>
@@ -1647,7 +1647,7 @@
             </a:ln>
             <a:extLst>
               <a:ext uri="{91240B29-F687-4f45-9708-019B960494DF}">
-                <a14:hiddenLine xmlns="" xmlns:a14="http://schemas.microsoft.com/office/drawing/2010/main" w="9525">
+                <a14:hiddenLine xmlns:a14="http://schemas.microsoft.com/office/drawing/2010/main" xmlns="" w="9525">
                   <a:solidFill>
                     <a:srgbClr val="000000"/>
                   </a:solidFill>
@@ -1737,7 +1737,7 @@
             </a:ln>
             <a:extLst>
               <a:ext uri="{91240B29-F687-4f45-9708-019B960494DF}">
-                <a14:hiddenLine xmlns="" xmlns:a14="http://schemas.microsoft.com/office/drawing/2010/main" w="9525">
+                <a14:hiddenLine xmlns:a14="http://schemas.microsoft.com/office/drawing/2010/main" xmlns="" w="9525">
                   <a:solidFill>
                     <a:srgbClr val="000000"/>
                   </a:solidFill>
@@ -1793,7 +1793,7 @@
             </a:ln>
             <a:extLst>
               <a:ext uri="{91240B29-F687-4f45-9708-019B960494DF}">
-                <a14:hiddenLine xmlns="" xmlns:a14="http://schemas.microsoft.com/office/drawing/2010/main" w="9525">
+                <a14:hiddenLine xmlns:a14="http://schemas.microsoft.com/office/drawing/2010/main" xmlns="" w="9525">
                   <a:solidFill>
                     <a:srgbClr val="000000"/>
                   </a:solidFill>
@@ -1883,7 +1883,7 @@
             </a:ln>
             <a:extLst>
               <a:ext uri="{91240B29-F687-4f45-9708-019B960494DF}">
-                <a14:hiddenLine xmlns="" xmlns:a14="http://schemas.microsoft.com/office/drawing/2010/main" w="9525">
+                <a14:hiddenLine xmlns:a14="http://schemas.microsoft.com/office/drawing/2010/main" xmlns="" w="9525">
                   <a:solidFill>
                     <a:srgbClr val="000000"/>
                   </a:solidFill>
@@ -1939,7 +1939,7 @@
             </a:ln>
             <a:extLst>
               <a:ext uri="{91240B29-F687-4f45-9708-019B960494DF}">
-                <a14:hiddenLine xmlns="" xmlns:a14="http://schemas.microsoft.com/office/drawing/2010/main" w="9525">
+                <a14:hiddenLine xmlns:a14="http://schemas.microsoft.com/office/drawing/2010/main" xmlns="" w="9525">
                   <a:solidFill>
                     <a:srgbClr val="000000"/>
                   </a:solidFill>
@@ -2029,7 +2029,7 @@
             </a:ln>
             <a:extLst>
               <a:ext uri="{91240B29-F687-4f45-9708-019B960494DF}">
-                <a14:hiddenLine xmlns="" xmlns:a14="http://schemas.microsoft.com/office/drawing/2010/main" w="9525">
+                <a14:hiddenLine xmlns:a14="http://schemas.microsoft.com/office/drawing/2010/main" xmlns="" w="9525">
                   <a:solidFill>
                     <a:srgbClr val="000000"/>
                   </a:solidFill>
@@ -2097,7 +2097,7 @@
             </a:ln>
             <a:extLst>
               <a:ext uri="{91240B29-F687-4f45-9708-019B960494DF}">
-                <a14:hiddenLine xmlns="" xmlns:a14="http://schemas.microsoft.com/office/drawing/2010/main" w="9525">
+                <a14:hiddenLine xmlns:a14="http://schemas.microsoft.com/office/drawing/2010/main" xmlns="" w="9525">
                   <a:solidFill>
                     <a:srgbClr val="000000"/>
                   </a:solidFill>
@@ -2187,7 +2187,7 @@
             </a:ln>
             <a:extLst>
               <a:ext uri="{91240B29-F687-4f45-9708-019B960494DF}">
-                <a14:hiddenLine xmlns="" xmlns:a14="http://schemas.microsoft.com/office/drawing/2010/main" w="9525">
+                <a14:hiddenLine xmlns:a14="http://schemas.microsoft.com/office/drawing/2010/main" xmlns="" w="9525">
                   <a:solidFill>
                     <a:srgbClr val="000000"/>
                   </a:solidFill>
@@ -2255,7 +2255,7 @@
             </a:ln>
             <a:extLst>
               <a:ext uri="{91240B29-F687-4f45-9708-019B960494DF}">
-                <a14:hiddenLine xmlns="" xmlns:a14="http://schemas.microsoft.com/office/drawing/2010/main" w="9525">
+                <a14:hiddenLine xmlns:a14="http://schemas.microsoft.com/office/drawing/2010/main" xmlns="" w="9525">
                   <a:solidFill>
                     <a:srgbClr val="000000"/>
                   </a:solidFill>
@@ -2345,7 +2345,7 @@
             </a:ln>
             <a:extLst>
               <a:ext uri="{91240B29-F687-4f45-9708-019B960494DF}">
-                <a14:hiddenLine xmlns="" xmlns:a14="http://schemas.microsoft.com/office/drawing/2010/main" w="9525">
+                <a14:hiddenLine xmlns:a14="http://schemas.microsoft.com/office/drawing/2010/main" xmlns="" w="9525">
                   <a:solidFill>
                     <a:srgbClr val="000000"/>
                   </a:solidFill>
@@ -2379,7 +2379,7 @@
             </a:ln>
             <a:extLst>
               <a:ext uri="{91240B29-F687-4f45-9708-019B960494DF}">
-                <a14:hiddenLine xmlns="" xmlns:a14="http://schemas.microsoft.com/office/drawing/2010/main" w="9525">
+                <a14:hiddenLine xmlns:a14="http://schemas.microsoft.com/office/drawing/2010/main" xmlns="" w="9525">
                   <a:solidFill>
                     <a:srgbClr val="000000"/>
                   </a:solidFill>
@@ -2469,7 +2469,7 @@
             </a:ln>
             <a:extLst>
               <a:ext uri="{91240B29-F687-4f45-9708-019B960494DF}">
-                <a14:hiddenLine xmlns="" xmlns:a14="http://schemas.microsoft.com/office/drawing/2010/main" w="9525">
+                <a14:hiddenLine xmlns:a14="http://schemas.microsoft.com/office/drawing/2010/main" xmlns="" w="9525">
                   <a:solidFill>
                     <a:srgbClr val="000000"/>
                   </a:solidFill>
@@ -2531,7 +2531,7 @@
             </a:ln>
             <a:extLst>
               <a:ext uri="{91240B29-F687-4f45-9708-019B960494DF}">
-                <a14:hiddenLine xmlns="" xmlns:a14="http://schemas.microsoft.com/office/drawing/2010/main" w="9525">
+                <a14:hiddenLine xmlns:a14="http://schemas.microsoft.com/office/drawing/2010/main" xmlns="" w="9525">
                   <a:solidFill>
                     <a:srgbClr val="000000"/>
                   </a:solidFill>
@@ -2593,7 +2593,7 @@
             </a:ln>
             <a:extLst>
               <a:ext uri="{91240B29-F687-4f45-9708-019B960494DF}">
-                <a14:hiddenLine xmlns="" xmlns:a14="http://schemas.microsoft.com/office/drawing/2010/main" w="9525">
+                <a14:hiddenLine xmlns:a14="http://schemas.microsoft.com/office/drawing/2010/main" xmlns="" w="9525">
                   <a:solidFill>
                     <a:srgbClr val="000000"/>
                   </a:solidFill>
@@ -2683,7 +2683,7 @@
             </a:ln>
             <a:extLst>
               <a:ext uri="{91240B29-F687-4f45-9708-019B960494DF}">
-                <a14:hiddenLine xmlns="" xmlns:a14="http://schemas.microsoft.com/office/drawing/2010/main" w="9525">
+                <a14:hiddenLine xmlns:a14="http://schemas.microsoft.com/office/drawing/2010/main" xmlns="" w="9525">
                   <a:solidFill>
                     <a:srgbClr val="000000"/>
                   </a:solidFill>
@@ -2751,7 +2751,7 @@
             </a:ln>
             <a:extLst>
               <a:ext uri="{91240B29-F687-4f45-9708-019B960494DF}">
-                <a14:hiddenLine xmlns="" xmlns:a14="http://schemas.microsoft.com/office/drawing/2010/main" w="9525">
+                <a14:hiddenLine xmlns:a14="http://schemas.microsoft.com/office/drawing/2010/main" xmlns="" w="9525">
                   <a:solidFill>
                     <a:srgbClr val="000000"/>
                   </a:solidFill>
@@ -2813,7 +2813,7 @@
             </a:ln>
             <a:extLst>
               <a:ext uri="{91240B29-F687-4f45-9708-019B960494DF}">
-                <a14:hiddenLine xmlns="" xmlns:a14="http://schemas.microsoft.com/office/drawing/2010/main" w="9525">
+                <a14:hiddenLine xmlns:a14="http://schemas.microsoft.com/office/drawing/2010/main" xmlns="" w="9525">
                   <a:solidFill>
                     <a:srgbClr val="000000"/>
                   </a:solidFill>
@@ -2903,7 +2903,7 @@
             </a:ln>
             <a:extLst>
               <a:ext uri="{91240B29-F687-4f45-9708-019B960494DF}">
-                <a14:hiddenLine xmlns="" xmlns:a14="http://schemas.microsoft.com/office/drawing/2010/main" w="9525">
+                <a14:hiddenLine xmlns:a14="http://schemas.microsoft.com/office/drawing/2010/main" xmlns="" w="9525">
                   <a:solidFill>
                     <a:srgbClr val="000000"/>
                   </a:solidFill>
@@ -2965,7 +2965,7 @@
             </a:ln>
             <a:extLst>
               <a:ext uri="{91240B29-F687-4f45-9708-019B960494DF}">
-                <a14:hiddenLine xmlns="" xmlns:a14="http://schemas.microsoft.com/office/drawing/2010/main" w="9525">
+                <a14:hiddenLine xmlns:a14="http://schemas.microsoft.com/office/drawing/2010/main" xmlns="" w="9525">
                   <a:solidFill>
                     <a:srgbClr val="000000"/>
                   </a:solidFill>
@@ -3055,7 +3055,7 @@
             </a:ln>
             <a:extLst>
               <a:ext uri="{91240B29-F687-4f45-9708-019B960494DF}">
-                <a14:hiddenLine xmlns="" xmlns:a14="http://schemas.microsoft.com/office/drawing/2010/main" w="9525">
+                <a14:hiddenLine xmlns:a14="http://schemas.microsoft.com/office/drawing/2010/main" xmlns="" w="9525">
                   <a:solidFill>
                     <a:srgbClr val="000000"/>
                   </a:solidFill>
@@ -3117,7 +3117,7 @@
             </a:ln>
             <a:extLst>
               <a:ext uri="{91240B29-F687-4f45-9708-019B960494DF}">
-                <a14:hiddenLine xmlns="" xmlns:a14="http://schemas.microsoft.com/office/drawing/2010/main" w="9525">
+                <a14:hiddenLine xmlns:a14="http://schemas.microsoft.com/office/drawing/2010/main" xmlns="" w="9525">
                   <a:solidFill>
                     <a:srgbClr val="000000"/>
                   </a:solidFill>
@@ -3207,7 +3207,7 @@
             </a:ln>
             <a:extLst>
               <a:ext uri="{91240B29-F687-4f45-9708-019B960494DF}">
-                <a14:hiddenLine xmlns="" xmlns:a14="http://schemas.microsoft.com/office/drawing/2010/main" w="9525">
+                <a14:hiddenLine xmlns:a14="http://schemas.microsoft.com/office/drawing/2010/main" xmlns="" w="9525">
                   <a:solidFill>
                     <a:srgbClr val="000000"/>
                   </a:solidFill>
@@ -3241,7 +3241,7 @@
             </a:ln>
             <a:extLst>
               <a:ext uri="{91240B29-F687-4f45-9708-019B960494DF}">
-                <a14:hiddenLine xmlns="" xmlns:a14="http://schemas.microsoft.com/office/drawing/2010/main" w="9525">
+                <a14:hiddenLine xmlns:a14="http://schemas.microsoft.com/office/drawing/2010/main" xmlns="" w="9525">
                   <a:solidFill>
                     <a:srgbClr val="000000"/>
                   </a:solidFill>
@@ -3306,7 +3306,7 @@
             </a:ln>
             <a:extLst>
               <a:ext uri="{91240B29-F687-4f45-9708-019B960494DF}">
-                <a14:hiddenLine xmlns="" xmlns:a14="http://schemas.microsoft.com/office/drawing/2010/main" w="9525">
+                <a14:hiddenLine xmlns:a14="http://schemas.microsoft.com/office/drawing/2010/main" xmlns="" w="9525">
                   <a:solidFill>
                     <a:srgbClr val="000000"/>
                   </a:solidFill>
@@ -3396,7 +3396,7 @@
             </a:ln>
             <a:extLst>
               <a:ext uri="{91240B29-F687-4f45-9708-019B960494DF}">
-                <a14:hiddenLine xmlns="" xmlns:a14="http://schemas.microsoft.com/office/drawing/2010/main" w="9525">
+                <a14:hiddenLine xmlns:a14="http://schemas.microsoft.com/office/drawing/2010/main" xmlns="" w="9525">
                   <a:solidFill>
                     <a:srgbClr val="000000"/>
                   </a:solidFill>
@@ -3458,7 +3458,7 @@
             </a:ln>
             <a:extLst>
               <a:ext uri="{91240B29-F687-4f45-9708-019B960494DF}">
-                <a14:hiddenLine xmlns="" xmlns:a14="http://schemas.microsoft.com/office/drawing/2010/main" w="9525">
+                <a14:hiddenLine xmlns:a14="http://schemas.microsoft.com/office/drawing/2010/main" xmlns="" w="9525">
                   <a:solidFill>
                     <a:srgbClr val="000000"/>
                   </a:solidFill>
@@ -3548,7 +3548,7 @@
             </a:ln>
             <a:extLst>
               <a:ext uri="{91240B29-F687-4f45-9708-019B960494DF}">
-                <a14:hiddenLine xmlns="" xmlns:a14="http://schemas.microsoft.com/office/drawing/2010/main" w="9525">
+                <a14:hiddenLine xmlns:a14="http://schemas.microsoft.com/office/drawing/2010/main" xmlns="" w="9525">
                   <a:solidFill>
                     <a:srgbClr val="000000"/>
                   </a:solidFill>
@@ -3638,7 +3638,7 @@
             </a:ln>
             <a:extLst>
               <a:ext uri="{91240B29-F687-4f45-9708-019B960494DF}">
-                <a14:hiddenLine xmlns="" xmlns:a14="http://schemas.microsoft.com/office/drawing/2010/main" w="9525">
+                <a14:hiddenLine xmlns:a14="http://schemas.microsoft.com/office/drawing/2010/main" xmlns="" w="9525">
                   <a:solidFill>
                     <a:srgbClr val="000000"/>
                   </a:solidFill>
@@ -3703,7 +3703,7 @@
             </a:ln>
             <a:extLst>
               <a:ext uri="{91240B29-F687-4f45-9708-019B960494DF}">
-                <a14:hiddenLine xmlns="" xmlns:a14="http://schemas.microsoft.com/office/drawing/2010/main" w="9525">
+                <a14:hiddenLine xmlns:a14="http://schemas.microsoft.com/office/drawing/2010/main" xmlns="" w="9525">
                   <a:solidFill>
                     <a:srgbClr val="000000"/>
                   </a:solidFill>
@@ -3765,7 +3765,7 @@
             </a:ln>
             <a:extLst>
               <a:ext uri="{91240B29-F687-4f45-9708-019B960494DF}">
-                <a14:hiddenLine xmlns="" xmlns:a14="http://schemas.microsoft.com/office/drawing/2010/main" w="9525">
+                <a14:hiddenLine xmlns:a14="http://schemas.microsoft.com/office/drawing/2010/main" xmlns="" w="9525">
                   <a:solidFill>
                     <a:srgbClr val="000000"/>
                   </a:solidFill>
@@ -3855,7 +3855,7 @@
             </a:ln>
             <a:extLst>
               <a:ext uri="{91240B29-F687-4f45-9708-019B960494DF}">
-                <a14:hiddenLine xmlns="" xmlns:a14="http://schemas.microsoft.com/office/drawing/2010/main" w="9525">
+                <a14:hiddenLine xmlns:a14="http://schemas.microsoft.com/office/drawing/2010/main" xmlns="" w="9525">
                   <a:solidFill>
                     <a:srgbClr val="000000"/>
                   </a:solidFill>
@@ -3945,7 +3945,7 @@
             </a:ln>
             <a:extLst>
               <a:ext uri="{91240B29-F687-4f45-9708-019B960494DF}">
-                <a14:hiddenLine xmlns="" xmlns:a14="http://schemas.microsoft.com/office/drawing/2010/main" w="9525">
+                <a14:hiddenLine xmlns:a14="http://schemas.microsoft.com/office/drawing/2010/main" xmlns="" w="9525">
                   <a:solidFill>
                     <a:srgbClr val="000000"/>
                   </a:solidFill>
@@ -4007,7 +4007,7 @@
             </a:ln>
             <a:extLst>
               <a:ext uri="{91240B29-F687-4f45-9708-019B960494DF}">
-                <a14:hiddenLine xmlns="" xmlns:a14="http://schemas.microsoft.com/office/drawing/2010/main" w="9525">
+                <a14:hiddenLine xmlns:a14="http://schemas.microsoft.com/office/drawing/2010/main" xmlns="" w="9525">
                   <a:solidFill>
                     <a:srgbClr val="000000"/>
                   </a:solidFill>
@@ -4127,7 +4127,7 @@
             </a:ln>
             <a:extLst>
               <a:ext uri="{91240B29-F687-4f45-9708-019B960494DF}">
-                <a14:hiddenLine xmlns="" xmlns:a14="http://schemas.microsoft.com/office/drawing/2010/main" w="9525">
+                <a14:hiddenLine xmlns:a14="http://schemas.microsoft.com/office/drawing/2010/main" xmlns="" w="9525">
                   <a:solidFill>
                     <a:srgbClr val="000000"/>
                   </a:solidFill>
@@ -4195,7 +4195,7 @@
             </a:ln>
             <a:extLst>
               <a:ext uri="{91240B29-F687-4f45-9708-019B960494DF}">
-                <a14:hiddenLine xmlns="" xmlns:a14="http://schemas.microsoft.com/office/drawing/2010/main" w="9525">
+                <a14:hiddenLine xmlns:a14="http://schemas.microsoft.com/office/drawing/2010/main" xmlns="" w="9525">
                   <a:solidFill>
                     <a:srgbClr val="000000"/>
                   </a:solidFill>
@@ -4285,7 +4285,7 @@
             </a:ln>
             <a:extLst>
               <a:ext uri="{91240B29-F687-4f45-9708-019B960494DF}">
-                <a14:hiddenLine xmlns="" xmlns:a14="http://schemas.microsoft.com/office/drawing/2010/main" w="9525">
+                <a14:hiddenLine xmlns:a14="http://schemas.microsoft.com/office/drawing/2010/main" xmlns="" w="9525">
                   <a:solidFill>
                     <a:srgbClr val="000000"/>
                   </a:solidFill>
@@ -4425,7 +4425,7 @@
           <a:p>
             <a:fld id="{A09704F0-3874-4AD9-8F86-4E56FF5544C7}" type="datetime8">
               <a:rPr lang="fa-IR" smtClean="0"/>
-              <a:t>26 نوامبر 22</a:t>
+              <a:t>15 دسامبر 22</a:t>
             </a:fld>
             <a:endParaRPr lang="fa-IR"/>
           </a:p>
@@ -4692,7 +4692,7 @@
           <a:p>
             <a:fld id="{97286CF9-CCE8-4CA0-A6D9-0C159435490D}" type="datetime8">
               <a:rPr lang="fa-IR" smtClean="0"/>
-              <a:t>26 نوامبر 22</a:t>
+              <a:t>15 دسامبر 22</a:t>
             </a:fld>
             <a:endParaRPr lang="fa-IR"/>
           </a:p>
@@ -4889,7 +4889,7 @@
           <a:p>
             <a:fld id="{97286CF9-CCE8-4CA0-A6D9-0C159435490D}" type="datetime8">
               <a:rPr lang="fa-IR" smtClean="0"/>
-              <a:t>26 نوامبر 22</a:t>
+              <a:t>15 دسامبر 22</a:t>
             </a:fld>
             <a:endParaRPr lang="fa-IR"/>
           </a:p>
@@ -5153,7 +5153,7 @@
           <a:p>
             <a:fld id="{97286CF9-CCE8-4CA0-A6D9-0C159435490D}" type="datetime8">
               <a:rPr lang="fa-IR" smtClean="0"/>
-              <a:t>26 نوامبر 22</a:t>
+              <a:t>15 دسامبر 22</a:t>
             </a:fld>
             <a:endParaRPr lang="fa-IR"/>
           </a:p>
@@ -5588,7 +5588,7 @@
           <a:p>
             <a:fld id="{97286CF9-CCE8-4CA0-A6D9-0C159435490D}" type="datetime8">
               <a:rPr lang="fa-IR" smtClean="0"/>
-              <a:t>26 نوامبر 22</a:t>
+              <a:t>15 دسامبر 22</a:t>
             </a:fld>
             <a:endParaRPr lang="fa-IR"/>
           </a:p>
@@ -6135,7 +6135,7 @@
           <a:p>
             <a:fld id="{97286CF9-CCE8-4CA0-A6D9-0C159435490D}" type="datetime8">
               <a:rPr lang="fa-IR" smtClean="0"/>
-              <a:t>26 نوامبر 22</a:t>
+              <a:t>15 دسامبر 22</a:t>
             </a:fld>
             <a:endParaRPr lang="fa-IR"/>
           </a:p>
@@ -6856,7 +6856,7 @@
           <a:p>
             <a:fld id="{97286CF9-CCE8-4CA0-A6D9-0C159435490D}" type="datetime8">
               <a:rPr lang="fa-IR" smtClean="0"/>
-              <a:t>26 نوامبر 22</a:t>
+              <a:t>15 دسامبر 22</a:t>
             </a:fld>
             <a:endParaRPr lang="fa-IR"/>
           </a:p>
@@ -7027,7 +7027,7 @@
           <a:p>
             <a:fld id="{D49D3705-B860-4DD4-9EF6-9D637C428630}" type="datetime8">
               <a:rPr lang="fa-IR" smtClean="0"/>
-              <a:t>26 نوامبر 22</a:t>
+              <a:t>15 دسامبر 22</a:t>
             </a:fld>
             <a:endParaRPr lang="fa-IR"/>
           </a:p>
@@ -7207,7 +7207,7 @@
           <a:p>
             <a:fld id="{50D106E6-4C8F-49ED-98C4-14D2329ECB72}" type="datetime8">
               <a:rPr lang="fa-IR" smtClean="0"/>
-              <a:t>26 نوامبر 22</a:t>
+              <a:t>15 دسامبر 22</a:t>
             </a:fld>
             <a:endParaRPr lang="fa-IR"/>
           </a:p>
@@ -7456,7 +7456,7 @@
           <a:p>
             <a:fld id="{89BCB93F-50F5-47C8-905B-5DEA7FBC8E5E}" type="datetimeFigureOut">
               <a:rPr lang="fa-IR" smtClean="0"/>
-              <a:t>03/05/1444</a:t>
+              <a:t>22/05/1444</a:t>
             </a:fld>
             <a:endParaRPr lang="fa-IR"/>
           </a:p>
@@ -7723,7 +7723,7 @@
           <a:p>
             <a:fld id="{89BCB93F-50F5-47C8-905B-5DEA7FBC8E5E}" type="datetimeFigureOut">
               <a:rPr lang="fa-IR" smtClean="0"/>
-              <a:t>03/05/1444</a:t>
+              <a:t>22/05/1444</a:t>
             </a:fld>
             <a:endParaRPr lang="fa-IR"/>
           </a:p>
@@ -7975,7 +7975,7 @@
           <a:p>
             <a:fld id="{00CE32F6-2A24-4556-B479-4D8E81DE2815}" type="datetime8">
               <a:rPr lang="fa-IR" smtClean="0"/>
-              <a:t>26 نوامبر 22</a:t>
+              <a:t>15 دسامبر 22</a:t>
             </a:fld>
             <a:endParaRPr lang="fa-IR"/>
           </a:p>
@@ -8222,7 +8222,7 @@
           <a:p>
             <a:fld id="{89BCB93F-50F5-47C8-905B-5DEA7FBC8E5E}" type="datetimeFigureOut">
               <a:rPr lang="fa-IR" smtClean="0"/>
-              <a:t>03/05/1444</a:t>
+              <a:t>22/05/1444</a:t>
             </a:fld>
             <a:endParaRPr lang="fa-IR"/>
           </a:p>
@@ -8545,7 +8545,7 @@
           <a:p>
             <a:fld id="{89BCB93F-50F5-47C8-905B-5DEA7FBC8E5E}" type="datetimeFigureOut">
               <a:rPr lang="fa-IR" smtClean="0"/>
-              <a:t>03/05/1444</a:t>
+              <a:t>22/05/1444</a:t>
             </a:fld>
             <a:endParaRPr lang="fa-IR"/>
           </a:p>
@@ -9002,7 +9002,7 @@
           <a:p>
             <a:fld id="{89BCB93F-50F5-47C8-905B-5DEA7FBC8E5E}" type="datetimeFigureOut">
               <a:rPr lang="fa-IR" smtClean="0"/>
-              <a:t>03/05/1444</a:t>
+              <a:t>22/05/1444</a:t>
             </a:fld>
             <a:endParaRPr lang="fa-IR"/>
           </a:p>
@@ -9207,7 +9207,7 @@
           <a:p>
             <a:fld id="{89BCB93F-50F5-47C8-905B-5DEA7FBC8E5E}" type="datetimeFigureOut">
               <a:rPr lang="fa-IR" smtClean="0"/>
-              <a:t>03/05/1444</a:t>
+              <a:t>22/05/1444</a:t>
             </a:fld>
             <a:endParaRPr lang="fa-IR"/>
           </a:p>
@@ -9384,7 +9384,7 @@
           <a:p>
             <a:fld id="{89BCB93F-50F5-47C8-905B-5DEA7FBC8E5E}" type="datetimeFigureOut">
               <a:rPr lang="fa-IR" smtClean="0"/>
-              <a:t>03/05/1444</a:t>
+              <a:t>22/05/1444</a:t>
             </a:fld>
             <a:endParaRPr lang="fa-IR"/>
           </a:p>
@@ -9717,7 +9717,7 @@
           <a:p>
             <a:fld id="{89BCB93F-50F5-47C8-905B-5DEA7FBC8E5E}" type="datetimeFigureOut">
               <a:rPr lang="fa-IR" smtClean="0"/>
-              <a:t>03/05/1444</a:t>
+              <a:t>22/05/1444</a:t>
             </a:fld>
             <a:endParaRPr lang="fa-IR"/>
           </a:p>
@@ -10062,7 +10062,7 @@
           <a:p>
             <a:fld id="{89BCB93F-50F5-47C8-905B-5DEA7FBC8E5E}" type="datetimeFigureOut">
               <a:rPr lang="fa-IR" smtClean="0"/>
-              <a:t>03/05/1444</a:t>
+              <a:t>22/05/1444</a:t>
             </a:fld>
             <a:endParaRPr lang="fa-IR"/>
           </a:p>
@@ -10400,7 +10400,7 @@
           <a:p>
             <a:fld id="{89BCB93F-50F5-47C8-905B-5DEA7FBC8E5E}" type="datetimeFigureOut">
               <a:rPr lang="fa-IR" smtClean="0"/>
-              <a:t>03/05/1444</a:t>
+              <a:t>22/05/1444</a:t>
             </a:fld>
             <a:endParaRPr lang="fa-IR"/>
           </a:p>
@@ -10801,7 +10801,7 @@
           <a:p>
             <a:fld id="{89BCB93F-50F5-47C8-905B-5DEA7FBC8E5E}" type="datetimeFigureOut">
               <a:rPr lang="fa-IR" smtClean="0"/>
-              <a:t>03/05/1444</a:t>
+              <a:t>22/05/1444</a:t>
             </a:fld>
             <a:endParaRPr lang="fa-IR"/>
           </a:p>
@@ -11137,7 +11137,7 @@
           <a:p>
             <a:fld id="{89BCB93F-50F5-47C8-905B-5DEA7FBC8E5E}" type="datetimeFigureOut">
               <a:rPr lang="fa-IR" smtClean="0"/>
-              <a:t>03/05/1444</a:t>
+              <a:t>22/05/1444</a:t>
             </a:fld>
             <a:endParaRPr lang="fa-IR"/>
           </a:p>
@@ -11474,7 +11474,7 @@
           <a:p>
             <a:fld id="{33052AD5-8DFB-4FD1-9F12-FDB6443583C9}" type="datetime8">
               <a:rPr lang="fa-IR" smtClean="0"/>
-              <a:t>26 نوامبر 22</a:t>
+              <a:t>15 دسامبر 22</a:t>
             </a:fld>
             <a:endParaRPr lang="fa-IR"/>
           </a:p>
@@ -11707,7 +11707,7 @@
           <a:p>
             <a:fld id="{89BCB93F-50F5-47C8-905B-5DEA7FBC8E5E}" type="datetimeFigureOut">
               <a:rPr lang="fa-IR" smtClean="0"/>
-              <a:t>03/05/1444</a:t>
+              <a:t>22/05/1444</a:t>
             </a:fld>
             <a:endParaRPr lang="fa-IR"/>
           </a:p>
@@ -12103,7 +12103,7 @@
           <a:p>
             <a:fld id="{89BCB93F-50F5-47C8-905B-5DEA7FBC8E5E}" type="datetimeFigureOut">
               <a:rPr lang="fa-IR" smtClean="0"/>
-              <a:t>03/05/1444</a:t>
+              <a:t>22/05/1444</a:t>
             </a:fld>
             <a:endParaRPr lang="fa-IR"/>
           </a:p>
@@ -12360,7 +12360,7 @@
           <a:p>
             <a:fld id="{89BCB93F-50F5-47C8-905B-5DEA7FBC8E5E}" type="datetimeFigureOut">
               <a:rPr lang="fa-IR" smtClean="0"/>
-              <a:t>03/05/1444</a:t>
+              <a:t>22/05/1444</a:t>
             </a:fld>
             <a:endParaRPr lang="fa-IR"/>
           </a:p>
@@ -12622,7 +12622,7 @@
           <a:p>
             <a:fld id="{89BCB93F-50F5-47C8-905B-5DEA7FBC8E5E}" type="datetimeFigureOut">
               <a:rPr lang="fa-IR" smtClean="0"/>
-              <a:t>03/05/1444</a:t>
+              <a:t>22/05/1444</a:t>
             </a:fld>
             <a:endParaRPr lang="fa-IR"/>
           </a:p>
@@ -12896,7 +12896,7 @@
           <a:p>
             <a:fld id="{81A03F2C-513C-41FE-AB76-058E8310E81D}" type="datetimeFigureOut">
               <a:rPr lang="fa-IR" smtClean="0"/>
-              <a:t>03/05/1444</a:t>
+              <a:t>22/05/1444</a:t>
             </a:fld>
             <a:endParaRPr lang="fa-IR"/>
           </a:p>
@@ -13066,7 +13066,7 @@
           <a:p>
             <a:fld id="{81A03F2C-513C-41FE-AB76-058E8310E81D}" type="datetimeFigureOut">
               <a:rPr lang="fa-IR" smtClean="0"/>
-              <a:t>03/05/1444</a:t>
+              <a:t>22/05/1444</a:t>
             </a:fld>
             <a:endParaRPr lang="fa-IR"/>
           </a:p>
@@ -13312,7 +13312,7 @@
           <a:p>
             <a:fld id="{81A03F2C-513C-41FE-AB76-058E8310E81D}" type="datetimeFigureOut">
               <a:rPr lang="fa-IR" smtClean="0"/>
-              <a:t>03/05/1444</a:t>
+              <a:t>22/05/1444</a:t>
             </a:fld>
             <a:endParaRPr lang="fa-IR"/>
           </a:p>
@@ -13544,7 +13544,7 @@
           <a:p>
             <a:fld id="{81A03F2C-513C-41FE-AB76-058E8310E81D}" type="datetimeFigureOut">
               <a:rPr lang="fa-IR" smtClean="0"/>
-              <a:t>03/05/1444</a:t>
+              <a:t>22/05/1444</a:t>
             </a:fld>
             <a:endParaRPr lang="fa-IR"/>
           </a:p>
@@ -13911,7 +13911,7 @@
           <a:p>
             <a:fld id="{81A03F2C-513C-41FE-AB76-058E8310E81D}" type="datetimeFigureOut">
               <a:rPr lang="fa-IR" smtClean="0"/>
-              <a:t>03/05/1444</a:t>
+              <a:t>22/05/1444</a:t>
             </a:fld>
             <a:endParaRPr lang="fa-IR"/>
           </a:p>
@@ -14029,7 +14029,7 @@
           <a:p>
             <a:fld id="{81A03F2C-513C-41FE-AB76-058E8310E81D}" type="datetimeFigureOut">
               <a:rPr lang="fa-IR" smtClean="0"/>
-              <a:t>03/05/1444</a:t>
+              <a:t>22/05/1444</a:t>
             </a:fld>
             <a:endParaRPr lang="fa-IR"/>
           </a:p>
@@ -14261,7 +14261,7 @@
           <a:p>
             <a:fld id="{6B931D0E-3746-4DC4-87B1-B43DE46D0796}" type="datetime8">
               <a:rPr lang="fa-IR" smtClean="0"/>
-              <a:t>26 نوامبر 22</a:t>
+              <a:t>15 دسامبر 22</a:t>
             </a:fld>
             <a:endParaRPr lang="fa-IR"/>
           </a:p>
@@ -14356,7 +14356,7 @@
           <a:p>
             <a:fld id="{81A03F2C-513C-41FE-AB76-058E8310E81D}" type="datetimeFigureOut">
               <a:rPr lang="fa-IR" smtClean="0"/>
-              <a:t>03/05/1444</a:t>
+              <a:t>22/05/1444</a:t>
             </a:fld>
             <a:endParaRPr lang="fa-IR"/>
           </a:p>
@@ -14633,7 +14633,7 @@
           <a:p>
             <a:fld id="{81A03F2C-513C-41FE-AB76-058E8310E81D}" type="datetimeFigureOut">
               <a:rPr lang="fa-IR" smtClean="0"/>
-              <a:t>03/05/1444</a:t>
+              <a:t>22/05/1444</a:t>
             </a:fld>
             <a:endParaRPr lang="fa-IR"/>
           </a:p>
@@ -14886,7 +14886,7 @@
           <a:p>
             <a:fld id="{81A03F2C-513C-41FE-AB76-058E8310E81D}" type="datetimeFigureOut">
               <a:rPr lang="fa-IR" smtClean="0"/>
-              <a:t>03/05/1444</a:t>
+              <a:t>22/05/1444</a:t>
             </a:fld>
             <a:endParaRPr lang="fa-IR"/>
           </a:p>
@@ -15056,7 +15056,7 @@
           <a:p>
             <a:fld id="{81A03F2C-513C-41FE-AB76-058E8310E81D}" type="datetimeFigureOut">
               <a:rPr lang="fa-IR" smtClean="0"/>
-              <a:t>03/05/1444</a:t>
+              <a:t>22/05/1444</a:t>
             </a:fld>
             <a:endParaRPr lang="fa-IR"/>
           </a:p>
@@ -15236,7 +15236,7 @@
           <a:p>
             <a:fld id="{81A03F2C-513C-41FE-AB76-058E8310E81D}" type="datetimeFigureOut">
               <a:rPr lang="fa-IR" smtClean="0"/>
-              <a:t>03/05/1444</a:t>
+              <a:t>22/05/1444</a:t>
             </a:fld>
             <a:endParaRPr lang="fa-IR"/>
           </a:p>
@@ -15617,7 +15617,7 @@
           <a:p>
             <a:fld id="{32EB2D0F-C089-43D2-9747-E6ABCBF8517C}" type="datetime8">
               <a:rPr lang="fa-IR" smtClean="0"/>
-              <a:t>26 نوامبر 22</a:t>
+              <a:t>15 دسامبر 22</a:t>
             </a:fld>
             <a:endParaRPr lang="fa-IR"/>
           </a:p>
@@ -15735,7 +15735,7 @@
           <a:p>
             <a:fld id="{2A4D6F73-63C0-4E53-A059-2B98F94A65C5}" type="datetime8">
               <a:rPr lang="fa-IR" smtClean="0"/>
-              <a:t>26 نوامبر 22</a:t>
+              <a:t>15 دسامبر 22</a:t>
             </a:fld>
             <a:endParaRPr lang="fa-IR"/>
           </a:p>
@@ -15830,7 +15830,7 @@
           <a:p>
             <a:fld id="{E4471A27-ADFC-4B95-ADF4-218C60BD2EFD}" type="datetime8">
               <a:rPr lang="fa-IR" smtClean="0"/>
-              <a:t>26 نوامبر 22</a:t>
+              <a:t>15 دسامبر 22</a:t>
             </a:fld>
             <a:endParaRPr lang="fa-IR"/>
           </a:p>
@@ -16079,7 +16079,7 @@
           <a:p>
             <a:fld id="{B3BEFD90-429A-4106-BA48-76B25ECF90CC}" type="datetime8">
               <a:rPr lang="fa-IR" smtClean="0"/>
-              <a:t>26 نوامبر 22</a:t>
+              <a:t>15 دسامبر 22</a:t>
             </a:fld>
             <a:endParaRPr lang="fa-IR"/>
           </a:p>
@@ -16359,7 +16359,7 @@
           <a:p>
             <a:fld id="{6500FA6B-FEED-4F3B-ABD5-DF9D655118FF}" type="datetime8">
               <a:rPr lang="fa-IR" smtClean="0"/>
-              <a:t>26 نوامبر 22</a:t>
+              <a:t>15 دسامبر 22</a:t>
             </a:fld>
             <a:endParaRPr lang="fa-IR"/>
           </a:p>
@@ -16482,7 +16482,7 @@
           <a:noFill/>
           <a:extLst>
             <a:ext uri="{909E8E84-426E-40dd-AFC4-6F175D3DCCD1}">
-              <a14:hiddenFill xmlns="" xmlns:a14="http://schemas.microsoft.com/office/drawing/2010/main">
+              <a14:hiddenFill xmlns:a14="http://schemas.microsoft.com/office/drawing/2010/main" xmlns="">
                 <a:solidFill>
                   <a:srgbClr val="FFFFFF"/>
                 </a:solidFill>
@@ -16556,7 +16556,7 @@
               </a:ln>
               <a:extLst>
                 <a:ext uri="{91240B29-F687-4f45-9708-019B960494DF}">
-                  <a14:hiddenLine xmlns="" xmlns:a14="http://schemas.microsoft.com/office/drawing/2010/main" w="9525">
+                  <a14:hiddenLine xmlns:a14="http://schemas.microsoft.com/office/drawing/2010/main" xmlns="" w="9525">
                     <a:solidFill>
                       <a:srgbClr val="000000"/>
                     </a:solidFill>
@@ -16646,7 +16646,7 @@
               </a:ln>
               <a:extLst>
                 <a:ext uri="{91240B29-F687-4f45-9708-019B960494DF}">
-                  <a14:hiddenLine xmlns="" xmlns:a14="http://schemas.microsoft.com/office/drawing/2010/main" w="9525">
+                  <a14:hiddenLine xmlns:a14="http://schemas.microsoft.com/office/drawing/2010/main" xmlns="" w="9525">
                     <a:solidFill>
                       <a:srgbClr val="000000"/>
                     </a:solidFill>
@@ -16736,7 +16736,7 @@
               </a:ln>
               <a:extLst>
                 <a:ext uri="{91240B29-F687-4f45-9708-019B960494DF}">
-                  <a14:hiddenLine xmlns="" xmlns:a14="http://schemas.microsoft.com/office/drawing/2010/main" w="9525">
+                  <a14:hiddenLine xmlns:a14="http://schemas.microsoft.com/office/drawing/2010/main" xmlns="" w="9525">
                     <a:solidFill>
                       <a:srgbClr val="000000"/>
                     </a:solidFill>
@@ -16798,7 +16798,7 @@
               </a:ln>
               <a:extLst>
                 <a:ext uri="{91240B29-F687-4f45-9708-019B960494DF}">
-                  <a14:hiddenLine xmlns="" xmlns:a14="http://schemas.microsoft.com/office/drawing/2010/main" w="9525">
+                  <a14:hiddenLine xmlns:a14="http://schemas.microsoft.com/office/drawing/2010/main" xmlns="" w="9525">
                     <a:solidFill>
                       <a:srgbClr val="000000"/>
                     </a:solidFill>
@@ -16888,7 +16888,7 @@
               </a:ln>
               <a:extLst>
                 <a:ext uri="{91240B29-F687-4f45-9708-019B960494DF}">
-                  <a14:hiddenLine xmlns="" xmlns:a14="http://schemas.microsoft.com/office/drawing/2010/main" w="9525">
+                  <a14:hiddenLine xmlns:a14="http://schemas.microsoft.com/office/drawing/2010/main" xmlns="" w="9525">
                     <a:solidFill>
                       <a:srgbClr val="000000"/>
                     </a:solidFill>
@@ -16950,7 +16950,7 @@
               </a:ln>
               <a:extLst>
                 <a:ext uri="{91240B29-F687-4f45-9708-019B960494DF}">
-                  <a14:hiddenLine xmlns="" xmlns:a14="http://schemas.microsoft.com/office/drawing/2010/main" w="9525">
+                  <a14:hiddenLine xmlns:a14="http://schemas.microsoft.com/office/drawing/2010/main" xmlns="" w="9525">
                     <a:solidFill>
                       <a:srgbClr val="000000"/>
                     </a:solidFill>
@@ -17012,7 +17012,7 @@
               </a:ln>
               <a:extLst>
                 <a:ext uri="{91240B29-F687-4f45-9708-019B960494DF}">
-                  <a14:hiddenLine xmlns="" xmlns:a14="http://schemas.microsoft.com/office/drawing/2010/main" w="9525">
+                  <a14:hiddenLine xmlns:a14="http://schemas.microsoft.com/office/drawing/2010/main" xmlns="" w="9525">
                     <a:solidFill>
                       <a:srgbClr val="000000"/>
                     </a:solidFill>
@@ -17102,7 +17102,7 @@
               </a:ln>
               <a:extLst>
                 <a:ext uri="{91240B29-F687-4f45-9708-019B960494DF}">
-                  <a14:hiddenLine xmlns="" xmlns:a14="http://schemas.microsoft.com/office/drawing/2010/main" w="9525">
+                  <a14:hiddenLine xmlns:a14="http://schemas.microsoft.com/office/drawing/2010/main" xmlns="" w="9525">
                     <a:solidFill>
                       <a:srgbClr val="000000"/>
                     </a:solidFill>
@@ -17192,7 +17192,7 @@
               </a:ln>
               <a:extLst>
                 <a:ext uri="{91240B29-F687-4f45-9708-019B960494DF}">
-                  <a14:hiddenLine xmlns="" xmlns:a14="http://schemas.microsoft.com/office/drawing/2010/main" w="9525">
+                  <a14:hiddenLine xmlns:a14="http://schemas.microsoft.com/office/drawing/2010/main" xmlns="" w="9525">
                     <a:solidFill>
                       <a:srgbClr val="000000"/>
                     </a:solidFill>
@@ -17254,7 +17254,7 @@
               </a:ln>
               <a:extLst>
                 <a:ext uri="{91240B29-F687-4f45-9708-019B960494DF}">
-                  <a14:hiddenLine xmlns="" xmlns:a14="http://schemas.microsoft.com/office/drawing/2010/main" w="9525">
+                  <a14:hiddenLine xmlns:a14="http://schemas.microsoft.com/office/drawing/2010/main" xmlns="" w="9525">
                     <a:solidFill>
                       <a:srgbClr val="000000"/>
                     </a:solidFill>
@@ -17364,7 +17364,7 @@
               </a:ln>
               <a:extLst>
                 <a:ext uri="{91240B29-F687-4f45-9708-019B960494DF}">
-                  <a14:hiddenLine xmlns="" xmlns:a14="http://schemas.microsoft.com/office/drawing/2010/main" w="9525">
+                  <a14:hiddenLine xmlns:a14="http://schemas.microsoft.com/office/drawing/2010/main" xmlns="" w="9525">
                     <a:solidFill>
                       <a:srgbClr val="000000"/>
                     </a:solidFill>
@@ -17448,7 +17448,7 @@
               </a:ln>
               <a:extLst>
                 <a:ext uri="{91240B29-F687-4f45-9708-019B960494DF}">
-                  <a14:hiddenLine xmlns="" xmlns:a14="http://schemas.microsoft.com/office/drawing/2010/main" w="9525">
+                  <a14:hiddenLine xmlns:a14="http://schemas.microsoft.com/office/drawing/2010/main" xmlns="" w="9525">
                     <a:solidFill>
                       <a:srgbClr val="000000"/>
                     </a:solidFill>
@@ -17510,7 +17510,7 @@
               </a:ln>
               <a:extLst>
                 <a:ext uri="{91240B29-F687-4f45-9708-019B960494DF}">
-                  <a14:hiddenLine xmlns="" xmlns:a14="http://schemas.microsoft.com/office/drawing/2010/main" w="9525">
+                  <a14:hiddenLine xmlns:a14="http://schemas.microsoft.com/office/drawing/2010/main" xmlns="" w="9525">
                     <a:solidFill>
                       <a:srgbClr val="000000"/>
                     </a:solidFill>
@@ -17572,7 +17572,7 @@
               </a:ln>
               <a:extLst>
                 <a:ext uri="{91240B29-F687-4f45-9708-019B960494DF}">
-                  <a14:hiddenLine xmlns="" xmlns:a14="http://schemas.microsoft.com/office/drawing/2010/main" w="9525">
+                  <a14:hiddenLine xmlns:a14="http://schemas.microsoft.com/office/drawing/2010/main" xmlns="" w="9525">
                     <a:solidFill>
                       <a:srgbClr val="000000"/>
                     </a:solidFill>
@@ -17662,7 +17662,7 @@
               </a:ln>
               <a:extLst>
                 <a:ext uri="{91240B29-F687-4f45-9708-019B960494DF}">
-                  <a14:hiddenLine xmlns="" xmlns:a14="http://schemas.microsoft.com/office/drawing/2010/main" w="9525">
+                  <a14:hiddenLine xmlns:a14="http://schemas.microsoft.com/office/drawing/2010/main" xmlns="" w="9525">
                     <a:solidFill>
                       <a:srgbClr val="000000"/>
                     </a:solidFill>
@@ -17696,7 +17696,7 @@
               </a:ln>
               <a:extLst>
                 <a:ext uri="{91240B29-F687-4f45-9708-019B960494DF}">
-                  <a14:hiddenLine xmlns="" xmlns:a14="http://schemas.microsoft.com/office/drawing/2010/main" w="9525">
+                  <a14:hiddenLine xmlns:a14="http://schemas.microsoft.com/office/drawing/2010/main" xmlns="" w="9525">
                     <a:solidFill>
                       <a:srgbClr val="000000"/>
                     </a:solidFill>
@@ -17761,7 +17761,7 @@
               </a:ln>
               <a:extLst>
                 <a:ext uri="{91240B29-F687-4f45-9708-019B960494DF}">
-                  <a14:hiddenLine xmlns="" xmlns:a14="http://schemas.microsoft.com/office/drawing/2010/main" w="9525">
+                  <a14:hiddenLine xmlns:a14="http://schemas.microsoft.com/office/drawing/2010/main" xmlns="" w="9525">
                     <a:solidFill>
                       <a:srgbClr val="000000"/>
                     </a:solidFill>
@@ -17851,7 +17851,7 @@
               </a:ln>
               <a:extLst>
                 <a:ext uri="{91240B29-F687-4f45-9708-019B960494DF}">
-                  <a14:hiddenLine xmlns="" xmlns:a14="http://schemas.microsoft.com/office/drawing/2010/main" w="9525">
+                  <a14:hiddenLine xmlns:a14="http://schemas.microsoft.com/office/drawing/2010/main" xmlns="" w="9525">
                     <a:solidFill>
                       <a:srgbClr val="000000"/>
                     </a:solidFill>
@@ -17913,7 +17913,7 @@
               </a:ln>
               <a:extLst>
                 <a:ext uri="{91240B29-F687-4f45-9708-019B960494DF}">
-                  <a14:hiddenLine xmlns="" xmlns:a14="http://schemas.microsoft.com/office/drawing/2010/main" w="9525">
+                  <a14:hiddenLine xmlns:a14="http://schemas.microsoft.com/office/drawing/2010/main" xmlns="" w="9525">
                     <a:solidFill>
                       <a:srgbClr val="000000"/>
                     </a:solidFill>
@@ -18003,7 +18003,7 @@
               </a:ln>
               <a:extLst>
                 <a:ext uri="{91240B29-F687-4f45-9708-019B960494DF}">
-                  <a14:hiddenLine xmlns="" xmlns:a14="http://schemas.microsoft.com/office/drawing/2010/main" w="9525">
+                  <a14:hiddenLine xmlns:a14="http://schemas.microsoft.com/office/drawing/2010/main" xmlns="" w="9525">
                     <a:solidFill>
                       <a:srgbClr val="000000"/>
                     </a:solidFill>
@@ -18068,7 +18068,7 @@
               </a:ln>
               <a:extLst>
                 <a:ext uri="{91240B29-F687-4f45-9708-019B960494DF}">
-                  <a14:hiddenLine xmlns="" xmlns:a14="http://schemas.microsoft.com/office/drawing/2010/main" w="9525">
+                  <a14:hiddenLine xmlns:a14="http://schemas.microsoft.com/office/drawing/2010/main" xmlns="" w="9525">
                     <a:solidFill>
                       <a:srgbClr val="000000"/>
                     </a:solidFill>
@@ -18130,7 +18130,7 @@
               </a:ln>
               <a:extLst>
                 <a:ext uri="{91240B29-F687-4f45-9708-019B960494DF}">
-                  <a14:hiddenLine xmlns="" xmlns:a14="http://schemas.microsoft.com/office/drawing/2010/main" w="9525">
+                  <a14:hiddenLine xmlns:a14="http://schemas.microsoft.com/office/drawing/2010/main" xmlns="" w="9525">
                     <a:solidFill>
                       <a:srgbClr val="000000"/>
                     </a:solidFill>
@@ -18220,7 +18220,7 @@
               </a:ln>
               <a:extLst>
                 <a:ext uri="{91240B29-F687-4f45-9708-019B960494DF}">
-                  <a14:hiddenLine xmlns="" xmlns:a14="http://schemas.microsoft.com/office/drawing/2010/main" w="9525">
+                  <a14:hiddenLine xmlns:a14="http://schemas.microsoft.com/office/drawing/2010/main" xmlns="" w="9525">
                     <a:solidFill>
                       <a:srgbClr val="000000"/>
                     </a:solidFill>
@@ -18310,7 +18310,7 @@
               </a:ln>
               <a:extLst>
                 <a:ext uri="{91240B29-F687-4f45-9708-019B960494DF}">
-                  <a14:hiddenLine xmlns="" xmlns:a14="http://schemas.microsoft.com/office/drawing/2010/main" w="9525">
+                  <a14:hiddenLine xmlns:a14="http://schemas.microsoft.com/office/drawing/2010/main" xmlns="" w="9525">
                     <a:solidFill>
                       <a:srgbClr val="000000"/>
                     </a:solidFill>
@@ -18375,7 +18375,7 @@
               </a:ln>
               <a:extLst>
                 <a:ext uri="{91240B29-F687-4f45-9708-019B960494DF}">
-                  <a14:hiddenLine xmlns="" xmlns:a14="http://schemas.microsoft.com/office/drawing/2010/main" w="9525">
+                  <a14:hiddenLine xmlns:a14="http://schemas.microsoft.com/office/drawing/2010/main" xmlns="" w="9525">
                     <a:solidFill>
                       <a:srgbClr val="000000"/>
                     </a:solidFill>
@@ -18495,7 +18495,7 @@
               </a:ln>
               <a:extLst>
                 <a:ext uri="{91240B29-F687-4f45-9708-019B960494DF}">
-                  <a14:hiddenLine xmlns="" xmlns:a14="http://schemas.microsoft.com/office/drawing/2010/main" w="9525">
+                  <a14:hiddenLine xmlns:a14="http://schemas.microsoft.com/office/drawing/2010/main" xmlns="" w="9525">
                     <a:solidFill>
                       <a:srgbClr val="000000"/>
                     </a:solidFill>
@@ -18593,7 +18593,7 @@
               </a:ln>
               <a:extLst>
                 <a:ext uri="{91240B29-F687-4f45-9708-019B960494DF}">
-                  <a14:hiddenLine xmlns="" xmlns:a14="http://schemas.microsoft.com/office/drawing/2010/main" w="9525">
+                  <a14:hiddenLine xmlns:a14="http://schemas.microsoft.com/office/drawing/2010/main" xmlns="" w="9525">
                     <a:solidFill>
                       <a:srgbClr val="000000"/>
                     </a:solidFill>
@@ -18708,7 +18708,7 @@
               </a:ln>
               <a:extLst>
                 <a:ext uri="{91240B29-F687-4f45-9708-019B960494DF}">
-                  <a14:hiddenLine xmlns="" xmlns:a14="http://schemas.microsoft.com/office/drawing/2010/main" w="9525">
+                  <a14:hiddenLine xmlns:a14="http://schemas.microsoft.com/office/drawing/2010/main" xmlns="" w="9525">
                     <a:solidFill>
                       <a:srgbClr val="000000"/>
                     </a:solidFill>
@@ -18798,7 +18798,7 @@
               </a:ln>
               <a:extLst>
                 <a:ext uri="{91240B29-F687-4f45-9708-019B960494DF}">
-                  <a14:hiddenLine xmlns="" xmlns:a14="http://schemas.microsoft.com/office/drawing/2010/main" w="9525">
+                  <a14:hiddenLine xmlns:a14="http://schemas.microsoft.com/office/drawing/2010/main" xmlns="" w="9525">
                     <a:solidFill>
                       <a:srgbClr val="000000"/>
                     </a:solidFill>
@@ -18863,7 +18863,7 @@
               </a:ln>
               <a:extLst>
                 <a:ext uri="{91240B29-F687-4f45-9708-019B960494DF}">
-                  <a14:hiddenLine xmlns="" xmlns:a14="http://schemas.microsoft.com/office/drawing/2010/main" w="9525">
+                  <a14:hiddenLine xmlns:a14="http://schemas.microsoft.com/office/drawing/2010/main" xmlns="" w="9525">
                     <a:solidFill>
                       <a:srgbClr val="000000"/>
                     </a:solidFill>
@@ -18953,7 +18953,7 @@
               </a:ln>
               <a:extLst>
                 <a:ext uri="{91240B29-F687-4f45-9708-019B960494DF}">
-                  <a14:hiddenLine xmlns="" xmlns:a14="http://schemas.microsoft.com/office/drawing/2010/main" w="9525">
+                  <a14:hiddenLine xmlns:a14="http://schemas.microsoft.com/office/drawing/2010/main" xmlns="" w="9525">
                     <a:solidFill>
                       <a:srgbClr val="000000"/>
                     </a:solidFill>
@@ -19021,7 +19021,7 @@
               </a:ln>
               <a:extLst>
                 <a:ext uri="{91240B29-F687-4f45-9708-019B960494DF}">
-                  <a14:hiddenLine xmlns="" xmlns:a14="http://schemas.microsoft.com/office/drawing/2010/main" w="9525">
+                  <a14:hiddenLine xmlns:a14="http://schemas.microsoft.com/office/drawing/2010/main" xmlns="" w="9525">
                     <a:solidFill>
                       <a:srgbClr val="000000"/>
                     </a:solidFill>
@@ -19111,7 +19111,7 @@
               </a:ln>
               <a:extLst>
                 <a:ext uri="{91240B29-F687-4f45-9708-019B960494DF}">
-                  <a14:hiddenLine xmlns="" xmlns:a14="http://schemas.microsoft.com/office/drawing/2010/main" w="9525">
+                  <a14:hiddenLine xmlns:a14="http://schemas.microsoft.com/office/drawing/2010/main" xmlns="" w="9525">
                     <a:solidFill>
                       <a:srgbClr val="000000"/>
                     </a:solidFill>
@@ -19179,7 +19179,7 @@
               </a:ln>
               <a:extLst>
                 <a:ext uri="{91240B29-F687-4f45-9708-019B960494DF}">
-                  <a14:hiddenLine xmlns="" xmlns:a14="http://schemas.microsoft.com/office/drawing/2010/main" w="9525">
+                  <a14:hiddenLine xmlns:a14="http://schemas.microsoft.com/office/drawing/2010/main" xmlns="" w="9525">
                     <a:solidFill>
                       <a:srgbClr val="000000"/>
                     </a:solidFill>
@@ -19269,7 +19269,7 @@
               </a:ln>
               <a:extLst>
                 <a:ext uri="{91240B29-F687-4f45-9708-019B960494DF}">
-                  <a14:hiddenLine xmlns="" xmlns:a14="http://schemas.microsoft.com/office/drawing/2010/main" w="9525">
+                  <a14:hiddenLine xmlns:a14="http://schemas.microsoft.com/office/drawing/2010/main" xmlns="" w="9525">
                     <a:solidFill>
                       <a:srgbClr val="000000"/>
                     </a:solidFill>
@@ -19303,7 +19303,7 @@
               </a:ln>
               <a:extLst>
                 <a:ext uri="{91240B29-F687-4f45-9708-019B960494DF}">
-                  <a14:hiddenLine xmlns="" xmlns:a14="http://schemas.microsoft.com/office/drawing/2010/main" w="9525">
+                  <a14:hiddenLine xmlns:a14="http://schemas.microsoft.com/office/drawing/2010/main" xmlns="" w="9525">
                     <a:solidFill>
                       <a:srgbClr val="000000"/>
                     </a:solidFill>
@@ -19443,7 +19443,7 @@
           <a:p>
             <a:fld id="{97286CF9-CCE8-4CA0-A6D9-0C159435490D}" type="datetime8">
               <a:rPr lang="fa-IR" smtClean="0"/>
-              <a:t>26 نوامبر 22</a:t>
+              <a:t>15 دسامبر 22</a:t>
             </a:fld>
             <a:endParaRPr lang="fa-IR"/>
           </a:p>
@@ -21858,7 +21858,7 @@
           <a:p>
             <a:fld id="{89BCB93F-50F5-47C8-905B-5DEA7FBC8E5E}" type="datetimeFigureOut">
               <a:rPr lang="fa-IR" smtClean="0"/>
-              <a:t>03/05/1444</a:t>
+              <a:t>22/05/1444</a:t>
             </a:fld>
             <a:endParaRPr lang="fa-IR"/>
           </a:p>
@@ -22511,7 +22511,7 @@
           <a:p>
             <a:fld id="{81A03F2C-513C-41FE-AB76-058E8310E81D}" type="datetimeFigureOut">
               <a:rPr lang="fa-IR" smtClean="0"/>
-              <a:t>03/05/1444</a:t>
+              <a:t>22/05/1444</a:t>
             </a:fld>
             <a:endParaRPr lang="fa-IR"/>
           </a:p>
@@ -23174,7 +23174,21 @@
                 <a:latin typeface="IRTitr" panose="02000506000000020002" pitchFamily="2" charset="-78"/>
                 <a:cs typeface="IRTitr" panose="02000506000000020002" pitchFamily="2" charset="-78"/>
               </a:rPr>
-              <a:t>استاد محترم : سرکار خانم مسعودی فر</a:t>
+              <a:t>استاد محترم </a:t>
+            </a:r>
+            <a:r>
+              <a:rPr lang="fa-IR" sz="2400">
+                <a:latin typeface="IRTitr" panose="02000506000000020002" pitchFamily="2" charset="-78"/>
+                <a:cs typeface="IRTitr" panose="02000506000000020002" pitchFamily="2" charset="-78"/>
+              </a:rPr>
+              <a:t>: دکتر </a:t>
+            </a:r>
+            <a:r>
+              <a:rPr lang="fa-IR" sz="2400" dirty="0">
+                <a:latin typeface="IRTitr" panose="02000506000000020002" pitchFamily="2" charset="-78"/>
+                <a:cs typeface="IRTitr" panose="02000506000000020002" pitchFamily="2" charset="-78"/>
+              </a:rPr>
+              <a:t>خانم مسعودی فر</a:t>
             </a:r>
             <a:br>
               <a:rPr lang="fa-IR" sz="2400" dirty="0">
